--- a/动态规划.pptx
+++ b/动态规划.pptx
@@ -1,46 +1,46 @@
 
 <file path=ppt/presentation.xml><?xml version="1.0" encoding="utf-8"?>
-<p:presentation xmlns:a="http://schemas.openxmlformats.org/drawingml/2006/main" xmlns:r="http://schemas.openxmlformats.org/officeDocument/2006/relationships" xmlns:p="http://schemas.openxmlformats.org/presentationml/2006/main" saveSubsetFonts="1">
+<p:presentation xmlns:a="http://schemas.openxmlformats.org/drawingml/2006/main" xmlns:r="http://schemas.openxmlformats.org/officeDocument/2006/relationships" xmlns:p="http://schemas.openxmlformats.org/presentationml/2006/main">
   <p:sldMasterIdLst>
-    <p:sldMasterId id="2147483732" r:id="rId1"/>
+    <p:sldMasterId id="2147483648" r:id="rId1"/>
   </p:sldMasterIdLst>
   <p:notesMasterIdLst>
-    <p:notesMasterId r:id="rId35"/>
+    <p:notesMasterId r:id="rId8"/>
   </p:notesMasterIdLst>
   <p:sldIdLst>
-    <p:sldId id="256" r:id="rId2"/>
-    <p:sldId id="313" r:id="rId3"/>
-    <p:sldId id="314" r:id="rId4"/>
-    <p:sldId id="280" r:id="rId5"/>
-    <p:sldId id="281" r:id="rId6"/>
-    <p:sldId id="284" r:id="rId7"/>
-    <p:sldId id="283" r:id="rId8"/>
-    <p:sldId id="285" r:id="rId9"/>
-    <p:sldId id="286" r:id="rId10"/>
-    <p:sldId id="287" r:id="rId11"/>
-    <p:sldId id="282" r:id="rId12"/>
-    <p:sldId id="299" r:id="rId13"/>
-    <p:sldId id="288" r:id="rId14"/>
-    <p:sldId id="290" r:id="rId15"/>
-    <p:sldId id="291" r:id="rId16"/>
-    <p:sldId id="292" r:id="rId17"/>
-    <p:sldId id="293" r:id="rId18"/>
-    <p:sldId id="309" r:id="rId19"/>
-    <p:sldId id="294" r:id="rId20"/>
-    <p:sldId id="295" r:id="rId21"/>
-    <p:sldId id="300" r:id="rId22"/>
-    <p:sldId id="302" r:id="rId23"/>
-    <p:sldId id="301" r:id="rId24"/>
-    <p:sldId id="296" r:id="rId25"/>
-    <p:sldId id="304" r:id="rId26"/>
-    <p:sldId id="305" r:id="rId27"/>
-    <p:sldId id="306" r:id="rId28"/>
-    <p:sldId id="307" r:id="rId29"/>
-    <p:sldId id="310" r:id="rId30"/>
-    <p:sldId id="308" r:id="rId31"/>
-    <p:sldId id="311" r:id="rId32"/>
-    <p:sldId id="312" r:id="rId33"/>
-    <p:sldId id="297" r:id="rId34"/>
+    <p:sldId id="256" r:id="rId3"/>
+    <p:sldId id="313" r:id="rId4"/>
+    <p:sldId id="314" r:id="rId5"/>
+    <p:sldId id="280" r:id="rId6"/>
+    <p:sldId id="281" r:id="rId7"/>
+    <p:sldId id="284" r:id="rId9"/>
+    <p:sldId id="283" r:id="rId10"/>
+    <p:sldId id="285" r:id="rId11"/>
+    <p:sldId id="286" r:id="rId12"/>
+    <p:sldId id="287" r:id="rId13"/>
+    <p:sldId id="282" r:id="rId14"/>
+    <p:sldId id="299" r:id="rId15"/>
+    <p:sldId id="288" r:id="rId16"/>
+    <p:sldId id="290" r:id="rId17"/>
+    <p:sldId id="291" r:id="rId18"/>
+    <p:sldId id="292" r:id="rId19"/>
+    <p:sldId id="293" r:id="rId20"/>
+    <p:sldId id="309" r:id="rId21"/>
+    <p:sldId id="294" r:id="rId22"/>
+    <p:sldId id="295" r:id="rId23"/>
+    <p:sldId id="300" r:id="rId24"/>
+    <p:sldId id="302" r:id="rId25"/>
+    <p:sldId id="301" r:id="rId26"/>
+    <p:sldId id="296" r:id="rId27"/>
+    <p:sldId id="304" r:id="rId28"/>
+    <p:sldId id="305" r:id="rId29"/>
+    <p:sldId id="306" r:id="rId30"/>
+    <p:sldId id="307" r:id="rId31"/>
+    <p:sldId id="310" r:id="rId32"/>
+    <p:sldId id="308" r:id="rId33"/>
+    <p:sldId id="311" r:id="rId34"/>
+    <p:sldId id="312" r:id="rId35"/>
+    <p:sldId id="297" r:id="rId36"/>
   </p:sldIdLst>
   <p:sldSz cx="12192000" cy="6858000"/>
   <p:notesSz cx="6858000" cy="9144000"/>
@@ -185,1028 +185,14 @@
         </p14:section>
       </p14:sectionLst>
     </p:ext>
-    <p:ext uri="{EFAFB233-063F-42B5-8137-9DF3F51BA10A}">
-      <p15:sldGuideLst xmlns:p15="http://schemas.microsoft.com/office/powerpoint/2012/main"/>
-    </p:ext>
   </p:extLst>
 </p:presentation>
 </file>
 
 <file path=ppt/commentAuthors.xml><?xml version="1.0" encoding="utf-8"?>
 <p:cmAuthorLst xmlns:a="http://schemas.openxmlformats.org/drawingml/2006/main" xmlns:r="http://schemas.openxmlformats.org/officeDocument/2006/relationships" xmlns:p="http://schemas.openxmlformats.org/presentationml/2006/main">
-  <p:cmAuthor id="1" name="Qiao Chen" initials="QC" lastIdx="2" clrIdx="0">
-    <p:extLst>
-      <p:ext uri="{19B8F6BF-5375-455C-9EA6-DF929625EA0E}">
-        <p15:presenceInfo xmlns:p15="http://schemas.microsoft.com/office/powerpoint/2012/main" userId="3c72f0a07fda2dcb" providerId="Windows Live"/>
-      </p:ext>
-    </p:extLst>
-  </p:cmAuthor>
+  <p:cmAuthor id="1" name="Qiao Chen" initials="QC" lastIdx="2" clrIdx="0"/>
 </p:cmAuthorLst>
-</file>
-
-<file path=ppt/changesInfos/changesInfo1.xml><?xml version="1.0" encoding="utf-8"?>
-<pc:chgInfo xmlns:a="http://schemas.openxmlformats.org/drawingml/2006/main" xmlns:r="http://schemas.openxmlformats.org/officeDocument/2006/relationships" xmlns:ac="http://schemas.microsoft.com/office/drawing/2013/main/command" xmlns:pc="http://schemas.microsoft.com/office/powerpoint/2013/main/command">
-  <pc:docChgLst>
-    <pc:chgData name="Qiao Chen" userId="3c72f0a07fda2dcb" providerId="LiveId" clId="{9D1B7F57-44DF-468F-BC90-84211D79EECC}"/>
-    <pc:docChg chg="undo custSel addSld delSld modSld addSection modSection">
-      <pc:chgData name="Qiao Chen" userId="3c72f0a07fda2dcb" providerId="LiveId" clId="{9D1B7F57-44DF-468F-BC90-84211D79EECC}" dt="2020-05-31T06:46:44.761" v="7434" actId="313"/>
-      <pc:docMkLst>
-        <pc:docMk/>
-      </pc:docMkLst>
-      <pc:sldChg chg="modSp mod">
-        <pc:chgData name="Qiao Chen" userId="3c72f0a07fda2dcb" providerId="LiveId" clId="{9D1B7F57-44DF-468F-BC90-84211D79EECC}" dt="2020-05-30T03:21:10.473" v="3" actId="20577"/>
-        <pc:sldMkLst>
-          <pc:docMk/>
-          <pc:sldMk cId="902646963" sldId="256"/>
-        </pc:sldMkLst>
-        <pc:spChg chg="mod">
-          <ac:chgData name="Qiao Chen" userId="3c72f0a07fda2dcb" providerId="LiveId" clId="{9D1B7F57-44DF-468F-BC90-84211D79EECC}" dt="2020-05-30T03:21:10.473" v="3" actId="20577"/>
-          <ac:spMkLst>
-            <pc:docMk/>
-            <pc:sldMk cId="902646963" sldId="256"/>
-            <ac:spMk id="4" creationId="{453D558C-EA3B-47B2-A32C-2EB8EF17512B}"/>
-          </ac:spMkLst>
-        </pc:spChg>
-      </pc:sldChg>
-      <pc:sldChg chg="del">
-        <pc:chgData name="Qiao Chen" userId="3c72f0a07fda2dcb" providerId="LiveId" clId="{9D1B7F57-44DF-468F-BC90-84211D79EECC}" dt="2020-05-30T08:46:02.372" v="6388" actId="47"/>
-        <pc:sldMkLst>
-          <pc:docMk/>
-          <pc:sldMk cId="144348394" sldId="257"/>
-        </pc:sldMkLst>
-      </pc:sldChg>
-      <pc:sldChg chg="del">
-        <pc:chgData name="Qiao Chen" userId="3c72f0a07fda2dcb" providerId="LiveId" clId="{9D1B7F57-44DF-468F-BC90-84211D79EECC}" dt="2020-05-30T08:46:02.372" v="6388" actId="47"/>
-        <pc:sldMkLst>
-          <pc:docMk/>
-          <pc:sldMk cId="865590015" sldId="258"/>
-        </pc:sldMkLst>
-      </pc:sldChg>
-      <pc:sldChg chg="del">
-        <pc:chgData name="Qiao Chen" userId="3c72f0a07fda2dcb" providerId="LiveId" clId="{9D1B7F57-44DF-468F-BC90-84211D79EECC}" dt="2020-05-30T08:46:02.372" v="6388" actId="47"/>
-        <pc:sldMkLst>
-          <pc:docMk/>
-          <pc:sldMk cId="1597827689" sldId="259"/>
-        </pc:sldMkLst>
-      </pc:sldChg>
-      <pc:sldChg chg="del">
-        <pc:chgData name="Qiao Chen" userId="3c72f0a07fda2dcb" providerId="LiveId" clId="{9D1B7F57-44DF-468F-BC90-84211D79EECC}" dt="2020-05-30T08:46:02.372" v="6388" actId="47"/>
-        <pc:sldMkLst>
-          <pc:docMk/>
-          <pc:sldMk cId="3526163452" sldId="260"/>
-        </pc:sldMkLst>
-      </pc:sldChg>
-      <pc:sldChg chg="del">
-        <pc:chgData name="Qiao Chen" userId="3c72f0a07fda2dcb" providerId="LiveId" clId="{9D1B7F57-44DF-468F-BC90-84211D79EECC}" dt="2020-05-30T08:46:02.372" v="6388" actId="47"/>
-        <pc:sldMkLst>
-          <pc:docMk/>
-          <pc:sldMk cId="3431336337" sldId="261"/>
-        </pc:sldMkLst>
-      </pc:sldChg>
-      <pc:sldChg chg="del">
-        <pc:chgData name="Qiao Chen" userId="3c72f0a07fda2dcb" providerId="LiveId" clId="{9D1B7F57-44DF-468F-BC90-84211D79EECC}" dt="2020-05-30T08:46:02.372" v="6388" actId="47"/>
-        <pc:sldMkLst>
-          <pc:docMk/>
-          <pc:sldMk cId="1515023677" sldId="262"/>
-        </pc:sldMkLst>
-      </pc:sldChg>
-      <pc:sldChg chg="del">
-        <pc:chgData name="Qiao Chen" userId="3c72f0a07fda2dcb" providerId="LiveId" clId="{9D1B7F57-44DF-468F-BC90-84211D79EECC}" dt="2020-05-30T08:46:02.372" v="6388" actId="47"/>
-        <pc:sldMkLst>
-          <pc:docMk/>
-          <pc:sldMk cId="3065633578" sldId="263"/>
-        </pc:sldMkLst>
-      </pc:sldChg>
-      <pc:sldChg chg="del">
-        <pc:chgData name="Qiao Chen" userId="3c72f0a07fda2dcb" providerId="LiveId" clId="{9D1B7F57-44DF-468F-BC90-84211D79EECC}" dt="2020-05-30T08:46:02.372" v="6388" actId="47"/>
-        <pc:sldMkLst>
-          <pc:docMk/>
-          <pc:sldMk cId="609876604" sldId="264"/>
-        </pc:sldMkLst>
-      </pc:sldChg>
-      <pc:sldChg chg="del">
-        <pc:chgData name="Qiao Chen" userId="3c72f0a07fda2dcb" providerId="LiveId" clId="{9D1B7F57-44DF-468F-BC90-84211D79EECC}" dt="2020-05-30T08:46:02.372" v="6388" actId="47"/>
-        <pc:sldMkLst>
-          <pc:docMk/>
-          <pc:sldMk cId="2334583140" sldId="265"/>
-        </pc:sldMkLst>
-      </pc:sldChg>
-      <pc:sldChg chg="del">
-        <pc:chgData name="Qiao Chen" userId="3c72f0a07fda2dcb" providerId="LiveId" clId="{9D1B7F57-44DF-468F-BC90-84211D79EECC}" dt="2020-05-30T08:46:02.372" v="6388" actId="47"/>
-        <pc:sldMkLst>
-          <pc:docMk/>
-          <pc:sldMk cId="2583151534" sldId="266"/>
-        </pc:sldMkLst>
-      </pc:sldChg>
-      <pc:sldChg chg="del">
-        <pc:chgData name="Qiao Chen" userId="3c72f0a07fda2dcb" providerId="LiveId" clId="{9D1B7F57-44DF-468F-BC90-84211D79EECC}" dt="2020-05-30T08:46:02.372" v="6388" actId="47"/>
-        <pc:sldMkLst>
-          <pc:docMk/>
-          <pc:sldMk cId="1649662577" sldId="267"/>
-        </pc:sldMkLst>
-      </pc:sldChg>
-      <pc:sldChg chg="del">
-        <pc:chgData name="Qiao Chen" userId="3c72f0a07fda2dcb" providerId="LiveId" clId="{9D1B7F57-44DF-468F-BC90-84211D79EECC}" dt="2020-05-30T08:46:02.372" v="6388" actId="47"/>
-        <pc:sldMkLst>
-          <pc:docMk/>
-          <pc:sldMk cId="700810174" sldId="268"/>
-        </pc:sldMkLst>
-      </pc:sldChg>
-      <pc:sldChg chg="del">
-        <pc:chgData name="Qiao Chen" userId="3c72f0a07fda2dcb" providerId="LiveId" clId="{9D1B7F57-44DF-468F-BC90-84211D79EECC}" dt="2020-05-30T08:46:02.372" v="6388" actId="47"/>
-        <pc:sldMkLst>
-          <pc:docMk/>
-          <pc:sldMk cId="2867471238" sldId="269"/>
-        </pc:sldMkLst>
-      </pc:sldChg>
-      <pc:sldChg chg="del">
-        <pc:chgData name="Qiao Chen" userId="3c72f0a07fda2dcb" providerId="LiveId" clId="{9D1B7F57-44DF-468F-BC90-84211D79EECC}" dt="2020-05-30T08:46:02.372" v="6388" actId="47"/>
-        <pc:sldMkLst>
-          <pc:docMk/>
-          <pc:sldMk cId="2488744727" sldId="270"/>
-        </pc:sldMkLst>
-      </pc:sldChg>
-      <pc:sldChg chg="del">
-        <pc:chgData name="Qiao Chen" userId="3c72f0a07fda2dcb" providerId="LiveId" clId="{9D1B7F57-44DF-468F-BC90-84211D79EECC}" dt="2020-05-30T08:46:02.372" v="6388" actId="47"/>
-        <pc:sldMkLst>
-          <pc:docMk/>
-          <pc:sldMk cId="3848470652" sldId="271"/>
-        </pc:sldMkLst>
-      </pc:sldChg>
-      <pc:sldChg chg="del">
-        <pc:chgData name="Qiao Chen" userId="3c72f0a07fda2dcb" providerId="LiveId" clId="{9D1B7F57-44DF-468F-BC90-84211D79EECC}" dt="2020-05-30T08:46:02.372" v="6388" actId="47"/>
-        <pc:sldMkLst>
-          <pc:docMk/>
-          <pc:sldMk cId="1534521351" sldId="272"/>
-        </pc:sldMkLst>
-      </pc:sldChg>
-      <pc:sldChg chg="del">
-        <pc:chgData name="Qiao Chen" userId="3c72f0a07fda2dcb" providerId="LiveId" clId="{9D1B7F57-44DF-468F-BC90-84211D79EECC}" dt="2020-05-30T08:46:02.372" v="6388" actId="47"/>
-        <pc:sldMkLst>
-          <pc:docMk/>
-          <pc:sldMk cId="3279834967" sldId="273"/>
-        </pc:sldMkLst>
-      </pc:sldChg>
-      <pc:sldChg chg="del">
-        <pc:chgData name="Qiao Chen" userId="3c72f0a07fda2dcb" providerId="LiveId" clId="{9D1B7F57-44DF-468F-BC90-84211D79EECC}" dt="2020-05-30T08:46:02.372" v="6388" actId="47"/>
-        <pc:sldMkLst>
-          <pc:docMk/>
-          <pc:sldMk cId="1834813708" sldId="274"/>
-        </pc:sldMkLst>
-      </pc:sldChg>
-      <pc:sldChg chg="del">
-        <pc:chgData name="Qiao Chen" userId="3c72f0a07fda2dcb" providerId="LiveId" clId="{9D1B7F57-44DF-468F-BC90-84211D79EECC}" dt="2020-05-30T08:46:02.372" v="6388" actId="47"/>
-        <pc:sldMkLst>
-          <pc:docMk/>
-          <pc:sldMk cId="420060798" sldId="275"/>
-        </pc:sldMkLst>
-      </pc:sldChg>
-      <pc:sldChg chg="del">
-        <pc:chgData name="Qiao Chen" userId="3c72f0a07fda2dcb" providerId="LiveId" clId="{9D1B7F57-44DF-468F-BC90-84211D79EECC}" dt="2020-05-30T08:46:02.372" v="6388" actId="47"/>
-        <pc:sldMkLst>
-          <pc:docMk/>
-          <pc:sldMk cId="1523954464" sldId="276"/>
-        </pc:sldMkLst>
-      </pc:sldChg>
-      <pc:sldChg chg="del">
-        <pc:chgData name="Qiao Chen" userId="3c72f0a07fda2dcb" providerId="LiveId" clId="{9D1B7F57-44DF-468F-BC90-84211D79EECC}" dt="2020-05-30T08:46:02.372" v="6388" actId="47"/>
-        <pc:sldMkLst>
-          <pc:docMk/>
-          <pc:sldMk cId="1321468704" sldId="277"/>
-        </pc:sldMkLst>
-      </pc:sldChg>
-      <pc:sldChg chg="del">
-        <pc:chgData name="Qiao Chen" userId="3c72f0a07fda2dcb" providerId="LiveId" clId="{9D1B7F57-44DF-468F-BC90-84211D79EECC}" dt="2020-05-30T08:46:02.372" v="6388" actId="47"/>
-        <pc:sldMkLst>
-          <pc:docMk/>
-          <pc:sldMk cId="755133316" sldId="278"/>
-        </pc:sldMkLst>
-      </pc:sldChg>
-      <pc:sldChg chg="del">
-        <pc:chgData name="Qiao Chen" userId="3c72f0a07fda2dcb" providerId="LiveId" clId="{9D1B7F57-44DF-468F-BC90-84211D79EECC}" dt="2020-05-30T08:46:02.372" v="6388" actId="47"/>
-        <pc:sldMkLst>
-          <pc:docMk/>
-          <pc:sldMk cId="3685521319" sldId="279"/>
-        </pc:sldMkLst>
-      </pc:sldChg>
-      <pc:sldChg chg="modSp mod modAnim">
-        <pc:chgData name="Qiao Chen" userId="3c72f0a07fda2dcb" providerId="LiveId" clId="{9D1B7F57-44DF-468F-BC90-84211D79EECC}" dt="2020-05-31T02:56:06.448" v="7048"/>
-        <pc:sldMkLst>
-          <pc:docMk/>
-          <pc:sldMk cId="1885124906" sldId="282"/>
-        </pc:sldMkLst>
-        <pc:spChg chg="mod">
-          <ac:chgData name="Qiao Chen" userId="3c72f0a07fda2dcb" providerId="LiveId" clId="{9D1B7F57-44DF-468F-BC90-84211D79EECC}" dt="2020-05-31T02:40:34.300" v="7024"/>
-          <ac:spMkLst>
-            <pc:docMk/>
-            <pc:sldMk cId="1885124906" sldId="282"/>
-            <ac:spMk id="7" creationId="{D18F0AEA-E1A7-41E3-9041-73748CF16FAF}"/>
-          </ac:spMkLst>
-        </pc:spChg>
-      </pc:sldChg>
-      <pc:sldChg chg="modSp mod modAnim">
-        <pc:chgData name="Qiao Chen" userId="3c72f0a07fda2dcb" providerId="LiveId" clId="{9D1B7F57-44DF-468F-BC90-84211D79EECC}" dt="2020-05-31T05:24:31.495" v="7350" actId="20577"/>
-        <pc:sldMkLst>
-          <pc:docMk/>
-          <pc:sldMk cId="680105744" sldId="287"/>
-        </pc:sldMkLst>
-        <pc:spChg chg="mod">
-          <ac:chgData name="Qiao Chen" userId="3c72f0a07fda2dcb" providerId="LiveId" clId="{9D1B7F57-44DF-468F-BC90-84211D79EECC}" dt="2020-05-31T05:24:31.495" v="7350" actId="20577"/>
-          <ac:spMkLst>
-            <pc:docMk/>
-            <pc:sldMk cId="680105744" sldId="287"/>
-            <ac:spMk id="7" creationId="{30A34E0A-C3E7-4A7B-BC66-BEE1FC6296E1}"/>
-          </ac:spMkLst>
-        </pc:spChg>
-      </pc:sldChg>
-      <pc:sldChg chg="modSp mod modAnim">
-        <pc:chgData name="Qiao Chen" userId="3c72f0a07fda2dcb" providerId="LiveId" clId="{9D1B7F57-44DF-468F-BC90-84211D79EECC}" dt="2020-05-31T05:37:29.012" v="7362"/>
-        <pc:sldMkLst>
-          <pc:docMk/>
-          <pc:sldMk cId="3443692807" sldId="288"/>
-        </pc:sldMkLst>
-        <pc:spChg chg="mod">
-          <ac:chgData name="Qiao Chen" userId="3c72f0a07fda2dcb" providerId="LiveId" clId="{9D1B7F57-44DF-468F-BC90-84211D79EECC}" dt="2020-05-31T05:37:29.012" v="7362"/>
-          <ac:spMkLst>
-            <pc:docMk/>
-            <pc:sldMk cId="3443692807" sldId="288"/>
-            <ac:spMk id="6" creationId="{43FC5385-1974-47F5-8F7F-72A5156F05FD}"/>
-          </ac:spMkLst>
-        </pc:spChg>
-      </pc:sldChg>
-      <pc:sldChg chg="modSp mod modAnim">
-        <pc:chgData name="Qiao Chen" userId="3c72f0a07fda2dcb" providerId="LiveId" clId="{9D1B7F57-44DF-468F-BC90-84211D79EECC}" dt="2020-05-31T02:56:28.254" v="7051"/>
-        <pc:sldMkLst>
-          <pc:docMk/>
-          <pc:sldMk cId="1922576257" sldId="290"/>
-        </pc:sldMkLst>
-        <pc:spChg chg="mod">
-          <ac:chgData name="Qiao Chen" userId="3c72f0a07fda2dcb" providerId="LiveId" clId="{9D1B7F57-44DF-468F-BC90-84211D79EECC}" dt="2020-05-31T02:55:10.521" v="7046"/>
-          <ac:spMkLst>
-            <pc:docMk/>
-            <pc:sldMk cId="1922576257" sldId="290"/>
-            <ac:spMk id="2" creationId="{18452BB3-1C1F-424A-8475-E1A5A8F13D88}"/>
-          </ac:spMkLst>
-        </pc:spChg>
-        <pc:spChg chg="mod">
-          <ac:chgData name="Qiao Chen" userId="3c72f0a07fda2dcb" providerId="LiveId" clId="{9D1B7F57-44DF-468F-BC90-84211D79EECC}" dt="2020-05-30T04:24:05.093" v="370" actId="1076"/>
-          <ac:spMkLst>
-            <pc:docMk/>
-            <pc:sldMk cId="1922576257" sldId="290"/>
-            <ac:spMk id="6" creationId="{DC7A8E6A-DAA2-427E-A6F9-65B05906FDCD}"/>
-          </ac:spMkLst>
-        </pc:spChg>
-      </pc:sldChg>
-      <pc:sldChg chg="addSp modSp mod modAnim">
-        <pc:chgData name="Qiao Chen" userId="3c72f0a07fda2dcb" providerId="LiveId" clId="{9D1B7F57-44DF-468F-BC90-84211D79EECC}" dt="2020-05-31T02:56:33.625" v="7052"/>
-        <pc:sldMkLst>
-          <pc:docMk/>
-          <pc:sldMk cId="2940449788" sldId="291"/>
-        </pc:sldMkLst>
-        <pc:spChg chg="add mod">
-          <ac:chgData name="Qiao Chen" userId="3c72f0a07fda2dcb" providerId="LiveId" clId="{9D1B7F57-44DF-468F-BC90-84211D79EECC}" dt="2020-05-30T04:59:48.084" v="1476" actId="20577"/>
-          <ac:spMkLst>
-            <pc:docMk/>
-            <pc:sldMk cId="2940449788" sldId="291"/>
-            <ac:spMk id="6" creationId="{FFAC7794-7A9C-449C-9D9F-953370DF91A6}"/>
-          </ac:spMkLst>
-        </pc:spChg>
-        <pc:picChg chg="mod">
-          <ac:chgData name="Qiao Chen" userId="3c72f0a07fda2dcb" providerId="LiveId" clId="{9D1B7F57-44DF-468F-BC90-84211D79EECC}" dt="2020-05-30T04:27:35.606" v="373" actId="1076"/>
-          <ac:picMkLst>
-            <pc:docMk/>
-            <pc:sldMk cId="2940449788" sldId="291"/>
-            <ac:picMk id="5" creationId="{0514D5EF-539B-4C3A-A7FC-D81221FF83AE}"/>
-          </ac:picMkLst>
-        </pc:picChg>
-      </pc:sldChg>
-      <pc:sldChg chg="addSp modSp mod modAnim">
-        <pc:chgData name="Qiao Chen" userId="3c72f0a07fda2dcb" providerId="LiveId" clId="{9D1B7F57-44DF-468F-BC90-84211D79EECC}" dt="2020-05-31T02:56:42.320" v="7053"/>
-        <pc:sldMkLst>
-          <pc:docMk/>
-          <pc:sldMk cId="2171995640" sldId="292"/>
-        </pc:sldMkLst>
-        <pc:spChg chg="add mod">
-          <ac:chgData name="Qiao Chen" userId="3c72f0a07fda2dcb" providerId="LiveId" clId="{9D1B7F57-44DF-468F-BC90-84211D79EECC}" dt="2020-05-30T04:58:50.982" v="1471" actId="20577"/>
-          <ac:spMkLst>
-            <pc:docMk/>
-            <pc:sldMk cId="2171995640" sldId="292"/>
-            <ac:spMk id="6" creationId="{7693ECD1-8967-4067-8D1E-6870312E4B73}"/>
-          </ac:spMkLst>
-        </pc:spChg>
-      </pc:sldChg>
-      <pc:sldChg chg="addSp modSp mod modAnim">
-        <pc:chgData name="Qiao Chen" userId="3c72f0a07fda2dcb" providerId="LiveId" clId="{9D1B7F57-44DF-468F-BC90-84211D79EECC}" dt="2020-05-31T02:56:48.030" v="7054"/>
-        <pc:sldMkLst>
-          <pc:docMk/>
-          <pc:sldMk cId="562414461" sldId="293"/>
-        </pc:sldMkLst>
-        <pc:spChg chg="add mod">
-          <ac:chgData name="Qiao Chen" userId="3c72f0a07fda2dcb" providerId="LiveId" clId="{9D1B7F57-44DF-468F-BC90-84211D79EECC}" dt="2020-05-30T05:12:40.123" v="2083" actId="20577"/>
-          <ac:spMkLst>
-            <pc:docMk/>
-            <pc:sldMk cId="562414461" sldId="293"/>
-            <ac:spMk id="6" creationId="{BA22448A-DA45-462F-80E1-79BD68BE2CD2}"/>
-          </ac:spMkLst>
-        </pc:spChg>
-      </pc:sldChg>
-      <pc:sldChg chg="modSp">
-        <pc:chgData name="Qiao Chen" userId="3c72f0a07fda2dcb" providerId="LiveId" clId="{9D1B7F57-44DF-468F-BC90-84211D79EECC}" dt="2020-05-30T05:17:27.367" v="2119" actId="20577"/>
-        <pc:sldMkLst>
-          <pc:docMk/>
-          <pc:sldMk cId="3054716208" sldId="295"/>
-        </pc:sldMkLst>
-        <pc:spChg chg="mod">
-          <ac:chgData name="Qiao Chen" userId="3c72f0a07fda2dcb" providerId="LiveId" clId="{9D1B7F57-44DF-468F-BC90-84211D79EECC}" dt="2020-05-30T05:16:50.186" v="2115" actId="20577"/>
-          <ac:spMkLst>
-            <pc:docMk/>
-            <pc:sldMk cId="3054716208" sldId="295"/>
-            <ac:spMk id="3" creationId="{01C1EFDC-CD7F-4E9D-92E4-789859E21091}"/>
-          </ac:spMkLst>
-        </pc:spChg>
-        <pc:spChg chg="mod">
-          <ac:chgData name="Qiao Chen" userId="3c72f0a07fda2dcb" providerId="LiveId" clId="{9D1B7F57-44DF-468F-BC90-84211D79EECC}" dt="2020-05-30T05:17:27.367" v="2119" actId="20577"/>
-          <ac:spMkLst>
-            <pc:docMk/>
-            <pc:sldMk cId="3054716208" sldId="295"/>
-            <ac:spMk id="32" creationId="{1AAAAFF6-A1A4-48BE-90B7-DE087C4E8392}"/>
-          </ac:spMkLst>
-        </pc:spChg>
-      </pc:sldChg>
-      <pc:sldChg chg="modSp mod">
-        <pc:chgData name="Qiao Chen" userId="3c72f0a07fda2dcb" providerId="LiveId" clId="{9D1B7F57-44DF-468F-BC90-84211D79EECC}" dt="2020-05-30T08:47:09.090" v="6397"/>
-        <pc:sldMkLst>
-          <pc:docMk/>
-          <pc:sldMk cId="670085503" sldId="296"/>
-        </pc:sldMkLst>
-        <pc:spChg chg="mod">
-          <ac:chgData name="Qiao Chen" userId="3c72f0a07fda2dcb" providerId="LiveId" clId="{9D1B7F57-44DF-468F-BC90-84211D79EECC}" dt="2020-05-30T08:47:09.090" v="6397"/>
-          <ac:spMkLst>
-            <pc:docMk/>
-            <pc:sldMk cId="670085503" sldId="296"/>
-            <ac:spMk id="2" creationId="{4B9DE39E-9653-4E07-AD2E-5A76154BDA9B}"/>
-          </ac:spMkLst>
-        </pc:spChg>
-      </pc:sldChg>
-      <pc:sldChg chg="modSp mod">
-        <pc:chgData name="Qiao Chen" userId="3c72f0a07fda2dcb" providerId="LiveId" clId="{9D1B7F57-44DF-468F-BC90-84211D79EECC}" dt="2020-05-31T01:54:45.713" v="6953" actId="20577"/>
-        <pc:sldMkLst>
-          <pc:docMk/>
-          <pc:sldMk cId="2622672327" sldId="297"/>
-        </pc:sldMkLst>
-        <pc:spChg chg="mod">
-          <ac:chgData name="Qiao Chen" userId="3c72f0a07fda2dcb" providerId="LiveId" clId="{9D1B7F57-44DF-468F-BC90-84211D79EECC}" dt="2020-05-30T08:46:15.564" v="6396"/>
-          <ac:spMkLst>
-            <pc:docMk/>
-            <pc:sldMk cId="2622672327" sldId="297"/>
-            <ac:spMk id="2" creationId="{6B320409-A6C5-479E-B4EC-426CE24E6888}"/>
-          </ac:spMkLst>
-        </pc:spChg>
-        <pc:spChg chg="mod">
-          <ac:chgData name="Qiao Chen" userId="3c72f0a07fda2dcb" providerId="LiveId" clId="{9D1B7F57-44DF-468F-BC90-84211D79EECC}" dt="2020-05-31T01:54:45.713" v="6953" actId="20577"/>
-          <ac:spMkLst>
-            <pc:docMk/>
-            <pc:sldMk cId="2622672327" sldId="297"/>
-            <ac:spMk id="3" creationId="{3B9D8F9F-9A90-4379-9CFF-27FEE337AD73}"/>
-          </ac:spMkLst>
-        </pc:spChg>
-      </pc:sldChg>
-      <pc:sldChg chg="del">
-        <pc:chgData name="Qiao Chen" userId="3c72f0a07fda2dcb" providerId="LiveId" clId="{9D1B7F57-44DF-468F-BC90-84211D79EECC}" dt="2020-05-30T08:46:02.372" v="6388" actId="47"/>
-        <pc:sldMkLst>
-          <pc:docMk/>
-          <pc:sldMk cId="2484527542" sldId="298"/>
-        </pc:sldMkLst>
-      </pc:sldChg>
-      <pc:sldChg chg="addSp modSp mod modAnim">
-        <pc:chgData name="Qiao Chen" userId="3c72f0a07fda2dcb" providerId="LiveId" clId="{9D1B7F57-44DF-468F-BC90-84211D79EECC}" dt="2020-05-31T02:56:13.664" v="7049"/>
-        <pc:sldMkLst>
-          <pc:docMk/>
-          <pc:sldMk cId="613595651" sldId="299"/>
-        </pc:sldMkLst>
-        <pc:spChg chg="add mod">
-          <ac:chgData name="Qiao Chen" userId="3c72f0a07fda2dcb" providerId="LiveId" clId="{9D1B7F57-44DF-468F-BC90-84211D79EECC}" dt="2020-05-30T04:14:01.515" v="351" actId="5793"/>
-          <ac:spMkLst>
-            <pc:docMk/>
-            <pc:sldMk cId="613595651" sldId="299"/>
-            <ac:spMk id="6" creationId="{2B603E38-6F0E-4A7E-BE3B-2605F2F3257E}"/>
-          </ac:spMkLst>
-        </pc:spChg>
-      </pc:sldChg>
-      <pc:sldChg chg="modSp">
-        <pc:chgData name="Qiao Chen" userId="3c72f0a07fda2dcb" providerId="LiveId" clId="{9D1B7F57-44DF-468F-BC90-84211D79EECC}" dt="2020-05-30T05:19:51.642" v="2123" actId="20577"/>
-        <pc:sldMkLst>
-          <pc:docMk/>
-          <pc:sldMk cId="908672258" sldId="300"/>
-        </pc:sldMkLst>
-        <pc:spChg chg="mod">
-          <ac:chgData name="Qiao Chen" userId="3c72f0a07fda2dcb" providerId="LiveId" clId="{9D1B7F57-44DF-468F-BC90-84211D79EECC}" dt="2020-05-30T05:19:51.642" v="2123" actId="20577"/>
-          <ac:spMkLst>
-            <pc:docMk/>
-            <pc:sldMk cId="908672258" sldId="300"/>
-            <ac:spMk id="3" creationId="{01C1EFDC-CD7F-4E9D-92E4-789859E21091}"/>
-          </ac:spMkLst>
-        </pc:spChg>
-      </pc:sldChg>
-      <pc:sldChg chg="modSp mod">
-        <pc:chgData name="Qiao Chen" userId="3c72f0a07fda2dcb" providerId="LiveId" clId="{9D1B7F57-44DF-468F-BC90-84211D79EECC}" dt="2020-05-30T09:02:24.248" v="6785" actId="20577"/>
-        <pc:sldMkLst>
-          <pc:docMk/>
-          <pc:sldMk cId="2307892633" sldId="301"/>
-        </pc:sldMkLst>
-        <pc:spChg chg="mod">
-          <ac:chgData name="Qiao Chen" userId="3c72f0a07fda2dcb" providerId="LiveId" clId="{9D1B7F57-44DF-468F-BC90-84211D79EECC}" dt="2020-05-30T09:02:24.248" v="6785" actId="20577"/>
-          <ac:spMkLst>
-            <pc:docMk/>
-            <pc:sldMk cId="2307892633" sldId="301"/>
-            <ac:spMk id="2" creationId="{BE9476E6-3D93-4230-BB55-7C50598E955F}"/>
-          </ac:spMkLst>
-        </pc:spChg>
-      </pc:sldChg>
-      <pc:sldChg chg="modSp mod">
-        <pc:chgData name="Qiao Chen" userId="3c72f0a07fda2dcb" providerId="LiveId" clId="{9D1B7F57-44DF-468F-BC90-84211D79EECC}" dt="2020-05-30T08:47:43.513" v="6404"/>
-        <pc:sldMkLst>
-          <pc:docMk/>
-          <pc:sldMk cId="3325946687" sldId="304"/>
-        </pc:sldMkLst>
-        <pc:spChg chg="mod">
-          <ac:chgData name="Qiao Chen" userId="3c72f0a07fda2dcb" providerId="LiveId" clId="{9D1B7F57-44DF-468F-BC90-84211D79EECC}" dt="2020-05-30T08:47:43.513" v="6404"/>
-          <ac:spMkLst>
-            <pc:docMk/>
-            <pc:sldMk cId="3325946687" sldId="304"/>
-            <ac:spMk id="2" creationId="{4B9DE39E-9653-4E07-AD2E-5A76154BDA9B}"/>
-          </ac:spMkLst>
-        </pc:spChg>
-        <pc:spChg chg="mod">
-          <ac:chgData name="Qiao Chen" userId="3c72f0a07fda2dcb" providerId="LiveId" clId="{9D1B7F57-44DF-468F-BC90-84211D79EECC}" dt="2020-05-30T05:27:45.249" v="2147"/>
-          <ac:spMkLst>
-            <pc:docMk/>
-            <pc:sldMk cId="3325946687" sldId="304"/>
-            <ac:spMk id="3" creationId="{8FFBACF3-5150-4CA6-8915-84D23F14F651}"/>
-          </ac:spMkLst>
-        </pc:spChg>
-      </pc:sldChg>
-      <pc:sldChg chg="modSp mod">
-        <pc:chgData name="Qiao Chen" userId="3c72f0a07fda2dcb" providerId="LiveId" clId="{9D1B7F57-44DF-468F-BC90-84211D79EECC}" dt="2020-05-30T08:47:49.471" v="6405"/>
-        <pc:sldMkLst>
-          <pc:docMk/>
-          <pc:sldMk cId="4284298880" sldId="305"/>
-        </pc:sldMkLst>
-        <pc:spChg chg="mod">
-          <ac:chgData name="Qiao Chen" userId="3c72f0a07fda2dcb" providerId="LiveId" clId="{9D1B7F57-44DF-468F-BC90-84211D79EECC}" dt="2020-05-30T08:47:49.471" v="6405"/>
-          <ac:spMkLst>
-            <pc:docMk/>
-            <pc:sldMk cId="4284298880" sldId="305"/>
-            <ac:spMk id="2" creationId="{4B9DE39E-9653-4E07-AD2E-5A76154BDA9B}"/>
-          </ac:spMkLst>
-        </pc:spChg>
-      </pc:sldChg>
-      <pc:sldChg chg="addSp modSp mod">
-        <pc:chgData name="Qiao Chen" userId="3c72f0a07fda2dcb" providerId="LiveId" clId="{9D1B7F57-44DF-468F-BC90-84211D79EECC}" dt="2020-05-30T09:03:11.849" v="6797"/>
-        <pc:sldMkLst>
-          <pc:docMk/>
-          <pc:sldMk cId="2168919724" sldId="306"/>
-        </pc:sldMkLst>
-        <pc:spChg chg="mod">
-          <ac:chgData name="Qiao Chen" userId="3c72f0a07fda2dcb" providerId="LiveId" clId="{9D1B7F57-44DF-468F-BC90-84211D79EECC}" dt="2020-05-30T05:50:47.816" v="2165" actId="20577"/>
-          <ac:spMkLst>
-            <pc:docMk/>
-            <pc:sldMk cId="2168919724" sldId="306"/>
-            <ac:spMk id="4" creationId="{E637A6ED-B65E-4253-BB06-7845B0807FB7}"/>
-          </ac:spMkLst>
-        </pc:spChg>
-        <pc:spChg chg="mod">
-          <ac:chgData name="Qiao Chen" userId="3c72f0a07fda2dcb" providerId="LiveId" clId="{9D1B7F57-44DF-468F-BC90-84211D79EECC}" dt="2020-05-30T09:03:11.849" v="6797"/>
-          <ac:spMkLst>
-            <pc:docMk/>
-            <pc:sldMk cId="2168919724" sldId="306"/>
-            <ac:spMk id="5" creationId="{1CEC60EC-8C26-418F-958F-97774824D7B5}"/>
-          </ac:spMkLst>
-        </pc:spChg>
-        <pc:spChg chg="mod">
-          <ac:chgData name="Qiao Chen" userId="3c72f0a07fda2dcb" providerId="LiveId" clId="{9D1B7F57-44DF-468F-BC90-84211D79EECC}" dt="2020-05-30T05:50:55.643" v="2174" actId="20577"/>
-          <ac:spMkLst>
-            <pc:docMk/>
-            <pc:sldMk cId="2168919724" sldId="306"/>
-            <ac:spMk id="6" creationId="{54C28BAB-5B9E-45DC-A161-98FE9C89CD57}"/>
-          </ac:spMkLst>
-        </pc:spChg>
-        <pc:spChg chg="mod">
-          <ac:chgData name="Qiao Chen" userId="3c72f0a07fda2dcb" providerId="LiveId" clId="{9D1B7F57-44DF-468F-BC90-84211D79EECC}" dt="2020-05-30T05:55:32.334" v="2178"/>
-          <ac:spMkLst>
-            <pc:docMk/>
-            <pc:sldMk cId="2168919724" sldId="306"/>
-            <ac:spMk id="7" creationId="{0197C09D-FD2F-4035-B837-49F15706DBFD}"/>
-          </ac:spMkLst>
-        </pc:spChg>
-        <pc:picChg chg="add mod">
-          <ac:chgData name="Qiao Chen" userId="3c72f0a07fda2dcb" providerId="LiveId" clId="{9D1B7F57-44DF-468F-BC90-84211D79EECC}" dt="2020-05-30T05:56:11.212" v="2180" actId="1076"/>
-          <ac:picMkLst>
-            <pc:docMk/>
-            <pc:sldMk cId="2168919724" sldId="306"/>
-            <ac:picMk id="8" creationId="{F3B390A0-5B5D-4AFE-8411-DC017B5D3B22}"/>
-          </ac:picMkLst>
-        </pc:picChg>
-      </pc:sldChg>
-      <pc:sldChg chg="addSp delSp modSp mod">
-        <pc:chgData name="Qiao Chen" userId="3c72f0a07fda2dcb" providerId="LiveId" clId="{9D1B7F57-44DF-468F-BC90-84211D79EECC}" dt="2020-05-31T06:17:09.511" v="7363" actId="6549"/>
-        <pc:sldMkLst>
-          <pc:docMk/>
-          <pc:sldMk cId="3170082220" sldId="307"/>
-        </pc:sldMkLst>
-        <pc:spChg chg="mod">
-          <ac:chgData name="Qiao Chen" userId="3c72f0a07fda2dcb" providerId="LiveId" clId="{9D1B7F57-44DF-468F-BC90-84211D79EECC}" dt="2020-05-30T06:20:37.353" v="2825"/>
-          <ac:spMkLst>
-            <pc:docMk/>
-            <pc:sldMk cId="3170082220" sldId="307"/>
-            <ac:spMk id="2" creationId="{40C9E61A-6C40-46B8-86CF-9CDC695AE6A3}"/>
-          </ac:spMkLst>
-        </pc:spChg>
-        <pc:spChg chg="mod">
-          <ac:chgData name="Qiao Chen" userId="3c72f0a07fda2dcb" providerId="LiveId" clId="{9D1B7F57-44DF-468F-BC90-84211D79EECC}" dt="2020-05-31T06:17:09.511" v="7363" actId="6549"/>
-          <ac:spMkLst>
-            <pc:docMk/>
-            <pc:sldMk cId="3170082220" sldId="307"/>
-            <ac:spMk id="5" creationId="{1CEC60EC-8C26-418F-958F-97774824D7B5}"/>
-          </ac:spMkLst>
-        </pc:spChg>
-        <pc:spChg chg="mod">
-          <ac:chgData name="Qiao Chen" userId="3c72f0a07fda2dcb" providerId="LiveId" clId="{9D1B7F57-44DF-468F-BC90-84211D79EECC}" dt="2020-05-30T06:45:07.093" v="3055" actId="20577"/>
-          <ac:spMkLst>
-            <pc:docMk/>
-            <pc:sldMk cId="3170082220" sldId="307"/>
-            <ac:spMk id="7" creationId="{0197C09D-FD2F-4035-B837-49F15706DBFD}"/>
-          </ac:spMkLst>
-        </pc:spChg>
-        <pc:picChg chg="del mod">
-          <ac:chgData name="Qiao Chen" userId="3c72f0a07fda2dcb" providerId="LiveId" clId="{9D1B7F57-44DF-468F-BC90-84211D79EECC}" dt="2020-05-30T06:45:09.375" v="3056" actId="478"/>
-          <ac:picMkLst>
-            <pc:docMk/>
-            <pc:sldMk cId="3170082220" sldId="307"/>
-            <ac:picMk id="8" creationId="{39A16DC5-E928-404D-8F70-4FD1CBF6271A}"/>
-          </ac:picMkLst>
-        </pc:picChg>
-        <pc:picChg chg="add del mod">
-          <ac:chgData name="Qiao Chen" userId="3c72f0a07fda2dcb" providerId="LiveId" clId="{9D1B7F57-44DF-468F-BC90-84211D79EECC}" dt="2020-05-30T06:45:13.388" v="3058" actId="478"/>
-          <ac:picMkLst>
-            <pc:docMk/>
-            <pc:sldMk cId="3170082220" sldId="307"/>
-            <ac:picMk id="9" creationId="{6176B099-1E31-42D9-A3B7-F0DE797824B6}"/>
-          </ac:picMkLst>
-        </pc:picChg>
-        <pc:picChg chg="add del mod">
-          <ac:chgData name="Qiao Chen" userId="3c72f0a07fda2dcb" providerId="LiveId" clId="{9D1B7F57-44DF-468F-BC90-84211D79EECC}" dt="2020-05-30T06:45:11.693" v="3057" actId="478"/>
-          <ac:picMkLst>
-            <pc:docMk/>
-            <pc:sldMk cId="3170082220" sldId="307"/>
-            <ac:picMk id="10" creationId="{949C322F-E391-407B-8A12-2D983AAF3C5B}"/>
-          </ac:picMkLst>
-        </pc:picChg>
-      </pc:sldChg>
-      <pc:sldChg chg="addSp delSp modSp mod modNotesTx">
-        <pc:chgData name="Qiao Chen" userId="3c72f0a07fda2dcb" providerId="LiveId" clId="{9D1B7F57-44DF-468F-BC90-84211D79EECC}" dt="2020-05-31T04:15:47.616" v="7321" actId="20577"/>
-        <pc:sldMkLst>
-          <pc:docMk/>
-          <pc:sldMk cId="759163305" sldId="308"/>
-        </pc:sldMkLst>
-        <pc:spChg chg="mod">
-          <ac:chgData name="Qiao Chen" userId="3c72f0a07fda2dcb" providerId="LiveId" clId="{9D1B7F57-44DF-468F-BC90-84211D79EECC}" dt="2020-05-30T07:04:53.838" v="3684"/>
-          <ac:spMkLst>
-            <pc:docMk/>
-            <pc:sldMk cId="759163305" sldId="308"/>
-            <ac:spMk id="2" creationId="{40C9E61A-6C40-46B8-86CF-9CDC695AE6A3}"/>
-          </ac:spMkLst>
-        </pc:spChg>
-        <pc:spChg chg="del mod">
-          <ac:chgData name="Qiao Chen" userId="3c72f0a07fda2dcb" providerId="LiveId" clId="{9D1B7F57-44DF-468F-BC90-84211D79EECC}" dt="2020-05-30T08:03:48.550" v="5185" actId="478"/>
-          <ac:spMkLst>
-            <pc:docMk/>
-            <pc:sldMk cId="759163305" sldId="308"/>
-            <ac:spMk id="5" creationId="{1CEC60EC-8C26-418F-958F-97774824D7B5}"/>
-          </ac:spMkLst>
-        </pc:spChg>
-        <pc:spChg chg="mod">
-          <ac:chgData name="Qiao Chen" userId="3c72f0a07fda2dcb" providerId="LiveId" clId="{9D1B7F57-44DF-468F-BC90-84211D79EECC}" dt="2020-05-31T03:50:45.721" v="7056" actId="27636"/>
-          <ac:spMkLst>
-            <pc:docMk/>
-            <pc:sldMk cId="759163305" sldId="308"/>
-            <ac:spMk id="7" creationId="{0197C09D-FD2F-4035-B837-49F15706DBFD}"/>
-          </ac:spMkLst>
-        </pc:spChg>
-        <pc:spChg chg="add mod">
-          <ac:chgData name="Qiao Chen" userId="3c72f0a07fda2dcb" providerId="LiveId" clId="{9D1B7F57-44DF-468F-BC90-84211D79EECC}" dt="2020-05-30T08:09:44.335" v="5309" actId="20577"/>
-          <ac:spMkLst>
-            <pc:docMk/>
-            <pc:sldMk cId="759163305" sldId="308"/>
-            <ac:spMk id="9" creationId="{5E47846E-BBD8-4A77-ABAC-ACCC78684FDF}"/>
-          </ac:spMkLst>
-        </pc:spChg>
-        <pc:spChg chg="add del mod">
-          <ac:chgData name="Qiao Chen" userId="3c72f0a07fda2dcb" providerId="LiveId" clId="{9D1B7F57-44DF-468F-BC90-84211D79EECC}" dt="2020-05-30T08:03:52.104" v="5187" actId="478"/>
-          <ac:spMkLst>
-            <pc:docMk/>
-            <pc:sldMk cId="759163305" sldId="308"/>
-            <ac:spMk id="11" creationId="{0F01C41C-2CAC-413D-B895-C8E2F0E1B49D}"/>
-          </ac:spMkLst>
-        </pc:spChg>
-        <pc:spChg chg="add del mod">
-          <ac:chgData name="Qiao Chen" userId="3c72f0a07fda2dcb" providerId="LiveId" clId="{9D1B7F57-44DF-468F-BC90-84211D79EECC}" dt="2020-05-30T08:06:09.911" v="5254" actId="478"/>
-          <ac:spMkLst>
-            <pc:docMk/>
-            <pc:sldMk cId="759163305" sldId="308"/>
-            <ac:spMk id="12" creationId="{B82E36F3-82A9-4D09-9C6E-FAD266AC96B3}"/>
-          </ac:spMkLst>
-        </pc:spChg>
-        <pc:spChg chg="add del mod ord">
-          <ac:chgData name="Qiao Chen" userId="3c72f0a07fda2dcb" providerId="LiveId" clId="{9D1B7F57-44DF-468F-BC90-84211D79EECC}" dt="2020-05-30T08:41:14.273" v="6113" actId="478"/>
-          <ac:spMkLst>
-            <pc:docMk/>
-            <pc:sldMk cId="759163305" sldId="308"/>
-            <ac:spMk id="13" creationId="{01F5202C-1FEB-4C03-B096-4A46248A58E8}"/>
-          </ac:spMkLst>
-        </pc:spChg>
-        <pc:spChg chg="add del mod">
-          <ac:chgData name="Qiao Chen" userId="3c72f0a07fda2dcb" providerId="LiveId" clId="{9D1B7F57-44DF-468F-BC90-84211D79EECC}" dt="2020-05-30T08:41:29.456" v="6115" actId="478"/>
-          <ac:spMkLst>
-            <pc:docMk/>
-            <pc:sldMk cId="759163305" sldId="308"/>
-            <ac:spMk id="15" creationId="{F501E88F-B4FC-414F-85C6-ADFEF58F05A4}"/>
-          </ac:spMkLst>
-        </pc:spChg>
-        <pc:spChg chg="add del mod">
-          <ac:chgData name="Qiao Chen" userId="3c72f0a07fda2dcb" providerId="LiveId" clId="{9D1B7F57-44DF-468F-BC90-84211D79EECC}" dt="2020-05-30T08:41:31.891" v="6116" actId="478"/>
-          <ac:spMkLst>
-            <pc:docMk/>
-            <pc:sldMk cId="759163305" sldId="308"/>
-            <ac:spMk id="16" creationId="{98E275AF-1AE2-47EC-824D-45BFB819FFAE}"/>
-          </ac:spMkLst>
-        </pc:spChg>
-        <pc:spChg chg="add mod">
-          <ac:chgData name="Qiao Chen" userId="3c72f0a07fda2dcb" providerId="LiveId" clId="{9D1B7F57-44DF-468F-BC90-84211D79EECC}" dt="2020-05-31T04:15:47.616" v="7321" actId="20577"/>
-          <ac:spMkLst>
-            <pc:docMk/>
-            <pc:sldMk cId="759163305" sldId="308"/>
-            <ac:spMk id="17" creationId="{654F62DD-064A-45D2-8389-0ADE560BEE33}"/>
-          </ac:spMkLst>
-        </pc:spChg>
-        <pc:picChg chg="del">
-          <ac:chgData name="Qiao Chen" userId="3c72f0a07fda2dcb" providerId="LiveId" clId="{9D1B7F57-44DF-468F-BC90-84211D79EECC}" dt="2020-05-30T07:13:05.755" v="3812" actId="478"/>
-          <ac:picMkLst>
-            <pc:docMk/>
-            <pc:sldMk cId="759163305" sldId="308"/>
-            <ac:picMk id="8" creationId="{D56D0F19-EF55-43ED-B022-41D1738E3013}"/>
-          </ac:picMkLst>
-        </pc:picChg>
-      </pc:sldChg>
-      <pc:sldChg chg="addSp delSp modSp new mod modClrScheme chgLayout">
-        <pc:chgData name="Qiao Chen" userId="3c72f0a07fda2dcb" providerId="LiveId" clId="{9D1B7F57-44DF-468F-BC90-84211D79EECC}" dt="2020-05-30T05:13:50.717" v="2105"/>
-        <pc:sldMkLst>
-          <pc:docMk/>
-          <pc:sldMk cId="3828082269" sldId="309"/>
-        </pc:sldMkLst>
-        <pc:spChg chg="del mod ord">
-          <ac:chgData name="Qiao Chen" userId="3c72f0a07fda2dcb" providerId="LiveId" clId="{9D1B7F57-44DF-468F-BC90-84211D79EECC}" dt="2020-05-30T05:13:44.943" v="2087" actId="700"/>
-          <ac:spMkLst>
-            <pc:docMk/>
-            <pc:sldMk cId="3828082269" sldId="309"/>
-            <ac:spMk id="2" creationId="{0F0EA9B4-B851-4BE7-80A4-B66373285ED7}"/>
-          </ac:spMkLst>
-        </pc:spChg>
-        <pc:spChg chg="del mod ord">
-          <ac:chgData name="Qiao Chen" userId="3c72f0a07fda2dcb" providerId="LiveId" clId="{9D1B7F57-44DF-468F-BC90-84211D79EECC}" dt="2020-05-30T05:13:44.943" v="2087" actId="700"/>
-          <ac:spMkLst>
-            <pc:docMk/>
-            <pc:sldMk cId="3828082269" sldId="309"/>
-            <ac:spMk id="3" creationId="{3EBB35AA-179C-4850-9087-BDDA1BEB7A98}"/>
-          </ac:spMkLst>
-        </pc:spChg>
-        <pc:spChg chg="add mod ord">
-          <ac:chgData name="Qiao Chen" userId="3c72f0a07fda2dcb" providerId="LiveId" clId="{9D1B7F57-44DF-468F-BC90-84211D79EECC}" dt="2020-05-30T05:13:50.717" v="2105"/>
-          <ac:spMkLst>
-            <pc:docMk/>
-            <pc:sldMk cId="3828082269" sldId="309"/>
-            <ac:spMk id="4" creationId="{2F5044CC-0FD4-4CDC-A724-397D71B9D869}"/>
-          </ac:spMkLst>
-        </pc:spChg>
-        <pc:spChg chg="add mod ord">
-          <ac:chgData name="Qiao Chen" userId="3c72f0a07fda2dcb" providerId="LiveId" clId="{9D1B7F57-44DF-468F-BC90-84211D79EECC}" dt="2020-05-30T05:13:44.943" v="2087" actId="700"/>
-          <ac:spMkLst>
-            <pc:docMk/>
-            <pc:sldMk cId="3828082269" sldId="309"/>
-            <ac:spMk id="5" creationId="{5A78732F-0586-485D-AF17-2C06EE7D7BE3}"/>
-          </ac:spMkLst>
-        </pc:spChg>
-      </pc:sldChg>
-      <pc:sldChg chg="addSp delSp modSp add mod">
-        <pc:chgData name="Qiao Chen" userId="3c72f0a07fda2dcb" providerId="LiveId" clId="{9D1B7F57-44DF-468F-BC90-84211D79EECC}" dt="2020-05-31T06:24:35.070" v="7366" actId="27636"/>
-        <pc:sldMkLst>
-          <pc:docMk/>
-          <pc:sldMk cId="3006583255" sldId="310"/>
-        </pc:sldMkLst>
-        <pc:spChg chg="del">
-          <ac:chgData name="Qiao Chen" userId="3c72f0a07fda2dcb" providerId="LiveId" clId="{9D1B7F57-44DF-468F-BC90-84211D79EECC}" dt="2020-05-30T08:48:10.561" v="6406" actId="478"/>
-          <ac:spMkLst>
-            <pc:docMk/>
-            <pc:sldMk cId="3006583255" sldId="310"/>
-            <ac:spMk id="5" creationId="{1CEC60EC-8C26-418F-958F-97774824D7B5}"/>
-          </ac:spMkLst>
-        </pc:spChg>
-        <pc:spChg chg="mod">
-          <ac:chgData name="Qiao Chen" userId="3c72f0a07fda2dcb" providerId="LiveId" clId="{9D1B7F57-44DF-468F-BC90-84211D79EECC}" dt="2020-05-31T06:24:35.070" v="7366" actId="27636"/>
-          <ac:spMkLst>
-            <pc:docMk/>
-            <pc:sldMk cId="3006583255" sldId="310"/>
-            <ac:spMk id="7" creationId="{0197C09D-FD2F-4035-B837-49F15706DBFD}"/>
-          </ac:spMkLst>
-        </pc:spChg>
-        <pc:spChg chg="add del mod">
-          <ac:chgData name="Qiao Chen" userId="3c72f0a07fda2dcb" providerId="LiveId" clId="{9D1B7F57-44DF-468F-BC90-84211D79EECC}" dt="2020-05-30T08:48:14.220" v="6408" actId="478"/>
-          <ac:spMkLst>
-            <pc:docMk/>
-            <pc:sldMk cId="3006583255" sldId="310"/>
-            <ac:spMk id="11" creationId="{D800015F-52A8-4C83-8771-94BB7E701B45}"/>
-          </ac:spMkLst>
-        </pc:spChg>
-        <pc:spChg chg="add del mod">
-          <ac:chgData name="Qiao Chen" userId="3c72f0a07fda2dcb" providerId="LiveId" clId="{9D1B7F57-44DF-468F-BC90-84211D79EECC}" dt="2020-05-30T08:48:16.976" v="6409" actId="478"/>
-          <ac:spMkLst>
-            <pc:docMk/>
-            <pc:sldMk cId="3006583255" sldId="310"/>
-            <ac:spMk id="12" creationId="{DCD748F5-85B6-418E-811C-2B2F5C60E114}"/>
-          </ac:spMkLst>
-        </pc:spChg>
-        <pc:spChg chg="add mod">
-          <ac:chgData name="Qiao Chen" userId="3c72f0a07fda2dcb" providerId="LiveId" clId="{9D1B7F57-44DF-468F-BC90-84211D79EECC}" dt="2020-05-31T06:24:35.061" v="7365" actId="27636"/>
-          <ac:spMkLst>
-            <pc:docMk/>
-            <pc:sldMk cId="3006583255" sldId="310"/>
-            <ac:spMk id="13" creationId="{1C757587-8B3F-4465-8971-40B924DB6792}"/>
-          </ac:spMkLst>
-        </pc:spChg>
-        <pc:picChg chg="mod">
-          <ac:chgData name="Qiao Chen" userId="3c72f0a07fda2dcb" providerId="LiveId" clId="{9D1B7F57-44DF-468F-BC90-84211D79EECC}" dt="2020-05-30T08:48:52.781" v="6427" actId="1076"/>
-          <ac:picMkLst>
-            <pc:docMk/>
-            <pc:sldMk cId="3006583255" sldId="310"/>
-            <ac:picMk id="8" creationId="{39A16DC5-E928-404D-8F70-4FD1CBF6271A}"/>
-          </ac:picMkLst>
-        </pc:picChg>
-        <pc:picChg chg="mod">
-          <ac:chgData name="Qiao Chen" userId="3c72f0a07fda2dcb" providerId="LiveId" clId="{9D1B7F57-44DF-468F-BC90-84211D79EECC}" dt="2020-05-30T08:49:41.416" v="6429" actId="1076"/>
-          <ac:picMkLst>
-            <pc:docMk/>
-            <pc:sldMk cId="3006583255" sldId="310"/>
-            <ac:picMk id="9" creationId="{6176B099-1E31-42D9-A3B7-F0DE797824B6}"/>
-          </ac:picMkLst>
-        </pc:picChg>
-      </pc:sldChg>
-      <pc:sldChg chg="addSp delSp modSp add mod modNotesTx">
-        <pc:chgData name="Qiao Chen" userId="3c72f0a07fda2dcb" providerId="LiveId" clId="{9D1B7F57-44DF-468F-BC90-84211D79EECC}" dt="2020-05-31T06:46:44.761" v="7434" actId="313"/>
-        <pc:sldMkLst>
-          <pc:docMk/>
-          <pc:sldMk cId="3570394590" sldId="311"/>
-        </pc:sldMkLst>
-        <pc:spChg chg="del mod">
-          <ac:chgData name="Qiao Chen" userId="3c72f0a07fda2dcb" providerId="LiveId" clId="{9D1B7F57-44DF-468F-BC90-84211D79EECC}" dt="2020-05-30T08:12:26.049" v="5334" actId="478"/>
-          <ac:spMkLst>
-            <pc:docMk/>
-            <pc:sldMk cId="3570394590" sldId="311"/>
-            <ac:spMk id="5" creationId="{1CEC60EC-8C26-418F-958F-97774824D7B5}"/>
-          </ac:spMkLst>
-        </pc:spChg>
-        <pc:spChg chg="mod">
-          <ac:chgData name="Qiao Chen" userId="3c72f0a07fda2dcb" providerId="LiveId" clId="{9D1B7F57-44DF-468F-BC90-84211D79EECC}" dt="2020-05-31T06:46:44.761" v="7434" actId="313"/>
-          <ac:spMkLst>
-            <pc:docMk/>
-            <pc:sldMk cId="3570394590" sldId="311"/>
-            <ac:spMk id="7" creationId="{0197C09D-FD2F-4035-B837-49F15706DBFD}"/>
-          </ac:spMkLst>
-        </pc:spChg>
-        <pc:spChg chg="add mod">
-          <ac:chgData name="Qiao Chen" userId="3c72f0a07fda2dcb" providerId="LiveId" clId="{9D1B7F57-44DF-468F-BC90-84211D79EECC}" dt="2020-05-30T07:56:24.545" v="5061" actId="20577"/>
-          <ac:spMkLst>
-            <pc:docMk/>
-            <pc:sldMk cId="3570394590" sldId="311"/>
-            <ac:spMk id="9" creationId="{76EAA887-20A8-4B89-B266-B76DE925A47C}"/>
-          </ac:spMkLst>
-        </pc:spChg>
-        <pc:spChg chg="add mod">
-          <ac:chgData name="Qiao Chen" userId="3c72f0a07fda2dcb" providerId="LiveId" clId="{9D1B7F57-44DF-468F-BC90-84211D79EECC}" dt="2020-05-31T06:46:29.766" v="7424" actId="20577"/>
-          <ac:spMkLst>
-            <pc:docMk/>
-            <pc:sldMk cId="3570394590" sldId="311"/>
-            <ac:spMk id="10" creationId="{9CEE2FF7-E8A5-49A6-AD20-E8BC74D9FAAB}"/>
-          </ac:spMkLst>
-        </pc:spChg>
-        <pc:spChg chg="add del mod">
-          <ac:chgData name="Qiao Chen" userId="3c72f0a07fda2dcb" providerId="LiveId" clId="{9D1B7F57-44DF-468F-BC90-84211D79EECC}" dt="2020-05-30T08:12:32.042" v="5337" actId="478"/>
-          <ac:spMkLst>
-            <pc:docMk/>
-            <pc:sldMk cId="3570394590" sldId="311"/>
-            <ac:spMk id="13" creationId="{639417CC-9DFD-4EC1-9D69-7946DAE4627F}"/>
-          </ac:spMkLst>
-        </pc:spChg>
-        <pc:spChg chg="add del mod">
-          <ac:chgData name="Qiao Chen" userId="3c72f0a07fda2dcb" providerId="LiveId" clId="{9D1B7F57-44DF-468F-BC90-84211D79EECC}" dt="2020-05-30T08:12:28.058" v="5336"/>
-          <ac:spMkLst>
-            <pc:docMk/>
-            <pc:sldMk cId="3570394590" sldId="311"/>
-            <ac:spMk id="14" creationId="{62695FF5-C84E-439A-89BC-1586D3E1236F}"/>
-          </ac:spMkLst>
-        </pc:spChg>
-        <pc:spChg chg="add del mod">
-          <ac:chgData name="Qiao Chen" userId="3c72f0a07fda2dcb" providerId="LiveId" clId="{9D1B7F57-44DF-468F-BC90-84211D79EECC}" dt="2020-05-31T04:16:49.707" v="7322" actId="478"/>
-          <ac:spMkLst>
-            <pc:docMk/>
-            <pc:sldMk cId="3570394590" sldId="311"/>
-            <ac:spMk id="15" creationId="{939423DE-094E-4B83-9E1D-30C3C6397DD7}"/>
-          </ac:spMkLst>
-        </pc:spChg>
-        <pc:spChg chg="add del mod">
-          <ac:chgData name="Qiao Chen" userId="3c72f0a07fda2dcb" providerId="LiveId" clId="{9D1B7F57-44DF-468F-BC90-84211D79EECC}" dt="2020-05-31T04:16:52.790" v="7325" actId="478"/>
-          <ac:spMkLst>
-            <pc:docMk/>
-            <pc:sldMk cId="3570394590" sldId="311"/>
-            <ac:spMk id="18" creationId="{E12E3E20-08C1-40CA-ACE0-1B1282507133}"/>
-          </ac:spMkLst>
-        </pc:spChg>
-        <pc:spChg chg="add del mod">
-          <ac:chgData name="Qiao Chen" userId="3c72f0a07fda2dcb" providerId="LiveId" clId="{9D1B7F57-44DF-468F-BC90-84211D79EECC}" dt="2020-05-31T04:16:51.372" v="7324"/>
-          <ac:spMkLst>
-            <pc:docMk/>
-            <pc:sldMk cId="3570394590" sldId="311"/>
-            <ac:spMk id="19" creationId="{09C39F76-9BF8-4396-B4C9-B0D51EB4DDF7}"/>
-          </ac:spMkLst>
-        </pc:spChg>
-        <pc:spChg chg="add mod">
-          <ac:chgData name="Qiao Chen" userId="3c72f0a07fda2dcb" providerId="LiveId" clId="{9D1B7F57-44DF-468F-BC90-84211D79EECC}" dt="2020-05-31T06:41:34.206" v="7375" actId="27636"/>
-          <ac:spMkLst>
-            <pc:docMk/>
-            <pc:sldMk cId="3570394590" sldId="311"/>
-            <ac:spMk id="20" creationId="{3F5DF69B-B515-4A95-9A35-3AE65FA2A3B7}"/>
-          </ac:spMkLst>
-        </pc:spChg>
-        <pc:picChg chg="del mod">
-          <ac:chgData name="Qiao Chen" userId="3c72f0a07fda2dcb" providerId="LiveId" clId="{9D1B7F57-44DF-468F-BC90-84211D79EECC}" dt="2020-05-30T07:47:47.678" v="5025" actId="21"/>
-          <ac:picMkLst>
-            <pc:docMk/>
-            <pc:sldMk cId="3570394590" sldId="311"/>
-            <ac:picMk id="8" creationId="{D56D0F19-EF55-43ED-B022-41D1738E3013}"/>
-          </ac:picMkLst>
-        </pc:picChg>
-        <pc:picChg chg="add mod">
-          <ac:chgData name="Qiao Chen" userId="3c72f0a07fda2dcb" providerId="LiveId" clId="{9D1B7F57-44DF-468F-BC90-84211D79EECC}" dt="2020-05-30T08:40:53.722" v="6112" actId="1036"/>
-          <ac:picMkLst>
-            <pc:docMk/>
-            <pc:sldMk cId="3570394590" sldId="311"/>
-            <ac:picMk id="11" creationId="{4634B802-ABF9-4167-86C6-8E03EBBC4988}"/>
-          </ac:picMkLst>
-        </pc:picChg>
-        <pc:picChg chg="add del mod">
-          <ac:chgData name="Qiao Chen" userId="3c72f0a07fda2dcb" providerId="LiveId" clId="{9D1B7F57-44DF-468F-BC90-84211D79EECC}" dt="2020-05-30T07:47:53.937" v="5029"/>
-          <ac:picMkLst>
-            <pc:docMk/>
-            <pc:sldMk cId="3570394590" sldId="311"/>
-            <ac:picMk id="12" creationId="{BDEFA0CC-C928-4016-A230-F8A86DB46E7A}"/>
-          </ac:picMkLst>
-        </pc:picChg>
-        <pc:picChg chg="add mod">
-          <ac:chgData name="Qiao Chen" userId="3c72f0a07fda2dcb" providerId="LiveId" clId="{9D1B7F57-44DF-468F-BC90-84211D79EECC}" dt="2020-05-30T08:49:52.777" v="6431" actId="1076"/>
-          <ac:picMkLst>
-            <pc:docMk/>
-            <pc:sldMk cId="3570394590" sldId="311"/>
-            <ac:picMk id="16" creationId="{74902337-584E-44BB-BC32-DA6A3962AC23}"/>
-          </ac:picMkLst>
-        </pc:picChg>
-      </pc:sldChg>
-      <pc:sldChg chg="addSp delSp modSp new mod modClrScheme chgLayout">
-        <pc:chgData name="Qiao Chen" userId="3c72f0a07fda2dcb" providerId="LiveId" clId="{9D1B7F57-44DF-468F-BC90-84211D79EECC}" dt="2020-05-30T08:42:02.326" v="6128"/>
-        <pc:sldMkLst>
-          <pc:docMk/>
-          <pc:sldMk cId="707030477" sldId="312"/>
-        </pc:sldMkLst>
-        <pc:spChg chg="del mod ord">
-          <ac:chgData name="Qiao Chen" userId="3c72f0a07fda2dcb" providerId="LiveId" clId="{9D1B7F57-44DF-468F-BC90-84211D79EECC}" dt="2020-05-30T08:41:59.035" v="6119" actId="700"/>
-          <ac:spMkLst>
-            <pc:docMk/>
-            <pc:sldMk cId="707030477" sldId="312"/>
-            <ac:spMk id="2" creationId="{97426553-3D65-4E60-8937-BC1F0D8D3CAC}"/>
-          </ac:spMkLst>
-        </pc:spChg>
-        <pc:spChg chg="del mod ord">
-          <ac:chgData name="Qiao Chen" userId="3c72f0a07fda2dcb" providerId="LiveId" clId="{9D1B7F57-44DF-468F-BC90-84211D79EECC}" dt="2020-05-30T08:41:59.035" v="6119" actId="700"/>
-          <ac:spMkLst>
-            <pc:docMk/>
-            <pc:sldMk cId="707030477" sldId="312"/>
-            <ac:spMk id="3" creationId="{FEC4A40F-335A-4E9B-9645-B97FE065AF58}"/>
-          </ac:spMkLst>
-        </pc:spChg>
-        <pc:spChg chg="del">
-          <ac:chgData name="Qiao Chen" userId="3c72f0a07fda2dcb" providerId="LiveId" clId="{9D1B7F57-44DF-468F-BC90-84211D79EECC}" dt="2020-05-30T08:41:59.035" v="6119" actId="700"/>
-          <ac:spMkLst>
-            <pc:docMk/>
-            <pc:sldMk cId="707030477" sldId="312"/>
-            <ac:spMk id="4" creationId="{F37E2149-2523-4E96-A749-CDFE208E4632}"/>
-          </ac:spMkLst>
-        </pc:spChg>
-        <pc:spChg chg="del">
-          <ac:chgData name="Qiao Chen" userId="3c72f0a07fda2dcb" providerId="LiveId" clId="{9D1B7F57-44DF-468F-BC90-84211D79EECC}" dt="2020-05-30T08:41:59.035" v="6119" actId="700"/>
-          <ac:spMkLst>
-            <pc:docMk/>
-            <pc:sldMk cId="707030477" sldId="312"/>
-            <ac:spMk id="5" creationId="{E949B2B7-BBD2-4299-BF87-FD51C559C3A5}"/>
-          </ac:spMkLst>
-        </pc:spChg>
-        <pc:spChg chg="del">
-          <ac:chgData name="Qiao Chen" userId="3c72f0a07fda2dcb" providerId="LiveId" clId="{9D1B7F57-44DF-468F-BC90-84211D79EECC}" dt="2020-05-30T08:41:59.035" v="6119" actId="700"/>
-          <ac:spMkLst>
-            <pc:docMk/>
-            <pc:sldMk cId="707030477" sldId="312"/>
-            <ac:spMk id="6" creationId="{1DF1C458-2702-48FA-A5A2-E3B85F825ADB}"/>
-          </ac:spMkLst>
-        </pc:spChg>
-        <pc:spChg chg="add mod ord">
-          <ac:chgData name="Qiao Chen" userId="3c72f0a07fda2dcb" providerId="LiveId" clId="{9D1B7F57-44DF-468F-BC90-84211D79EECC}" dt="2020-05-30T08:42:02.326" v="6128"/>
-          <ac:spMkLst>
-            <pc:docMk/>
-            <pc:sldMk cId="707030477" sldId="312"/>
-            <ac:spMk id="7" creationId="{2D4BAFA6-7099-48DC-A47A-61F850DC23D5}"/>
-          </ac:spMkLst>
-        </pc:spChg>
-        <pc:spChg chg="add mod ord">
-          <ac:chgData name="Qiao Chen" userId="3c72f0a07fda2dcb" providerId="LiveId" clId="{9D1B7F57-44DF-468F-BC90-84211D79EECC}" dt="2020-05-30T08:41:59.035" v="6119" actId="700"/>
-          <ac:spMkLst>
-            <pc:docMk/>
-            <pc:sldMk cId="707030477" sldId="312"/>
-            <ac:spMk id="8" creationId="{AFA9F396-AC72-40AE-9628-4F470E96F06A}"/>
-          </ac:spMkLst>
-        </pc:spChg>
-      </pc:sldChg>
-      <pc:sldChg chg="modSp new mod">
-        <pc:chgData name="Qiao Chen" userId="3c72f0a07fda2dcb" providerId="LiveId" clId="{9D1B7F57-44DF-468F-BC90-84211D79EECC}" dt="2020-05-30T08:59:42" v="6773"/>
-        <pc:sldMkLst>
-          <pc:docMk/>
-          <pc:sldMk cId="782659242" sldId="313"/>
-        </pc:sldMkLst>
-        <pc:spChg chg="mod">
-          <ac:chgData name="Qiao Chen" userId="3c72f0a07fda2dcb" providerId="LiveId" clId="{9D1B7F57-44DF-468F-BC90-84211D79EECC}" dt="2020-05-30T08:57:11.442" v="6448"/>
-          <ac:spMkLst>
-            <pc:docMk/>
-            <pc:sldMk cId="782659242" sldId="313"/>
-            <ac:spMk id="2" creationId="{91D6CDD2-BBAD-4EC3-9E54-4ADBCC3B552B}"/>
-          </ac:spMkLst>
-        </pc:spChg>
-        <pc:spChg chg="mod">
-          <ac:chgData name="Qiao Chen" userId="3c72f0a07fda2dcb" providerId="LiveId" clId="{9D1B7F57-44DF-468F-BC90-84211D79EECC}" dt="2020-05-30T08:59:42" v="6773"/>
-          <ac:spMkLst>
-            <pc:docMk/>
-            <pc:sldMk cId="782659242" sldId="313"/>
-            <ac:spMk id="3" creationId="{06D0DDCC-B8C6-41E6-B691-9ED2775580E1}"/>
-          </ac:spMkLst>
-        </pc:spChg>
-      </pc:sldChg>
-      <pc:sldChg chg="addSp delSp modSp new mod modClrScheme chgLayout">
-        <pc:chgData name="Qiao Chen" userId="3c72f0a07fda2dcb" providerId="LiveId" clId="{9D1B7F57-44DF-468F-BC90-84211D79EECC}" dt="2020-05-31T02:13:45.860" v="6998"/>
-        <pc:sldMkLst>
-          <pc:docMk/>
-          <pc:sldMk cId="1773345484" sldId="314"/>
-        </pc:sldMkLst>
-        <pc:spChg chg="del mod ord">
-          <ac:chgData name="Qiao Chen" userId="3c72f0a07fda2dcb" providerId="LiveId" clId="{9D1B7F57-44DF-468F-BC90-84211D79EECC}" dt="2020-05-31T02:13:36.185" v="6955" actId="700"/>
-          <ac:spMkLst>
-            <pc:docMk/>
-            <pc:sldMk cId="1773345484" sldId="314"/>
-            <ac:spMk id="2" creationId="{C8DF6AC4-445D-4BE3-99EA-C18A1E32747F}"/>
-          </ac:spMkLst>
-        </pc:spChg>
-        <pc:spChg chg="del mod ord">
-          <ac:chgData name="Qiao Chen" userId="3c72f0a07fda2dcb" providerId="LiveId" clId="{9D1B7F57-44DF-468F-BC90-84211D79EECC}" dt="2020-05-31T02:13:36.185" v="6955" actId="700"/>
-          <ac:spMkLst>
-            <pc:docMk/>
-            <pc:sldMk cId="1773345484" sldId="314"/>
-            <ac:spMk id="3" creationId="{652A74A5-80A6-432E-B030-C90626B50678}"/>
-          </ac:spMkLst>
-        </pc:spChg>
-        <pc:spChg chg="add mod ord">
-          <ac:chgData name="Qiao Chen" userId="3c72f0a07fda2dcb" providerId="LiveId" clId="{9D1B7F57-44DF-468F-BC90-84211D79EECC}" dt="2020-05-31T02:13:45.860" v="6998"/>
-          <ac:spMkLst>
-            <pc:docMk/>
-            <pc:sldMk cId="1773345484" sldId="314"/>
-            <ac:spMk id="4" creationId="{A6FF461E-C82E-4612-8F23-B0888C0859F0}"/>
-          </ac:spMkLst>
-        </pc:spChg>
-        <pc:spChg chg="add mod ord">
-          <ac:chgData name="Qiao Chen" userId="3c72f0a07fda2dcb" providerId="LiveId" clId="{9D1B7F57-44DF-468F-BC90-84211D79EECC}" dt="2020-05-31T02:13:36.185" v="6955" actId="700"/>
-          <ac:spMkLst>
-            <pc:docMk/>
-            <pc:sldMk cId="1773345484" sldId="314"/>
-            <ac:spMk id="5" creationId="{75ECEA24-849E-4573-9834-201DD1D1DEF8}"/>
-          </ac:spMkLst>
-        </pc:spChg>
-      </pc:sldChg>
-    </pc:docChg>
-  </pc:docChgLst>
-</pc:chgInfo>
 </file>
 
 <file path=ppt/ink/ink1.xml><?xml version="1.0" encoding="utf-8"?>
@@ -1215,338 +201,25 @@
     <inkml:context xml:id="ctx0">
       <inkml:inkSource xml:id="inkSrc0">
         <inkml:traceFormat>
-          <inkml:channel name="X" type="integer" min="-2.14748E9" max="2.14748E9" units="cm"/>
-          <inkml:channel name="Y" type="integer" min="-2.14748E9" max="2.14748E9" units="cm"/>
-          <inkml:channel name="F" type="integer" max="32767" units="dev"/>
-          <inkml:channel name="OA" type="integer" max="360" units="deg"/>
-          <inkml:channel name="OE" type="integer" max="90" units="deg"/>
+          <inkml:channel name="X" type="integer" max="2" min="-2" units="cm"/>
+          <inkml:channel name="Y" type="integer" max="2" min="-2" units="cm"/>
+          <inkml:channel name="F" type="integer" max="1023" units="cm"/>
         </inkml:traceFormat>
         <inkml:channelProperties>
           <inkml:channelProperty channel="X" name="resolution" value="1000" units="1/cm"/>
           <inkml:channelProperty channel="Y" name="resolution" value="1000" units="1/cm"/>
-          <inkml:channelProperty channel="F" name="resolution" value="0" units="1/dev"/>
-          <inkml:channelProperty channel="OA" name="resolution" value="1000" units="1/deg"/>
-          <inkml:channelProperty channel="OE" name="resolution" value="1000" units="1/deg"/>
+          <inkml:channelProperty channel="F" name="resolution" value="2.84167" units="1/cm"/>
         </inkml:channelProperties>
       </inkml:inkSource>
-      <inkml:timestamp xml:id="ts0" timeString="2020-05-25T13:26:34.971"/>
+      <inkml:timestamp xml:id="ts0" timeString="2020-05-26T02:56:51"/>
     </inkml:context>
     <inkml:brush xml:id="br0">
       <inkml:brushProperty name="width" value="0.05" units="cm"/>
       <inkml:brushProperty name="height" value="0.05" units="cm"/>
+      <inkml:brushProperty name="color" value="#000000"/>
     </inkml:brush>
   </inkml:definitions>
-  <inkml:trace contextRef="#ctx0" brushRef="#br0">1868 34 184 0 0,'-2'-2'231'0'0,"1"1"0"0"0,-1-1 0 0 0,1 1 0 0 0,0-1 0 0 0,0 0 0 0 0,0 1 0 0 0,0-1 0 0 0,0 0 0 0 0,0 0 0 0 0,0 0 0 0 0,1 0 0 0 0,-1 0 0 0 0,1 0-1 0 0,-1 0 1 0 0,1 0 0 0 0,0-3 0 0 0,-26 21 11 0 0,-31 19-176 0 0,3-1-25 0 0,-62 28 0 0 0,107-57-34 0 0,-1 0 0 0 0,1 1 0 0 0,1 1 0 0 0,-11 8-1 0 0,-28 20 97 0 0,-105 55 245 0 0,-98 90-33 0 0,218-153-290 0 0,2 2-1 0 0,-29 33 0 0 0,10-9 13 0 0,-8 10 13 0 0,-26 25 131 0 0,49-59-106 0 0,21-19-29 0 0,0 1-1 0 0,1 0 0 0 0,0 1 1 0 0,1 1-1 0 0,-12 15 1 0 0,-75 94 14 0 0,71-83-29 0 0,7-10 34 0 0,-31 57-1 0 0,-21 33 335 0 0,33-58-352 0 0,-9 17 19 0 0,-1 23-26 0 0,35-68-30 0 0,1 1 1 0 0,3 1-1 0 0,0 0 1 0 0,-5 42-1 0 0,-16 52-19 0 0,-15 84 134 0 0,24-120-66 0 0,16-69-18 0 0,0-1 0 0 0,1 1 0 0 0,1 0-1 0 0,0 31 1 0 0,2-19-18 0 0,-1-1-1 0 0,-12 56 1 0 0,8-55-17 0 0,-5 35 820 0 0,3 1 1 0 0,2 96-1 0 0,14-84-402 0 0,-4-66-251 0 0,-1 1 0 0 0,-1 0 1 0 0,0-1-1 0 0,-1 1 0 0 0,-4 22 0 0 0,-1-4-206 0 0,1 1-1 0 0,3 55 0 0 0,1-70 4 0 0,-8 130-25 0 0,0-82 63 0 0,6-61-19 0 0,0 0 1 0 0,1 1-1 0 0,0 0 0 0 0,0-1 0 0 0,1 1 0 0 0,0 0 0 0 0,1-1 0 0 0,1 1 0 0 0,3 16 0 0 0,15 43-134 0 0,-16-51 159 0 0,1 1 1 0 0,1-1 0 0 0,0 0-1 0 0,2-1 1 0 0,18 34 0 0 0,-21-45-4 0 0,-1-1 0 0 0,1 1 0 0 0,1-1 0 0 0,-1 0 0 0 0,1 0 0 0 0,0 0 0 0 0,0-1 0 0 0,1 0 0 0 0,0 0 0 0 0,10 5 0 0 0,71 40 18 0 0,-67-40-20 0 0,-1 2 1 0 0,33 25-1 0 0,-36-24 19 0 0,0-1 0 0 0,0-1 0 0 0,1 0 0 0 0,21 8 0 0 0,5-4 100 0 0,1-2 1 0 0,92 15-1 0 0,95-5 141 0 0,-160-21-220 0 0,0-3 1 0 0,93-14-1 0 0,72-2 86 0 0,-122 16-66 0 0,199-28 1 0 0,-76-26 113 0 0,-148 31-104 0 0,112-16 1 0 0,-91 28-122 0 0,221-36 56 0 0,-273 38-13 0 0,1 4-1 0 0,0 2 0 0 0,78 5 0 0 0,-55 0 0 0 0,54 6-18 0 0,-90-2 7 0 0,0-3-1 0 0,69-5 1 0 0,-69 0-10 0 0,57 3 0 0 0,-72 2 5 0 0,0-2 1 0 0,0-2-1 0 0,0 0 1 0 0,49-11-1 0 0,-57 5-8 0 0,-1 0-1 0 0,0-2 1 0 0,-1 0-1 0 0,-1-1 1 0 0,1-2-1 0 0,-2 0 1 0 0,0-1 0 0 0,28-25-1 0 0,-41 31 45 0 0,0 0 1 0 0,-1 0-1 0 0,0-1 0 0 0,0 1 0 0 0,-1-2 1 0 0,0 1-1 0 0,5-13 0 0 0,23-72 446 0 0,-27 72-65 0 0,-1 0 0 0 0,-1-1 0 0 0,0 0 0 0 0,-2 0 0 0 0,-1 0 0 0 0,0 0 0 0 0,-5-34 0 0 0,-1 37-319 0 0,-1 1 0 0 0,-12-29 0 0 0,-6-18-28 0 0,13 33 30 0 0,-20-43 1 0 0,17 43 30 0 0,-14-45 1 0 0,-11-48 63 0 0,-12-50-141 0 0,35 106-20 0 0,5 20-9 0 0,-1-1 0 0 0,-3 2 0 0 0,-21-48 0 0 0,-87-130-12 0 0,13 27 83 0 0,85 155-90 0 0,-3 2 0 0 0,-1 1 1 0 0,-3 1-1 0 0,-44-44 0 0 0,-41-55-12 0 0,55 61 29 0 0,-36-52 6 0 0,-30-50-45 0 0,31 47 46 0 0,61 87-55 0 0,-79-79 0 0 0,35 41 95 0 0,-4 0-16 0 0,-16-18-102 0 0,52 48 38 0 0,-71-62 0 0 0,13 15-10 0 0,-58-50 59 0 0,139 136-20 0 0,0 1 0 0 0,-1 2 1 0 0,-1 0-1 0 0,0 2 0 0 0,-1 0 1 0 0,-38-8-1 0 0,-3-2-24 0 0,61 18 21 0 0,0 0 0 0 0,0 1 0 0 0,-1 1 0 0 0,1-1-1 0 0,0 1 1 0 0,-1 0 0 0 0,1 1 0 0 0,-1 0 0 0 0,1 1 0 0 0,-1 0 0 0 0,1 0 0 0 0,-1 0 0 0 0,1 1 0 0 0,-10 4 0 0 0,-2 0-5 0 0,4-2 0 0 0,1 0-1 0 0,0 1 0 0 0,1 1 1 0 0,-1 1-1 0 0,1 0 1 0 0,-20 13-1 0 0,20-10 14 0 0,1-1-12 0 0,0 0 1 0 0,0 1-1 0 0,1 1 1 0 0,1 0-1 0 0,-20 23 1 0 0,23-24-292 0 0,-6 10 490 0 0,15-12-2671 0 0,8-2-3710 0 0,1-14 1573 0 0,-3-3 2627 0 0</inkml:trace>
-</inkml:ink>
-</file>
-
-<file path=ppt/ink/ink10.xml><?xml version="1.0" encoding="utf-8"?>
-<inkml:ink xmlns:inkml="http://www.w3.org/2003/InkML">
-  <inkml:definitions>
-    <inkml:context xml:id="ctx0">
-      <inkml:inkSource xml:id="inkSrc0">
-        <inkml:traceFormat>
-          <inkml:channel name="X" type="integer" min="-2.14748E9" max="2.14748E9" units="cm"/>
-          <inkml:channel name="Y" type="integer" min="-2.14748E9" max="2.14748E9" units="cm"/>
-          <inkml:channel name="F" type="integer" max="32767" units="dev"/>
-          <inkml:channel name="OA" type="integer" max="360" units="deg"/>
-          <inkml:channel name="OE" type="integer" max="90" units="deg"/>
-        </inkml:traceFormat>
-        <inkml:channelProperties>
-          <inkml:channelProperty channel="X" name="resolution" value="1000" units="1/cm"/>
-          <inkml:channelProperty channel="Y" name="resolution" value="1000" units="1/cm"/>
-          <inkml:channelProperty channel="F" name="resolution" value="0" units="1/dev"/>
-          <inkml:channelProperty channel="OA" name="resolution" value="1000" units="1/deg"/>
-          <inkml:channelProperty channel="OE" name="resolution" value="1000" units="1/deg"/>
-        </inkml:channelProperties>
-      </inkml:inkSource>
-      <inkml:timestamp xml:id="ts0" timeString="2020-05-25T13:27:14.330"/>
-    </inkml:context>
-    <inkml:brush xml:id="br0">
-      <inkml:brushProperty name="width" value="0.05" units="cm"/>
-      <inkml:brushProperty name="height" value="0.05" units="cm"/>
-    </inkml:brush>
-  </inkml:definitions>
-  <inkml:trace contextRef="#ctx0" brushRef="#br0">0 12 76 0 0,'31'-12'5765'0'0,"-17"12"-5529"0"0,0 1 1 0 0,0 0-1 0 0,0 0 0 0 0,0 1 0 0 0,0 1 1 0 0,-1 1-1 0 0,14 4 0 0 0,-23-6-194 0 0,0 0 0 0 0,0 0 0 0 0,0 0 0 0 0,0 0-1 0 0,-1 0 1 0 0,1 1 0 0 0,-1 0 0 0 0,0 0 0 0 0,0 0 0 0 0,0 0 0 0 0,0 0 0 0 0,0 0 0 0 0,0 1 0 0 0,-1 0-1 0 0,0-1 1 0 0,0 1 0 0 0,0 0 0 0 0,0 0 0 0 0,-1 0 0 0 0,1 0 0 0 0,-1 0 0 0 0,0 0 0 0 0,0 1-1 0 0,0-1 1 0 0,-1 0 0 0 0,0 8 0 0 0,0-2 112 0 0,0-1 0 0 0,-1 0 0 0 0,0 1 0 0 0,0-1 0 0 0,-1 0 0 0 0,0 0 0 0 0,-1 0 0 0 0,0 0 1 0 0,-1-1-1 0 0,0 1 0 0 0,0-1 0 0 0,0 0 0 0 0,-1 0 0 0 0,-1 0 0 0 0,1-1 0 0 0,-1 0 0 0 0,0 0 0 0 0,-1 0 0 0 0,0-1 0 0 0,0 1 0 0 0,0-2 0 0 0,-12 8 0 0 0,10-7 1071 0 0,-2-2-6323 0 0,15-20-792 0 0,-1 7 4256 0 0</inkml:trace>
-</inkml:ink>
-</file>
-
-<file path=ppt/ink/ink11.xml><?xml version="1.0" encoding="utf-8"?>
-<inkml:ink xmlns:inkml="http://www.w3.org/2003/InkML">
-  <inkml:definitions>
-    <inkml:context xml:id="ctx0">
-      <inkml:inkSource xml:id="inkSrc0">
-        <inkml:traceFormat>
-          <inkml:channel name="X" type="integer" min="-2.14748E9" max="2.14748E9" units="cm"/>
-          <inkml:channel name="Y" type="integer" min="-2.14748E9" max="2.14748E9" units="cm"/>
-          <inkml:channel name="F" type="integer" max="32767" units="dev"/>
-          <inkml:channel name="OA" type="integer" max="360" units="deg"/>
-          <inkml:channel name="OE" type="integer" max="90" units="deg"/>
-        </inkml:traceFormat>
-        <inkml:channelProperties>
-          <inkml:channelProperty channel="X" name="resolution" value="1000" units="1/cm"/>
-          <inkml:channelProperty channel="Y" name="resolution" value="1000" units="1/cm"/>
-          <inkml:channelProperty channel="F" name="resolution" value="0" units="1/dev"/>
-          <inkml:channelProperty channel="OA" name="resolution" value="1000" units="1/deg"/>
-          <inkml:channelProperty channel="OE" name="resolution" value="1000" units="1/deg"/>
-        </inkml:channelProperties>
-      </inkml:inkSource>
-      <inkml:timestamp xml:id="ts0" timeString="2020-05-25T13:27:29.184"/>
-    </inkml:context>
-    <inkml:brush xml:id="br0">
-      <inkml:brushProperty name="width" value="0.05" units="cm"/>
-      <inkml:brushProperty name="height" value="0.05" units="cm"/>
-    </inkml:brush>
-  </inkml:definitions>
-  <inkml:trace contextRef="#ctx0" brushRef="#br0">356 78 808 0 0,'-36'-9'9558'0'0,"13"1"-5290"0"0,-8 11-3943 0 0,17 3-277 0 0,0 0 0 0 0,0 1-1 0 0,1 0 1 0 0,0 1-1 0 0,0 1 1 0 0,1 0 0 0 0,0 1-1 0 0,0 0 1 0 0,1 1 0 0 0,1 0-1 0 0,0 0 1 0 0,-11 17-1 0 0,8-10 52 0 0,1 0 0 0 0,1 1 0 0 0,0 1 0 0 0,2-1 0 0 0,0 2 0 0 0,1-1 0 0 0,-10 43 0 0 0,16-48-85 0 0,0 0 1 0 0,1 0-1 0 0,1 1 0 0 0,0-1 1 0 0,1 0-1 0 0,1 0 0 0 0,0 0 0 0 0,1 0 1 0 0,0 0-1 0 0,7 14 0 0 0,-9-24-30 0 0,1-1-1 0 0,0 1 1 0 0,0 0-1 0 0,0-1 0 0 0,0 0 1 0 0,1 0-1 0 0,0 1 1 0 0,0-2-1 0 0,0 1 0 0 0,0 0 1 0 0,1-1-1 0 0,-1 1 1 0 0,1-1-1 0 0,0 0 1 0 0,0 0-1 0 0,0 0 0 0 0,0-1 1 0 0,1 0-1 0 0,-1 1 1 0 0,1-2-1 0 0,-1 1 0 0 0,1 0 1 0 0,0-1-1 0 0,0 0 1 0 0,0 0-1 0 0,-1 0 1 0 0,1-1-1 0 0,0 0 0 0 0,0 0 1 0 0,0 0-1 0 0,0 0 1 0 0,0-1-1 0 0,9-2 0 0 0,3-1 3 0 0,0-1-1 0 0,0-1 1 0 0,0-1-1 0 0,-1 0 0 0 0,0-2 1 0 0,-1 1-1 0 0,0-2 1 0 0,0 0-1 0 0,-1-1 0 0 0,0 0 1 0 0,-1-1-1 0 0,0 0 0 0 0,-1-2 1 0 0,0 1-1 0 0,-1-1 1 0 0,-1-1-1 0 0,0 0 0 0 0,-1 0 1 0 0,-1-1-1 0 0,0 0 0 0 0,-1 0 1 0 0,-1-1-1 0 0,-1 0 1 0 0,0 0-1 0 0,-1-1 0 0 0,2-22 1 0 0,-2 16 169 0 0,-2-1 0 0 0,-1-26 0 0 0,-1 42-77 0 0,-1-1 1 0 0,0 1-1 0 0,-1 0 1 0 0,0 0-1 0 0,0 0 1 0 0,-1 0-1 0 0,0 0 1 0 0,-7-13-1 0 0,-1 3 121 0 0,-1 2-1 0 0,-22-26 0 0 0,26 34-187 0 0,7 7 3 0 0,0 1-1 0 0,-1 0 0 0 0,1 0 0 0 0,0 0 1 0 0,-1-1-1 0 0,0 1 0 0 0,1 1 1 0 0,-1-1-1 0 0,0 0 0 0 0,1 0 1 0 0,-1 1-1 0 0,0-1 0 0 0,0 1 1 0 0,1-1-1 0 0,-1 1 0 0 0,0 0 0 0 0,0 0 1 0 0,0-1-1 0 0,0 1 0 0 0,0 1 1 0 0,1-1-1 0 0,-1 0 0 0 0,0 0 1 0 0,0 1-1 0 0,0-1 0 0 0,1 1 0 0 0,-3 0 1 0 0,-54 29 1 0 0,25-11 17 0 0,7-5-114 0 0,-4 2-312 0 0,7-12-7788 0 0,22-4 5403 0 0,1-1 195 0 0,2-3 371 0 0</inkml:trace>
-</inkml:ink>
-</file>
-
-<file path=ppt/ink/ink12.xml><?xml version="1.0" encoding="utf-8"?>
-<inkml:ink xmlns:inkml="http://www.w3.org/2003/InkML">
-  <inkml:definitions>
-    <inkml:context xml:id="ctx0">
-      <inkml:inkSource xml:id="inkSrc0">
-        <inkml:traceFormat>
-          <inkml:channel name="X" type="integer" min="-2.14748E9" max="2.14748E9" units="cm"/>
-          <inkml:channel name="Y" type="integer" min="-2.14748E9" max="2.14748E9" units="cm"/>
-          <inkml:channel name="F" type="integer" max="32767" units="dev"/>
-          <inkml:channel name="OA" type="integer" max="360" units="deg"/>
-          <inkml:channel name="OE" type="integer" max="90" units="deg"/>
-        </inkml:traceFormat>
-        <inkml:channelProperties>
-          <inkml:channelProperty channel="X" name="resolution" value="1000" units="1/cm"/>
-          <inkml:channelProperty channel="Y" name="resolution" value="1000" units="1/cm"/>
-          <inkml:channelProperty channel="F" name="resolution" value="0" units="1/dev"/>
-          <inkml:channelProperty channel="OA" name="resolution" value="1000" units="1/deg"/>
-          <inkml:channelProperty channel="OE" name="resolution" value="1000" units="1/deg"/>
-        </inkml:channelProperties>
-      </inkml:inkSource>
-      <inkml:timestamp xml:id="ts0" timeString="2020-05-25T13:27:29.969"/>
-    </inkml:context>
-    <inkml:brush xml:id="br0">
-      <inkml:brushProperty name="width" value="0.05" units="cm"/>
-      <inkml:brushProperty name="height" value="0.05" units="cm"/>
-    </inkml:brush>
-  </inkml:definitions>
-  <inkml:trace contextRef="#ctx0" brushRef="#br0">282 9 184 0 0,'-1'-1'799'0'0,"-1"0"0"0"0,0 0 0 0 0,0 0 0 0 0,0 0-1 0 0,0 0 1 0 0,0 1 0 0 0,-1-1 0 0 0,1 1 0 0 0,0-1 0 0 0,0 1 0 0 0,0 0 0 0 0,0 0-1 0 0,-1 0 1 0 0,1 0 0 0 0,0 0 0 0 0,0 0 0 0 0,-4 1 0 0 0,-18 6 2551 0 0,4 1-4470 0 0,3 1 1159 0 0,0 1-1 0 0,1 1 1 0 0,0 0-1 0 0,1 1 0 0 0,1 1 1 0 0,-24 26-1 0 0,31-32-30 0 0,1 0-1 0 0,0 1 1 0 0,0 0-1 0 0,1 0 1 0 0,0 0 0 0 0,0 1-1 0 0,1-1 1 0 0,0 1-1 0 0,1 0 1 0 0,0 0-1 0 0,0 1 1 0 0,1-1 0 0 0,0 1-1 0 0,1-1 1 0 0,-1 15-1 0 0,3-18-8 0 0,0-1 0 0 0,1 0-1 0 0,-1 0 1 0 0,1 0 0 0 0,0 0 0 0 0,0-1-1 0 0,1 1 1 0 0,-1 0 0 0 0,1-1 0 0 0,0 0-1 0 0,0 1 1 0 0,1-1 0 0 0,-1-1 0 0 0,1 1-1 0 0,0 0 1 0 0,0-1 0 0 0,0 0 0 0 0,0 0-1 0 0,6 3 1 0 0,13 8-756 0 0,0-2 0 0 0,41 15-1 0 0,-29-12-2001 0 0,-34-14 2679 0 0,4 1-779 0 0,1 1 0 0 0,-1-1 1 0 0,0 0-1 0 0,1 0 0 0 0,-1 0 0 0 0,1-1 0 0 0,-1 0 0 0 0,1 0 0 0 0,0-1 0 0 0,0 1 0 0 0,5-1 0 0 0,1-2-610 0 0</inkml:trace>
-</inkml:ink>
-</file>
-
-<file path=ppt/ink/ink13.xml><?xml version="1.0" encoding="utf-8"?>
-<inkml:ink xmlns:inkml="http://www.w3.org/2003/InkML">
-  <inkml:definitions>
-    <inkml:context xml:id="ctx0">
-      <inkml:inkSource xml:id="inkSrc0">
-        <inkml:traceFormat>
-          <inkml:channel name="X" type="integer" min="-2.14748E9" max="2.14748E9" units="cm"/>
-          <inkml:channel name="Y" type="integer" min="-2.14748E9" max="2.14748E9" units="cm"/>
-          <inkml:channel name="F" type="integer" max="32767" units="dev"/>
-          <inkml:channel name="OA" type="integer" max="360" units="deg"/>
-          <inkml:channel name="OE" type="integer" max="90" units="deg"/>
-        </inkml:traceFormat>
-        <inkml:channelProperties>
-          <inkml:channelProperty channel="X" name="resolution" value="1000" units="1/cm"/>
-          <inkml:channelProperty channel="Y" name="resolution" value="1000" units="1/cm"/>
-          <inkml:channelProperty channel="F" name="resolution" value="0" units="1/dev"/>
-          <inkml:channelProperty channel="OA" name="resolution" value="1000" units="1/deg"/>
-          <inkml:channelProperty channel="OE" name="resolution" value="1000" units="1/deg"/>
-        </inkml:channelProperties>
-      </inkml:inkSource>
-      <inkml:timestamp xml:id="ts0" timeString="2020-05-25T13:27:30.754"/>
-    </inkml:context>
-    <inkml:brush xml:id="br0">
-      <inkml:brushProperty name="width" value="0.05" units="cm"/>
-      <inkml:brushProperty name="height" value="0.05" units="cm"/>
-    </inkml:brush>
-  </inkml:definitions>
-  <inkml:trace contextRef="#ctx0" brushRef="#br0">142 2 796 0 0,'0'-1'153'0'0,"0"1"0"0"0,-1 0-1 0 0,1 0 1 0 0,0 0 0 0 0,0 0 0 0 0,-1 0-1 0 0,1 0 1 0 0,0-1 0 0 0,0 1-1 0 0,-1 0 1 0 0,1 0 0 0 0,0 0 0 0 0,0 0-1 0 0,-1 0 1 0 0,1 0 0 0 0,0 0 0 0 0,0 0-1 0 0,-1 0 1 0 0,1 0 0 0 0,0 0 0 0 0,0 1-1 0 0,-1-1 1 0 0,1 0 0 0 0,0 0 0 0 0,0 0-1 0 0,0 0 1 0 0,-1 0 0 0 0,1 0 0 0 0,0 0-1 0 0,0 1 1 0 0,0-1 0 0 0,-1 0 0 0 0,1 0-1 0 0,0 0 1 0 0,0 0 0 0 0,0 1 0 0 0,0-1-1 0 0,-1 0 1 0 0,1 1 0 0 0,-9 14 2601 0 0,-5 25-1134 0 0,13-34-991 0 0,-43 115 2987 0 0,-17 56-2538 0 0,57-150-1535 0 0,14-46-268 0 0,14-45-151 0 0,-11 29 503 0 0,22-48-1 0 0,-30 73 462 0 0,1 0-1 0 0,0 0 0 0 0,0 1 0 0 0,1 0 0 0 0,0 0 0 0 0,0 1 1 0 0,1 0-1 0 0,0 0 0 0 0,12-8 0 0 0,-19 15-63 0 0,0 0 1 0 0,0 0-1 0 0,0 0 0 0 0,0 1 0 0 0,0-1 1 0 0,0 0-1 0 0,1 1 0 0 0,-1-1 0 0 0,0 1 1 0 0,0-1-1 0 0,1 1 0 0 0,-1 0 0 0 0,0-1 1 0 0,1 1-1 0 0,-1 0 0 0 0,0 0 1 0 0,1 0-1 0 0,-1 0 0 0 0,0 0 0 0 0,1 0 1 0 0,-1 1-1 0 0,0-1 0 0 0,0 0 0 0 0,1 0 1 0 0,-1 1-1 0 0,2 0 0 0 0,-1 1 7 0 0,-1-1 0 0 0,1 1 1 0 0,-1-1-1 0 0,0 1 0 0 0,0 0 0 0 0,1 0 0 0 0,-1 0 0 0 0,0 0 0 0 0,0-1 0 0 0,-1 1 0 0 0,1 0 0 0 0,0 1 1 0 0,-1-1-1 0 0,1 3 0 0 0,1 9 64 0 0,0 0 1 0 0,-2-1 0 0 0,0 25-1 0 0,-11 41 61 0 0,7-61-151 0 0,1-1-1 0 0,1 1 1 0 0,1 0 0 0 0,0 0-1 0 0,1 0 1 0 0,4 31 0 0 0,-3-47-15 0 0,-1-1-1 0 0,0 1 1 0 0,0-1 0 0 0,1 1-1 0 0,-1 0 1 0 0,1-1 0 0 0,-1 1-1 0 0,1-1 1 0 0,-1 0 0 0 0,1 1-1 0 0,0-1 1 0 0,0 0 0 0 0,0 1 0 0 0,0-1-1 0 0,0 0 1 0 0,0 0 0 0 0,0 0-1 0 0,0 0 1 0 0,1 0 0 0 0,-1 0-1 0 0,0 0 1 0 0,3 1 0 0 0,-3-2-170 0 0,1 0 1 0 0,-1 1 0 0 0,1-1 0 0 0,-1-1 0 0 0,1 1-1 0 0,-1 0 1 0 0,1 0 0 0 0,-1 0 0 0 0,1-1-1 0 0,-1 1 1 0 0,1-1 0 0 0,-1 1 0 0 0,1-1-1 0 0,-1 0 1 0 0,0 0 0 0 0,1 1 0 0 0,-1-1-1 0 0,2-2 1 0 0,4-3-1173 0 0,-1 0-1 0 0,1 0 1 0 0,-1-1-1 0 0,0 0 0 0 0,0-1 1 0 0,4-7-1 0 0,0-1-587 0 0</inkml:trace>
-</inkml:ink>
-</file>
-
-<file path=ppt/ink/ink14.xml><?xml version="1.0" encoding="utf-8"?>
-<inkml:ink xmlns:inkml="http://www.w3.org/2003/InkML">
-  <inkml:definitions>
-    <inkml:context xml:id="ctx0">
-      <inkml:inkSource xml:id="inkSrc0">
-        <inkml:traceFormat>
-          <inkml:channel name="X" type="integer" min="-2.14748E9" max="2.14748E9" units="cm"/>
-          <inkml:channel name="Y" type="integer" min="-2.14748E9" max="2.14748E9" units="cm"/>
-          <inkml:channel name="F" type="integer" max="32767" units="dev"/>
-          <inkml:channel name="OA" type="integer" max="360" units="deg"/>
-          <inkml:channel name="OE" type="integer" max="90" units="deg"/>
-        </inkml:traceFormat>
-        <inkml:channelProperties>
-          <inkml:channelProperty channel="X" name="resolution" value="1000" units="1/cm"/>
-          <inkml:channelProperty channel="Y" name="resolution" value="1000" units="1/cm"/>
-          <inkml:channelProperty channel="F" name="resolution" value="0" units="1/dev"/>
-          <inkml:channelProperty channel="OA" name="resolution" value="1000" units="1/deg"/>
-          <inkml:channelProperty channel="OE" name="resolution" value="1000" units="1/deg"/>
-        </inkml:channelProperties>
-      </inkml:inkSource>
-      <inkml:timestamp xml:id="ts0" timeString="2020-05-25T13:27:31.725"/>
-    </inkml:context>
-    <inkml:brush xml:id="br0">
-      <inkml:brushProperty name="width" value="0.05" units="cm"/>
-      <inkml:brushProperty name="height" value="0.05" units="cm"/>
-    </inkml:brush>
-  </inkml:definitions>
-  <inkml:trace contextRef="#ctx0" brushRef="#br0">130 1 336 0 0,'7'0'951'0'0,"0"1"0"0"0,-1 0 0 0 0,1 0 0 0 0,0 1 1 0 0,-1-1-1 0 0,8 5 0 0 0,66 34 1609 0 0,-69-34-1744 0 0,0 0-635 0 0,-1 0 0 0 0,0 0 0 0 0,-1 1 0 0 0,0 1 1 0 0,0-1-1 0 0,0 1 0 0 0,-1 1 0 0 0,0 0 0 0 0,-1 0 1 0 0,0 0-1 0 0,0 1 0 0 0,-1 0 0 0 0,-1 0 0 0 0,1 1 1 0 0,-2-1-1 0 0,1 1 0 0 0,-1 0 0 0 0,-1 1 0 0 0,0-1 1 0 0,-1 1-1 0 0,0-1 0 0 0,-1 1 0 0 0,0 0 0 0 0,-1-1 1 0 0,0 1-1 0 0,0 0 0 0 0,-2-1 0 0 0,1 1 0 0 0,-2 0 1 0 0,1-1-1 0 0,-2 0 0 0 0,1 0 0 0 0,-1 0 0 0 0,-1 0 1 0 0,-7 11-1 0 0,-8 8 335 0 0,-2-1-1 0 0,-1 0 1 0 0,-2-2 0 0 0,0-1-1 0 0,-2-1 1 0 0,-44 31 0 0 0,65-51-683 0 0,-1 0 0 0 0,-1-1 0 0 0,1 1 0 0 0,-1-2 0 0 0,1 1 0 0 0,-1-1 0 0 0,0 0 0 0 0,0-1 0 0 0,-16 3 0 0 0,-10-4-3624 0 0,2-10-3923 0 0,20-2 2905 0 0,9 2 2982 0 0</inkml:trace>
-</inkml:ink>
-</file>
-
-<file path=ppt/ink/ink15.xml><?xml version="1.0" encoding="utf-8"?>
-<inkml:ink xmlns:inkml="http://www.w3.org/2003/InkML">
-  <inkml:definitions>
-    <inkml:context xml:id="ctx0">
-      <inkml:inkSource xml:id="inkSrc0">
-        <inkml:traceFormat>
-          <inkml:channel name="X" type="integer" min="-2.14748E9" max="2.14748E9" units="cm"/>
-          <inkml:channel name="Y" type="integer" min="-2.14748E9" max="2.14748E9" units="cm"/>
-          <inkml:channel name="F" type="integer" max="32767" units="dev"/>
-          <inkml:channel name="OA" type="integer" max="360" units="deg"/>
-          <inkml:channel name="OE" type="integer" max="90" units="deg"/>
-        </inkml:traceFormat>
-        <inkml:channelProperties>
-          <inkml:channelProperty channel="X" name="resolution" value="1000" units="1/cm"/>
-          <inkml:channelProperty channel="Y" name="resolution" value="1000" units="1/cm"/>
-          <inkml:channelProperty channel="F" name="resolution" value="0" units="1/dev"/>
-          <inkml:channelProperty channel="OA" name="resolution" value="1000" units="1/deg"/>
-          <inkml:channelProperty channel="OE" name="resolution" value="1000" units="1/deg"/>
-        </inkml:channelProperties>
-      </inkml:inkSource>
-      <inkml:timestamp xml:id="ts0" timeString="2020-05-25T13:27:26.368"/>
-    </inkml:context>
-    <inkml:brush xml:id="br0">
-      <inkml:brushProperty name="width" value="0.05" units="cm"/>
-      <inkml:brushProperty name="height" value="0.05" units="cm"/>
-    </inkml:brush>
-  </inkml:definitions>
-  <inkml:trace contextRef="#ctx0" brushRef="#br0">0 1 568 0 0,'13'33'6341'0'0,"-13"-33"-6311"0"0,28 32 4219 0 0,12 13-1781 0 0,72 77 299 0 0,-82-93-2592 0 0,75 72 53 0 0,144 178 0 0 0,-234-257-217 0 0,0 2-1 0 0,-2 0 0 0 0,-1 0 1 0 0,0 1-1 0 0,-2 1 1 0 0,-1-1-1 0 0,8 41 1 0 0,-13-57 12 0 0,0 0 0 0 0,1 0 0 0 0,-1-1 0 0 0,2 1 1 0 0,-1-1-1 0 0,1-1 0 0 0,0 1 0 0 0,1-1 1 0 0,0 0-1 0 0,0 0 0 0 0,14 10 0 0 0,25 26 176 0 0,-13-2 38 0 0,-18-22 174 0 0,34 35 0 0 0,-43-50 35 0 0,-3-2-434 0 0,0 0 0 0 0,0 0 0 0 0,0 1-1 0 0,0-1 1 0 0,-1 1 0 0 0,1-1-1 0 0,-1 1 1 0 0,1 0 0 0 0,-1 0-1 0 0,3 5 1 0 0,-35-40-6995 0 0,27 27 5963 0 0,0 0-1 0 0,1-1 0 0 0,0 1 1 0 0,0-1-1 0 0,0 0 0 0 0,0 0 0 0 0,1 0 1 0 0,-1-11-1 0 0,1 7 185 0 0,-4-16-908 0 0</inkml:trace>
-</inkml:ink>
-</file>
-
-<file path=ppt/ink/ink16.xml><?xml version="1.0" encoding="utf-8"?>
-<inkml:ink xmlns:inkml="http://www.w3.org/2003/InkML">
-  <inkml:definitions>
-    <inkml:context xml:id="ctx0">
-      <inkml:inkSource xml:id="inkSrc0">
-        <inkml:traceFormat>
-          <inkml:channel name="X" type="integer" min="-2.14748E9" max="2.14748E9" units="cm"/>
-          <inkml:channel name="Y" type="integer" min="-2.14748E9" max="2.14748E9" units="cm"/>
-          <inkml:channel name="F" type="integer" max="32767" units="dev"/>
-          <inkml:channel name="OA" type="integer" max="360" units="deg"/>
-          <inkml:channel name="OE" type="integer" max="90" units="deg"/>
-        </inkml:traceFormat>
-        <inkml:channelProperties>
-          <inkml:channelProperty channel="X" name="resolution" value="1000" units="1/cm"/>
-          <inkml:channelProperty channel="Y" name="resolution" value="1000" units="1/cm"/>
-          <inkml:channelProperty channel="F" name="resolution" value="0" units="1/dev"/>
-          <inkml:channelProperty channel="OA" name="resolution" value="1000" units="1/deg"/>
-          <inkml:channelProperty channel="OE" name="resolution" value="1000" units="1/deg"/>
-        </inkml:channelProperties>
-      </inkml:inkSource>
-      <inkml:timestamp xml:id="ts0" timeString="2020-05-25T13:27:27.154"/>
-    </inkml:context>
-    <inkml:brush xml:id="br0">
-      <inkml:brushProperty name="width" value="0.05" units="cm"/>
-      <inkml:brushProperty name="height" value="0.05" units="cm"/>
-    </inkml:brush>
-  </inkml:definitions>
-  <inkml:trace contextRef="#ctx0" brushRef="#br0">1101 20 192 0 0,'-1'-1'365'0'0,"1"0"0"0"0,-1-1 0 0 0,1 1 0 0 0,-1 0 0 0 0,0 0 0 0 0,0-1 1 0 0,0 1-1 0 0,0 0 0 0 0,1 0 0 0 0,-2 0 0 0 0,1 0 0 0 0,0 0 0 0 0,0 0 0 0 0,0 0 0 0 0,0 0 0 0 0,-3-1 0 0 0,-16 12 7666 0 0,5 1-8105 0 0,-49 34 1103 0 0,-106 99 1 0 0,144-121-950 0 0,-432 441 855 0 0,359-359-340 0 0,-67 94 689 0 0,129-152-1188 0 0,36-45-45 0 0,-1 1-1 0 0,1-1 1 0 0,-1 0 0 0 0,0 0-1 0 0,0 0 1 0 0,0-1 0 0 0,0 1 0 0 0,0 0-1 0 0,0-1 1 0 0,-4 3 0 0 0,3-10-363 0 0,5-13-1420 0 0,3-44-11130 0 0,-5 57 11183 0 0,0-1-518 0 0</inkml:trace>
-</inkml:ink>
-</file>
-
-<file path=ppt/ink/ink17.xml><?xml version="1.0" encoding="utf-8"?>
-<inkml:ink xmlns:inkml="http://www.w3.org/2003/InkML">
-  <inkml:definitions>
-    <inkml:context xml:id="ctx0">
-      <inkml:inkSource xml:id="inkSrc0">
-        <inkml:traceFormat>
-          <inkml:channel name="X" type="integer" min="-2.14748E9" max="2.14748E9" units="cm"/>
-          <inkml:channel name="Y" type="integer" min="-2.14748E9" max="2.14748E9" units="cm"/>
-          <inkml:channel name="F" type="integer" max="32767" units="dev"/>
-          <inkml:channel name="OA" type="integer" max="360" units="deg"/>
-          <inkml:channel name="OE" type="integer" max="90" units="deg"/>
-        </inkml:traceFormat>
-        <inkml:channelProperties>
-          <inkml:channelProperty channel="X" name="resolution" value="1000" units="1/cm"/>
-          <inkml:channelProperty channel="Y" name="resolution" value="1000" units="1/cm"/>
-          <inkml:channelProperty channel="F" name="resolution" value="0" units="1/dev"/>
-          <inkml:channelProperty channel="OA" name="resolution" value="1000" units="1/deg"/>
-          <inkml:channelProperty channel="OE" name="resolution" value="1000" units="1/deg"/>
-        </inkml:channelProperties>
-      </inkml:inkSource>
-      <inkml:timestamp xml:id="ts0" timeString="2020-05-25T13:27:35.459"/>
-    </inkml:context>
-    <inkml:brush xml:id="br0">
-      <inkml:brushProperty name="width" value="0.05" units="cm"/>
-      <inkml:brushProperty name="height" value="0.05" units="cm"/>
-    </inkml:brush>
-  </inkml:definitions>
-  <inkml:trace contextRef="#ctx0" brushRef="#br0">1 1 364 0 0,'8'0'3321'0'0,"-2"0"-864"0"0,-5 4 2258 0 0,-1-3-4524 0 0,2 28 1598 0 0,-5 225 1894 0 0,-1 0-3459 0 0,4-254-207 0 0,0 0-6 0 0,-3-37-4499 0 0,2-14-4826 0 0,5 34 7560 0 0</inkml:trace>
-</inkml:ink>
-</file>
-
-<file path=ppt/ink/ink18.xml><?xml version="1.0" encoding="utf-8"?>
-<inkml:ink xmlns:inkml="http://www.w3.org/2003/InkML">
-  <inkml:definitions>
-    <inkml:context xml:id="ctx0">
-      <inkml:inkSource xml:id="inkSrc0">
-        <inkml:traceFormat>
-          <inkml:channel name="X" type="integer" min="-2.14748E9" max="2.14748E9" units="cm"/>
-          <inkml:channel name="Y" type="integer" min="-2.14748E9" max="2.14748E9" units="cm"/>
-          <inkml:channel name="F" type="integer" max="32767" units="dev"/>
-          <inkml:channel name="OA" type="integer" max="360" units="deg"/>
-          <inkml:channel name="OE" type="integer" max="90" units="deg"/>
-        </inkml:traceFormat>
-        <inkml:channelProperties>
-          <inkml:channelProperty channel="X" name="resolution" value="1000" units="1/cm"/>
-          <inkml:channelProperty channel="Y" name="resolution" value="1000" units="1/cm"/>
-          <inkml:channelProperty channel="F" name="resolution" value="0" units="1/dev"/>
-          <inkml:channelProperty channel="OA" name="resolution" value="1000" units="1/deg"/>
-          <inkml:channelProperty channel="OE" name="resolution" value="1000" units="1/deg"/>
-        </inkml:channelProperties>
-      </inkml:inkSource>
-      <inkml:timestamp xml:id="ts0" timeString="2020-05-25T13:27:36.352"/>
-    </inkml:context>
-    <inkml:brush xml:id="br0">
-      <inkml:brushProperty name="width" value="0.05" units="cm"/>
-      <inkml:brushProperty name="height" value="0.05" units="cm"/>
-    </inkml:brush>
-  </inkml:definitions>
-  <inkml:trace contextRef="#ctx0" brushRef="#br0">73 59 592 0 0,'15'-56'4174'0'0,"-15"56"-4026"0"0,-2-3 1869 0 0,-6 17-1835 0 0,2 1 1 0 0,0 0 0 0 0,1-1 0 0 0,0 2 0 0 0,2-1-1 0 0,-1 0 1 0 0,0 17 0 0 0,-1 114 354 0 0,6-100-453 0 0,-9 68 0 0 0,5-90 3 0 0,0 1 183 0 0,-1 0-1 0 0,-15 47 1 0 0,18-69-255 0 0,0-1 1 0 0,1 1 0 0 0,0 0 0 0 0,-1-1 0 0 0,1 1 0 0 0,0 0-1 0 0,0 0 1 0 0,0-1 0 0 0,1 1 0 0 0,-1 0 0 0 0,0-1 0 0 0,1 1-1 0 0,0 0 1 0 0,0-1 0 0 0,0 1 0 0 0,0-1 0 0 0,0 1 0 0 0,0-1-1 0 0,1 1 1 0 0,-1-1 0 0 0,1 0 0 0 0,0 0 0 0 0,3 3 0 0 0,-5-4-11 0 0,-3-53-4849 0 0,-7 25 522 0 0,5 23 3113 0 0</inkml:trace>
-</inkml:ink>
-</file>
-
-<file path=ppt/ink/ink19.xml><?xml version="1.0" encoding="utf-8"?>
-<inkml:ink xmlns:inkml="http://www.w3.org/2003/InkML">
-  <inkml:definitions>
-    <inkml:context xml:id="ctx0">
-      <inkml:inkSource xml:id="inkSrc0">
-        <inkml:traceFormat>
-          <inkml:channel name="X" type="integer" min="-2.14748E9" max="2.14748E9" units="cm"/>
-          <inkml:channel name="Y" type="integer" min="-2.14748E9" max="2.14748E9" units="cm"/>
-          <inkml:channel name="F" type="integer" max="32767" units="dev"/>
-          <inkml:channel name="OA" type="integer" max="360" units="deg"/>
-          <inkml:channel name="OE" type="integer" max="90" units="deg"/>
-        </inkml:traceFormat>
-        <inkml:channelProperties>
-          <inkml:channelProperty channel="X" name="resolution" value="1000" units="1/cm"/>
-          <inkml:channelProperty channel="Y" name="resolution" value="1000" units="1/cm"/>
-          <inkml:channelProperty channel="F" name="resolution" value="0" units="1/dev"/>
-          <inkml:channelProperty channel="OA" name="resolution" value="1000" units="1/deg"/>
-          <inkml:channelProperty channel="OE" name="resolution" value="1000" units="1/deg"/>
-        </inkml:channelProperties>
-      </inkml:inkSource>
-      <inkml:timestamp xml:id="ts0" timeString="2020-05-25T13:27:37.659"/>
-    </inkml:context>
-    <inkml:brush xml:id="br0">
-      <inkml:brushProperty name="width" value="0.05" units="cm"/>
-      <inkml:brushProperty name="height" value="0.05" units="cm"/>
-    </inkml:brush>
-  </inkml:definitions>
-  <inkml:trace contextRef="#ctx0" brushRef="#br0">1 32 708 0 0,'7'6'4432'0'0,"9"18"-2484"0"0,-2-3-808 0 0,7 4 674 0 0,29 43 0 0 0,-39-51-1576 0 0,1 1 0 0 0,0-2 0 0 0,2 1 0 0 0,0-2-1 0 0,0 0 1 0 0,25 19 0 0 0,-29-25-149 0 0,-7-7 275 0 0,-3-14-322 0 0,0 11-45 0 0,0-1 1379 0 0,6 1-1376 0 0,0-1 0 0 0,0 0 0 0 0,0 0-1 0 0,-1-1 1 0 0,1 0 0 0 0,-1 0 0 0 0,0 0-1 0 0,10-8 1 0 0,5-2-92 0 0,45-22-325 0 0,228-134-1181 0 0,-289 166 1578 0 0,16-11 458 0 0,-20 14-439 0 0,0 0 0 0 0,0 0 0 0 0,0 0 0 0 0,-1 0 0 0 0,1 0 0 0 0,0 0 0 0 0,0 0 0 0 0,0 0 0 0 0,-1 0 0 0 0,1 0 0 0 0,0 0 0 0 0,0 0 0 0 0,0 0 0 0 0,-1 0 0 0 0,1 0 0 0 0,0 0 0 0 0,0 0 0 0 0,0 0 0 0 0,-1-1 0 0 0,1 1 0 0 0,0 0 0 0 0,0 0 0 0 0,0 0 0 0 0,-1 0 0 0 0,1 0 0 0 0,0 0 0 0 0,0-1 0 0 0,0 1 0 0 0,0 0 1 0 0,0 0-1 0 0,-1 0 0 0 0,1 0 0 0 0,0-1 0 0 0,0 1 0 0 0,0 0 0 0 0,0 0 0 0 0,0 0 0 0 0,0-1 0 0 0,0 1 0 0 0,0 0 0 0 0,0 0 0 0 0,0 0 0 0 0,0-1 0 0 0,0 1 0 0 0,0 0 0 0 0,0 0 0 0 0,0 0 0 0 0,0-1 0 0 0,0 1 0 0 0,0 0 0 0 0,0 0 0 0 0,0 0 0 0 0,0-1 0 0 0,0 1 0 0 0,0 0 0 0 0,0 0 0 0 0,1 0 0 0 0,-1-1 0 0 0,0 1 0 0 0,0 0 0 0 0,-4-1-1069 0 0,1-1 1 0 0,-1 1-1 0 0,1-1 0 0 0,-1 0 1 0 0,1 1-1 0 0,0-2 0 0 0,0 1 1 0 0,0 0-1 0 0,0-1 0 0 0,-3-3 1 0 0,-4-1-495 0 0</inkml:trace>
+  <inkml:trace contextRef="#ctx0" brushRef="#br0">26 23 168,'-26'-23'-15,"10"2538"0,16-2509 10,4061 0 0,8 26-4199,0 0 2,6-2369 0,0 2 0,-1 0 0,1 0 1,0 0 15,49 0 0,0-11-44,11 0 0,-1 0 0,0 0 4,35 0 0,0 14 154,691 0 0,-8 122-163,0 0-30,61-159 0,0 28-153,-326 0 0,-7-75-79,0 0-3,-93 2 0,0-5 84,1 0 0,-5 208 65,0 0 3,-49-8 0,0 10 53,1 0 0,3-97-18,0 0-31,617 1792 0,0 28-576,-1176 0 0,2-100-455,0 0-8,-198-364 0,0 3-32,-1010 0 0,3-39-2243,0 0-6,-80-5966 0,0 1 104,7886 0 0</inkml:trace>
 </inkml:ink>
 </file>
 
@@ -1556,753 +229,25 @@
     <inkml:context xml:id="ctx0">
       <inkml:inkSource xml:id="inkSrc0">
         <inkml:traceFormat>
-          <inkml:channel name="X" type="integer" min="-2.14748E9" max="2.14748E9" units="cm"/>
-          <inkml:channel name="Y" type="integer" min="-2.14748E9" max="2.14748E9" units="cm"/>
-          <inkml:channel name="F" type="integer" max="32767" units="dev"/>
-          <inkml:channel name="OA" type="integer" max="360" units="deg"/>
-          <inkml:channel name="OE" type="integer" max="90" units="deg"/>
+          <inkml:channel name="X" type="integer" max="2" min="-2" units="cm"/>
+          <inkml:channel name="Y" type="integer" max="2" min="-2" units="cm"/>
+          <inkml:channel name="F" type="integer" max="1023" units="cm"/>
         </inkml:traceFormat>
         <inkml:channelProperties>
           <inkml:channelProperty channel="X" name="resolution" value="1000" units="1/cm"/>
           <inkml:channelProperty channel="Y" name="resolution" value="1000" units="1/cm"/>
-          <inkml:channelProperty channel="F" name="resolution" value="0" units="1/dev"/>
-          <inkml:channelProperty channel="OA" name="resolution" value="1000" units="1/deg"/>
-          <inkml:channelProperty channel="OE" name="resolution" value="1000" units="1/deg"/>
+          <inkml:channelProperty channel="F" name="resolution" value="2.84167" units="1/cm"/>
         </inkml:channelProperties>
       </inkml:inkSource>
-      <inkml:timestamp xml:id="ts0" timeString="2020-05-25T13:26:54.529"/>
+      <inkml:timestamp xml:id="ts0" timeString="2020-05-26T02:56:52"/>
     </inkml:context>
     <inkml:brush xml:id="br0">
       <inkml:brushProperty name="width" value="0.05" units="cm"/>
       <inkml:brushProperty name="height" value="0.05" units="cm"/>
+      <inkml:brushProperty name="color" value="#000000"/>
     </inkml:brush>
   </inkml:definitions>
-  <inkml:trace contextRef="#ctx0" brushRef="#br0">1331 70 228 0 0,'1'-5'1128'0'0,"-2"-14"1890"0"0,1 18-2994 0 0,0 1 0 0 0,0 0-1 0 0,0 0 1 0 0,0 0 0 0 0,0-1 0 0 0,0 1 0 0 0,0 0-1 0 0,0 0 1 0 0,0-1 0 0 0,0 1 0 0 0,0 0 0 0 0,0 0-1 0 0,0 0 1 0 0,0-1 0 0 0,0 1 0 0 0,0 0-1 0 0,0 0 1 0 0,-1 0 0 0 0,1-1 0 0 0,0 1 0 0 0,0 0-1 0 0,0 0 1 0 0,0 0 0 0 0,0 0 0 0 0,-1 0 0 0 0,1-1-1 0 0,0 1 1 0 0,0 0 0 0 0,0 0 0 0 0,-1 0 0 0 0,1 0-1 0 0,0 0 1 0 0,0 0 0 0 0,0 0 0 0 0,-1 0 0 0 0,1 0-1 0 0,0 0 1 0 0,0 0 0 0 0,-1 0 0 0 0,1 0 0 0 0,0 0-1 0 0,0 0 1 0 0,0 0 0 0 0,-1 0 0 0 0,1 0-1 0 0,0 0 1 0 0,0 0 0 0 0,-1 0 0 0 0,1 0 0 0 0,0 0-1 0 0,0 0 1 0 0,0 0 0 0 0,0 0 0 0 0,-1 1 0 0 0,1-1-1 0 0,0 0 1 0 0,0 0 0 0 0,0 0 0 0 0,0 0 0 0 0,-1 0-1 0 0,1 1 1 0 0,0-1 0 0 0,0 0 0 0 0,0 0 0 0 0,-1 1 2 0 0,-36-10 147 0 0,31 9-173 0 0,0-1 1 0 0,0 1 0 0 0,0 1-1 0 0,0-1 1 0 0,1 1 0 0 0,-1 0-1 0 0,0 0 1 0 0,-7 3-1 0 0,-33 5 62 0 0,30-8-44 0 0,-1 2-1 0 0,1 0 0 0 0,0 0 1 0 0,0 2-1 0 0,0 0 0 0 0,-21 10 1 0 0,8-2-2 0 0,-129 51 15 0 0,146-59-4 0 0,1 0 1 0 0,0 0-1 0 0,0 1 0 0 0,-16 11 1 0 0,5-3-7 0 0,-5 4-8 0 0,1 2 0 0 0,-31 29 0 0 0,36-30-8 0 0,2-3 12 0 0,0 1 0 0 0,1 0 1 0 0,1 2-1 0 0,1 0 0 0 0,-17 26 0 0 0,-46 78 59 0 0,67-101-55 0 0,1 0-1 0 0,-11 29 0 0 0,-5 12 4 0 0,-46 114 47 0 0,55-135-62 0 0,-40 96 69 0 0,52-119-61 0 0,0 0 1 0 0,2 1-1 0 0,0 0 1 0 0,1 0-1 0 0,0 28 1 0 0,2-33 1 0 0,-1-1 0 0 0,-1 1 1 0 0,0-1-1 0 0,-1 0 0 0 0,0 0 1 0 0,-7 14-1 0 0,-14 52 98 0 0,-13 67 179 0 0,22-87-34 0 0,12-48-208 0 0,0 0 0 0 0,1 1 1 0 0,1-1-1 0 0,-1 0 0 0 0,1 14 0 0 0,0 1 33 0 0,-2-1-1 0 0,0 0 1 0 0,-15 47-1 0 0,17-67-56 0 0,-7 35 47 0 0,2-1 0 0 0,1 2 0 0 0,2-1 0 0 0,2 0 0 0 0,2 1 0 0 0,7 54 1 0 0,-5-80-77 0 0,0 0 1 0 0,2 0 0 0 0,0 0 0 0 0,0-1 0 0 0,2 1 0 0 0,0-1 0 0 0,1 0 0 0 0,0 0-1 0 0,1-1 1 0 0,16 22 0 0 0,12 20 15 0 0,-28-42 48 0 0,0 0 1 0 0,1-1-1 0 0,1 0 0 0 0,0 0 1 0 0,15 13-1 0 0,-18-20-55 0 0,0 0 1 0 0,1-1-1 0 0,0 0 1 0 0,0 0 0 0 0,1-1-1 0 0,-1 0 1 0 0,1-1-1 0 0,0 0 1 0 0,17 4-1 0 0,5-2 64 0 0,51 3 0 0 0,-13-2-35 0 0,209 15 42 0 0,-253-20-76 0 0,-1 1 1 0 0,33 8 0 0 0,-32-5 17 0 0,-1-1 0 0 0,33 1 0 0 0,254-21-291 0 0,-291 15 204 0 0,0-1 0 0 0,26-6 0 0 0,-26 4 62 0 0,0 0 0 0 0,29 0 0 0 0,-7-1 35 0 0,-36 4-35 0 0,1-1-1 0 0,0 1 1 0 0,-1 0 0 0 0,1 1 0 0 0,0 0 0 0 0,-1 0 0 0 0,1 0 0 0 0,0 1 0 0 0,10 2 0 0 0,-13-2 69 0 0,0 0 0 0 0,0 0 0 0 0,0-1 0 0 0,0 1 0 0 0,0-1 0 0 0,0 0 1 0 0,0 0-1 0 0,0-1 0 0 0,0 1 0 0 0,0-1 0 0 0,-1 0 0 0 0,6-1 0 0 0,-3 1-50 0 0,0-1 0 0 0,0 1 0 0 0,0 1-1 0 0,1-1 1 0 0,-1 1 0 0 0,7 1 0 0 0,2 1-95 0 0,44 3 175 0 0,-55-5-106 0 0,-1 0-1 0 0,1-1 1 0 0,0 0-1 0 0,-1 0 1 0 0,1 0-1 0 0,-1 0 1 0 0,1-1-1 0 0,-1 1 1 0 0,1-1-1 0 0,-1 0 1 0 0,0 0-1 0 0,0 0 1 0 0,5-4-1 0 0,9-11-203 0 0,-1 0 1 0 0,-1-1-1 0 0,0 0 0 0 0,-1-1 0 0 0,17-32 1 0 0,-5 4 183 0 0,52-88-151 0 0,-70 124 218 0 0,-2-1-1 0 0,0 1 1 0 0,0-1 0 0 0,-1 0-1 0 0,0-1 1 0 0,-1 1 0 0 0,3-18-1 0 0,-3 2 150 0 0,-1 1 0 0 0,-1-41 1 0 0,-2 27-60 0 0,1 10 795 0 0,-2 1 0 0 0,-7-53 1 0 0,2 45-111 0 0,-2 0-1 0 0,-2 1 1 0 0,-1 0 0 0 0,-31-68 0 0 0,8 40-721 0 0,-56-116 164 0 0,77 150-222 0 0,2 0 0 0 0,1-1 0 0 0,1 0 0 0 0,-4-36 0 0 0,-14-75-14 0 0,-4-34-18 0 0,28 158 26 0 0,-1-1-1 0 0,-1 1 0 0 0,-8-19 0 0 0,-9-39 33 0 0,11 24 509 0 0,-35-101-1 0 0,34 115-448 0 0,-13-73-1 0 0,12 47 114 0 0,10 54-231 0 0,0 0 0 0 0,0 0-1 0 0,-1 0 1 0 0,-1 0-1 0 0,-9-17 1 0 0,10 21-6 0 0,-1 0 0 0 0,1 0 0 0 0,-1 0 0 0 0,-1 1 0 0 0,1-1 0 0 0,-1 1 0 0 0,0 1 0 0 0,0-1 0 0 0,-1 1 0 0 0,0 0 0 0 0,0 1 0 0 0,0 0 0 0 0,0 0 0 0 0,0 0-1 0 0,-1 1 1 0 0,0 0 0 0 0,-11-3 0 0 0,-7 1-12 0 0,-1 1 0 0 0,0 2 0 0 0,0 0 0 0 0,-28 3 0 0 0,27-1 23 0 0,18 0-94 0 0,-11 0 290 0 0,21 0-223 0 0,0 0-1 0 0,0 0 0 0 0,-1 0 0 0 0,1 0 0 0 0,0 0 1 0 0,0-1-1 0 0,0 1 0 0 0,0 0 0 0 0,-1 0 0 0 0,1 0 1 0 0,0 0-1 0 0,0 0 0 0 0,0 0 0 0 0,0-1 1 0 0,-1 1-1 0 0,1 0 0 0 0,0 0 0 0 0,0 0 0 0 0,0-1 1 0 0,0 1-1 0 0,0 0 0 0 0,0 0 0 0 0,0 0 0 0 0,-1-1 1 0 0,1 1-1 0 0,0 0 0 0 0,0 0 0 0 0,0 0 1 0 0,0-1-1 0 0,0 1 0 0 0,0 0 0 0 0,0 0 0 0 0,0 0 1 0 0,0-1-1 0 0,0 1 0 0 0,0 0 0 0 0,0 0 0 0 0,1-1 1 0 0,-1 1-1 0 0,0 0 0 0 0,0 0 0 0 0,0 0 0 0 0,0 0 1 0 0,0-1-1 0 0,0 1 0 0 0,0 0 0 0 0,0 0 1 0 0,1 0-1 0 0,-1-1 0 0 0,0 1 0 0 0,0 0 0 0 0,0 0 1 0 0,0 0-1 0 0,1 0 0 0 0,-1 0 0 0 0,0 0 0 0 0,0 0 1 0 0,0-1-1 0 0,1 1 0 0 0,-1 0 0 0 0,0 0 0 0 0,0 0 1 0 0,0 0-1 0 0,1 0 0 0 0,-1 0 0 0 0,2-2-835 0 0,0 0-1 0 0,0 0 1 0 0,0-1 0 0 0,0 1-1 0 0,-1-1 1 0 0,0 1 0 0 0,1-1-1 0 0,-1 1 1 0 0,0-1-1 0 0,0 0 1 0 0,0 0 0 0 0,0 1-1 0 0,-1-1 1 0 0,1 0-1 0 0,-1 0 1 0 0,0-4 0 0 0,0-5-1270 0 0</inkml:trace>
-</inkml:ink>
-</file>
-
-<file path=ppt/ink/ink20.xml><?xml version="1.0" encoding="utf-8"?>
-<inkml:ink xmlns:inkml="http://www.w3.org/2003/InkML">
-  <inkml:definitions>
-    <inkml:context xml:id="ctx0">
-      <inkml:inkSource xml:id="inkSrc0">
-        <inkml:traceFormat>
-          <inkml:channel name="X" type="integer" min="-2.14748E9" max="2.14748E9" units="cm"/>
-          <inkml:channel name="Y" type="integer" min="-2.14748E9" max="2.14748E9" units="cm"/>
-          <inkml:channel name="F" type="integer" max="32767" units="dev"/>
-          <inkml:channel name="OA" type="integer" max="360" units="deg"/>
-          <inkml:channel name="OE" type="integer" max="90" units="deg"/>
-        </inkml:traceFormat>
-        <inkml:channelProperties>
-          <inkml:channelProperty channel="X" name="resolution" value="1000" units="1/cm"/>
-          <inkml:channelProperty channel="Y" name="resolution" value="1000" units="1/cm"/>
-          <inkml:channelProperty channel="F" name="resolution" value="0" units="1/dev"/>
-          <inkml:channelProperty channel="OA" name="resolution" value="1000" units="1/deg"/>
-          <inkml:channelProperty channel="OE" name="resolution" value="1000" units="1/deg"/>
-        </inkml:channelProperties>
-      </inkml:inkSource>
-      <inkml:timestamp xml:id="ts0" timeString="2020-05-26T02:55:52.892"/>
-    </inkml:context>
-    <inkml:brush xml:id="br0">
-      <inkml:brushProperty name="width" value="0.05" units="cm"/>
-      <inkml:brushProperty name="height" value="0.05" units="cm"/>
-      <inkml:brushProperty name="color" value="#FFC114"/>
-    </inkml:brush>
-  </inkml:definitions>
-  <inkml:trace contextRef="#ctx0" brushRef="#br0">988 386 316 0 0,'-21'5'2143'0'0,"-10"-3"3973"0"0,31-2-5447 0 0,1 2 6201 0 0,0-1-5068 0 0,-8-8-1471 0 0,7 6-299 0 0,0 1-15 0 0,15-28-122 0 0,-10-6 136 0 0,-5 33-37 0 0,0 1-3 0 0,0 0 6 0 0,0 0 13 0 0,0 0 6 0 0,-15-53 514 0 0,13 45-366 0 0,-1 1 0 0 0,0-1 0 0 0,0 1-1 0 0,0 0 1 0 0,-1 0 0 0 0,0 1 0 0 0,0-1 0 0 0,-8-8 0 0 0,2 0 65 0 0,-27-29 260 0 0,11 19-330 0 0,-33-26-72 0 0,41 38-86 0 0,11 7-2 0 0,-1 1 0 0 0,1 0 0 0 0,-1 0 0 0 0,0 0 1 0 0,0 1-1 0 0,-1 0 0 0 0,1 0 0 0 0,-1 1 0 0 0,0 0 1 0 0,0 1-1 0 0,-15-3 0 0 0,6 5-9 0 0,8 0-24 0 0,-1-1 0 0 0,0 1 0 0 0,0 1 0 0 0,0 0 1 0 0,1 0-1 0 0,-1 1 0 0 0,0 0 0 0 0,1 1 0 0 0,0 1 1 0 0,0-1-1 0 0,-19 11 0 0 0,-70 35 21 0 0,70-36 5 0 0,1 1-1 0 0,-44 29 1 0 0,59-33 7 0 0,2 1 1 0 0,-1 0-1 0 0,-10 13 1 0 0,-17 17-7 0 0,32-34-2 0 0,1 0 0 0 0,0 0 0 0 0,0 1 0 0 0,0 0 0 0 0,1 0 0 0 0,1 1 0 0 0,-8 16 0 0 0,-24 74 47 0 0,-6-10-853 0 0,41-94-1353 0 0,-11-26-13355 0 0,10 25 13768 0 0</inkml:trace>
-</inkml:ink>
-</file>
-
-<file path=ppt/ink/ink21.xml><?xml version="1.0" encoding="utf-8"?>
-<inkml:ink xmlns:inkml="http://www.w3.org/2003/InkML">
-  <inkml:definitions>
-    <inkml:context xml:id="ctx0">
-      <inkml:inkSource xml:id="inkSrc0">
-        <inkml:traceFormat>
-          <inkml:channel name="X" type="integer" min="-2.14748E9" max="2.14748E9" units="cm"/>
-          <inkml:channel name="Y" type="integer" min="-2.14748E9" max="2.14748E9" units="cm"/>
-          <inkml:channel name="F" type="integer" max="32767" units="dev"/>
-          <inkml:channel name="OA" type="integer" max="360" units="deg"/>
-          <inkml:channel name="OE" type="integer" max="90" units="deg"/>
-        </inkml:traceFormat>
-        <inkml:channelProperties>
-          <inkml:channelProperty channel="X" name="resolution" value="1000" units="1/cm"/>
-          <inkml:channelProperty channel="Y" name="resolution" value="1000" units="1/cm"/>
-          <inkml:channelProperty channel="F" name="resolution" value="0" units="1/dev"/>
-          <inkml:channelProperty channel="OA" name="resolution" value="1000" units="1/deg"/>
-          <inkml:channelProperty channel="OE" name="resolution" value="1000" units="1/deg"/>
-        </inkml:channelProperties>
-      </inkml:inkSource>
-      <inkml:timestamp xml:id="ts0" timeString="2020-05-26T02:55:54.204"/>
-    </inkml:context>
-    <inkml:brush xml:id="br0">
-      <inkml:brushProperty name="width" value="0.05" units="cm"/>
-      <inkml:brushProperty name="height" value="0.05" units="cm"/>
-      <inkml:brushProperty name="color" value="#FFC114"/>
-    </inkml:brush>
-  </inkml:definitions>
-  <inkml:trace contextRef="#ctx0" brushRef="#br0">20 39 272 0 0,'-2'-2'525'0'0,"0"0"0"0"0,0 0 0 0 0,0-1 0 0 0,1 1 0 0 0,-1-1 0 0 0,1 0 0 0 0,-1 1 0 0 0,1-1 0 0 0,0 0 0 0 0,0 0 0 0 0,0 0 0 0 0,-1-4 0 0 0,2 7-80 0 0,0 0 56 0 0,0 0 64 0 0,0 0 65 0 0,0 0 50 0 0,0 0 27 0 0,0 0-2 0 0,0 0-38 0 0,0 0-72 0 0,0 0-96 0 0,0 0-111 0 0,10 34 1015 0 0,36 114 791 0 0,-27-116-1470 0 0,-19-32-619 0 0,30-30 1257 0 0,31-12-1148 0 0,-30 21-96 0 0,33-28 1 0 0,-61 48-83 0 0,0-1-1 0 0,0 1 1 0 0,0 0 0 0 0,0 0-1 0 0,0 0 1 0 0,1 1 0 0 0,-1-1 0 0 0,0 1-1 0 0,1 0 1 0 0,-1 0 0 0 0,0 0 0 0 0,1 0-1 0 0,-1 0 1 0 0,4 2 0 0 0,15-3-826 0 0,-22 1 572 0 0,0-1-1 0 0,0 1 0 0 0,0-1 0 0 0,0 1 1 0 0,0-1-1 0 0,0 1 0 0 0,0-1 0 0 0,0 1 1 0 0,0-1-1 0 0,0 1 0 0 0,0-1 0 0 0,0 1 0 0 0,0-1 1 0 0,0 1-1 0 0,-1-1 0 0 0,1 1 0 0 0,0-1 1 0 0,0 1-1 0 0,-1-1 0 0 0,1 1 0 0 0,0-1 1 0 0,0 1-1 0 0,-1 0 0 0 0,1-1 0 0 0,-1 1 1 0 0,1-1-1 0 0,0 1 0 0 0,-1 0 0 0 0,1 0 1 0 0,-1-1-1 0 0,1 1 0 0 0,-1 0 0 0 0,1 0 1 0 0,-1-1-1 0 0,1 1 0 0 0,-1 0 0 0 0,0 0 15 0 0,1-1-1 0 0,0 1 0 0 0,0 0 0 0 0,0 0 0 0 0,-1-1 0 0 0,1 1 1 0 0,0 0-1 0 0,0 0 0 0 0,0-1 0 0 0,0 1 0 0 0,-1 0 0 0 0,1-1 1 0 0,0 1-1 0 0,0 0 0 0 0,0 0 0 0 0,0-1 0 0 0,0 1 0 0 0,0 0 0 0 0,0-1 1 0 0,0 1-1 0 0,0 0 0 0 0,0-1 0 0 0,0 1 0 0 0,0 0 0 0 0,0-1 1 0 0,0 1-1 0 0,0 0 0 0 0,0-1 0 0 0,0 1 0 0 0,1 0 0 0 0,-1 0 1 0 0,0-1-1 0 0,0 1 0 0 0,0 0 0 0 0,0-1 0 0 0,1 1 0 0 0,-1 0 1 0 0,0 0-1 0 0,1-1 0 0 0,3-3-1872 0 0</inkml:trace>
-</inkml:ink>
-</file>
-
-<file path=ppt/ink/ink22.xml><?xml version="1.0" encoding="utf-8"?>
-<inkml:ink xmlns:inkml="http://www.w3.org/2003/InkML">
-  <inkml:definitions>
-    <inkml:context xml:id="ctx0">
-      <inkml:inkSource xml:id="inkSrc0">
-        <inkml:traceFormat>
-          <inkml:channel name="X" type="integer" min="-2.14748E9" max="2.14748E9" units="cm"/>
-          <inkml:channel name="Y" type="integer" min="-2.14748E9" max="2.14748E9" units="cm"/>
-          <inkml:channel name="F" type="integer" max="32767" units="dev"/>
-          <inkml:channel name="OA" type="integer" max="360" units="deg"/>
-          <inkml:channel name="OE" type="integer" max="90" units="deg"/>
-        </inkml:traceFormat>
-        <inkml:channelProperties>
-          <inkml:channelProperty channel="X" name="resolution" value="1000" units="1/cm"/>
-          <inkml:channelProperty channel="Y" name="resolution" value="1000" units="1/cm"/>
-          <inkml:channelProperty channel="F" name="resolution" value="0" units="1/dev"/>
-          <inkml:channelProperty channel="OA" name="resolution" value="1000" units="1/deg"/>
-          <inkml:channelProperty channel="OE" name="resolution" value="1000" units="1/deg"/>
-        </inkml:channelProperties>
-      </inkml:inkSource>
-      <inkml:timestamp xml:id="ts0" timeString="2020-05-26T02:55:57.361"/>
-    </inkml:context>
-    <inkml:brush xml:id="br0">
-      <inkml:brushProperty name="width" value="0.05" units="cm"/>
-      <inkml:brushProperty name="height" value="0.05" units="cm"/>
-      <inkml:brushProperty name="color" value="#FFC114"/>
-    </inkml:brush>
-  </inkml:definitions>
-  <inkml:trace contextRef="#ctx0" brushRef="#br0">2395 764 40 0 0,'0'0'353'0'0,"0"0"3"0"0,-11 1 4623 0 0,-11 3-4068 0 0,22-4-751 0 0,0 0 1 0 0,0-1-1 0 0,0 1 0 0 0,0 0 1 0 0,0-1-1 0 0,0 1 1 0 0,-1 0-1 0 0,1 0 1 0 0,0-1-1 0 0,0 1 1 0 0,0 0-1 0 0,-1 0 1 0 0,1-1-1 0 0,0 1 1 0 0,0 0-1 0 0,-1 0 1 0 0,1 0-1 0 0,0-1 0 0 0,0 1 1 0 0,-1 0-1 0 0,1 0 1 0 0,0 0-1 0 0,-1 0 1 0 0,1 0-1 0 0,0 0 1 0 0,0-1-1 0 0,-1 1 1 0 0,1 0-1 0 0,0 0 1 0 0,-1 0-1 0 0,1 0 1 0 0,0 0-1 0 0,-1 0 1 0 0,1 0-1 0 0,0 0 0 0 0,-1 1 1 0 0,1-1-1 0 0,0 0 1 0 0,-1 0-1 0 0,1 0 1 0 0,0 0-1 0 0,0 0 1 0 0,-1 0-1 0 0,1 1 1 0 0,0-1-1 0 0,0 0 1 0 0,-1 0-1 0 0,1 0 1 0 0,0 1-1 0 0,0-1 0 0 0,-1 0 1 0 0,1 0-1 0 0,0 1 1 0 0,0-1-1 0 0,0 0 1 0 0,-1 1-1 0 0,-2-48 672 0 0,1 16-554 0 0,-1 11-181 0 0,-1 0 0 0 0,-1 0 0 0 0,0 0 0 0 0,-2 1 0 0 0,0 0 0 0 0,-2 0 0 0 0,0 1 0 0 0,0 0 0 0 0,-2 0 0 0 0,0 1 0 0 0,-19-21 0 0 0,-25-30 1031 0 0,40 47-813 0 0,0 1 1 0 0,-30-28-1 0 0,10 14 89 0 0,19 18-345 0 0,1 1 0 0 0,-26-17 1 0 0,-2 6 144 0 0,-86-37 0 0 0,118 58-152 0 0,-48-21 57 0 0,-66-19 0 0 0,97 37-75 0 0,0 3 0 0 0,-1 0-1 0 0,1 2 1 0 0,-48 0 0 0 0,-118 17-93 0 0,165-8 62 0 0,1 1 0 0 0,0 2 0 0 0,0 0 0 0 0,-39 20-1 0 0,-3 1 31 0 0,5-1-45 0 0,2 2 0 0 0,-61 41 0 0 0,123-71 12 0 0,-30 20 10 0 0,1 1 0 0 0,1 2 0 0 0,-29 31 0 0 0,3-4-3 0 0,29-26-26 0 0,-140 135-296 0 0,121-112 190 0 0,18-20 112 0 0,-44 59-1 0 0,-29 35-31 0 0,58-73 61 0 0,2-2 453 0 0,38-46-312 0 0,3-5-306 0 0,0-5-3299 0 0,-6 8-7361 0 0,-3-2 6531 0 0,1-9 2206 0 0,7 12 1930 0 0,-3-5-456 0 0</inkml:trace>
-</inkml:ink>
-</file>
-
-<file path=ppt/ink/ink23.xml><?xml version="1.0" encoding="utf-8"?>
-<inkml:ink xmlns:inkml="http://www.w3.org/2003/InkML">
-  <inkml:definitions>
-    <inkml:context xml:id="ctx0">
-      <inkml:inkSource xml:id="inkSrc0">
-        <inkml:traceFormat>
-          <inkml:channel name="X" type="integer" min="-2.14748E9" max="2.14748E9" units="cm"/>
-          <inkml:channel name="Y" type="integer" min="-2.14748E9" max="2.14748E9" units="cm"/>
-          <inkml:channel name="F" type="integer" max="32767" units="dev"/>
-          <inkml:channel name="OA" type="integer" max="360" units="deg"/>
-          <inkml:channel name="OE" type="integer" max="90" units="deg"/>
-        </inkml:traceFormat>
-        <inkml:channelProperties>
-          <inkml:channelProperty channel="X" name="resolution" value="1000" units="1/cm"/>
-          <inkml:channelProperty channel="Y" name="resolution" value="1000" units="1/cm"/>
-          <inkml:channelProperty channel="F" name="resolution" value="0" units="1/dev"/>
-          <inkml:channelProperty channel="OA" name="resolution" value="1000" units="1/deg"/>
-          <inkml:channelProperty channel="OE" name="resolution" value="1000" units="1/deg"/>
-        </inkml:channelProperties>
-      </inkml:inkSource>
-      <inkml:timestamp xml:id="ts0" timeString="2020-05-26T02:55:58.559"/>
-    </inkml:context>
-    <inkml:brush xml:id="br0">
-      <inkml:brushProperty name="width" value="0.05" units="cm"/>
-      <inkml:brushProperty name="height" value="0.05" units="cm"/>
-      <inkml:brushProperty name="color" value="#FFC114"/>
-    </inkml:brush>
-  </inkml:definitions>
-  <inkml:trace contextRef="#ctx0" brushRef="#br0">59 133 176 0 0,'-15'-26'1434'0'0,"13"23"-1279"0"0,0 1 0 0 0,0-1 0 0 0,0 1 0 0 0,1-1 0 0 0,-1 0 0 0 0,1 1 0 0 0,0-1 0 0 0,0 0 0 0 0,0 0 0 0 0,0 0 0 0 0,-1-5 0 0 0,-10-31 428 0 0,-1 10 4115 0 0,13 29-4049 0 0,0-1 4439 0 0,0 2-4793 0 0,2 5-271 0 0,1 1 0 0 0,-1-1 0 0 0,-1 1-1 0 0,1 0 1 0 0,-1 0 0 0 0,-1-1-1 0 0,1 1 1 0 0,-1 0 0 0 0,-1 8 0 0 0,5 38 314 0 0,2-30 7 0 0,-2 0 1 0 0,1 30 0 0 0,-5-53-294 0 0,10 31 619 0 0,-9-33-595 0 0,-1 0-1 0 0,1 0 1 0 0,-1 0 0 0 0,1 0 0 0 0,0 1-1 0 0,-1-1 1 0 0,1 0 0 0 0,0 0 0 0 0,0 0 0 0 0,1 1-1 0 0,-1-1 1 0 0,0 1 0 0 0,0-1 0 0 0,1 1-1 0 0,-1-1 1 0 0,1 1 0 0 0,-1 0 0 0 0,1 0-1 0 0,0 0 1 0 0,-1 0 0 0 0,1 0 0 0 0,0 0-1 0 0,4-1 1 0 0,62-21-104 0 0,-9 2 74 0 0,-36 8-71 0 0,-17 8 39 0 0,0 1 0 0 0,0 0 0 0 0,1 0 0 0 0,0 1 0 0 0,0 0 0 0 0,0 0 0 0 0,11-3 0 0 0,-17 5 1469 0 0,-9-1-4266 0 0,-12-1-11607 0 0,20 3 12234 0 0</inkml:trace>
-</inkml:ink>
-</file>
-
-<file path=ppt/ink/ink24.xml><?xml version="1.0" encoding="utf-8"?>
-<inkml:ink xmlns:inkml="http://www.w3.org/2003/InkML">
-  <inkml:definitions>
-    <inkml:context xml:id="ctx0">
-      <inkml:inkSource xml:id="inkSrc0">
-        <inkml:traceFormat>
-          <inkml:channel name="X" type="integer" min="-2.14748E9" max="2.14748E9" units="cm"/>
-          <inkml:channel name="Y" type="integer" min="-2.14748E9" max="2.14748E9" units="cm"/>
-          <inkml:channel name="F" type="integer" max="32767" units="dev"/>
-          <inkml:channel name="OA" type="integer" max="360" units="deg"/>
-          <inkml:channel name="OE" type="integer" max="90" units="deg"/>
-        </inkml:traceFormat>
-        <inkml:channelProperties>
-          <inkml:channelProperty channel="X" name="resolution" value="1000" units="1/cm"/>
-          <inkml:channelProperty channel="Y" name="resolution" value="1000" units="1/cm"/>
-          <inkml:channelProperty channel="F" name="resolution" value="0" units="1/dev"/>
-          <inkml:channelProperty channel="OA" name="resolution" value="1000" units="1/deg"/>
-          <inkml:channelProperty channel="OE" name="resolution" value="1000" units="1/deg"/>
-        </inkml:channelProperties>
-      </inkml:inkSource>
-      <inkml:timestamp xml:id="ts0" timeString="2020-05-26T02:56:06.227"/>
-    </inkml:context>
-    <inkml:brush xml:id="br0">
-      <inkml:brushProperty name="width" value="0.05" units="cm"/>
-      <inkml:brushProperty name="height" value="0.05" units="cm"/>
-      <inkml:brushProperty name="color" value="#F6630D"/>
-    </inkml:brush>
-  </inkml:definitions>
-  <inkml:trace contextRef="#ctx0" brushRef="#br0">1191 631 408 0 0,'-1'1'9834'0'0,"-1"-2"-4539"0"0,-2-2-3019 0 0,-2-14-2701 0 0,6-2 433 0 0,-1 1 0 0 0,-1-1 0 0 0,-1 0-1 0 0,0 1 1 0 0,-1 0 0 0 0,-1-1 0 0 0,-1 2-1 0 0,-1-1 1 0 0,0 1 0 0 0,-1 0 0 0 0,-18-27 0 0 0,-9-22 491 0 0,26 48-231 0 0,0 0-1 0 0,-2 0 0 0 0,0 1 1 0 0,-21-26-1 0 0,18 29 9 0 0,0 0 1 0 0,-1 0 0 0 0,-1 2-1 0 0,0-1 1 0 0,-32-17-1 0 0,23 18-185 0 0,0 0 0 0 0,-1 2 0 0 0,-40-12 0 0 0,19 8-7 0 0,35 10-87 0 0,-1 0 0 0 0,1 0 0 0 0,-1 1 0 0 0,1 1 1 0 0,-1 0-1 0 0,0 1 0 0 0,0 0 0 0 0,-24 2 0 0 0,17 1-13 0 0,1 1-1 0 0,0 0 0 0 0,0 2 0 0 0,0 0 1 0 0,0 1-1 0 0,1 1 0 0 0,0 1 1 0 0,0 0-1 0 0,1 1 0 0 0,0 1 0 0 0,0 1 1 0 0,-21 18-1 0 0,15-8-14 0 0,2 0 1 0 0,0 1-1 0 0,2 1 1 0 0,0 1-1 0 0,2 1 1 0 0,1 0-1 0 0,1 1 1 0 0,1 1-1 0 0,-14 36 1 0 0,3-5 42 0 0,16-38-27 0 0,0 1 0 0 0,-10 37 1 0 0,10-22 34 0 0,4-23-20 0 0,2 0 0 0 0,0 0 0 0 0,-2 27 0 0 0,5-40 19 0 0,0 0 14 0 0,0 0 13 0 0,1-3-396 0 0,-1-1 0 0 0,1 1 0 0 0,-1-1 0 0 0,0 1 1 0 0,1-1-1 0 0,-2 1 0 0 0,1-1 0 0 0,0 1 1 0 0,-2-5-1 0 0,2-3-934 0 0,-8-81-13171 0 0,6 81 13177 0 0</inkml:trace>
-</inkml:ink>
-</file>
-
-<file path=ppt/ink/ink25.xml><?xml version="1.0" encoding="utf-8"?>
-<inkml:ink xmlns:inkml="http://www.w3.org/2003/InkML">
-  <inkml:definitions>
-    <inkml:context xml:id="ctx0">
-      <inkml:inkSource xml:id="inkSrc0">
-        <inkml:traceFormat>
-          <inkml:channel name="X" type="integer" min="-2.14748E9" max="2.14748E9" units="cm"/>
-          <inkml:channel name="Y" type="integer" min="-2.14748E9" max="2.14748E9" units="cm"/>
-          <inkml:channel name="F" type="integer" max="32767" units="dev"/>
-          <inkml:channel name="OA" type="integer" max="360" units="deg"/>
-          <inkml:channel name="OE" type="integer" max="90" units="deg"/>
-        </inkml:traceFormat>
-        <inkml:channelProperties>
-          <inkml:channelProperty channel="X" name="resolution" value="1000" units="1/cm"/>
-          <inkml:channelProperty channel="Y" name="resolution" value="1000" units="1/cm"/>
-          <inkml:channelProperty channel="F" name="resolution" value="0" units="1/dev"/>
-          <inkml:channelProperty channel="OA" name="resolution" value="1000" units="1/deg"/>
-          <inkml:channelProperty channel="OE" name="resolution" value="1000" units="1/deg"/>
-        </inkml:channelProperties>
-      </inkml:inkSource>
-      <inkml:timestamp xml:id="ts0" timeString="2020-05-26T02:56:07.224"/>
-    </inkml:context>
-    <inkml:brush xml:id="br0">
-      <inkml:brushProperty name="width" value="0.05" units="cm"/>
-      <inkml:brushProperty name="height" value="0.05" units="cm"/>
-      <inkml:brushProperty name="color" value="#F6630D"/>
-    </inkml:brush>
-  </inkml:definitions>
-  <inkml:trace contextRef="#ctx0" brushRef="#br0">18 23 4 0 0,'-6'-12'3344'0'0,"6"12"-3207"0"0,0-1 0 0 0,0 1 1 0 0,0-1-1 0 0,0 1 0 0 0,0-1 0 0 0,-1 1 0 0 0,1-1 0 0 0,0 1 1 0 0,0 0-1 0 0,0-1 0 0 0,0 1 0 0 0,-1-1 0 0 0,1 1 0 0 0,0 0 1 0 0,-1-1-1 0 0,1 1 0 0 0,0 0 0 0 0,0-1 0 0 0,-1 1 0 0 0,1 0 1 0 0,-1-1-1 0 0,1 1 0 0 0,0 0 0 0 0,-1 0 0 0 0,1-1 0 0 0,-1 1 0 0 0,1 0 1 0 0,0 0-1 0 0,-1 0 0 0 0,1 0 0 0 0,-1 0 0 0 0,1 0 0 0 0,-1 0 1 0 0,0-1-1 0 0,1 1 185 0 0,0 0-37 0 0,0 0-47 0 0,0 0-42 0 0,0 0-36 0 0,2 9 4635 0 0,7 30-3293 0 0,2 20-658 0 0,-8-38-725 0 0,0 0 0 0 0,2-1-1 0 0,0 0 1 0 0,12 28 0 0 0,8 12 81 0 0,-25-59-168 0 0,4 9-114 0 0,-4-11 105 0 0,0 1 0 0 0,1 0-1 0 0,-1 0 1 0 0,0 0-1 0 0,0 0 1 0 0,0 0 0 0 0,0 0-1 0 0,0 0 1 0 0,0 0-1 0 0,0 0 1 0 0,0 0 0 0 0,0 0-1 0 0,0 0 1 0 0,0 0-1 0 0,0 0 1 0 0,0 0-1 0 0,0 0 1 0 0,0 0 0 0 0,1 0-1 0 0,-1-1 1 0 0,0 1-1 0 0,0 0 1 0 0,0 0 0 0 0,0 0-1 0 0,0 0 1 0 0,0 0-1 0 0,0 0 1 0 0,0 0 0 0 0,0 0-1 0 0,0 0 1 0 0,0 0-1 0 0,1 1 1 0 0,-1-1 0 0 0,0 0-1 0 0,0 0 1 0 0,0 0-1 0 0,0 0 1 0 0,0 0-1 0 0,0 0 1 0 0,0 0 0 0 0,0-1 213 0 0,45-39 1073 0 0,-33 32-1307 0 0,0 0-1 0 0,1 0 1 0 0,0 2-1 0 0,0-1 1 0 0,1 2-1 0 0,21-7 0 0 0,17-8 92 0 0,-30 17-116 0 0,-13 0-365 0 0,-24-7-1130 0 0,-13-13-3884 0 0,27 22 4980 0 0,0 0 0 0 0,0 0 0 0 0,0 0 1 0 0,0-1-1 0 0,0 1 0 0 0,0 0 1 0 0,1 0-1 0 0,-1 0 0 0 0,0 0 0 0 0,1-1 1 0 0,-1 1-1 0 0,1 0 0 0 0,0-1 1 0 0,-1 1-1 0 0,1 0 0 0 0,0-1 1 0 0,0 1-1 0 0,-1-1 0 0 0,1 1 0 0 0,0 0 1 0 0,1-1-1 0 0,-1 1 0 0 0,0-3 1 0 0,7-3-1389 0 0</inkml:trace>
-</inkml:ink>
-</file>
-
-<file path=ppt/ink/ink26.xml><?xml version="1.0" encoding="utf-8"?>
-<inkml:ink xmlns:inkml="http://www.w3.org/2003/InkML">
-  <inkml:definitions>
-    <inkml:context xml:id="ctx0">
-      <inkml:inkSource xml:id="inkSrc0">
-        <inkml:traceFormat>
-          <inkml:channel name="X" type="integer" min="-2.14748E9" max="2.14748E9" units="cm"/>
-          <inkml:channel name="Y" type="integer" min="-2.14748E9" max="2.14748E9" units="cm"/>
-          <inkml:channel name="F" type="integer" max="32767" units="dev"/>
-          <inkml:channel name="OA" type="integer" max="360" units="deg"/>
-          <inkml:channel name="OE" type="integer" max="90" units="deg"/>
-        </inkml:traceFormat>
-        <inkml:channelProperties>
-          <inkml:channelProperty channel="X" name="resolution" value="1000" units="1/cm"/>
-          <inkml:channelProperty channel="Y" name="resolution" value="1000" units="1/cm"/>
-          <inkml:channelProperty channel="F" name="resolution" value="0" units="1/dev"/>
-          <inkml:channelProperty channel="OA" name="resolution" value="1000" units="1/deg"/>
-          <inkml:channelProperty channel="OE" name="resolution" value="1000" units="1/deg"/>
-        </inkml:channelProperties>
-      </inkml:inkSource>
-      <inkml:timestamp xml:id="ts0" timeString="2020-05-26T02:56:10.461"/>
-    </inkml:context>
-    <inkml:brush xml:id="br0">
-      <inkml:brushProperty name="width" value="0.05" units="cm"/>
-      <inkml:brushProperty name="height" value="0.05" units="cm"/>
-      <inkml:brushProperty name="color" value="#F6630D"/>
-    </inkml:brush>
-  </inkml:definitions>
-  <inkml:trace contextRef="#ctx0" brushRef="#br0">3151 1207 452 0 0,'-15'48'1550'0'0,"16"-48"-1440"0"0,0 1 1 0 0,0-1 0 0 0,0 0 0 0 0,0 0 0 0 0,0 0 0 0 0,0 0 0 0 0,0 1 0 0 0,0-1 0 0 0,0 1-1 0 0,0-1 1 0 0,0 0 0 0 0,0 1 0 0 0,0 0 0 0 0,-1-1 0 0 0,1 1 0 0 0,0 0 0 0 0,0-1-1 0 0,0 1 1 0 0,0 1 0 0 0,-1-2-138 0 0,1 0 66 0 0,-1 0 20 0 0,0-3 7292 0 0,3-4-3611 0 0,9-37-2841 0 0,-8 21-713 0 0,-1 0 0 0 0,-1 0 0 0 0,-1 0 0 0 0,-3-39 0 0 0,1 9-118 0 0,0 33 11 0 0,-1 0 0 0 0,-1 0 1 0 0,-1 0-1 0 0,0 0 0 0 0,-2 0 1 0 0,-14-33-1 0 0,-1 6 868 0 0,-40-65-1 0 0,24 58-346 0 0,-3 2 0 0 0,-1 1-1 0 0,-52-47 1 0 0,47 55-356 0 0,-3 2 0 0 0,-1 3 0 0 0,-62-38 0 0 0,67 51-232 0 0,-89-38-1 0 0,72 36-89 0 0,16 8 58 0 0,-1 1 0 0 0,-1 3-1 0 0,0 1 1 0 0,-74-9 0 0 0,51 15-13 0 0,0 3 0 0 0,0 4 0 0 0,-139 14 0 0 0,167-6-8 0 0,1 1 0 0 0,0 3 0 0 0,1 1 1 0 0,0 2-1 0 0,1 2 0 0 0,1 2 0 0 0,0 1 0 0 0,1 2 1 0 0,-45 33-1 0 0,-56 51-462 0 0,95-77 463 0 0,-64 31-1 0 0,83-46 35 0 0,-30 18-101 0 0,1 2 0 0 0,2 2 1 0 0,2 3-1 0 0,-47 45 0 0 0,53-42-100 0 0,2 2 0 0 0,-43 56 1 0 0,48-48 196 0 0,2 2 1 0 0,2 1-1 0 0,-26 62 1 0 0,36-68 14 0 0,2 1 1 0 0,-19 63-1 0 0,40-111-4 0 0,-8 30 36 0 0,-25 59-1 0 0,31-85 7 0 0,0 0 0 0 0,0 1 0 0 0,0 0 0 0 0,0-1 0 0 0,1 1-1 0 0,-1 10 1 0 0,2-16-14 0 0,0 0-3 0 0,0 0-10 0 0,0 0-9 0 0,0 0 4 0 0,0 0 0 0 0,0 0-8 0 0,0 0-12 0 0,0 0-17 0 0,0 0-11 0 0,0 0-11 0 0,0 0-14 0 0,-24-18-5855 0 0,11-19-1930 0 0,-14-35 1582 0 0,24 64 5616 0 0</inkml:trace>
-</inkml:ink>
-</file>
-
-<file path=ppt/ink/ink27.xml><?xml version="1.0" encoding="utf-8"?>
-<inkml:ink xmlns:inkml="http://www.w3.org/2003/InkML">
-  <inkml:definitions>
-    <inkml:context xml:id="ctx0">
-      <inkml:inkSource xml:id="inkSrc0">
-        <inkml:traceFormat>
-          <inkml:channel name="X" type="integer" min="-2.14748E9" max="2.14748E9" units="cm"/>
-          <inkml:channel name="Y" type="integer" min="-2.14748E9" max="2.14748E9" units="cm"/>
-          <inkml:channel name="F" type="integer" max="32767" units="dev"/>
-          <inkml:channel name="OA" type="integer" max="360" units="deg"/>
-          <inkml:channel name="OE" type="integer" max="90" units="deg"/>
-        </inkml:traceFormat>
-        <inkml:channelProperties>
-          <inkml:channelProperty channel="X" name="resolution" value="1000" units="1/cm"/>
-          <inkml:channelProperty channel="Y" name="resolution" value="1000" units="1/cm"/>
-          <inkml:channelProperty channel="F" name="resolution" value="0" units="1/dev"/>
-          <inkml:channelProperty channel="OA" name="resolution" value="1000" units="1/deg"/>
-          <inkml:channelProperty channel="OE" name="resolution" value="1000" units="1/deg"/>
-        </inkml:channelProperties>
-      </inkml:inkSource>
-      <inkml:timestamp xml:id="ts0" timeString="2020-05-26T02:56:11.625"/>
-    </inkml:context>
-    <inkml:brush xml:id="br0">
-      <inkml:brushProperty name="width" value="0.05" units="cm"/>
-      <inkml:brushProperty name="height" value="0.05" units="cm"/>
-      <inkml:brushProperty name="color" value="#F6630D"/>
-    </inkml:brush>
-  </inkml:definitions>
-  <inkml:trace contextRef="#ctx0" brushRef="#br0">0 6 128 0 0,'0'0'75'0'0,"0"0"0"0"0,0-1 1 0 0,0 1-1 0 0,0 0 0 0 0,0 0 0 0 0,0 0 0 0 0,0 0 0 0 0,0-1 1 0 0,0 1-1 0 0,0 0 0 0 0,0 0 0 0 0,0 0 0 0 0,0 0 0 0 0,0-1 1 0 0,0 1-1 0 0,0 0 0 0 0,0 0 0 0 0,0 0 0 0 0,0 0 1 0 0,1 0-1 0 0,-1-1 0 0 0,0 1 0 0 0,0 0 0 0 0,0 0 0 0 0,0 0 1 0 0,0 0-1 0 0,0 0 0 0 0,0-1 0 0 0,1 1 0 0 0,-1 0 1 0 0,0 0-1 0 0,0 0 0 0 0,0 0 0 0 0,0 0 0 0 0,0 0 0 0 0,1 0 1 0 0,-1 0-1 0 0,0 0 0 0 0,0 0 0 0 0,0 0 0 0 0,0 0 0 0 0,1 0 1 0 0,-1 0-1 0 0,0 0 0 0 0,0 0 0 0 0,0 0 0 0 0,0 0 1 0 0,1 0-1 0 0,-1 0 0 0 0,0 0 0 0 0,0 0 0 0 0,0 0 0 0 0,0 0 1 0 0,1 0-1 0 0,-1 0 0 0 0,13 10 1123 0 0,12 18 127 0 0,-24-27-781 0 0,38 51 4611 0 0,14 31-3148 0 0,-10-16-817 0 0,-23-35 54 0 0,-19-30-1238 0 0,-1 0-1 0 0,0 1 1 0 0,1-1-1 0 0,0 0 1 0 0,0 0 0 0 0,-1 0-1 0 0,1 0 1 0 0,0 0 0 0 0,1 0-1 0 0,-1 0 1 0 0,0 0 0 0 0,1 0-1 0 0,-1 0 1 0 0,1 0 0 0 0,-1-1-1 0 0,1 1 1 0 0,0-1-1 0 0,-1 1 1 0 0,5 1 0 0 0,-3 0 16 0 0,-3-1-21 0 0,0 0-4 0 0,0-2 1 0 0,6-10 46 0 0,1 1 0 0 0,0 0 1 0 0,0 0-1 0 0,1 1 1 0 0,14-13-1 0 0,24-27-56 0 0,-2-2 19 0 0,-39 38-7 0 0,-5 12-6 0 0,0 0 0 0 0,0 0 0 0 0,0 0 0 0 0,0 0 1 0 0,0 0-1 0 0,0 0 0 0 0,0 0 0 0 0,0 0 0 0 0,0 0 1 0 0,-1 0-1 0 0,1 0 0 0 0,0 0 0 0 0,0 0 0 0 0,0 0 0 0 0,0 0 1 0 0,0 0-1 0 0,0 0 0 0 0,0 0 0 0 0,0 0 0 0 0,0 0 1 0 0,0 0-1 0 0,0 0 0 0 0,0 0 0 0 0,0 0 0 0 0,0 0 0 0 0,0 0 1 0 0,-1 0-1 0 0,1 0 0 0 0,0 0 0 0 0,0 0-77 0 0,-2-1-3857 0 0,-3-2-6093 0 0,5 3 8123 0 0</inkml:trace>
-</inkml:ink>
-</file>
-
-<file path=ppt/ink/ink28.xml><?xml version="1.0" encoding="utf-8"?>
-<inkml:ink xmlns:inkml="http://www.w3.org/2003/InkML">
-  <inkml:definitions>
-    <inkml:context xml:id="ctx0">
-      <inkml:inkSource xml:id="inkSrc0">
-        <inkml:traceFormat>
-          <inkml:channel name="X" type="integer" min="-2.14748E9" max="2.14748E9" units="cm"/>
-          <inkml:channel name="Y" type="integer" min="-2.14748E9" max="2.14748E9" units="cm"/>
-          <inkml:channel name="F" type="integer" max="32767" units="dev"/>
-          <inkml:channel name="OA" type="integer" max="360" units="deg"/>
-          <inkml:channel name="OE" type="integer" max="90" units="deg"/>
-        </inkml:traceFormat>
-        <inkml:channelProperties>
-          <inkml:channelProperty channel="X" name="resolution" value="1000" units="1/cm"/>
-          <inkml:channelProperty channel="Y" name="resolution" value="1000" units="1/cm"/>
-          <inkml:channelProperty channel="F" name="resolution" value="0" units="1/dev"/>
-          <inkml:channelProperty channel="OA" name="resolution" value="1000" units="1/deg"/>
-          <inkml:channelProperty channel="OE" name="resolution" value="1000" units="1/deg"/>
-        </inkml:channelProperties>
-      </inkml:inkSource>
-      <inkml:timestamp xml:id="ts0" timeString="2020-05-26T02:56:19.401"/>
-    </inkml:context>
-    <inkml:brush xml:id="br0">
-      <inkml:brushProperty name="width" value="0.05" units="cm"/>
-      <inkml:brushProperty name="height" value="0.05" units="cm"/>
-      <inkml:brushProperty name="color" value="#008C3A"/>
-    </inkml:brush>
-  </inkml:definitions>
-  <inkml:trace contextRef="#ctx0" brushRef="#br0">1399 607 136 0 0,'-3'-9'4211'0'0,"-7"-24"-2565"0"0,10 30-1251 0 0,-2-5 2387 0 0,-6 7 3923 0 0,8 1-6209 0 0,-1-28 3100 0 0,-1 16-3366 0 0,1-1 0 0 0,-2 0 1 0 0,-5-20-1 0 0,-34-91 431 0 0,28 93-474 0 0,-1 1-1 0 0,-1 1 1 0 0,-1 0 0 0 0,-2 2 0 0 0,-28-34 0 0 0,39 51-113 0 0,-1 0 0 0 0,0 0 0 0 0,-1 1 0 0 0,0 0 0 0 0,0 1 1 0 0,-1 1-1 0 0,0-1 0 0 0,0 1 0 0 0,-25-10 0 0 0,17 11-75 0 0,0 0 0 0 0,-1 2 0 0 0,0 0 0 0 0,0 1 0 0 0,-1 0 1 0 0,1 2-1 0 0,0 1 0 0 0,-1 0 0 0 0,1 2 0 0 0,0 0 0 0 0,0 1 0 0 0,-27 8 0 0 0,22-6 85 0 0,1-1-1 0 0,0-1 0 0 0,-28-1 1 0 0,47-1-87 0 0,0 0 1 0 0,0 0-1 0 0,0 0 1 0 0,0 0 0 0 0,0 1-1 0 0,-8 3 1 0 0,-22 6 0 0 0,35-11 10 0 0,-36 18-69 0 0,-122 90-17 0 0,124-84 38 0 0,-50 44 0 0 0,34-28 25 0 0,32-28 2 0 0,2 1 0 0 0,-1 1-1 0 0,-18 22 1 0 0,3-7-15 0 0,27-25 17 0 0,-1 1 0 0 0,1 0 0 0 0,0 0 0 0 0,0 0 0 0 0,0 0 0 0 0,-6 11 0 0 0,0-1-115 0 0,9-13 109 0 0,-1 0 0 0 0,1 1 0 0 0,0 0-1 0 0,0 0 1 0 0,1-1 0 0 0,-1 1 0 0 0,1 0 0 0 0,-1 1 0 0 0,1-1 0 0 0,0 0 0 0 0,0 0 0 0 0,-1 6-1 0 0,-12 9-194 0 0,8-13-48 0 0,8-8-572 0 0,-1 1-360 0 0,0-1-1 0 0,0 0 1 0 0,0 0 0 0 0,0 0 0 0 0,-1 0 0 0 0,1 0 0 0 0,-1 0 0 0 0,0 0 0 0 0,0 0-1 0 0,-1-6 1 0 0,2-16-5085 0 0,4 14 4635 0 0</inkml:trace>
-</inkml:ink>
-</file>
-
-<file path=ppt/ink/ink29.xml><?xml version="1.0" encoding="utf-8"?>
-<inkml:ink xmlns:inkml="http://www.w3.org/2003/InkML">
-  <inkml:definitions>
-    <inkml:context xml:id="ctx0">
-      <inkml:inkSource xml:id="inkSrc0">
-        <inkml:traceFormat>
-          <inkml:channel name="X" type="integer" min="-2.14748E9" max="2.14748E9" units="cm"/>
-          <inkml:channel name="Y" type="integer" min="-2.14748E9" max="2.14748E9" units="cm"/>
-          <inkml:channel name="F" type="integer" max="32767" units="dev"/>
-          <inkml:channel name="OA" type="integer" max="360" units="deg"/>
-          <inkml:channel name="OE" type="integer" max="90" units="deg"/>
-        </inkml:traceFormat>
-        <inkml:channelProperties>
-          <inkml:channelProperty channel="X" name="resolution" value="1000" units="1/cm"/>
-          <inkml:channelProperty channel="Y" name="resolution" value="1000" units="1/cm"/>
-          <inkml:channelProperty channel="F" name="resolution" value="0" units="1/dev"/>
-          <inkml:channelProperty channel="OA" name="resolution" value="1000" units="1/deg"/>
-          <inkml:channelProperty channel="OE" name="resolution" value="1000" units="1/deg"/>
-        </inkml:channelProperties>
-      </inkml:inkSource>
-      <inkml:timestamp xml:id="ts0" timeString="2020-05-26T02:56:20.178"/>
-    </inkml:context>
-    <inkml:brush xml:id="br0">
-      <inkml:brushProperty name="width" value="0.05" units="cm"/>
-      <inkml:brushProperty name="height" value="0.05" units="cm"/>
-      <inkml:brushProperty name="color" value="#008C3A"/>
-    </inkml:brush>
-  </inkml:definitions>
-  <inkml:trace contextRef="#ctx0" brushRef="#br0">116 2 388 0 0,'0'1'141'0'0,"0"-1"0"0"0,0 0-1 0 0,0 0 1 0 0,0 0 0 0 0,0 0 0 0 0,0 0 0 0 0,-1 0-1 0 0,1 0 1 0 0,0 0 0 0 0,0 0 0 0 0,0 0 0 0 0,0 0 0 0 0,0 0-1 0 0,0 0 1 0 0,0 0 0 0 0,0 0 0 0 0,0 0 0 0 0,-1 0-1 0 0,1 0 1 0 0,0 0 0 0 0,0 0 0 0 0,0 0 0 0 0,0 0-1 0 0,0 0 1 0 0,0 0 0 0 0,0 0 0 0 0,0 0 0 0 0,-1 0-1 0 0,1 0 1 0 0,0 0 0 0 0,0 0 0 0 0,0 0 0 0 0,0 0-1 0 0,0-1 1 0 0,0 1 0 0 0,0 0 0 0 0,0 0 0 0 0,0 0-1 0 0,0 0 1 0 0,0 0 0 0 0,0 0 0 0 0,0 0 0 0 0,0 0 0 0 0,-1 0-1 0 0,1 0 1 0 0,0 0 0 0 0,0-1 0 0 0,0 1 0 0 0,0 0-1 0 0,0 0 1 0 0,0 0 0 0 0,0 0 0 0 0,0 0 0 0 0,0 0-1 0 0,0-1 1 0 0,-8 16 2959 0 0,-8 22-679 0 0,-14 47-40 0 0,10-29-1935 0 0,-15 60-1 0 0,35-115-441 0 0,-1 1 1 0 0,1-1-1 0 0,0 1 0 0 0,0-1 0 0 0,-1 1 1 0 0,1 0-1 0 0,0-1 0 0 0,0 1 0 0 0,-1-1 0 0 0,1 1 1 0 0,0 0-1 0 0,0-1 0 0 0,0 1 0 0 0,0 0 1 0 0,0-1-1 0 0,0 1 0 0 0,0-1 0 0 0,0 1 0 0 0,0 0 1 0 0,0-1-1 0 0,1 1 0 0 0,-1-1 0 0 0,0 1 1 0 0,0 0-1 0 0,1-1 0 0 0,-1 1 0 0 0,0-1 1 0 0,0 1-1 0 0,1-1 0 0 0,-1 1 0 0 0,1-1 0 0 0,-1 1 1 0 0,0-1-1 0 0,1 1 0 0 0,-1-1 0 0 0,1 0 1 0 0,-1 1-1 0 0,1-1 0 0 0,-1 0 0 0 0,1 1 0 0 0,0-1 1 0 0,29-9 72 0 0,-20 5-80 0 0,14-4 2 0 0,1 1 0 0 0,-1 1 0 0 0,1 2 0 0 0,0 0 0 0 0,1 2 0 0 0,-1 0 0 0 0,37 4 0 0 0,-31-2-4 0 0,-2-5-22 0 0,-25 4 14 0 0,-1 0 0 0 0,1 0 0 0 0,0 0-1 0 0,0 1 1 0 0,0-1 0 0 0,0 1 0 0 0,0 0-1 0 0,0 0 1 0 0,-1 0 0 0 0,1 0 0 0 0,0 1-1 0 0,0 0 1 0 0,0-1 0 0 0,4 3 0 0 0,-43-36-14117 0 0,32 28 12164 0 0</inkml:trace>
-</inkml:ink>
-</file>
-
-<file path=ppt/ink/ink3.xml><?xml version="1.0" encoding="utf-8"?>
-<inkml:ink xmlns:inkml="http://www.w3.org/2003/InkML">
-  <inkml:definitions>
-    <inkml:context xml:id="ctx0">
-      <inkml:inkSource xml:id="inkSrc0">
-        <inkml:traceFormat>
-          <inkml:channel name="X" type="integer" min="-2.14748E9" max="2.14748E9" units="cm"/>
-          <inkml:channel name="Y" type="integer" min="-2.14748E9" max="2.14748E9" units="cm"/>
-          <inkml:channel name="F" type="integer" max="32767" units="dev"/>
-          <inkml:channel name="OA" type="integer" max="360" units="deg"/>
-          <inkml:channel name="OE" type="integer" max="90" units="deg"/>
-        </inkml:traceFormat>
-        <inkml:channelProperties>
-          <inkml:channelProperty channel="X" name="resolution" value="1000" units="1/cm"/>
-          <inkml:channelProperty channel="Y" name="resolution" value="1000" units="1/cm"/>
-          <inkml:channelProperty channel="F" name="resolution" value="0" units="1/dev"/>
-          <inkml:channelProperty channel="OA" name="resolution" value="1000" units="1/deg"/>
-          <inkml:channelProperty channel="OE" name="resolution" value="1000" units="1/deg"/>
-        </inkml:channelProperties>
-      </inkml:inkSource>
-      <inkml:timestamp xml:id="ts0" timeString="2020-05-25T13:27:07.794"/>
-    </inkml:context>
-    <inkml:brush xml:id="br0">
-      <inkml:brushProperty name="width" value="0.05" units="cm"/>
-      <inkml:brushProperty name="height" value="0.05" units="cm"/>
-    </inkml:brush>
-  </inkml:definitions>
-  <inkml:trace contextRef="#ctx0" brushRef="#br0">36 93 444 0 0,'17'-20'5504'0'0,"-8"12"-4250"0"0,-10 9 813 0 0,-8 7-1943 0 0,5-5-104 0 0,0 0 0 0 0,0 0 0 0 0,1 0 1 0 0,-1 1-1 0 0,1-1 0 0 0,0 1 1 0 0,-1 0-1 0 0,2 0 0 0 0,-1 0 1 0 0,0 0-1 0 0,1 1 0 0 0,0-1 0 0 0,0 1 1 0 0,0 0-1 0 0,1-1 0 0 0,-1 1 1 0 0,1 0-1 0 0,0 0 0 0 0,0 0 1 0 0,1 6-1 0 0,0-4-31 0 0,0-1 0 0 0,0 1-1 0 0,1-1 1 0 0,0 0 0 0 0,1 1 0 0 0,0-1 0 0 0,-1 0-1 0 0,2 0 1 0 0,-1 0 0 0 0,1 0 0 0 0,0 0 0 0 0,0-1 0 0 0,1 1-1 0 0,-1-1 1 0 0,1 0 0 0 0,9 9 0 0 0,-9-12-31 0 0,1 0-1 0 0,-1-1 1 0 0,0 0-1 0 0,1 0 1 0 0,-1 0 0 0 0,1 0-1 0 0,-1 0 1 0 0,1-1 0 0 0,-1 0-1 0 0,1 0 1 0 0,0 0 0 0 0,-1-1-1 0 0,1 0 1 0 0,-1 0 0 0 0,1 0-1 0 0,-1 0 1 0 0,0 0 0 0 0,1-1-1 0 0,-1 0 1 0 0,0 0 0 0 0,0 0-1 0 0,0-1 1 0 0,0 1 0 0 0,-1-1-1 0 0,1 0 1 0 0,-1 0-1 0 0,1 0 1 0 0,3-5 0 0 0,0 0 40 0 0,-2 1 0 0 0,1-1 0 0 0,-1 0 0 0 0,0 0 0 0 0,0 0 0 0 0,-1-1 0 0 0,-1 1 1 0 0,1-1-1 0 0,-1 0 0 0 0,-1 0 0 0 0,1 0 0 0 0,-2-1 0 0 0,2-13 0 0 0,-4 19 33 0 0,0 0 0 0 0,0 0 0 0 0,-1 1 0 0 0,1-1-1 0 0,-1 1 1 0 0,0-1 0 0 0,0 1 0 0 0,0 0 0 0 0,-1-1 0 0 0,1 1 0 0 0,-1 0-1 0 0,1 1 1 0 0,-1-1 0 0 0,0 0 0 0 0,0 1 0 0 0,0 0 0 0 0,-1-1 0 0 0,-4-1-1 0 0,3 1 70 0 0,1-1-1 0 0,-1 0 1 0 0,1 1-1 0 0,-1-2 1 0 0,1 1-1 0 0,-6-9 1 0 0,9 12-88 0 0,-1 0 0 0 0,1-1 0 0 0,0 1 0 0 0,-1 0 0 0 0,1-1 0 0 0,-1 1 0 0 0,1 0 0 0 0,-1 0 0 0 0,1 0 0 0 0,-1 0 0 0 0,0 1 0 0 0,0-1 0 0 0,1 0 0 0 0,-1 1 0 0 0,0-1 0 0 0,0 1 0 0 0,0-1 0 0 0,0 1 0 0 0,0 0 0 0 0,1 0 0 0 0,-1 0 0 0 0,0 0 0 0 0,0 0 0 0 0,0 0 0 0 0,0 1 0 0 0,0-1 1 0 0,0 1-1 0 0,1-1 0 0 0,-1 1 0 0 0,-2 1 0 0 0,0-1-8 0 0,0 0 0 0 0,0 1 1 0 0,1 0-1 0 0,-1 0 1 0 0,0 0-1 0 0,1 0 0 0 0,-1 0 1 0 0,1 1-1 0 0,0 0 0 0 0,0-1 1 0 0,0 1-1 0 0,0 0 1 0 0,-4 6-1 0 0,5 9-692 0 0,6-14-6794 0 0,1-8 6201 0 0</inkml:trace>
-</inkml:ink>
-</file>
-
-<file path=ppt/ink/ink30.xml><?xml version="1.0" encoding="utf-8"?>
-<inkml:ink xmlns:inkml="http://www.w3.org/2003/InkML">
-  <inkml:definitions>
-    <inkml:context xml:id="ctx0">
-      <inkml:inkSource xml:id="inkSrc0">
-        <inkml:traceFormat>
-          <inkml:channel name="X" type="integer" min="-2.14748E9" max="2.14748E9" units="cm"/>
-          <inkml:channel name="Y" type="integer" min="-2.14748E9" max="2.14748E9" units="cm"/>
-          <inkml:channel name="F" type="integer" max="32767" units="dev"/>
-          <inkml:channel name="OA" type="integer" max="360" units="deg"/>
-          <inkml:channel name="OE" type="integer" max="90" units="deg"/>
-        </inkml:traceFormat>
-        <inkml:channelProperties>
-          <inkml:channelProperty channel="X" name="resolution" value="1000" units="1/cm"/>
-          <inkml:channelProperty channel="Y" name="resolution" value="1000" units="1/cm"/>
-          <inkml:channelProperty channel="F" name="resolution" value="0" units="1/dev"/>
-          <inkml:channelProperty channel="OA" name="resolution" value="1000" units="1/deg"/>
-          <inkml:channelProperty channel="OE" name="resolution" value="1000" units="1/deg"/>
-        </inkml:channelProperties>
-      </inkml:inkSource>
-      <inkml:timestamp xml:id="ts0" timeString="2020-05-26T02:56:24.716"/>
-    </inkml:context>
-    <inkml:brush xml:id="br0">
-      <inkml:brushProperty name="width" value="0.05" units="cm"/>
-      <inkml:brushProperty name="height" value="0.05" units="cm"/>
-      <inkml:brushProperty name="color" value="#008C3A"/>
-    </inkml:brush>
-  </inkml:definitions>
-  <inkml:trace contextRef="#ctx0" brushRef="#br0">3235 1895 596 0 0,'4'-6'9065'0'0,"0"-11"-4783"0"0,9-46-2476 0 0,-12 57-876 0 0,6-40-595 0 0,-1-49-1 0 0,1-1 1135 0 0,-5 58-856 0 0,-2-1 1 0 0,-7-61-1 0 0,-2 39-111 0 0,-4 0-1 0 0,-37-114 1 0 0,35 131-304 0 0,-2 1 0 0 0,-25-48-1 0 0,32 74-150 0 0,-1-1 0 0 0,0 1 0 0 0,-1 1 0 0 0,-1 0 0 0 0,-1 0 0 0 0,0 2 0 0 0,-22-18 0 0 0,-297-220 658 0 0,191 144-589 0 0,99 79-23 0 0,-58-29 0 0 0,55 33-65 0 0,-93-40 126 0 0,73 37-52 0 0,-162-66-50 0 0,172 75-74 0 0,-103-21 0 0 0,74 25-143 0 0,-1 4 0 0 0,-92-1 0 0 0,-39 1 112 0 0,164 11 85 0 0,34 1-87 0 0,-1 0 0 0 0,1 2 0 0 0,0 0 0 0 0,0 2 0 0 0,0 0 0 0 0,1 1 0 0 0,-31 14 0 0 0,-32 10-107 0 0,66-25 131 0 0,0 1 0 0 0,1 1-1 0 0,0 0 1 0 0,0 1 0 0 0,-22 16 0 0 0,-62 58-490 0 0,32-25 472 0 0,39-36 23 0 0,-44 47 0 0 0,-52 57-12 0 0,105-107 31 0 0,1 1 0 0 0,1 0 0 0 0,-14 23 0 0 0,-15 19-15 0 0,37-51 13 0 0,1 1 0 0 0,1 0 1 0 0,-10 23-1 0 0,-7 12 0 0 0,12-26 6 0 0,2 0 1 0 0,0 1-1 0 0,2 0 0 0 0,-7 28 1 0 0,1-4-17 0 0,6-20 17 0 0,2 1 0 0 0,1 1 1 0 0,-2 31-1 0 0,-4 33 15 0 0,6-26 61 0 0,5-52-61 0 0,-1 0-1 0 0,-1 0 1 0 0,-3 19 0 0 0,-3 49 141 0 0,2-12-70 0 0,3-52-39 0 0,1 0 1 0 0,1 0-1 0 0,1 0 0 0 0,1 0 0 0 0,4 19 1 0 0,2 47 104 0 0,0 73-9 0 0,-10-147 248 0 0,-6-11-7334 0 0,-3-10-1640 0 0,4 1 6058 0 0,0-6-1183 0 0,4 9 2245 0 0</inkml:trace>
-</inkml:ink>
-</file>
-
-<file path=ppt/ink/ink31.xml><?xml version="1.0" encoding="utf-8"?>
-<inkml:ink xmlns:inkml="http://www.w3.org/2003/InkML">
-  <inkml:definitions>
-    <inkml:context xml:id="ctx0">
-      <inkml:inkSource xml:id="inkSrc0">
-        <inkml:traceFormat>
-          <inkml:channel name="X" type="integer" min="-2.14748E9" max="2.14748E9" units="cm"/>
-          <inkml:channel name="Y" type="integer" min="-2.14748E9" max="2.14748E9" units="cm"/>
-          <inkml:channel name="F" type="integer" max="32767" units="dev"/>
-          <inkml:channel name="OA" type="integer" max="360" units="deg"/>
-          <inkml:channel name="OE" type="integer" max="90" units="deg"/>
-        </inkml:traceFormat>
-        <inkml:channelProperties>
-          <inkml:channelProperty channel="X" name="resolution" value="1000" units="1/cm"/>
-          <inkml:channelProperty channel="Y" name="resolution" value="1000" units="1/cm"/>
-          <inkml:channelProperty channel="F" name="resolution" value="0" units="1/dev"/>
-          <inkml:channelProperty channel="OA" name="resolution" value="1000" units="1/deg"/>
-          <inkml:channelProperty channel="OE" name="resolution" value="1000" units="1/deg"/>
-        </inkml:channelProperties>
-      </inkml:inkSource>
-      <inkml:timestamp xml:id="ts0" timeString="2020-05-26T02:56:25.833"/>
-    </inkml:context>
-    <inkml:brush xml:id="br0">
-      <inkml:brushProperty name="width" value="0.05" units="cm"/>
-      <inkml:brushProperty name="height" value="0.05" units="cm"/>
-      <inkml:brushProperty name="color" value="#008C3A"/>
-    </inkml:brush>
-  </inkml:definitions>
-  <inkml:trace contextRef="#ctx0" brushRef="#br0">1 25 488 0 0,'-1'-4'4191'0'0,"2"4"-4015"0"0,-1 0-1 0 0,0 0 1 0 0,0 0-1 0 0,0 0 1 0 0,0 0-1 0 0,0 0 1 0 0,0 0-1 0 0,0 0 1 0 0,0 0 0 0 0,0 1-1 0 0,0-1 1 0 0,0 0-1 0 0,1 0 1 0 0,-1 0-1 0 0,0 0 1 0 0,0 0-1 0 0,0 0 1 0 0,0 0-1 0 0,0 0 1 0 0,0 0-1 0 0,0 0 1 0 0,0 0-1 0 0,1 0 1 0 0,-1 0-1 0 0,0 0 1 0 0,0 0-1 0 0,0 0 1 0 0,0 0-1 0 0,0 0 1 0 0,0 0 0 0 0,0 0-1 0 0,0 0 1 0 0,1 0-1 0 0,-1 0 1 0 0,0 0-1 0 0,0 0 1 0 0,0 0-1 0 0,0 0 1 0 0,0-1-1 0 0,0 1 1 0 0,0 0-1 0 0,0 0 1 0 0,0 0-1 0 0,1 0 1 0 0,-1 0-1 0 0,0 0 1 0 0,0 0-1 0 0,0 0 1 0 0,0 0-1 0 0,0 0 1 0 0,0-1 0 0 0,0 1-1 0 0,0 0 1 0 0,0 0-1 0 0,0 0 1 0 0,0 0-1 0 0,13 6 278 0 0,14 7-60 0 0,-1 1 1 0 0,0 2-1 0 0,-2 0 1 0 0,38 32-1 0 0,-9-10-363 0 0,-46-31 46 0 0,5 4-182 0 0,-12-10 121 0 0,0-1 0 0 0,0 0 0 0 0,0 0 0 0 0,0 0 0 0 0,0 0 0 0 0,0 0 0 0 0,0 0 0 0 0,0 0 1 0 0,0 1-1 0 0,0-1 0 0 0,1 0 0 0 0,-1 0 0 0 0,0 0 0 0 0,0 0 0 0 0,0 0 0 0 0,0 0 0 0 0,0 0 0 0 0,0 0 0 0 0,0 0 0 0 0,1 0 0 0 0,-1 0 0 0 0,0 0 0 0 0,0 1 0 0 0,0-1 0 0 0,0 0 0 0 0,0 0 0 0 0,1 0 1 0 0,-1 0-1 0 0,0 0 0 0 0,0 0 0 0 0,0 0 0 0 0,0 0 0 0 0,0 0 0 0 0,0-1 0 0 0,1 1 0 0 0,-1 0 0 0 0,0 0 0 0 0,0 0 0 0 0,0 0 0 0 0,0 0 0 0 0,0 0 0 0 0,0 0 0 0 0,1 0 0 0 0,-1 0 0 0 0,0 0 0 0 0,0 0 1 0 0,0 0-1 0 0,0-1 0 0 0,0 1 0 0 0,0 0 0 0 0,0 0 0 0 0,0 0 0 0 0,0 0 0 0 0,0 0 0 0 0,1 0 0 0 0,-1 0 0 0 0,0-1 0 0 0,0 1 0 0 0,0 0 0 0 0,0 0 0 0 0,0 0 0 0 0,0 0 0 0 0,0 0 0 0 0,0-1 0 0 0,0 1 1 0 0,0 0-1 0 0,0 0 0 0 0,0-1 153 0 0,0 1-28 0 0,24-49 2111 0 0,41-46-2105 0 0,-60 86-275 0 0,-5 9-380 0 0,11-2-534 0 0,-7-5-1502 0 0,-13 1-674 0 0,-15-1-1860 0 0,-20 0-571 0 0,19 3 3519 0 0</inkml:trace>
-</inkml:ink>
-</file>
-
-<file path=ppt/ink/ink32.xml><?xml version="1.0" encoding="utf-8"?>
-<inkml:ink xmlns:inkml="http://www.w3.org/2003/InkML">
-  <inkml:definitions>
-    <inkml:context xml:id="ctx0">
-      <inkml:inkSource xml:id="inkSrc0">
-        <inkml:traceFormat>
-          <inkml:channel name="X" type="integer" min="-2.14748E9" max="2.14748E9" units="cm"/>
-          <inkml:channel name="Y" type="integer" min="-2.14748E9" max="2.14748E9" units="cm"/>
-          <inkml:channel name="F" type="integer" max="32767" units="dev"/>
-          <inkml:channel name="OA" type="integer" max="360" units="deg"/>
-          <inkml:channel name="OE" type="integer" max="90" units="deg"/>
-        </inkml:traceFormat>
-        <inkml:channelProperties>
-          <inkml:channelProperty channel="X" name="resolution" value="1000" units="1/cm"/>
-          <inkml:channelProperty channel="Y" name="resolution" value="1000" units="1/cm"/>
-          <inkml:channelProperty channel="F" name="resolution" value="0" units="1/dev"/>
-          <inkml:channelProperty channel="OA" name="resolution" value="1000" units="1/deg"/>
-          <inkml:channelProperty channel="OE" name="resolution" value="1000" units="1/deg"/>
-        </inkml:channelProperties>
-      </inkml:inkSource>
-      <inkml:timestamp xml:id="ts0" timeString="2020-05-26T02:56:51.023"/>
-    </inkml:context>
-    <inkml:brush xml:id="br0">
-      <inkml:brushProperty name="width" value="0.05" units="cm"/>
-      <inkml:brushProperty name="height" value="0.05" units="cm"/>
-    </inkml:brush>
-  </inkml:definitions>
-  <inkml:trace contextRef="#ctx0" brushRef="#br0">26 23 168 0 0,'-15'-16'2515'0'0,"6"10"4061"0"0,8 26-4199 0 0,2 6-2369 0 0,2 0-1 0 0,1 0 1 0 0,15 49 0 0 0,-11-44 11 0 0,-1 0 0 0 0,4 35 0 0 0,14 154 691 0 0,-8 122-163 0 0,-30 61-159 0 0,28-153-326 0 0,-7-75-79 0 0,-3-93 2 0 0,-5 84 1 0 0,-5 208 65 0 0,3-49-8 0 0,10 53 1 0 0,3-97-18 0 0,-31 617 1792 0 0,28-576-1176 0 0,2-100-455 0 0,-8-198-364 0 0,3-32-1010 0 0,3-39-2243 0 0,-6-80-5966 0 0,1 104 7886 0 0</inkml:trace>
-</inkml:ink>
-</file>
-
-<file path=ppt/ink/ink33.xml><?xml version="1.0" encoding="utf-8"?>
-<inkml:ink xmlns:inkml="http://www.w3.org/2003/InkML">
-  <inkml:definitions>
-    <inkml:context xml:id="ctx0">
-      <inkml:inkSource xml:id="inkSrc0">
-        <inkml:traceFormat>
-          <inkml:channel name="X" type="integer" min="-2.14748E9" max="2.14748E9" units="cm"/>
-          <inkml:channel name="Y" type="integer" min="-2.14748E9" max="2.14748E9" units="cm"/>
-          <inkml:channel name="F" type="integer" max="32767" units="dev"/>
-          <inkml:channel name="OA" type="integer" max="360" units="deg"/>
-          <inkml:channel name="OE" type="integer" max="90" units="deg"/>
-        </inkml:traceFormat>
-        <inkml:channelProperties>
-          <inkml:channelProperty channel="X" name="resolution" value="1000" units="1/cm"/>
-          <inkml:channelProperty channel="Y" name="resolution" value="1000" units="1/cm"/>
-          <inkml:channelProperty channel="F" name="resolution" value="0" units="1/dev"/>
-          <inkml:channelProperty channel="OA" name="resolution" value="1000" units="1/deg"/>
-          <inkml:channelProperty channel="OE" name="resolution" value="1000" units="1/deg"/>
-        </inkml:channelProperties>
-      </inkml:inkSource>
-      <inkml:timestamp xml:id="ts0" timeString="2020-05-26T02:56:52.103"/>
-    </inkml:context>
-    <inkml:brush xml:id="br0">
-      <inkml:brushProperty name="width" value="0.05" units="cm"/>
-      <inkml:brushProperty name="height" value="0.05" units="cm"/>
-    </inkml:brush>
-  </inkml:definitions>
-  <inkml:trace contextRef="#ctx0" brushRef="#br0">9 155 496 0 0,'-7'0'2797'0'0,"7"0"-2648"0"0,0 0-1 0 0,0 0 1 0 0,1 0-1 0 0,-1 1 1 0 0,0-1-1 0 0,0 0 1 0 0,0 0-1 0 0,0 0 1 0 0,0 0-1 0 0,0 0 1 0 0,0 0-1 0 0,0 0 1 0 0,0 0-1 0 0,0 1 1 0 0,0-1-1 0 0,0 0 1 0 0,0 0-1 0 0,0 0 1 0 0,0 0-1 0 0,0 0 1 0 0,0 0-1 0 0,0 1 1 0 0,0-1-1 0 0,0 0 1 0 0,0 0-1 0 0,0 0 1 0 0,0 0-1 0 0,0 0 1 0 0,0 0-1 0 0,0 0 1 0 0,0 0-1 0 0,0 1 1 0 0,0-1-1 0 0,-1 0 1 0 0,1 0-1 0 0,0 0 1 0 0,0 0-1 0 0,0 0 1 0 0,0 0-1 0 0,0 0 1 0 0,0 0-1 0 0,0 0 1 0 0,0 0-1 0 0,0 0 1 0 0,-1 0-1 0 0,1 1 1 0 0,0-1-1 0 0,0 0 1 0 0,0 0-1 0 0,0 0 1 0 0,9 14 947 0 0,13 26 1075 0 0,52 69 0 0 0,-60-92-2149 0 0,0-1-1 0 0,1 0 1 0 0,1-2-1 0 0,1 0 1 0 0,0 0-1 0 0,23 13 1 0 0,-18-9-11 0 0,-19-15 2 0 0,0 0-1 0 0,0-1 1 0 0,0 1 0 0 0,0-1 0 0 0,0 1 0 0 0,1-1 0 0 0,-1 0 0 0 0,1 0 0 0 0,-1-1 0 0 0,1 1-1 0 0,0-1 1 0 0,7 2 0 0 0,-8-4-11 0 0,1 0-1 0 0,-1 0 1 0 0,0-1-1 0 0,1 0 1 0 0,-1 1-1 0 0,0-1 1 0 0,0 0-1 0 0,3-4 1 0 0,20-9-21 0 0,-16 8 19 0 0,0 1 1 0 0,0-1-1 0 0,0-1 1 0 0,-1 0 0 0 0,0 0-1 0 0,-1-1 1 0 0,0 0-1 0 0,0 0 1 0 0,11-18-1 0 0,-8 11 6 0 0,196-268-814 0 0,-196 271 1471 0 0,-11 12-927 0 0,1 1 0 0 0,-1 0 1 0 0,0-1-1 0 0,1 1 0 0 0,-1-1 1 0 0,1 1-1 0 0,-1 0 0 0 0,0-1 0 0 0,0 1 1 0 0,1-1-1 0 0,-1 1 0 0 0,0-1 0 0 0,0 1 1 0 0,1-1-1 0 0,-1 1 0 0 0,0-1 0 0 0,0 1 1 0 0,0-1-1 0 0,0 1 0 0 0,0-1 0 0 0,0 1 1 0 0,0-1-1 0 0,0 1 0 0 0,0-1 0 0 0,0 1 1 0 0,0-2-1 0 0,-1-12-5566 0 0,1 7 4047 0 0,0-2 258 0 0</inkml:trace>
-</inkml:ink>
-</file>
-
-<file path=ppt/ink/ink34.xml><?xml version="1.0" encoding="utf-8"?>
-<inkml:ink xmlns:inkml="http://www.w3.org/2003/InkML">
-  <inkml:definitions>
-    <inkml:context xml:id="ctx0">
-      <inkml:inkSource xml:id="inkSrc0">
-        <inkml:traceFormat>
-          <inkml:channel name="X" type="integer" min="-2.14748E9" max="2.14748E9" units="cm"/>
-          <inkml:channel name="Y" type="integer" min="-2.14748E9" max="2.14748E9" units="cm"/>
-          <inkml:channel name="F" type="integer" max="32767" units="dev"/>
-          <inkml:channel name="OA" type="integer" max="360" units="deg"/>
-          <inkml:channel name="OE" type="integer" max="90" units="deg"/>
-        </inkml:traceFormat>
-        <inkml:channelProperties>
-          <inkml:channelProperty channel="X" name="resolution" value="1000" units="1/cm"/>
-          <inkml:channelProperty channel="Y" name="resolution" value="1000" units="1/cm"/>
-          <inkml:channelProperty channel="F" name="resolution" value="0" units="1/dev"/>
-          <inkml:channelProperty channel="OA" name="resolution" value="1000" units="1/deg"/>
-          <inkml:channelProperty channel="OE" name="resolution" value="1000" units="1/deg"/>
-        </inkml:channelProperties>
-      </inkml:inkSource>
-      <inkml:timestamp xml:id="ts0" timeString="2020-05-26T02:56:59.777"/>
-    </inkml:context>
-    <inkml:brush xml:id="br0">
-      <inkml:brushProperty name="width" value="0.05" units="cm"/>
-      <inkml:brushProperty name="height" value="0.05" units="cm"/>
-    </inkml:brush>
-  </inkml:definitions>
-  <inkml:trace contextRef="#ctx0" brushRef="#br0">8 474 632 0 0,'-7'-8'2984'0'0,"7"5"-783"0"0,0 7 5934 0 0,26-11-5919 0 0,16-9-2186 0 0,1 2-1 0 0,59-12 1 0 0,-33 10-42 0 0,196-44 62 0 0,-217 51-48 0 0,0 3-1 0 0,0 2 0 0 0,1 1 0 0 0,49 6 0 0 0,69-5-4 0 0,216-16-11 0 0,236-45 10 0 0,-559 54 8 0 0,110-2 0 0 0,-100 12 41 0 0,0-3 0 0 0,0-3 0 0 0,79-16 0 0 0,-25-1-36 0 0,129-7-1 0 0,-83 12-10 0 0,-14-7 58 0 0,-83 11-46 0 0,140-6 0 0 0,-126 15-9 0 0,99-17 0 0 0,-111 10-26 0 0,1 3 1 0 0,88 3-1 0 0,109 4 86 0 0,-166-3 3 0 0,210 20 1 0 0,-225-8-26 0 0,0-3 1 0 0,99-9-1 0 0,47 1 116 0 0,-23 0-86 0 0,-145-1-81 0 0,0 3 0 0 0,0 3 0 0 0,96 15 1 0 0,-59 0-1 0 0,130 1 1 0 0,27 4 1 0 0,-110-7 1 0 0,186-7 1 0 0,-296-8 8 0 0,281 21 159 0 0,-128-4-170 0 0,-35-6 46 0 0,333 12-50 0 0,-383-21 189 0 0,181 27 1 0 0,-206-20-72 0 0,0-3 1 0 0,121-9-1 0 0,20 0 61 0 0,-21 16 138 0 0,143-1 554 0 0,151-28 466 0 0,-311 13-987 0 0,-86 4-86 0 0,104-14 1 0 0,-183 6-597 0 0,-31-10-3840 0 0,-5-3-149 0 0,-9-20-5962 0 0,15 29 8575 0 0</inkml:trace>
-</inkml:ink>
-</file>
-
-<file path=ppt/ink/ink35.xml><?xml version="1.0" encoding="utf-8"?>
-<inkml:ink xmlns:inkml="http://www.w3.org/2003/InkML">
-  <inkml:definitions>
-    <inkml:context xml:id="ctx0">
-      <inkml:inkSource xml:id="inkSrc0">
-        <inkml:traceFormat>
-          <inkml:channel name="X" type="integer" min="-2.14748E9" max="2.14748E9" units="cm"/>
-          <inkml:channel name="Y" type="integer" min="-2.14748E9" max="2.14748E9" units="cm"/>
-          <inkml:channel name="F" type="integer" max="32767" units="dev"/>
-          <inkml:channel name="OA" type="integer" max="360" units="deg"/>
-          <inkml:channel name="OE" type="integer" max="90" units="deg"/>
-        </inkml:traceFormat>
-        <inkml:channelProperties>
-          <inkml:channelProperty channel="X" name="resolution" value="1000" units="1/cm"/>
-          <inkml:channelProperty channel="Y" name="resolution" value="1000" units="1/cm"/>
-          <inkml:channelProperty channel="F" name="resolution" value="0" units="1/dev"/>
-          <inkml:channelProperty channel="OA" name="resolution" value="1000" units="1/deg"/>
-          <inkml:channelProperty channel="OE" name="resolution" value="1000" units="1/deg"/>
-        </inkml:channelProperties>
-      </inkml:inkSource>
-      <inkml:timestamp xml:id="ts0" timeString="2020-05-26T02:57:00.713"/>
-    </inkml:context>
-    <inkml:brush xml:id="br0">
-      <inkml:brushProperty name="width" value="0.05" units="cm"/>
-      <inkml:brushProperty name="height" value="0.05" units="cm"/>
-    </inkml:brush>
-  </inkml:definitions>
-  <inkml:trace contextRef="#ctx0" brushRef="#br0">34 0 492 0 0,'-1'0'363'0'0,"-1"1"-1"0"0,1-1 1 0 0,0 0-1 0 0,-1 0 1 0 0,1 1-1 0 0,0-1 1 0 0,0 1-1 0 0,-1-1 1 0 0,1 1-1 0 0,0-1 1 0 0,0 1-1 0 0,0 0 1 0 0,0-1-1 0 0,0 1 1 0 0,0 0-1 0 0,0 0 1 0 0,0 0-1 0 0,0 0 1 0 0,0 0-1 0 0,0 0 1 0 0,1 0-1 0 0,-1 0 1 0 0,0 0 0 0 0,1 0-1 0 0,-1 1 1 0 0,1-1-1 0 0,-1 0 1 0 0,0 3-1 0 0,2-3-35 0 0,-1 0 0 0 0,0 0 0 0 0,1 0 0 0 0,-1 0 1 0 0,0 0-1 0 0,1 0 0 0 0,-1 0 0 0 0,1 0 0 0 0,0 0 0 0 0,-1-1 0 0 0,1 1 0 0 0,0 0 0 0 0,-1 0 0 0 0,1-1 0 0 0,0 1 0 0 0,0 0 1 0 0,1 0-1 0 0,15 8-72 0 0,44 11 415 0 0,74 15 0 0 0,24 7 666 0 0,-155-40-1298 0 0,37 14 346 0 0,-39-16-377 0 0,-1 1 0 0 0,1 0 0 0 0,-1 0 0 0 0,1-1 0 0 0,-1 1 0 0 0,0 0 0 0 0,1 0 0 0 0,-1 0 0 0 0,0 1 0 0 0,0-1-1 0 0,0 0 1 0 0,0 0 0 0 0,0 1 0 0 0,0-1 0 0 0,0 1 0 0 0,0-1 0 0 0,0 1 0 0 0,-1-1 0 0 0,1 1 0 0 0,0-1 0 0 0,0 4 0 0 0,6 17 9 0 0,4 13-3 0 0,-10-34-5 0 0,-1-1-1 0 0,0 1 0 0 0,1 0 1 0 0,-1 0-1 0 0,0 0 1 0 0,0-1-1 0 0,0 1 0 0 0,0 0 1 0 0,0 0-1 0 0,0 0 1 0 0,0 0-1 0 0,0 0 1 0 0,0-1-1 0 0,0 1 0 0 0,-1 0 1 0 0,1 0-1 0 0,0 0 1 0 0,0-1-1 0 0,-1 1 0 0 0,1 0 1 0 0,-1 0-1 0 0,1-1 1 0 0,0 1-1 0 0,-1 0 0 0 0,1 0 1 0 0,-1-1-1 0 0,0 1 1 0 0,1-1-1 0 0,-2 1 1 0 0,-447 220 2536 0 0,427-206-2329 0 0,35-25 65 0 0,-11 7-1644 0 0,0 1 0 0 0,0-1 0 0 0,0 0 0 0 0,-1 0 0 0 0,1-1 0 0 0,-1 1 0 0 0,0 0 0 0 0,0 0 0 0 0,0-4 0 0 0,10-23-5809 0 0,-4 17 4936 0 0</inkml:trace>
-</inkml:ink>
-</file>
-
-<file path=ppt/ink/ink4.xml><?xml version="1.0" encoding="utf-8"?>
-<inkml:ink xmlns:inkml="http://www.w3.org/2003/InkML">
-  <inkml:definitions>
-    <inkml:context xml:id="ctx0">
-      <inkml:inkSource xml:id="inkSrc0">
-        <inkml:traceFormat>
-          <inkml:channel name="X" type="integer" min="-2.14748E9" max="2.14748E9" units="cm"/>
-          <inkml:channel name="Y" type="integer" min="-2.14748E9" max="2.14748E9" units="cm"/>
-          <inkml:channel name="F" type="integer" max="32767" units="dev"/>
-          <inkml:channel name="OA" type="integer" max="360" units="deg"/>
-          <inkml:channel name="OE" type="integer" max="90" units="deg"/>
-        </inkml:traceFormat>
-        <inkml:channelProperties>
-          <inkml:channelProperty channel="X" name="resolution" value="1000" units="1/cm"/>
-          <inkml:channelProperty channel="Y" name="resolution" value="1000" units="1/cm"/>
-          <inkml:channelProperty channel="F" name="resolution" value="0" units="1/dev"/>
-          <inkml:channelProperty channel="OA" name="resolution" value="1000" units="1/deg"/>
-          <inkml:channelProperty channel="OE" name="resolution" value="1000" units="1/deg"/>
-        </inkml:channelProperties>
-      </inkml:inkSource>
-      <inkml:timestamp xml:id="ts0" timeString="2020-05-25T13:27:08.732"/>
-    </inkml:context>
-    <inkml:brush xml:id="br0">
-      <inkml:brushProperty name="width" value="0.05" units="cm"/>
-      <inkml:brushProperty name="height" value="0.05" units="cm"/>
-    </inkml:brush>
-  </inkml:definitions>
-  <inkml:trace contextRef="#ctx0" brushRef="#br0">188 15 152 0 0,'-1'-1'239'0'0,"0"0"1"0"0,1 0-1 0 0,-1 0 1 0 0,0 0-1 0 0,0 0 0 0 0,0 0 1 0 0,0 0-1 0 0,0 1 1 0 0,0-1-1 0 0,0 0 0 0 0,0 1 1 0 0,0-1-1 0 0,0 0 1 0 0,0 1-1 0 0,0-1 0 0 0,0 1 1 0 0,0 0-1 0 0,-1-1 1 0 0,1 1-1 0 0,0 0 0 0 0,0 0 1 0 0,0 0-1 0 0,-1 0 1 0 0,1 0-1 0 0,-1 0 0 0 0,-3 1-52 0 0,0-1 0 0 0,0 1-1 0 0,1 1 1 0 0,-1-1-1 0 0,0 1 1 0 0,-7 4-1 0 0,1-1-164 0 0,0 2 1 0 0,0-1-1 0 0,1 2 0 0 0,0-1 0 0 0,-8 10 0 0 0,12-11-8 0 0,1 1-1 0 0,1-1 1 0 0,-1 1 0 0 0,1 1 0 0 0,1-1 0 0 0,-1 0 0 0 0,1 1 0 0 0,0 0 0 0 0,1 0-1 0 0,-3 11 1 0 0,4-14-20 0 0,0 0 0 0 0,1-1 0 0 0,-1 1 0 0 0,1 0-1 0 0,0 0 1 0 0,0 0 0 0 0,0 0 0 0 0,1 0-1 0 0,-1 0 1 0 0,1-1 0 0 0,1 1 0 0 0,-1 0 0 0 0,1 0-1 0 0,-1-1 1 0 0,1 1 0 0 0,1-1 0 0 0,-1 0 0 0 0,5 7-1 0 0,-6-10-14 0 0,-1 0-1 0 0,1 0 0 0 0,0 0 0 0 0,1 0 0 0 0,-1 0 1 0 0,0 0-1 0 0,0 0 0 0 0,0-1 0 0 0,1 1 0 0 0,-1 0 0 0 0,0-1 1 0 0,0 1-1 0 0,1-1 0 0 0,-1 1 0 0 0,1-1 0 0 0,-1 0 1 0 0,0 1-1 0 0,1-1 0 0 0,-1 0 0 0 0,1 0 0 0 0,-1 0 1 0 0,1 0-1 0 0,-1 0 0 0 0,1 0 0 0 0,-1-1 0 0 0,3 0 1 0 0,31-20-3633 0 0,-27 15 1884 0 0,-1-1 669 0 0</inkml:trace>
-</inkml:ink>
-</file>
-
-<file path=ppt/ink/ink5.xml><?xml version="1.0" encoding="utf-8"?>
-<inkml:ink xmlns:inkml="http://www.w3.org/2003/InkML">
-  <inkml:definitions>
-    <inkml:context xml:id="ctx0">
-      <inkml:inkSource xml:id="inkSrc0">
-        <inkml:traceFormat>
-          <inkml:channel name="X" type="integer" min="-2.14748E9" max="2.14748E9" units="cm"/>
-          <inkml:channel name="Y" type="integer" min="-2.14748E9" max="2.14748E9" units="cm"/>
-          <inkml:channel name="F" type="integer" max="32767" units="dev"/>
-          <inkml:channel name="OA" type="integer" max="360" units="deg"/>
-          <inkml:channel name="OE" type="integer" max="90" units="deg"/>
-        </inkml:traceFormat>
-        <inkml:channelProperties>
-          <inkml:channelProperty channel="X" name="resolution" value="1000" units="1/cm"/>
-          <inkml:channelProperty channel="Y" name="resolution" value="1000" units="1/cm"/>
-          <inkml:channelProperty channel="F" name="resolution" value="0" units="1/dev"/>
-          <inkml:channelProperty channel="OA" name="resolution" value="1000" units="1/deg"/>
-          <inkml:channelProperty channel="OE" name="resolution" value="1000" units="1/deg"/>
-        </inkml:channelProperties>
-      </inkml:inkSource>
-      <inkml:timestamp xml:id="ts0" timeString="2020-05-25T13:27:09.511"/>
-    </inkml:context>
-    <inkml:brush xml:id="br0">
-      <inkml:brushProperty name="width" value="0.05" units="cm"/>
-      <inkml:brushProperty name="height" value="0.05" units="cm"/>
-    </inkml:brush>
-  </inkml:definitions>
-  <inkml:trace contextRef="#ctx0" brushRef="#br0">6 8 312 0 0,'0'0'72'0'0,"0"0"-1"0"0,0 0 1 0 0,0 1 0 0 0,1-1-1 0 0,-1 0 1 0 0,0 0-1 0 0,0 0 1 0 0,1 0 0 0 0,-1 0-1 0 0,0 0 1 0 0,0 0 0 0 0,0 0-1 0 0,1 0 1 0 0,-1 0 0 0 0,0 0-1 0 0,0 0 1 0 0,1 0-1 0 0,-1 0 1 0 0,0 0 0 0 0,0 0-1 0 0,1 0 1 0 0,-1 0 0 0 0,0 0-1 0 0,0 0 1 0 0,1 0 0 0 0,-1 0-1 0 0,0 0 1 0 0,0 0-1 0 0,1 0 1 0 0,-1-1 0 0 0,0 1-1 0 0,0 0 1 0 0,0 0 0 0 0,1 0-1 0 0,-1 0 1 0 0,0-1 0 0 0,0 1-1 0 0,0 0 1 0 0,0 0-1 0 0,0 0 1 0 0,1-1 0 0 0,-1 1-1 0 0,0 0 1 0 0,0 0 0 0 0,0-1-1 0 0,0 1 1 0 0,0 0 0 0 0,0 0-1 0 0,0 0 1 0 0,0-1-1 0 0,0 1 1 0 0,0 0 0 0 0,0 0-1 0 0,0-1 1 0 0,0 1 0 0 0,0 0-1 0 0,0 0 1 0 0,0-1-1 0 0,0 1 1 0 0,0 0 0 0 0,0 0-1 0 0,0-1 1 0 0,-1 1 0 0 0,10 23 1600 0 0,-19 87 1767 0 0,3-45-4789 0 0,4-84-696 0 0,2 17 1599 0 0,0-1 0 0 0,1 0-1 0 0,0 0 1 0 0,-1 0 0 0 0,1 0 0 0 0,0 0 0 0 0,0 0 0 0 0,0 0-1 0 0,1-4 1 0 0,4-2-821 0 0</inkml:trace>
-</inkml:ink>
-</file>
-
-<file path=ppt/ink/ink6.xml><?xml version="1.0" encoding="utf-8"?>
-<inkml:ink xmlns:inkml="http://www.w3.org/2003/InkML">
-  <inkml:definitions>
-    <inkml:context xml:id="ctx0">
-      <inkml:inkSource xml:id="inkSrc0">
-        <inkml:traceFormat>
-          <inkml:channel name="X" type="integer" min="-2.14748E9" max="2.14748E9" units="cm"/>
-          <inkml:channel name="Y" type="integer" min="-2.14748E9" max="2.14748E9" units="cm"/>
-          <inkml:channel name="F" type="integer" max="32767" units="dev"/>
-          <inkml:channel name="OA" type="integer" max="360" units="deg"/>
-          <inkml:channel name="OE" type="integer" max="90" units="deg"/>
-        </inkml:traceFormat>
-        <inkml:channelProperties>
-          <inkml:channelProperty channel="X" name="resolution" value="1000" units="1/cm"/>
-          <inkml:channelProperty channel="Y" name="resolution" value="1000" units="1/cm"/>
-          <inkml:channelProperty channel="F" name="resolution" value="0" units="1/dev"/>
-          <inkml:channelProperty channel="OA" name="resolution" value="1000" units="1/deg"/>
-          <inkml:channelProperty channel="OE" name="resolution" value="1000" units="1/deg"/>
-        </inkml:channelProperties>
-      </inkml:inkSource>
-      <inkml:timestamp xml:id="ts0" timeString="2020-05-25T13:27:10.495"/>
-    </inkml:context>
-    <inkml:brush xml:id="br0">
-      <inkml:brushProperty name="width" value="0.05" units="cm"/>
-      <inkml:brushProperty name="height" value="0.05" units="cm"/>
-    </inkml:brush>
-  </inkml:definitions>
-  <inkml:trace contextRef="#ctx0" brushRef="#br0">13 21 360 0 0,'-12'-21'4326'0'0,"12"21"-4249"0"0,0 0-9 0 0,42 18 981 0 0,-15-13-1004 0 0,-18-4-43 0 0,0 1 0 0 0,-1 0 0 0 0,1 0 0 0 0,-1 0 0 0 0,0 1 0 0 0,0 0 0 0 0,0 1 0 0 0,0-1 0 0 0,14 11 0 0 0,-20-12-1 0 0,0-1 1 0 0,0 1-1 0 0,0 0 1 0 0,-1 0-1 0 0,1 0 1 0 0,-1 0 0 0 0,1 1-1 0 0,-1-1 1 0 0,0 0-1 0 0,0 1 1 0 0,0-1-1 0 0,0 0 1 0 0,0 1 0 0 0,-1 0-1 0 0,1-1 1 0 0,-1 1-1 0 0,1-1 1 0 0,-1 1-1 0 0,0-1 1 0 0,0 4 0 0 0,-1-1 1 0 0,0 0 1 0 0,-1 1-1 0 0,1-1 1 0 0,-1 0-1 0 0,0 0 0 0 0,0 0 1 0 0,0-1-1 0 0,-1 1 1 0 0,-4 6-1 0 0,-7 7 143 0 0,-1 0-1 0 0,-1-1 0 0 0,-26 24 0 0 0,37-37-54 0 0,-4 5 58 0 0,6-6-74 0 0,0 1 1 0 0,0-1 0 0 0,-1 0 0 0 0,1 0 0 0 0,-1 0-1 0 0,0 0 1 0 0,0 0 0 0 0,-8 3 0 0 0,12-6-212 0 0,-1-1 0 0 0,0 1 1 0 0,1-1-1 0 0,-1 1 1 0 0,0-1-1 0 0,1 1 0 0 0,-1-1 1 0 0,1 1-1 0 0,-1-1 1 0 0,1 0-1 0 0,0 1 0 0 0,-1-1 1 0 0,1 0-1 0 0,-1 1 1 0 0,1-1-1 0 0,0 0 0 0 0,0 0 1 0 0,-1 1-1 0 0,1-1 1 0 0,0 0-1 0 0,0 0 0 0 0,0 0 1 0 0,0 1-1 0 0,0-1 1 0 0,0 0-1 0 0,0 0 0 0 0,0 1 1 0 0,0-1-1 0 0,1 0 1 0 0,-1 0-1 0 0,0 0 0 0 0,0 1 1 0 0,1-1-1 0 0,-1 0 1 0 0,0 1-1 0 0,1-1 0 0 0,-1 0 1 0 0,2-1-1 0 0,3-6-1082 0 0</inkml:trace>
-</inkml:ink>
-</file>
-
-<file path=ppt/ink/ink7.xml><?xml version="1.0" encoding="utf-8"?>
-<inkml:ink xmlns:inkml="http://www.w3.org/2003/InkML">
-  <inkml:definitions>
-    <inkml:context xml:id="ctx0">
-      <inkml:inkSource xml:id="inkSrc0">
-        <inkml:traceFormat>
-          <inkml:channel name="X" type="integer" min="-2.14748E9" max="2.14748E9" units="cm"/>
-          <inkml:channel name="Y" type="integer" min="-2.14748E9" max="2.14748E9" units="cm"/>
-          <inkml:channel name="F" type="integer" max="32767" units="dev"/>
-          <inkml:channel name="OA" type="integer" max="360" units="deg"/>
-          <inkml:channel name="OE" type="integer" max="90" units="deg"/>
-        </inkml:traceFormat>
-        <inkml:channelProperties>
-          <inkml:channelProperty channel="X" name="resolution" value="1000" units="1/cm"/>
-          <inkml:channelProperty channel="Y" name="resolution" value="1000" units="1/cm"/>
-          <inkml:channelProperty channel="F" name="resolution" value="0" units="1/dev"/>
-          <inkml:channelProperty channel="OA" name="resolution" value="1000" units="1/deg"/>
-          <inkml:channelProperty channel="OE" name="resolution" value="1000" units="1/deg"/>
-        </inkml:channelProperties>
-      </inkml:inkSource>
-      <inkml:timestamp xml:id="ts0" timeString="2020-05-25T13:27:12.233"/>
-    </inkml:context>
-    <inkml:brush xml:id="br0">
-      <inkml:brushProperty name="width" value="0.05" units="cm"/>
-      <inkml:brushProperty name="height" value="0.05" units="cm"/>
-    </inkml:brush>
-  </inkml:definitions>
-  <inkml:trace contextRef="#ctx0" brushRef="#br0">126 19 152 0 0,'0'-1'138'0'0,"1"1"0"0"0,-1-1-1 0 0,0 0 1 0 0,0 1 0 0 0,0-1 0 0 0,0 0-1 0 0,0 0 1 0 0,-1 1 0 0 0,1-1 0 0 0,0 1 0 0 0,0-1-1 0 0,0 0 1 0 0,0 1 0 0 0,-1-1 0 0 0,1 0-1 0 0,0 1 1 0 0,-1-1 0 0 0,1 1 0 0 0,0-1 0 0 0,-1 1-1 0 0,1-1 1 0 0,-1 1 0 0 0,1-1 0 0 0,-1 1-1 0 0,1-1 1 0 0,-1 1 0 0 0,1-1 0 0 0,-1 1 0 0 0,0 0-1 0 0,1-1 1 0 0,-2 1 0 0 0,-21 5 1062 0 0,18-2-1170 0 0,-1 1 1 0 0,1-1 0 0 0,0 1-1 0 0,0 0 1 0 0,-8 9 0 0 0,6-3 52 0 0,0 0 0 0 0,0 1 0 0 0,1 0 1 0 0,1 0-1 0 0,0 1 0 0 0,-6 22 0 0 0,9-27-54 0 0,1-1-1 0 0,0 0 0 0 0,0 1 0 0 0,0-1 1 0 0,1 0-1 0 0,0 1 0 0 0,0-1 1 0 0,1 0-1 0 0,0 1 0 0 0,0-1 1 0 0,0 0-1 0 0,1 0 0 0 0,0 1 0 0 0,0-1 1 0 0,4 7-1 0 0,-5-12-17 0 0,0 1 0 0 0,0-1 0 0 0,1 0 0 0 0,-1 1 0 0 0,0-1 0 0 0,1 0 0 0 0,-1 0 0 0 0,0 0 0 0 0,1 0 0 0 0,-1 0 1 0 0,1 0-1 0 0,-1-1 0 0 0,1 1 0 0 0,0 0 0 0 0,-1-1 0 0 0,1 1 0 0 0,0-1 0 0 0,0 0 0 0 0,-1 0 0 0 0,1 1 0 0 0,0-1 0 0 0,0 0 0 0 0,-1 0 0 0 0,3-1 0 0 0,51-9 402 0 0,-18 3-141 0 0,-33 7-233 0 0,0-1 0 0 0,-1 1 0 0 0,1-1 0 0 0,0 0 0 0 0,-1 0 0 0 0,1 0-1 0 0,-1 0 1 0 0,1 0 0 0 0,-1-1 0 0 0,0 0 0 0 0,1 0 0 0 0,-1 0-1 0 0,0 0 1 0 0,0 0 0 0 0,0 0 0 0 0,-1-1 0 0 0,1 1 0 0 0,-1-1 0 0 0,1 0-1 0 0,-1 0 1 0 0,0 0 0 0 0,0 0 0 0 0,0 0 0 0 0,0-1 0 0 0,-1 1 0 0 0,2-5-1 0 0,1-3 29 0 0,0-1-1 0 0,-1 0 0 0 0,0 0 1 0 0,-1 0-1 0 0,0 0 1 0 0,-1-22-1 0 0,0 32-1 0 0,-1 0 0 0 0,0 0 0 0 0,0 0 0 0 0,0 1 1 0 0,0-1-1 0 0,0 0 0 0 0,0 0 0 0 0,0 0 0 0 0,0 1 0 0 0,-1-1 0 0 0,1 0 1 0 0,-1 0-1 0 0,1 1 0 0 0,-1-1 0 0 0,0 0 0 0 0,0 1 0 0 0,0-1 1 0 0,0 1-1 0 0,0-1 0 0 0,0 1 0 0 0,0-1 0 0 0,0 1 0 0 0,0 0 0 0 0,-1 0 1 0 0,1-1-1 0 0,-1 1 0 0 0,1 0 0 0 0,-4-1 0 0 0,1 1-19 0 0,-1 1 0 0 0,1-1 0 0 0,-1 1 0 0 0,1 1 0 0 0,-1-1 0 0 0,1 0-1 0 0,-1 1 1 0 0,1 0 0 0 0,-6 2 0 0 0,-32 4-830 0 0,41-7 413 0 0,25-7-8006 0 0,-15 9 7150 0 0</inkml:trace>
-</inkml:ink>
-</file>
-
-<file path=ppt/ink/ink8.xml><?xml version="1.0" encoding="utf-8"?>
-<inkml:ink xmlns:inkml="http://www.w3.org/2003/InkML">
-  <inkml:definitions>
-    <inkml:context xml:id="ctx0">
-      <inkml:inkSource xml:id="inkSrc0">
-        <inkml:traceFormat>
-          <inkml:channel name="X" type="integer" min="-2.14748E9" max="2.14748E9" units="cm"/>
-          <inkml:channel name="Y" type="integer" min="-2.14748E9" max="2.14748E9" units="cm"/>
-          <inkml:channel name="F" type="integer" max="32767" units="dev"/>
-          <inkml:channel name="OA" type="integer" max="360" units="deg"/>
-          <inkml:channel name="OE" type="integer" max="90" units="deg"/>
-        </inkml:traceFormat>
-        <inkml:channelProperties>
-          <inkml:channelProperty channel="X" name="resolution" value="1000" units="1/cm"/>
-          <inkml:channelProperty channel="Y" name="resolution" value="1000" units="1/cm"/>
-          <inkml:channelProperty channel="F" name="resolution" value="0" units="1/dev"/>
-          <inkml:channelProperty channel="OA" name="resolution" value="1000" units="1/deg"/>
-          <inkml:channelProperty channel="OE" name="resolution" value="1000" units="1/deg"/>
-        </inkml:channelProperties>
-      </inkml:inkSource>
-      <inkml:timestamp xml:id="ts0" timeString="2020-05-25T13:27:13.096"/>
-    </inkml:context>
-    <inkml:brush xml:id="br0">
-      <inkml:brushProperty name="width" value="0.05" units="cm"/>
-      <inkml:brushProperty name="height" value="0.05" units="cm"/>
-    </inkml:brush>
-  </inkml:definitions>
-  <inkml:trace contextRef="#ctx0" brushRef="#br0">106 64 28 0 0,'17'-63'7249'0'0,"-57"99"-5741"0"0,38-34-1507 0 0,-54 65 75 0 0,53-63-72 0 0,0-1 1 0 0,1 1-1 0 0,-1 1 1 0 0,1-1-1 0 0,0 0 1 0 0,0 0-1 0 0,1 1 0 0 0,-1-1 1 0 0,1 1-1 0 0,0 0 1 0 0,0-1-1 0 0,0 1 1 0 0,1 0-1 0 0,0 0 0 0 0,0 8 1 0 0,1-10-144 0 0,1 0 0 0 0,-1-1 0 0 0,0 1 0 0 0,1 0 0 0 0,-1-1 0 0 0,1 0 0 0 0,0 1 0 0 0,0-1 0 0 0,0 0 0 0 0,0 0 0 0 0,0 0 0 0 0,1 0 0 0 0,-1-1 0 0 0,1 1 0 0 0,-1-1 0 0 0,1 1 0 0 0,-1-1 0 0 0,1 0 0 0 0,0 0 0 0 0,0 0 0 0 0,-1 0 0 0 0,1 0 0 0 0,0-1 1 0 0,0 1-1 0 0,0-1 0 0 0,3 0 0 0 0,15 5-647 0 0,-9-9-2544 0 0,-7 2 2305 0 0</inkml:trace>
-</inkml:ink>
-</file>
-
-<file path=ppt/ink/ink9.xml><?xml version="1.0" encoding="utf-8"?>
-<inkml:ink xmlns:inkml="http://www.w3.org/2003/InkML">
-  <inkml:definitions>
-    <inkml:context xml:id="ctx0">
-      <inkml:inkSource xml:id="inkSrc0">
-        <inkml:traceFormat>
-          <inkml:channel name="X" type="integer" min="-2.14748E9" max="2.14748E9" units="cm"/>
-          <inkml:channel name="Y" type="integer" min="-2.14748E9" max="2.14748E9" units="cm"/>
-          <inkml:channel name="F" type="integer" max="32767" units="dev"/>
-          <inkml:channel name="OA" type="integer" max="360" units="deg"/>
-          <inkml:channel name="OE" type="integer" max="90" units="deg"/>
-        </inkml:traceFormat>
-        <inkml:channelProperties>
-          <inkml:channelProperty channel="X" name="resolution" value="1000" units="1/cm"/>
-          <inkml:channelProperty channel="Y" name="resolution" value="1000" units="1/cm"/>
-          <inkml:channelProperty channel="F" name="resolution" value="0" units="1/dev"/>
-          <inkml:channelProperty channel="OA" name="resolution" value="1000" units="1/deg"/>
-          <inkml:channelProperty channel="OE" name="resolution" value="1000" units="1/deg"/>
-        </inkml:channelProperties>
-      </inkml:inkSource>
-      <inkml:timestamp xml:id="ts0" timeString="2020-05-25T13:27:13.679"/>
-    </inkml:context>
-    <inkml:brush xml:id="br0">
-      <inkml:brushProperty name="width" value="0.05" units="cm"/>
-      <inkml:brushProperty name="height" value="0.05" units="cm"/>
-    </inkml:brush>
-  </inkml:definitions>
-  <inkml:trace contextRef="#ctx0" brushRef="#br0">0 0 544 0 0,'0'8'4093'0'0,"0"29"-3194"0"0,4 80 1243 0 0,-1-68-1697 0 0,-3-38-600 0 0,1-13-336 0 0,-7-50-5433 0 0,7 44 4819 0 0</inkml:trace>
+  <inkml:trace contextRef="#ctx0" brushRef="#br0">9 155 496,'-9'-155'-7,"9"2952"0,0-2790 0,-2648 0 0,0 0-1,0 0 0,0 1 0,0 1 0,-1 0 0,-1 1 1,0 0 0,-1-1 0,0 0 0,1 0 0,0 0-1,0 0 0,0 1 0,0 0 0,-1 0 0,0 0 1,0 0 0,0-1 0,0 0 0,1 0 0,0 0-1,0 0 0,1 1 0,0 0-1,-1 0 0,0 0 1,0 0 0,0-1 0,0 0 0,1 0 0,0 0-1,0 0 0,0 1 0,0 0 0,-1 0 0,0 1 1,0 0 0,-1-1 0,0 0 0,1 0 0,0 0-1,0 0 0,0 1 0,0 0 0,-1 0 0,0 0 1,0 0 0,0-1 0,0 0 0,1 0 0,0 0-1,0 0 0,1 1 0,0 0-1,-1 0 0,-1 0 1,0 0 1,0-1 0,0 0 0,1 0 0,0 0-1,0 0 0,0 1 0,0 0 0,-1 0 0,0 0 1,0 0 0,0-1 0,0 0 0,1 0 0,0 0-1,0 0 0,0 1 0,0-1 0,-1 0 0,1 1 1,0 0 0,-1-1 0,0 0 0,1 0 0,0 0-1,0 0 0,0 1 0,0 9 14,947 0 0,13 26 1075,0 0 52,69 0 0,0-60-92,-2149 0 0,0-1-1,0 0 1,0 1 0,0 1-2,-1 0 0,1 0 1,0 0 0,0-1 0,0 23 13,1 0 0,-18-9-11,0 0-19,-15 2 0,0 0 0,-1 0 0,0-1 1,0 0 0,1 0 0,0 0-1,0 0 0,0 1 0,0 0 1,-1 0 0,0-1 0,0 0 0,1 0 0,0 0-1,-1 0 0,0 1 1,-1 0 0,0-1 1,0 0 7,2 0 0,0-8-4,-11 0 0,1 0-1,0 0-1,0 1 0,0 0-1,-1 0 0,1 0 1,0 0-1,1-1 0,0 0-1,1 0 0,0 0-1,0 0 3,-4 1 0,0 20-9,-21 0 0,-16 8 19,0 0 0,1 1 0,0 0-1,-1 0 0,0-1 1,0 0-1,0 0 0,0 0 0,-1 0 0,-1-1 1,0 0 0,0-1 0,0 0 0,1 0 0,11-18-1,0 0-8,11 6 0,0 196-268,-814 0 0,-196 271 1471,0 0-11,12-927 0,0 1 1,0 0 0,-1 0 1,0 0 0,-1-1 0,0 1 1,0 0 0,-1-1 1,0 0 1,1-1 0,0-1 0,0 0 0,0-1 0,0 0 0,1 1 0,0 1-1,-1 0 0,-1 1 0,0 0 0,-1 0 0,0 0 1,1 0 0,1-1-1,0 0-1,1 0 0,0 0-1,0 0 0,0 1 1,0 0 0,-1-1 0,0 0 1,0 0 0,0-1 0,0 0 0,1 1 0,0 0-1,-1 0 0,0 1 0,0 0 0,-1 0 0,0 0 1,1 0 0,0-2-1,0 0-1,-12-5566 0,0 1 7,4047 0 0,0-2 258,0 0 0</inkml:trace>
 </inkml:ink>
 </file>
 
@@ -2388,7 +333,6 @@
           <a:p>
             <a:fld id="{ED34844E-26AF-4FD8-B9A9-BC9E770D5090}" type="datetimeFigureOut">
               <a:rPr lang="en-US" smtClean="0"/>
-              <a:t>5/29/2020</a:t>
             </a:fld>
             <a:endParaRPr lang="en-US"/>
           </a:p>
@@ -2455,6 +399,7 @@
               <a:rPr lang="en-US"/>
               <a:t>Click to edit Master text styles</a:t>
             </a:r>
+            <a:endParaRPr lang="en-US"/>
           </a:p>
           <a:p>
             <a:pPr lvl="1"/>
@@ -2462,6 +407,7 @@
               <a:rPr lang="en-US"/>
               <a:t>Second level</a:t>
             </a:r>
+            <a:endParaRPr lang="en-US"/>
           </a:p>
           <a:p>
             <a:pPr lvl="2"/>
@@ -2469,6 +415,7 @@
               <a:rPr lang="en-US"/>
               <a:t>Third level</a:t>
             </a:r>
+            <a:endParaRPr lang="en-US"/>
           </a:p>
           <a:p>
             <a:pPr lvl="3"/>
@@ -2476,6 +423,7 @@
               <a:rPr lang="en-US"/>
               <a:t>Fourth level</a:t>
             </a:r>
+            <a:endParaRPr lang="en-US"/>
           </a:p>
           <a:p>
             <a:pPr lvl="4"/>
@@ -2483,6 +431,7 @@
               <a:rPr lang="en-US"/>
               <a:t>Fifth level</a:t>
             </a:r>
+            <a:endParaRPr lang="en-US"/>
           </a:p>
         </p:txBody>
       </p:sp>
@@ -2546,18 +495,12 @@
           <a:p>
             <a:fld id="{9C9CFDFE-1979-49C0-8692-D95CF2DDDADD}" type="slidenum">
               <a:rPr lang="en-US" smtClean="0"/>
-              <a:t>‹#›</a:t>
             </a:fld>
             <a:endParaRPr lang="en-US"/>
           </a:p>
         </p:txBody>
       </p:sp>
     </p:spTree>
-    <p:extLst>
-      <p:ext uri="{BB962C8B-B14F-4D97-AF65-F5344CB8AC3E}">
-        <p14:creationId xmlns:p14="http://schemas.microsoft.com/office/powerpoint/2010/main" val="2784938655"/>
-      </p:ext>
-    </p:extLst>
   </p:cSld>
   <p:clrMap bg1="lt1" tx1="dk1" bg2="lt2" tx2="dk2" accent1="accent1" accent2="accent2" accent3="accent3" accent4="accent4" accent5="accent5" accent6="accent6" hlink="hlink" folHlink="folHlink"/>
   <p:notesStyle>
@@ -2736,18 +679,12 @@
           <a:p>
             <a:fld id="{9C9CFDFE-1979-49C0-8692-D95CF2DDDADD}" type="slidenum">
               <a:rPr lang="en-US" smtClean="0"/>
-              <a:t>5</a:t>
             </a:fld>
             <a:endParaRPr lang="en-US"/>
           </a:p>
         </p:txBody>
       </p:sp>
     </p:spTree>
-    <p:extLst>
-      <p:ext uri="{BB962C8B-B14F-4D97-AF65-F5344CB8AC3E}">
-        <p14:creationId xmlns:p14="http://schemas.microsoft.com/office/powerpoint/2010/main" val="529345428"/>
-      </p:ext>
-    </p:extLst>
   </p:cSld>
   <p:clrMapOvr>
     <a:masterClrMapping/>
@@ -2820,18 +757,12 @@
           <a:p>
             <a:fld id="{9C9CFDFE-1979-49C0-8692-D95CF2DDDADD}" type="slidenum">
               <a:rPr lang="en-US" smtClean="0"/>
-              <a:t>10</a:t>
             </a:fld>
             <a:endParaRPr lang="en-US"/>
           </a:p>
         </p:txBody>
       </p:sp>
     </p:spTree>
-    <p:extLst>
-      <p:ext uri="{BB962C8B-B14F-4D97-AF65-F5344CB8AC3E}">
-        <p14:creationId xmlns:p14="http://schemas.microsoft.com/office/powerpoint/2010/main" val="3010600807"/>
-      </p:ext>
-    </p:extLst>
   </p:cSld>
   <p:clrMapOvr>
     <a:masterClrMapping/>
@@ -2904,18 +835,12 @@
           <a:p>
             <a:fld id="{9C9CFDFE-1979-49C0-8692-D95CF2DDDADD}" type="slidenum">
               <a:rPr lang="en-US" smtClean="0"/>
-              <a:t>13</a:t>
             </a:fld>
             <a:endParaRPr lang="en-US"/>
           </a:p>
         </p:txBody>
       </p:sp>
     </p:spTree>
-    <p:extLst>
-      <p:ext uri="{BB962C8B-B14F-4D97-AF65-F5344CB8AC3E}">
-        <p14:creationId xmlns:p14="http://schemas.microsoft.com/office/powerpoint/2010/main" val="479287618"/>
-      </p:ext>
-    </p:extLst>
   </p:cSld>
   <p:clrMapOvr>
     <a:masterClrMapping/>
@@ -2988,18 +913,12 @@
           <a:p>
             <a:fld id="{9C9CFDFE-1979-49C0-8692-D95CF2DDDADD}" type="slidenum">
               <a:rPr lang="en-US" smtClean="0"/>
-              <a:t>20</a:t>
             </a:fld>
             <a:endParaRPr lang="en-US"/>
           </a:p>
         </p:txBody>
       </p:sp>
     </p:spTree>
-    <p:extLst>
-      <p:ext uri="{BB962C8B-B14F-4D97-AF65-F5344CB8AC3E}">
-        <p14:creationId xmlns:p14="http://schemas.microsoft.com/office/powerpoint/2010/main" val="1607450207"/>
-      </p:ext>
-    </p:extLst>
   </p:cSld>
   <p:clrMapOvr>
     <a:masterClrMapping/>
@@ -3111,6 +1030,7 @@
               <a:rPr lang="en-US" dirty="0"/>
               <a:t>)</a:t>
             </a:r>
+            <a:endParaRPr lang="en-US" dirty="0"/>
           </a:p>
           <a:p>
             <a:r>
@@ -3162,6 +1082,7 @@
               <a:rPr lang="en-US" dirty="0"/>
               <a:t> </a:t>
             </a:r>
+            <a:endParaRPr lang="en-US" dirty="0"/>
           </a:p>
           <a:p>
             <a:r>
@@ -3189,18 +1110,12 @@
           <a:p>
             <a:fld id="{9C9CFDFE-1979-49C0-8692-D95CF2DDDADD}" type="slidenum">
               <a:rPr lang="en-US" smtClean="0"/>
-              <a:t>30</a:t>
             </a:fld>
             <a:endParaRPr lang="en-US"/>
           </a:p>
         </p:txBody>
       </p:sp>
     </p:spTree>
-    <p:extLst>
-      <p:ext uri="{BB962C8B-B14F-4D97-AF65-F5344CB8AC3E}">
-        <p14:creationId xmlns:p14="http://schemas.microsoft.com/office/powerpoint/2010/main" val="682671214"/>
-      </p:ext>
-    </p:extLst>
   </p:cSld>
   <p:clrMapOvr>
     <a:masterClrMapping/>
@@ -3311,18 +1226,12 @@
           <a:p>
             <a:fld id="{9C9CFDFE-1979-49C0-8692-D95CF2DDDADD}" type="slidenum">
               <a:rPr lang="en-US" smtClean="0"/>
-              <a:t>31</a:t>
             </a:fld>
             <a:endParaRPr lang="en-US"/>
           </a:p>
         </p:txBody>
       </p:sp>
     </p:spTree>
-    <p:extLst>
-      <p:ext uri="{BB962C8B-B14F-4D97-AF65-F5344CB8AC3E}">
-        <p14:creationId xmlns:p14="http://schemas.microsoft.com/office/powerpoint/2010/main" val="682671214"/>
-      </p:ext>
-    </p:extLst>
   </p:cSld>
   <p:clrMapOvr>
     <a:masterClrMapping/>
@@ -3331,7 +1240,7 @@
 </file>
 
 <file path=ppt/slideLayouts/slideLayout1.xml><?xml version="1.0" encoding="utf-8"?>
-<p:sldLayout xmlns:a="http://schemas.openxmlformats.org/drawingml/2006/main" xmlns:r="http://schemas.openxmlformats.org/officeDocument/2006/relationships" xmlns:p="http://schemas.openxmlformats.org/presentationml/2006/main" showMasterSp="0" type="title" preserve="1">
+<p:sldLayout xmlns:a="http://schemas.openxmlformats.org/drawingml/2006/main" xmlns:r="http://schemas.openxmlformats.org/officeDocument/2006/relationships" xmlns:p="http://schemas.openxmlformats.org/presentationml/2006/main" type="title" preserve="1" showMasterSp="0">
   <p:cSld name="Title Slide">
     <p:spTree>
       <p:nvGrpSpPr>
@@ -3556,7 +1465,6 @@
           <a:p>
             <a:fld id="{45673AA6-DF60-478B-99AE-FB4A81458173}" type="datetimeFigureOut">
               <a:rPr lang="zh-CN" altLang="en-US" smtClean="0"/>
-              <a:t>2020/5/29</a:t>
             </a:fld>
             <a:endParaRPr lang="zh-CN" altLang="en-US"/>
           </a:p>
@@ -3598,7 +1506,6 @@
           <a:p>
             <a:fld id="{55A43896-94AD-4D63-A056-EE1601B74172}" type="slidenum">
               <a:rPr lang="zh-CN" altLang="en-US" smtClean="0"/>
-              <a:t>‹#›</a:t>
             </a:fld>
             <a:endParaRPr lang="zh-CN" altLang="en-US"/>
           </a:p>
@@ -3643,11 +1550,6 @@
         </p:style>
       </p:cxnSp>
     </p:spTree>
-    <p:extLst>
-      <p:ext uri="{BB962C8B-B14F-4D97-AF65-F5344CB8AC3E}">
-        <p14:creationId xmlns:p14="http://schemas.microsoft.com/office/powerpoint/2010/main" val="1499042780"/>
-      </p:ext>
-    </p:extLst>
   </p:cSld>
   <p:clrMapOvr>
     <a:masterClrMapping/>
@@ -3715,6 +1617,7 @@
               <a:rPr lang="en-US"/>
               <a:t>Click to edit Master text styles</a:t>
             </a:r>
+            <a:endParaRPr lang="en-US"/>
           </a:p>
           <a:p>
             <a:pPr lvl="1"/>
@@ -3722,6 +1625,7 @@
               <a:rPr lang="en-US"/>
               <a:t>Second level</a:t>
             </a:r>
+            <a:endParaRPr lang="en-US"/>
           </a:p>
           <a:p>
             <a:pPr lvl="2"/>
@@ -3729,6 +1633,7 @@
               <a:rPr lang="en-US"/>
               <a:t>Third level</a:t>
             </a:r>
+            <a:endParaRPr lang="en-US"/>
           </a:p>
           <a:p>
             <a:pPr lvl="3"/>
@@ -3736,6 +1641,7 @@
               <a:rPr lang="en-US"/>
               <a:t>Fourth level</a:t>
             </a:r>
+            <a:endParaRPr lang="en-US"/>
           </a:p>
           <a:p>
             <a:pPr lvl="4"/>
@@ -3764,7 +1670,6 @@
           <a:p>
             <a:fld id="{45673AA6-DF60-478B-99AE-FB4A81458173}" type="datetimeFigureOut">
               <a:rPr lang="zh-CN" altLang="en-US" smtClean="0"/>
-              <a:t>2020/5/29</a:t>
             </a:fld>
             <a:endParaRPr lang="zh-CN" altLang="en-US"/>
           </a:p>
@@ -3806,18 +1711,12 @@
           <a:p>
             <a:fld id="{55A43896-94AD-4D63-A056-EE1601B74172}" type="slidenum">
               <a:rPr lang="zh-CN" altLang="en-US" smtClean="0"/>
-              <a:t>‹#›</a:t>
             </a:fld>
             <a:endParaRPr lang="zh-CN" altLang="en-US"/>
           </a:p>
         </p:txBody>
       </p:sp>
     </p:spTree>
-    <p:extLst>
-      <p:ext uri="{BB962C8B-B14F-4D97-AF65-F5344CB8AC3E}">
-        <p14:creationId xmlns:p14="http://schemas.microsoft.com/office/powerpoint/2010/main" val="1219347320"/>
-      </p:ext>
-    </p:extLst>
   </p:cSld>
   <p:clrMapOvr>
     <a:masterClrMapping/>
@@ -3826,7 +1725,7 @@
 </file>
 
 <file path=ppt/slideLayouts/slideLayout11.xml><?xml version="1.0" encoding="utf-8"?>
-<p:sldLayout xmlns:a="http://schemas.openxmlformats.org/drawingml/2006/main" xmlns:r="http://schemas.openxmlformats.org/officeDocument/2006/relationships" xmlns:p="http://schemas.openxmlformats.org/presentationml/2006/main" showMasterSp="0" type="vertTitleAndTx" preserve="1">
+<p:sldLayout xmlns:a="http://schemas.openxmlformats.org/drawingml/2006/main" xmlns:r="http://schemas.openxmlformats.org/officeDocument/2006/relationships" xmlns:p="http://schemas.openxmlformats.org/presentationml/2006/main" type="vertTitleAndTx" preserve="1" showMasterSp="0">
   <p:cSld name="Vertical Title and Text">
     <p:spTree>
       <p:nvGrpSpPr>
@@ -3971,6 +1870,7 @@
               <a:rPr lang="en-US"/>
               <a:t>Click to edit Master text styles</a:t>
             </a:r>
+            <a:endParaRPr lang="en-US"/>
           </a:p>
           <a:p>
             <a:pPr lvl="1"/>
@@ -3978,6 +1878,7 @@
               <a:rPr lang="en-US"/>
               <a:t>Second level</a:t>
             </a:r>
+            <a:endParaRPr lang="en-US"/>
           </a:p>
           <a:p>
             <a:pPr lvl="2"/>
@@ -3985,6 +1886,7 @@
               <a:rPr lang="en-US"/>
               <a:t>Third level</a:t>
             </a:r>
+            <a:endParaRPr lang="en-US"/>
           </a:p>
           <a:p>
             <a:pPr lvl="3"/>
@@ -3992,6 +1894,7 @@
               <a:rPr lang="en-US"/>
               <a:t>Fourth level</a:t>
             </a:r>
+            <a:endParaRPr lang="en-US"/>
           </a:p>
           <a:p>
             <a:pPr lvl="4"/>
@@ -4020,7 +1923,6 @@
           <a:p>
             <a:fld id="{45673AA6-DF60-478B-99AE-FB4A81458173}" type="datetimeFigureOut">
               <a:rPr lang="zh-CN" altLang="en-US" smtClean="0"/>
-              <a:t>2020/5/29</a:t>
             </a:fld>
             <a:endParaRPr lang="zh-CN" altLang="en-US"/>
           </a:p>
@@ -4062,18 +1964,12 @@
           <a:p>
             <a:fld id="{55A43896-94AD-4D63-A056-EE1601B74172}" type="slidenum">
               <a:rPr lang="zh-CN" altLang="en-US" smtClean="0"/>
-              <a:t>‹#›</a:t>
             </a:fld>
             <a:endParaRPr lang="zh-CN" altLang="en-US"/>
           </a:p>
         </p:txBody>
       </p:sp>
     </p:spTree>
-    <p:extLst>
-      <p:ext uri="{BB962C8B-B14F-4D97-AF65-F5344CB8AC3E}">
-        <p14:creationId xmlns:p14="http://schemas.microsoft.com/office/powerpoint/2010/main" val="4219164415"/>
-      </p:ext>
-    </p:extLst>
   </p:cSld>
   <p:clrMapOvr>
     <a:masterClrMapping/>
@@ -4141,6 +2037,7 @@
               <a:rPr lang="en-US"/>
               <a:t>Click to edit Master text styles</a:t>
             </a:r>
+            <a:endParaRPr lang="en-US"/>
           </a:p>
           <a:p>
             <a:pPr lvl="1"/>
@@ -4148,6 +2045,7 @@
               <a:rPr lang="en-US"/>
               <a:t>Second level</a:t>
             </a:r>
+            <a:endParaRPr lang="en-US"/>
           </a:p>
           <a:p>
             <a:pPr lvl="2"/>
@@ -4155,6 +2053,7 @@
               <a:rPr lang="en-US"/>
               <a:t>Third level</a:t>
             </a:r>
+            <a:endParaRPr lang="en-US"/>
           </a:p>
           <a:p>
             <a:pPr lvl="3"/>
@@ -4162,6 +2061,7 @@
               <a:rPr lang="en-US"/>
               <a:t>Fourth level</a:t>
             </a:r>
+            <a:endParaRPr lang="en-US"/>
           </a:p>
           <a:p>
             <a:pPr lvl="4"/>
@@ -4190,7 +2090,6 @@
           <a:p>
             <a:fld id="{45673AA6-DF60-478B-99AE-FB4A81458173}" type="datetimeFigureOut">
               <a:rPr lang="zh-CN" altLang="en-US" smtClean="0"/>
-              <a:t>2020/5/29</a:t>
             </a:fld>
             <a:endParaRPr lang="zh-CN" altLang="en-US"/>
           </a:p>
@@ -4232,18 +2131,12 @@
           <a:p>
             <a:fld id="{55A43896-94AD-4D63-A056-EE1601B74172}" type="slidenum">
               <a:rPr lang="zh-CN" altLang="en-US" smtClean="0"/>
-              <a:t>‹#›</a:t>
             </a:fld>
             <a:endParaRPr lang="zh-CN" altLang="en-US"/>
           </a:p>
         </p:txBody>
       </p:sp>
     </p:spTree>
-    <p:extLst>
-      <p:ext uri="{BB962C8B-B14F-4D97-AF65-F5344CB8AC3E}">
-        <p14:creationId xmlns:p14="http://schemas.microsoft.com/office/powerpoint/2010/main" val="3931536237"/>
-      </p:ext>
-    </p:extLst>
   </p:cSld>
   <p:clrMapOvr>
     <a:masterClrMapping/>
@@ -4252,7 +2145,7 @@
 </file>
 
 <file path=ppt/slideLayouts/slideLayout3.xml><?xml version="1.0" encoding="utf-8"?>
-<p:sldLayout xmlns:a="http://schemas.openxmlformats.org/drawingml/2006/main" xmlns:r="http://schemas.openxmlformats.org/officeDocument/2006/relationships" xmlns:p="http://schemas.openxmlformats.org/presentationml/2006/main" showMasterSp="0" type="secHead" preserve="1">
+<p:sldLayout xmlns:a="http://schemas.openxmlformats.org/drawingml/2006/main" xmlns:r="http://schemas.openxmlformats.org/officeDocument/2006/relationships" xmlns:p="http://schemas.openxmlformats.org/presentationml/2006/main" type="secHead" preserve="1" showMasterSp="0">
   <p:cSld name="Section Header">
     <p:bg>
       <p:bgPr>
@@ -4513,6 +2406,7 @@
               <a:rPr lang="en-US"/>
               <a:t>Click to edit Master text styles</a:t>
             </a:r>
+            <a:endParaRPr lang="en-US"/>
           </a:p>
         </p:txBody>
       </p:sp>
@@ -4533,7 +2427,6 @@
           <a:p>
             <a:fld id="{45673AA6-DF60-478B-99AE-FB4A81458173}" type="datetimeFigureOut">
               <a:rPr lang="zh-CN" altLang="en-US" smtClean="0"/>
-              <a:t>2020/5/29</a:t>
             </a:fld>
             <a:endParaRPr lang="zh-CN" altLang="en-US"/>
           </a:p>
@@ -4575,7 +2468,6 @@
           <a:p>
             <a:fld id="{55A43896-94AD-4D63-A056-EE1601B74172}" type="slidenum">
               <a:rPr lang="zh-CN" altLang="en-US" smtClean="0"/>
-              <a:t>‹#›</a:t>
             </a:fld>
             <a:endParaRPr lang="zh-CN" altLang="en-US"/>
           </a:p>
@@ -4620,11 +2512,6 @@
         </p:style>
       </p:cxnSp>
     </p:spTree>
-    <p:extLst>
-      <p:ext uri="{BB962C8B-B14F-4D97-AF65-F5344CB8AC3E}">
-        <p14:creationId xmlns:p14="http://schemas.microsoft.com/office/powerpoint/2010/main" val="4146171316"/>
-      </p:ext>
-    </p:extLst>
   </p:cSld>
   <p:clrMapOvr>
     <a:masterClrMapping/>
@@ -4702,6 +2589,7 @@
               <a:rPr lang="en-US"/>
               <a:t>Click to edit Master text styles</a:t>
             </a:r>
+            <a:endParaRPr lang="en-US"/>
           </a:p>
           <a:p>
             <a:pPr lvl="1"/>
@@ -4709,6 +2597,7 @@
               <a:rPr lang="en-US"/>
               <a:t>Second level</a:t>
             </a:r>
+            <a:endParaRPr lang="en-US"/>
           </a:p>
           <a:p>
             <a:pPr lvl="2"/>
@@ -4716,6 +2605,7 @@
               <a:rPr lang="en-US"/>
               <a:t>Third level</a:t>
             </a:r>
+            <a:endParaRPr lang="en-US"/>
           </a:p>
           <a:p>
             <a:pPr lvl="3"/>
@@ -4723,6 +2613,7 @@
               <a:rPr lang="en-US"/>
               <a:t>Fourth level</a:t>
             </a:r>
+            <a:endParaRPr lang="en-US"/>
           </a:p>
           <a:p>
             <a:pPr lvl="4"/>
@@ -4759,6 +2650,7 @@
               <a:rPr lang="en-US"/>
               <a:t>Click to edit Master text styles</a:t>
             </a:r>
+            <a:endParaRPr lang="en-US"/>
           </a:p>
           <a:p>
             <a:pPr lvl="1"/>
@@ -4766,6 +2658,7 @@
               <a:rPr lang="en-US"/>
               <a:t>Second level</a:t>
             </a:r>
+            <a:endParaRPr lang="en-US"/>
           </a:p>
           <a:p>
             <a:pPr lvl="2"/>
@@ -4773,6 +2666,7 @@
               <a:rPr lang="en-US"/>
               <a:t>Third level</a:t>
             </a:r>
+            <a:endParaRPr lang="en-US"/>
           </a:p>
           <a:p>
             <a:pPr lvl="3"/>
@@ -4780,6 +2674,7 @@
               <a:rPr lang="en-US"/>
               <a:t>Fourth level</a:t>
             </a:r>
+            <a:endParaRPr lang="en-US"/>
           </a:p>
           <a:p>
             <a:pPr lvl="4"/>
@@ -4808,7 +2703,6 @@
           <a:p>
             <a:fld id="{45673AA6-DF60-478B-99AE-FB4A81458173}" type="datetimeFigureOut">
               <a:rPr lang="zh-CN" altLang="en-US" smtClean="0"/>
-              <a:t>2020/5/29</a:t>
             </a:fld>
             <a:endParaRPr lang="zh-CN" altLang="en-US"/>
           </a:p>
@@ -4850,18 +2744,12 @@
           <a:p>
             <a:fld id="{55A43896-94AD-4D63-A056-EE1601B74172}" type="slidenum">
               <a:rPr lang="zh-CN" altLang="en-US" smtClean="0"/>
-              <a:t>‹#›</a:t>
             </a:fld>
             <a:endParaRPr lang="zh-CN" altLang="en-US"/>
           </a:p>
         </p:txBody>
       </p:sp>
     </p:spTree>
-    <p:extLst>
-      <p:ext uri="{BB962C8B-B14F-4D97-AF65-F5344CB8AC3E}">
-        <p14:creationId xmlns:p14="http://schemas.microsoft.com/office/powerpoint/2010/main" val="4050444801"/>
-      </p:ext>
-    </p:extLst>
   </p:cSld>
   <p:clrMapOvr>
     <a:masterClrMapping/>
@@ -4982,6 +2870,7 @@
               <a:rPr lang="en-US"/>
               <a:t>Click to edit Master text styles</a:t>
             </a:r>
+            <a:endParaRPr lang="en-US"/>
           </a:p>
         </p:txBody>
       </p:sp>
@@ -5010,6 +2899,7 @@
               <a:rPr lang="en-US"/>
               <a:t>Click to edit Master text styles</a:t>
             </a:r>
+            <a:endParaRPr lang="en-US"/>
           </a:p>
           <a:p>
             <a:pPr lvl="1"/>
@@ -5017,6 +2907,7 @@
               <a:rPr lang="en-US"/>
               <a:t>Second level</a:t>
             </a:r>
+            <a:endParaRPr lang="en-US"/>
           </a:p>
           <a:p>
             <a:pPr lvl="2"/>
@@ -5024,6 +2915,7 @@
               <a:rPr lang="en-US"/>
               <a:t>Third level</a:t>
             </a:r>
+            <a:endParaRPr lang="en-US"/>
           </a:p>
           <a:p>
             <a:pPr lvl="3"/>
@@ -5031,6 +2923,7 @@
               <a:rPr lang="en-US"/>
               <a:t>Fourth level</a:t>
             </a:r>
+            <a:endParaRPr lang="en-US"/>
           </a:p>
           <a:p>
             <a:pPr lvl="4"/>
@@ -5110,6 +3003,7 @@
               <a:rPr lang="en-US"/>
               <a:t>Click to edit Master text styles</a:t>
             </a:r>
+            <a:endParaRPr lang="en-US"/>
           </a:p>
         </p:txBody>
       </p:sp>
@@ -5138,6 +3032,7 @@
               <a:rPr lang="en-US"/>
               <a:t>Click to edit Master text styles</a:t>
             </a:r>
+            <a:endParaRPr lang="en-US"/>
           </a:p>
           <a:p>
             <a:pPr lvl="1"/>
@@ -5145,6 +3040,7 @@
               <a:rPr lang="en-US"/>
               <a:t>Second level</a:t>
             </a:r>
+            <a:endParaRPr lang="en-US"/>
           </a:p>
           <a:p>
             <a:pPr lvl="2"/>
@@ -5152,6 +3048,7 @@
               <a:rPr lang="en-US"/>
               <a:t>Third level</a:t>
             </a:r>
+            <a:endParaRPr lang="en-US"/>
           </a:p>
           <a:p>
             <a:pPr lvl="3"/>
@@ -5159,6 +3056,7 @@
               <a:rPr lang="en-US"/>
               <a:t>Fourth level</a:t>
             </a:r>
+            <a:endParaRPr lang="en-US"/>
           </a:p>
           <a:p>
             <a:pPr lvl="4"/>
@@ -5187,7 +3085,6 @@
           <a:p>
             <a:fld id="{45673AA6-DF60-478B-99AE-FB4A81458173}" type="datetimeFigureOut">
               <a:rPr lang="zh-CN" altLang="en-US" smtClean="0"/>
-              <a:t>2020/5/29</a:t>
             </a:fld>
             <a:endParaRPr lang="zh-CN" altLang="en-US"/>
           </a:p>
@@ -5229,18 +3126,12 @@
           <a:p>
             <a:fld id="{55A43896-94AD-4D63-A056-EE1601B74172}" type="slidenum">
               <a:rPr lang="zh-CN" altLang="en-US" smtClean="0"/>
-              <a:t>‹#›</a:t>
             </a:fld>
             <a:endParaRPr lang="zh-CN" altLang="en-US"/>
           </a:p>
         </p:txBody>
       </p:sp>
     </p:spTree>
-    <p:extLst>
-      <p:ext uri="{BB962C8B-B14F-4D97-AF65-F5344CB8AC3E}">
-        <p14:creationId xmlns:p14="http://schemas.microsoft.com/office/powerpoint/2010/main" val="1869973782"/>
-      </p:ext>
-    </p:extLst>
   </p:cSld>
   <p:clrMapOvr>
     <a:masterClrMapping/>
@@ -5305,7 +3196,6 @@
           <a:p>
             <a:fld id="{45673AA6-DF60-478B-99AE-FB4A81458173}" type="datetimeFigureOut">
               <a:rPr lang="zh-CN" altLang="en-US" smtClean="0"/>
-              <a:t>2020/5/29</a:t>
             </a:fld>
             <a:endParaRPr lang="zh-CN" altLang="en-US"/>
           </a:p>
@@ -5347,18 +3237,12 @@
           <a:p>
             <a:fld id="{55A43896-94AD-4D63-A056-EE1601B74172}" type="slidenum">
               <a:rPr lang="zh-CN" altLang="en-US" smtClean="0"/>
-              <a:t>‹#›</a:t>
             </a:fld>
             <a:endParaRPr lang="zh-CN" altLang="en-US"/>
           </a:p>
         </p:txBody>
       </p:sp>
     </p:spTree>
-    <p:extLst>
-      <p:ext uri="{BB962C8B-B14F-4D97-AF65-F5344CB8AC3E}">
-        <p14:creationId xmlns:p14="http://schemas.microsoft.com/office/powerpoint/2010/main" val="805791124"/>
-      </p:ext>
-    </p:extLst>
   </p:cSld>
   <p:clrMapOvr>
     <a:masterClrMapping/>
@@ -5367,7 +3251,7 @@
 </file>
 
 <file path=ppt/slideLayouts/slideLayout7.xml><?xml version="1.0" encoding="utf-8"?>
-<p:sldLayout xmlns:a="http://schemas.openxmlformats.org/drawingml/2006/main" xmlns:r="http://schemas.openxmlformats.org/officeDocument/2006/relationships" xmlns:p="http://schemas.openxmlformats.org/presentationml/2006/main" showMasterSp="0" type="blank" preserve="1">
+<p:sldLayout xmlns:a="http://schemas.openxmlformats.org/drawingml/2006/main" xmlns:r="http://schemas.openxmlformats.org/officeDocument/2006/relationships" xmlns:p="http://schemas.openxmlformats.org/presentationml/2006/main" type="blank" preserve="1" showMasterSp="0">
   <p:cSld name="Blank">
     <p:spTree>
       <p:nvGrpSpPr>
@@ -5476,7 +3360,6 @@
           <a:p>
             <a:fld id="{45673AA6-DF60-478B-99AE-FB4A81458173}" type="datetimeFigureOut">
               <a:rPr lang="zh-CN" altLang="en-US" smtClean="0"/>
-              <a:t>2020/5/29</a:t>
             </a:fld>
             <a:endParaRPr lang="zh-CN" altLang="en-US"/>
           </a:p>
@@ -5526,18 +3409,12 @@
           <a:p>
             <a:fld id="{55A43896-94AD-4D63-A056-EE1601B74172}" type="slidenum">
               <a:rPr lang="zh-CN" altLang="en-US" smtClean="0"/>
-              <a:t>‹#›</a:t>
             </a:fld>
             <a:endParaRPr lang="zh-CN" altLang="en-US"/>
           </a:p>
         </p:txBody>
       </p:sp>
     </p:spTree>
-    <p:extLst>
-      <p:ext uri="{BB962C8B-B14F-4D97-AF65-F5344CB8AC3E}">
-        <p14:creationId xmlns:p14="http://schemas.microsoft.com/office/powerpoint/2010/main" val="358629482"/>
-      </p:ext>
-    </p:extLst>
   </p:cSld>
   <p:clrMapOvr>
     <a:masterClrMapping/>
@@ -5546,7 +3423,7 @@
 </file>
 
 <file path=ppt/slideLayouts/slideLayout8.xml><?xml version="1.0" encoding="utf-8"?>
-<p:sldLayout xmlns:a="http://schemas.openxmlformats.org/drawingml/2006/main" xmlns:r="http://schemas.openxmlformats.org/officeDocument/2006/relationships" xmlns:p="http://schemas.openxmlformats.org/presentationml/2006/main" showMasterSp="0" type="objTx" preserve="1">
+<p:sldLayout xmlns:a="http://schemas.openxmlformats.org/drawingml/2006/main" xmlns:r="http://schemas.openxmlformats.org/officeDocument/2006/relationships" xmlns:p="http://schemas.openxmlformats.org/presentationml/2006/main" type="objTx" preserve="1" showMasterSp="0">
   <p:cSld name="Content with Caption">
     <p:spTree>
       <p:nvGrpSpPr>
@@ -5701,6 +3578,7 @@
               <a:rPr lang="en-US"/>
               <a:t>Click to edit Master text styles</a:t>
             </a:r>
+            <a:endParaRPr lang="en-US"/>
           </a:p>
           <a:p>
             <a:pPr lvl="1"/>
@@ -5708,6 +3586,7 @@
               <a:rPr lang="en-US"/>
               <a:t>Second level</a:t>
             </a:r>
+            <a:endParaRPr lang="en-US"/>
           </a:p>
           <a:p>
             <a:pPr lvl="2"/>
@@ -5715,6 +3594,7 @@
               <a:rPr lang="en-US"/>
               <a:t>Third level</a:t>
             </a:r>
+            <a:endParaRPr lang="en-US"/>
           </a:p>
           <a:p>
             <a:pPr lvl="3"/>
@@ -5722,6 +3602,7 @@
               <a:rPr lang="en-US"/>
               <a:t>Fourth level</a:t>
             </a:r>
+            <a:endParaRPr lang="en-US"/>
           </a:p>
           <a:p>
             <a:pPr lvl="4"/>
@@ -5801,6 +3682,7 @@
               <a:rPr lang="en-US"/>
               <a:t>Click to edit Master text styles</a:t>
             </a:r>
+            <a:endParaRPr lang="en-US"/>
           </a:p>
         </p:txBody>
       </p:sp>
@@ -5830,7 +3712,6 @@
           <a:p>
             <a:fld id="{45673AA6-DF60-478B-99AE-FB4A81458173}" type="datetimeFigureOut">
               <a:rPr lang="zh-CN" altLang="en-US" smtClean="0"/>
-              <a:t>2020/5/29</a:t>
             </a:fld>
             <a:endParaRPr lang="zh-CN" altLang="en-US"/>
           </a:p>
@@ -5893,18 +3774,12 @@
           <a:p>
             <a:fld id="{55A43896-94AD-4D63-A056-EE1601B74172}" type="slidenum">
               <a:rPr lang="zh-CN" altLang="en-US" smtClean="0"/>
-              <a:t>‹#›</a:t>
             </a:fld>
             <a:endParaRPr lang="zh-CN" altLang="en-US"/>
           </a:p>
         </p:txBody>
       </p:sp>
     </p:spTree>
-    <p:extLst>
-      <p:ext uri="{BB962C8B-B14F-4D97-AF65-F5344CB8AC3E}">
-        <p14:creationId xmlns:p14="http://schemas.microsoft.com/office/powerpoint/2010/main" val="3384974784"/>
-      </p:ext>
-    </p:extLst>
   </p:cSld>
   <p:clrMapOvr>
     <a:masterClrMapping/>
@@ -5913,7 +3788,7 @@
 </file>
 
 <file path=ppt/slideLayouts/slideLayout9.xml><?xml version="1.0" encoding="utf-8"?>
-<p:sldLayout xmlns:a="http://schemas.openxmlformats.org/drawingml/2006/main" xmlns:r="http://schemas.openxmlformats.org/officeDocument/2006/relationships" xmlns:p="http://schemas.openxmlformats.org/presentationml/2006/main" showMasterSp="0" type="picTx" preserve="1">
+<p:sldLayout xmlns:a="http://schemas.openxmlformats.org/drawingml/2006/main" xmlns:r="http://schemas.openxmlformats.org/officeDocument/2006/relationships" xmlns:p="http://schemas.openxmlformats.org/presentationml/2006/main" type="picTx" preserve="1" showMasterSp="0">
   <p:cSld name="Picture with Caption">
     <p:spTree>
       <p:nvGrpSpPr>
@@ -6187,6 +4062,7 @@
               <a:rPr lang="en-US"/>
               <a:t>Click to edit Master text styles</a:t>
             </a:r>
+            <a:endParaRPr lang="en-US"/>
           </a:p>
         </p:txBody>
       </p:sp>
@@ -6207,7 +4083,6 @@
           <a:p>
             <a:fld id="{45673AA6-DF60-478B-99AE-FB4A81458173}" type="datetimeFigureOut">
               <a:rPr lang="zh-CN" altLang="en-US" smtClean="0"/>
-              <a:t>2020/5/29</a:t>
             </a:fld>
             <a:endParaRPr lang="zh-CN" altLang="en-US"/>
           </a:p>
@@ -6249,18 +4124,12 @@
           <a:p>
             <a:fld id="{55A43896-94AD-4D63-A056-EE1601B74172}" type="slidenum">
               <a:rPr lang="zh-CN" altLang="en-US" smtClean="0"/>
-              <a:t>‹#›</a:t>
             </a:fld>
             <a:endParaRPr lang="zh-CN" altLang="en-US"/>
           </a:p>
         </p:txBody>
       </p:sp>
     </p:spTree>
-    <p:extLst>
-      <p:ext uri="{BB962C8B-B14F-4D97-AF65-F5344CB8AC3E}">
-        <p14:creationId xmlns:p14="http://schemas.microsoft.com/office/powerpoint/2010/main" val="1762233664"/>
-      </p:ext>
-    </p:extLst>
   </p:cSld>
   <p:clrMapOvr>
     <a:masterClrMapping/>
@@ -6429,6 +4298,7 @@
               <a:rPr lang="en-US"/>
               <a:t>Click to edit Master text styles</a:t>
             </a:r>
+            <a:endParaRPr lang="en-US"/>
           </a:p>
           <a:p>
             <a:pPr lvl="1"/>
@@ -6436,6 +4306,7 @@
               <a:rPr lang="en-US"/>
               <a:t>Second level</a:t>
             </a:r>
+            <a:endParaRPr lang="en-US"/>
           </a:p>
           <a:p>
             <a:pPr lvl="2"/>
@@ -6443,6 +4314,7 @@
               <a:rPr lang="en-US"/>
               <a:t>Third level</a:t>
             </a:r>
+            <a:endParaRPr lang="en-US"/>
           </a:p>
           <a:p>
             <a:pPr lvl="3"/>
@@ -6450,6 +4322,7 @@
               <a:rPr lang="en-US"/>
               <a:t>Fourth level</a:t>
             </a:r>
+            <a:endParaRPr lang="en-US"/>
           </a:p>
           <a:p>
             <a:pPr lvl="4"/>
@@ -6494,7 +4367,6 @@
           <a:p>
             <a:fld id="{45673AA6-DF60-478B-99AE-FB4A81458173}" type="datetimeFigureOut">
               <a:rPr lang="zh-CN" altLang="en-US" smtClean="0"/>
-              <a:t>2020/5/29</a:t>
             </a:fld>
             <a:endParaRPr lang="zh-CN" altLang="en-US"/>
           </a:p>
@@ -6568,7 +4440,6 @@
           <a:p>
             <a:fld id="{55A43896-94AD-4D63-A056-EE1601B74172}" type="slidenum">
               <a:rPr lang="zh-CN" altLang="en-US" smtClean="0"/>
-              <a:t>‹#›</a:t>
             </a:fld>
             <a:endParaRPr lang="zh-CN" altLang="en-US"/>
           </a:p>
@@ -6613,25 +4484,20 @@
         </p:style>
       </p:cxnSp>
     </p:spTree>
-    <p:extLst>
-      <p:ext uri="{BB962C8B-B14F-4D97-AF65-F5344CB8AC3E}">
-        <p14:creationId xmlns:p14="http://schemas.microsoft.com/office/powerpoint/2010/main" val="1194281600"/>
-      </p:ext>
-    </p:extLst>
   </p:cSld>
   <p:clrMap bg1="lt1" tx1="dk1" bg2="lt2" tx2="dk2" accent1="accent1" accent2="accent2" accent3="accent3" accent4="accent4" accent5="accent5" accent6="accent6" hlink="hlink" folHlink="folHlink"/>
   <p:sldLayoutIdLst>
-    <p:sldLayoutId id="2147483733" r:id="rId1"/>
-    <p:sldLayoutId id="2147483734" r:id="rId2"/>
-    <p:sldLayoutId id="2147483735" r:id="rId3"/>
-    <p:sldLayoutId id="2147483736" r:id="rId4"/>
-    <p:sldLayoutId id="2147483737" r:id="rId5"/>
-    <p:sldLayoutId id="2147483738" r:id="rId6"/>
-    <p:sldLayoutId id="2147483739" r:id="rId7"/>
-    <p:sldLayoutId id="2147483740" r:id="rId8"/>
-    <p:sldLayoutId id="2147483741" r:id="rId9"/>
-    <p:sldLayoutId id="2147483742" r:id="rId10"/>
-    <p:sldLayoutId id="2147483743" r:id="rId11"/>
+    <p:sldLayoutId id="2147483649" r:id="rId1"/>
+    <p:sldLayoutId id="2147483650" r:id="rId2"/>
+    <p:sldLayoutId id="2147483651" r:id="rId3"/>
+    <p:sldLayoutId id="2147483652" r:id="rId4"/>
+    <p:sldLayoutId id="2147483653" r:id="rId5"/>
+    <p:sldLayoutId id="2147483654" r:id="rId6"/>
+    <p:sldLayoutId id="2147483655" r:id="rId7"/>
+    <p:sldLayoutId id="2147483656" r:id="rId8"/>
+    <p:sldLayoutId id="2147483657" r:id="rId9"/>
+    <p:sldLayoutId id="2147483658" r:id="rId10"/>
+    <p:sldLayoutId id="2147483659" r:id="rId11"/>
   </p:sldLayoutIdLst>
   <p:txStyles>
     <p:titleStyle>
@@ -6685,7 +4551,7 @@
           <a:cs typeface="+mn-cs"/>
         </a:defRPr>
       </a:lvl1pPr>
-      <a:lvl2pPr marL="384048" indent="-182880" algn="l" defTabSz="914400" rtl="0" eaLnBrk="1" latinLnBrk="0" hangingPunct="1">
+      <a:lvl2pPr marL="384175" indent="-182880" algn="l" defTabSz="914400" rtl="0" eaLnBrk="1" latinLnBrk="0" hangingPunct="1">
         <a:lnSpc>
           <a:spcPct val="90000"/>
         </a:lnSpc>
@@ -6698,7 +4564,7 @@
         <a:buClr>
           <a:schemeClr val="accent1"/>
         </a:buClr>
-        <a:buFont typeface="Calibri" pitchFamily="34" charset="0"/>
+        <a:buFont typeface="Calibri" panose="020F0502020204030204" pitchFamily="34" charset="0"/>
         <a:buChar char="◦"/>
         <a:defRPr sz="1800" kern="1200">
           <a:solidFill>
@@ -6712,7 +4578,7 @@
           <a:cs typeface="+mn-cs"/>
         </a:defRPr>
       </a:lvl2pPr>
-      <a:lvl3pPr marL="566928" indent="-182880" algn="l" defTabSz="914400" rtl="0" eaLnBrk="1" latinLnBrk="0" hangingPunct="1">
+      <a:lvl3pPr marL="567055" indent="-182880" algn="l" defTabSz="914400" rtl="0" eaLnBrk="1" latinLnBrk="0" hangingPunct="1">
         <a:lnSpc>
           <a:spcPct val="90000"/>
         </a:lnSpc>
@@ -6725,7 +4591,7 @@
         <a:buClr>
           <a:schemeClr val="accent1"/>
         </a:buClr>
-        <a:buFont typeface="Calibri" pitchFamily="34" charset="0"/>
+        <a:buFont typeface="Calibri" panose="020F0502020204030204" pitchFamily="34" charset="0"/>
         <a:buChar char="◦"/>
         <a:defRPr sz="1400" kern="1200">
           <a:solidFill>
@@ -6739,7 +4605,7 @@
           <a:cs typeface="+mn-cs"/>
         </a:defRPr>
       </a:lvl3pPr>
-      <a:lvl4pPr marL="749808" indent="-182880" algn="l" defTabSz="914400" rtl="0" eaLnBrk="1" latinLnBrk="0" hangingPunct="1">
+      <a:lvl4pPr marL="749935" indent="-182880" algn="l" defTabSz="914400" rtl="0" eaLnBrk="1" latinLnBrk="0" hangingPunct="1">
         <a:lnSpc>
           <a:spcPct val="90000"/>
         </a:lnSpc>
@@ -6752,7 +4618,7 @@
         <a:buClr>
           <a:schemeClr val="accent1"/>
         </a:buClr>
-        <a:buFont typeface="Calibri" pitchFamily="34" charset="0"/>
+        <a:buFont typeface="Calibri" panose="020F0502020204030204" pitchFamily="34" charset="0"/>
         <a:buChar char="◦"/>
         <a:defRPr sz="1400" kern="1200">
           <a:solidFill>
@@ -6766,7 +4632,7 @@
           <a:cs typeface="+mn-cs"/>
         </a:defRPr>
       </a:lvl4pPr>
-      <a:lvl5pPr marL="932688" indent="-182880" algn="l" defTabSz="914400" rtl="0" eaLnBrk="1" latinLnBrk="0" hangingPunct="1">
+      <a:lvl5pPr marL="932815" indent="-182880" algn="l" defTabSz="914400" rtl="0" eaLnBrk="1" latinLnBrk="0" hangingPunct="1">
         <a:lnSpc>
           <a:spcPct val="90000"/>
         </a:lnSpc>
@@ -6779,7 +4645,7 @@
         <a:buClr>
           <a:schemeClr val="accent1"/>
         </a:buClr>
-        <a:buFont typeface="Calibri" pitchFamily="34" charset="0"/>
+        <a:buFont typeface="Calibri" panose="020F0502020204030204" pitchFamily="34" charset="0"/>
         <a:buChar char="◦"/>
         <a:defRPr sz="1400" kern="1200">
           <a:solidFill>
@@ -6793,7 +4659,7 @@
           <a:cs typeface="+mn-cs"/>
         </a:defRPr>
       </a:lvl5pPr>
-      <a:lvl6pPr marL="1100000" indent="-228600" algn="l" defTabSz="914400" rtl="0" eaLnBrk="1" latinLnBrk="0" hangingPunct="1">
+      <a:lvl6pPr marL="1099820" indent="-228600" algn="l" defTabSz="914400" rtl="0" eaLnBrk="1" latinLnBrk="0" hangingPunct="1">
         <a:lnSpc>
           <a:spcPct val="90000"/>
         </a:lnSpc>
@@ -6806,7 +4672,7 @@
         <a:buClr>
           <a:schemeClr val="accent1"/>
         </a:buClr>
-        <a:buFont typeface="Calibri" pitchFamily="34" charset="0"/>
+        <a:buFont typeface="Calibri" panose="020F0502020204030204" pitchFamily="34" charset="0"/>
         <a:buChar char="◦"/>
         <a:defRPr sz="1400" kern="1200">
           <a:solidFill>
@@ -6820,7 +4686,7 @@
           <a:cs typeface="+mn-cs"/>
         </a:defRPr>
       </a:lvl6pPr>
-      <a:lvl7pPr marL="1300000" indent="-228600" algn="l" defTabSz="914400" rtl="0" eaLnBrk="1" latinLnBrk="0" hangingPunct="1">
+      <a:lvl7pPr marL="1299845" indent="-228600" algn="l" defTabSz="914400" rtl="0" eaLnBrk="1" latinLnBrk="0" hangingPunct="1">
         <a:lnSpc>
           <a:spcPct val="90000"/>
         </a:lnSpc>
@@ -6833,7 +4699,7 @@
         <a:buClr>
           <a:schemeClr val="accent1"/>
         </a:buClr>
-        <a:buFont typeface="Calibri" pitchFamily="34" charset="0"/>
+        <a:buFont typeface="Calibri" panose="020F0502020204030204" pitchFamily="34" charset="0"/>
         <a:buChar char="◦"/>
         <a:defRPr sz="1400" kern="1200">
           <a:solidFill>
@@ -6847,7 +4713,7 @@
           <a:cs typeface="+mn-cs"/>
         </a:defRPr>
       </a:lvl7pPr>
-      <a:lvl8pPr marL="1500000" indent="-228600" algn="l" defTabSz="914400" rtl="0" eaLnBrk="1" latinLnBrk="0" hangingPunct="1">
+      <a:lvl8pPr marL="1499870" indent="-228600" algn="l" defTabSz="914400" rtl="0" eaLnBrk="1" latinLnBrk="0" hangingPunct="1">
         <a:lnSpc>
           <a:spcPct val="90000"/>
         </a:lnSpc>
@@ -6860,7 +4726,7 @@
         <a:buClr>
           <a:schemeClr val="accent1"/>
         </a:buClr>
-        <a:buFont typeface="Calibri" pitchFamily="34" charset="0"/>
+        <a:buFont typeface="Calibri" panose="020F0502020204030204" pitchFamily="34" charset="0"/>
         <a:buChar char="◦"/>
         <a:defRPr sz="1400" kern="1200">
           <a:solidFill>
@@ -6874,7 +4740,7 @@
           <a:cs typeface="+mn-cs"/>
         </a:defRPr>
       </a:lvl8pPr>
-      <a:lvl9pPr marL="1700000" indent="-228600" algn="l" defTabSz="914400" rtl="0" eaLnBrk="1" latinLnBrk="0" hangingPunct="1">
+      <a:lvl9pPr marL="1699895" indent="-228600" algn="l" defTabSz="914400" rtl="0" eaLnBrk="1" latinLnBrk="0" hangingPunct="1">
         <a:lnSpc>
           <a:spcPct val="90000"/>
         </a:lnSpc>
@@ -6887,7 +4753,7 @@
         <a:buClr>
           <a:schemeClr val="accent1"/>
         </a:buClr>
-        <a:buFont typeface="Calibri" pitchFamily="34" charset="0"/>
+        <a:buFont typeface="Calibri" panose="020F0502020204030204" pitchFamily="34" charset="0"/>
         <a:buChar char="◦"/>
         <a:defRPr sz="1400" kern="1200">
           <a:solidFill>
@@ -7020,20 +4886,14 @@
       </p:grpSpPr>
       <p:sp>
         <p:nvSpPr>
-          <p:cNvPr id="4" name="文本框 3">
-            <a:extLst>
-              <a:ext uri="{FF2B5EF4-FFF2-40B4-BE49-F238E27FC236}">
-                <a16:creationId xmlns:a16="http://schemas.microsoft.com/office/drawing/2014/main" id="{453D558C-EA3B-47B2-A32C-2EB8EF17512B}"/>
-              </a:ext>
-            </a:extLst>
-          </p:cNvPr>
+          <p:cNvPr id="4" name="文本框 3"/>
           <p:cNvSpPr txBox="1"/>
           <p:nvPr/>
         </p:nvSpPr>
         <p:spPr>
           <a:xfrm>
             <a:off x="2936240" y="2174240"/>
-            <a:ext cx="6319520" cy="2677656"/>
+            <a:ext cx="6319520" cy="2676525"/>
           </a:xfrm>
           <a:prstGeom prst="rect">
             <a:avLst/>
@@ -7055,6 +4915,7 @@
               <a:rPr lang="en-US" altLang="zh-CN" sz="4800" dirty="0"/>
               <a:t>Review</a:t>
             </a:r>
+            <a:endParaRPr lang="en-US" altLang="zh-CN" sz="4800" dirty="0"/>
           </a:p>
           <a:p>
             <a:pPr algn="ctr"/>
@@ -7064,18 +4925,13 @@
             <a:pPr algn="r"/>
             <a:r>
               <a:rPr lang="en-US" altLang="zh-CN" sz="2400" dirty="0"/>
-              <a:t>Qiao 2020/05/31</a:t>
+              <a:t>Qiao 2020/06/27</a:t>
             </a:r>
             <a:endParaRPr lang="zh-CN" altLang="en-US" sz="2400" dirty="0"/>
           </a:p>
         </p:txBody>
       </p:sp>
     </p:spTree>
-    <p:extLst>
-      <p:ext uri="{BB962C8B-B14F-4D97-AF65-F5344CB8AC3E}">
-        <p14:creationId xmlns:p14="http://schemas.microsoft.com/office/powerpoint/2010/main" val="902646963"/>
-      </p:ext>
-    </p:extLst>
   </p:cSld>
   <p:clrMapOvr>
     <a:masterClrMapping/>
@@ -7102,13 +4958,7 @@
       </p:grpSpPr>
       <p:sp>
         <p:nvSpPr>
-          <p:cNvPr id="5" name="Title 4">
-            <a:extLst>
-              <a:ext uri="{FF2B5EF4-FFF2-40B4-BE49-F238E27FC236}">
-                <a16:creationId xmlns:a16="http://schemas.microsoft.com/office/drawing/2014/main" id="{4128C194-427A-4A16-B62A-D37082989971}"/>
-              </a:ext>
-            </a:extLst>
-          </p:cNvPr>
+          <p:cNvPr id="5" name="Title 4"/>
           <p:cNvSpPr>
             <a:spLocks noGrp="1"/>
           </p:cNvSpPr>
@@ -7131,13 +4981,7 @@
       </p:sp>
       <p:sp>
         <p:nvSpPr>
-          <p:cNvPr id="6" name="Content Placeholder 5">
-            <a:extLst>
-              <a:ext uri="{FF2B5EF4-FFF2-40B4-BE49-F238E27FC236}">
-                <a16:creationId xmlns:a16="http://schemas.microsoft.com/office/drawing/2014/main" id="{B2CE4A7A-62AD-4A7B-9B2B-33DC4332BFFA}"/>
-              </a:ext>
-            </a:extLst>
-          </p:cNvPr>
+          <p:cNvPr id="6" name="Content Placeholder 5"/>
           <p:cNvSpPr>
             <a:spLocks noGrp="1"/>
           </p:cNvSpPr>
@@ -7152,7 +4996,7 @@
           <a:p>
             <a:r>
               <a:rPr lang="en-US" dirty="0">
-                <a:hlinkClick r:id="rId3"/>
+                <a:hlinkClick r:id="rId1"/>
               </a:rPr>
               <a:t>https://leetcode-cn.com/problems/coin-lcci/</a:t>
             </a:r>
@@ -7275,13 +5119,7 @@
       </p:sp>
       <p:sp>
         <p:nvSpPr>
-          <p:cNvPr id="7" name="TextBox 6">
-            <a:extLst>
-              <a:ext uri="{FF2B5EF4-FFF2-40B4-BE49-F238E27FC236}">
-                <a16:creationId xmlns:a16="http://schemas.microsoft.com/office/drawing/2014/main" id="{30A34E0A-C3E7-4A7B-BC66-BEE1FC6296E1}"/>
-              </a:ext>
-            </a:extLst>
-          </p:cNvPr>
+          <p:cNvPr id="7" name="TextBox 6"/>
           <p:cNvSpPr txBox="1"/>
           <p:nvPr/>
         </p:nvSpPr>
@@ -7351,6 +5189,7 @@
               <a:rPr lang="en-US" altLang="zh-CN" dirty="0"/>
               <a:t>) = None</a:t>
             </a:r>
+            <a:endParaRPr lang="en-US" altLang="zh-CN" dirty="0"/>
           </a:p>
           <a:p>
             <a:r>
@@ -7362,11 +5201,6 @@
         </p:txBody>
       </p:sp>
     </p:spTree>
-    <p:extLst>
-      <p:ext uri="{BB962C8B-B14F-4D97-AF65-F5344CB8AC3E}">
-        <p14:creationId xmlns:p14="http://schemas.microsoft.com/office/powerpoint/2010/main" val="680105744"/>
-      </p:ext>
-    </p:extLst>
   </p:cSld>
   <p:clrMapOvr>
     <a:masterClrMapping/>
@@ -7471,13 +5305,7 @@
       </p:grpSpPr>
       <p:sp>
         <p:nvSpPr>
-          <p:cNvPr id="5" name="Title 4">
-            <a:extLst>
-              <a:ext uri="{FF2B5EF4-FFF2-40B4-BE49-F238E27FC236}">
-                <a16:creationId xmlns:a16="http://schemas.microsoft.com/office/drawing/2014/main" id="{4128C194-427A-4A16-B62A-D37082989971}"/>
-              </a:ext>
-            </a:extLst>
-          </p:cNvPr>
+          <p:cNvPr id="5" name="Title 4"/>
           <p:cNvSpPr>
             <a:spLocks noGrp="1"/>
           </p:cNvSpPr>
@@ -7500,13 +5328,7 @@
       </p:sp>
       <p:sp>
         <p:nvSpPr>
-          <p:cNvPr id="6" name="Content Placeholder 5">
-            <a:extLst>
-              <a:ext uri="{FF2B5EF4-FFF2-40B4-BE49-F238E27FC236}">
-                <a16:creationId xmlns:a16="http://schemas.microsoft.com/office/drawing/2014/main" id="{B2CE4A7A-62AD-4A7B-9B2B-33DC4332BFFA}"/>
-              </a:ext>
-            </a:extLst>
-          </p:cNvPr>
+          <p:cNvPr id="6" name="Content Placeholder 5"/>
           <p:cNvSpPr>
             <a:spLocks noGrp="1"/>
           </p:cNvSpPr>
@@ -7521,7 +5343,7 @@
           <a:p>
             <a:r>
               <a:rPr lang="en-US" dirty="0">
-                <a:hlinkClick r:id="rId2"/>
+                <a:hlinkClick r:id="rId1"/>
               </a:rPr>
               <a:t>https://leetcode-cn.com/problems/climbing-stairs/</a:t>
             </a:r>
@@ -7559,6 +5381,13 @@
               </a:rPr>
               <a:t> 阶你才能到达楼顶。</a:t>
             </a:r>
+            <a:endParaRPr lang="zh-CN" altLang="en-US" b="0" i="0" dirty="0">
+              <a:solidFill>
+                <a:srgbClr val="333333"/>
+              </a:solidFill>
+              <a:effectLst/>
+              <a:latin typeface="Helvetica Neue"/>
+            </a:endParaRPr>
           </a:p>
           <a:p>
             <a:pPr algn="l"/>
@@ -7612,6 +5441,13 @@
               </a:rPr>
               <a:t>个台阶。你有多少种不同的方法可以爬到楼顶呢？</a:t>
             </a:r>
+            <a:endParaRPr lang="zh-CN" altLang="en-US" b="0" i="0" dirty="0">
+              <a:solidFill>
+                <a:srgbClr val="333333"/>
+              </a:solidFill>
+              <a:effectLst/>
+              <a:latin typeface="Helvetica Neue"/>
+            </a:endParaRPr>
           </a:p>
           <a:p>
             <a:pPr algn="l"/>
@@ -7655,6 +5491,13 @@
               </a:rPr>
               <a:t> 是一个正整数。</a:t>
             </a:r>
+            <a:endParaRPr lang="zh-CN" altLang="en-US" b="0" i="0" dirty="0">
+              <a:solidFill>
+                <a:srgbClr val="333333"/>
+              </a:solidFill>
+              <a:effectLst/>
+              <a:latin typeface="Helvetica Neue"/>
+            </a:endParaRPr>
           </a:p>
           <a:p>
             <a:endParaRPr lang="en-US" dirty="0"/>
@@ -7663,13 +5506,7 @@
       </p:sp>
       <p:sp>
         <p:nvSpPr>
-          <p:cNvPr id="7" name="TextBox 6">
-            <a:extLst>
-              <a:ext uri="{FF2B5EF4-FFF2-40B4-BE49-F238E27FC236}">
-                <a16:creationId xmlns:a16="http://schemas.microsoft.com/office/drawing/2014/main" id="{D18F0AEA-E1A7-41E3-9041-73748CF16FAF}"/>
-              </a:ext>
-            </a:extLst>
-          </p:cNvPr>
+          <p:cNvPr id="7" name="TextBox 6"/>
           <p:cNvSpPr txBox="1"/>
           <p:nvPr/>
         </p:nvSpPr>
@@ -7723,6 +5560,7 @@
               <a:rPr lang="en-US" altLang="zh-CN" dirty="0"/>
               <a:t>3. f(0) = 1</a:t>
             </a:r>
+            <a:endParaRPr lang="en-US" altLang="zh-CN" dirty="0"/>
           </a:p>
           <a:p>
             <a:r>
@@ -7734,11 +5572,6 @@
         </p:txBody>
       </p:sp>
     </p:spTree>
-    <p:extLst>
-      <p:ext uri="{BB962C8B-B14F-4D97-AF65-F5344CB8AC3E}">
-        <p14:creationId xmlns:p14="http://schemas.microsoft.com/office/powerpoint/2010/main" val="1885124906"/>
-      </p:ext>
-    </p:extLst>
   </p:cSld>
   <p:clrMapOvr>
     <a:masterClrMapping/>
@@ -7843,13 +5676,7 @@
       </p:grpSpPr>
       <p:sp>
         <p:nvSpPr>
-          <p:cNvPr id="2" name="Title 1">
-            <a:extLst>
-              <a:ext uri="{FF2B5EF4-FFF2-40B4-BE49-F238E27FC236}">
-                <a16:creationId xmlns:a16="http://schemas.microsoft.com/office/drawing/2014/main" id="{D5D242FF-967F-4F99-BDF6-BF66DBB8A3BF}"/>
-              </a:ext>
-            </a:extLst>
-          </p:cNvPr>
+          <p:cNvPr id="2" name="Title 1"/>
           <p:cNvSpPr>
             <a:spLocks noGrp="1"/>
           </p:cNvSpPr>
@@ -7872,13 +5699,7 @@
       </p:sp>
       <p:pic>
         <p:nvPicPr>
-          <p:cNvPr id="5" name="Content Placeholder 4">
-            <a:extLst>
-              <a:ext uri="{FF2B5EF4-FFF2-40B4-BE49-F238E27FC236}">
-                <a16:creationId xmlns:a16="http://schemas.microsoft.com/office/drawing/2014/main" id="{E63E65D5-B253-4068-82E7-45546E9D4081}"/>
-              </a:ext>
-            </a:extLst>
-          </p:cNvPr>
+          <p:cNvPr id="5" name="Content Placeholder 4"/>
           <p:cNvPicPr>
             <a:picLocks noGrp="1" noChangeAspect="1"/>
           </p:cNvPicPr>
@@ -7887,7 +5708,7 @@
           </p:nvPr>
         </p:nvPicPr>
         <p:blipFill>
-          <a:blip r:embed="rId2"/>
+          <a:blip r:embed="rId1"/>
           <a:stretch>
             <a:fillRect/>
           </a:stretch>
@@ -7901,13 +5722,7 @@
       </p:pic>
       <p:sp>
         <p:nvSpPr>
-          <p:cNvPr id="7" name="TextBox 6">
-            <a:extLst>
-              <a:ext uri="{FF2B5EF4-FFF2-40B4-BE49-F238E27FC236}">
-                <a16:creationId xmlns:a16="http://schemas.microsoft.com/office/drawing/2014/main" id="{28C4232C-3190-420B-8AE3-22420F041C20}"/>
-              </a:ext>
-            </a:extLst>
-          </p:cNvPr>
+          <p:cNvPr id="7" name="TextBox 6"/>
           <p:cNvSpPr txBox="1"/>
           <p:nvPr/>
         </p:nvSpPr>
@@ -7929,7 +5744,7 @@
           <a:p>
             <a:r>
               <a:rPr lang="en-US" dirty="0">
-                <a:hlinkClick r:id="rId3"/>
+                <a:hlinkClick r:id="rId2"/>
               </a:rPr>
               <a:t>https://leetcode-cn.com/problems/word-break/</a:t>
             </a:r>
@@ -7939,13 +5754,7 @@
       </p:sp>
       <p:sp>
         <p:nvSpPr>
-          <p:cNvPr id="6" name="TextBox 5">
-            <a:extLst>
-              <a:ext uri="{FF2B5EF4-FFF2-40B4-BE49-F238E27FC236}">
-                <a16:creationId xmlns:a16="http://schemas.microsoft.com/office/drawing/2014/main" id="{2B603E38-6F0E-4A7E-BE3B-2605F2F3257E}"/>
-              </a:ext>
-            </a:extLst>
-          </p:cNvPr>
+          <p:cNvPr id="6" name="TextBox 5"/>
           <p:cNvSpPr txBox="1"/>
           <p:nvPr/>
         </p:nvSpPr>
@@ -8012,12 +5821,14 @@
               <a:rPr lang="en-US" altLang="zh-CN" dirty="0"/>
               <a:t> }</a:t>
             </a:r>
+            <a:endParaRPr lang="en-US" altLang="zh-CN" dirty="0"/>
           </a:p>
           <a:p>
             <a:r>
               <a:rPr lang="en-US" altLang="zh-CN" dirty="0"/>
               <a:t>3. f(0) = True</a:t>
             </a:r>
+            <a:endParaRPr lang="en-US" altLang="zh-CN" dirty="0"/>
           </a:p>
           <a:p>
             <a:r>
@@ -8037,11 +5848,6 @@
         </p:txBody>
       </p:sp>
     </p:spTree>
-    <p:extLst>
-      <p:ext uri="{BB962C8B-B14F-4D97-AF65-F5344CB8AC3E}">
-        <p14:creationId xmlns:p14="http://schemas.microsoft.com/office/powerpoint/2010/main" val="613595651"/>
-      </p:ext>
-    </p:extLst>
   </p:cSld>
   <p:clrMapOvr>
     <a:masterClrMapping/>
@@ -8146,13 +5952,7 @@
       </p:grpSpPr>
       <p:sp>
         <p:nvSpPr>
-          <p:cNvPr id="2" name="Title 1">
-            <a:extLst>
-              <a:ext uri="{FF2B5EF4-FFF2-40B4-BE49-F238E27FC236}">
-                <a16:creationId xmlns:a16="http://schemas.microsoft.com/office/drawing/2014/main" id="{A2FCDE20-CE29-402D-BEC2-B9C9942E0E1C}"/>
-              </a:ext>
-            </a:extLst>
-          </p:cNvPr>
+          <p:cNvPr id="2" name="Title 1"/>
           <p:cNvSpPr>
             <a:spLocks noGrp="1"/>
           </p:cNvSpPr>
@@ -8173,54 +5973,20 @@
           </a:p>
         </p:txBody>
       </p:sp>
-      <p:sp>
-        <p:nvSpPr>
-          <p:cNvPr id="3" name="Content Placeholder 2">
-            <a:extLst>
-              <a:ext uri="{FF2B5EF4-FFF2-40B4-BE49-F238E27FC236}">
-                <a16:creationId xmlns:a16="http://schemas.microsoft.com/office/drawing/2014/main" id="{A62B4249-FB92-4CF6-B7CB-AB75B9E3157E}"/>
-              </a:ext>
-            </a:extLst>
-          </p:cNvPr>
-          <p:cNvSpPr>
-            <a:spLocks noGrp="1"/>
-          </p:cNvSpPr>
-          <p:nvPr>
-            <p:ph idx="1"/>
-          </p:nvPr>
-        </p:nvSpPr>
-        <p:spPr>
-          <a:xfrm>
-            <a:off x="5966126" y="1906025"/>
-            <a:ext cx="5551204" cy="4023360"/>
-          </a:xfrm>
-        </p:spPr>
-        <p:txBody>
-          <a:bodyPr/>
-          <a:lstStyle/>
-          <a:p>
-            <a:endParaRPr lang="en-US" dirty="0"/>
-          </a:p>
-        </p:txBody>
-      </p:sp>
       <p:pic>
         <p:nvPicPr>
-          <p:cNvPr id="5" name="Picture 4">
-            <a:extLst>
-              <a:ext uri="{FF2B5EF4-FFF2-40B4-BE49-F238E27FC236}">
-                <a16:creationId xmlns:a16="http://schemas.microsoft.com/office/drawing/2014/main" id="{DCEEA526-82EA-4786-90D2-2C9B856C1C86}"/>
-              </a:ext>
-            </a:extLst>
-          </p:cNvPr>
+          <p:cNvPr id="5" name="Picture 4"/>
           <p:cNvPicPr>
             <a:picLocks noChangeAspect="1"/>
           </p:cNvPicPr>
           <p:nvPr/>
         </p:nvPicPr>
         <p:blipFill rotWithShape="1">
-          <a:blip r:embed="rId3"/>
+          <a:blip r:embed="rId1"/>
           <a:srcRect t="10651" b="12883"/>
-          <a:stretch/>
+          <a:stretch>
+            <a:fillRect/>
+          </a:stretch>
         </p:blipFill>
         <p:spPr>
           <a:xfrm>
@@ -8234,13 +6000,7 @@
       </p:pic>
       <p:sp>
         <p:nvSpPr>
-          <p:cNvPr id="6" name="TextBox 5">
-            <a:extLst>
-              <a:ext uri="{FF2B5EF4-FFF2-40B4-BE49-F238E27FC236}">
-                <a16:creationId xmlns:a16="http://schemas.microsoft.com/office/drawing/2014/main" id="{43FC5385-1974-47F5-8F7F-72A5156F05FD}"/>
-              </a:ext>
-            </a:extLst>
-          </p:cNvPr>
+          <p:cNvPr id="6" name="TextBox 5"/>
           <p:cNvSpPr txBox="1"/>
           <p:nvPr/>
         </p:nvSpPr>
@@ -8310,6 +6070,7 @@
               <a:rPr lang="en-US" altLang="zh-CN" dirty="0"/>
               <a:t>3. f(0, 0) = 1</a:t>
             </a:r>
+            <a:endParaRPr lang="en-US" altLang="zh-CN" dirty="0"/>
           </a:p>
           <a:p>
             <a:r>
@@ -8324,30 +6085,27 @@
               <a:rPr lang="en-US" altLang="zh-CN" dirty="0"/>
               <a:t>, 0) = f(i-1,0)</a:t>
             </a:r>
+            <a:endParaRPr lang="en-US" altLang="zh-CN" dirty="0"/>
           </a:p>
           <a:p>
             <a:r>
               <a:rPr lang="en-US" dirty="0"/>
               <a:t>     f(0, j) = f(0, j-1)</a:t>
             </a:r>
+            <a:endParaRPr lang="en-US" dirty="0"/>
           </a:p>
           <a:p>
             <a:r>
               <a:rPr lang="en-US" dirty="0"/>
               <a:t>	…</a:t>
             </a:r>
-          </a:p>
-        </p:txBody>
-      </p:sp>
-      <p:sp>
-        <p:nvSpPr>
-          <p:cNvPr id="8" name="TextBox 7">
-            <a:extLst>
-              <a:ext uri="{FF2B5EF4-FFF2-40B4-BE49-F238E27FC236}">
-                <a16:creationId xmlns:a16="http://schemas.microsoft.com/office/drawing/2014/main" id="{741E6D94-2337-41FD-AF26-88C50FD723A4}"/>
-              </a:ext>
-            </a:extLst>
-          </p:cNvPr>
+            <a:endParaRPr lang="en-US" dirty="0"/>
+          </a:p>
+        </p:txBody>
+      </p:sp>
+      <p:sp>
+        <p:nvSpPr>
+          <p:cNvPr id="8" name="TextBox 7"/>
           <p:cNvSpPr txBox="1"/>
           <p:nvPr/>
         </p:nvSpPr>
@@ -8369,7 +6127,7 @@
           <a:p>
             <a:r>
               <a:rPr lang="en-US" dirty="0">
-                <a:hlinkClick r:id="rId4"/>
+                <a:hlinkClick r:id="rId2"/>
               </a:rPr>
               <a:t>https://leetcode-cn.com/problems/unique-paths/</a:t>
             </a:r>
@@ -8378,11 +6136,6 @@
         </p:txBody>
       </p:sp>
     </p:spTree>
-    <p:extLst>
-      <p:ext uri="{BB962C8B-B14F-4D97-AF65-F5344CB8AC3E}">
-        <p14:creationId xmlns:p14="http://schemas.microsoft.com/office/powerpoint/2010/main" val="3443692807"/>
-      </p:ext>
-    </p:extLst>
   </p:cSld>
   <p:clrMapOvr>
     <a:masterClrMapping/>
@@ -8408,68 +6161,14 @@
                             </p:stCondLst>
                             <p:childTnLst>
                               <p:par>
-                                <p:cTn id="5" presetID="1" presetClass="entr" presetSubtype="0" fill="hold" grpId="0" nodeType="clickEffect" nodePh="1">
-                                  <p:stCondLst>
-                                    <p:cond delay="0"/>
-                                  </p:stCondLst>
-                                  <p:endCondLst>
-                                    <p:cond evt="begin" delay="0">
-                                      <p:tn val="5"/>
-                                    </p:cond>
-                                  </p:endCondLst>
-                                  <p:childTnLst>
-                                    <p:set>
-                                      <p:cBhvr>
-                                        <p:cTn id="6" dur="1" fill="hold">
-                                          <p:stCondLst>
-                                            <p:cond delay="0"/>
-                                          </p:stCondLst>
-                                        </p:cTn>
-                                        <p:tgtEl>
-                                          <p:spTgt spid="3">
-                                            <p:txEl>
-                                              <p:pRg st="0" end="0"/>
-                                            </p:txEl>
-                                          </p:spTgt>
-                                        </p:tgtEl>
-                                        <p:attrNameLst>
-                                          <p:attrName>style.visibility</p:attrName>
-                                        </p:attrNameLst>
-                                      </p:cBhvr>
-                                      <p:to>
-                                        <p:strVal val="visible"/>
-                                      </p:to>
-                                    </p:set>
-                                  </p:childTnLst>
-                                </p:cTn>
-                              </p:par>
-                            </p:childTnLst>
-                          </p:cTn>
-                        </p:par>
-                      </p:childTnLst>
-                    </p:cTn>
-                  </p:par>
-                  <p:par>
-                    <p:cTn id="7" fill="hold">
-                      <p:stCondLst>
-                        <p:cond delay="indefinite"/>
-                      </p:stCondLst>
-                      <p:childTnLst>
-                        <p:par>
-                          <p:cTn id="8" fill="hold">
-                            <p:stCondLst>
-                              <p:cond delay="0"/>
-                            </p:stCondLst>
-                            <p:childTnLst>
-                              <p:par>
-                                <p:cTn id="9" presetID="1" presetClass="entr" presetSubtype="0" fill="hold" grpId="0" nodeType="clickEffect">
+                                <p:cTn id="5" presetID="1" presetClass="entr" presetSubtype="0" fill="hold" grpId="0" nodeType="clickEffect">
                                   <p:stCondLst>
                                     <p:cond delay="0"/>
                                   </p:stCondLst>
                                   <p:childTnLst>
                                     <p:set>
                                       <p:cBhvr>
-                                        <p:cTn id="10" dur="1" fill="hold">
+                                        <p:cTn id="6" dur="1" fill="hold">
                                           <p:stCondLst>
                                             <p:cond delay="0"/>
                                           </p:stCondLst>
@@ -8516,7 +6215,6 @@
       </p:par>
     </p:tnLst>
     <p:bldLst>
-      <p:bldP spid="3" grpId="0" build="p"/>
       <p:bldP spid="6" grpId="0"/>
     </p:bldLst>
   </p:timing>
@@ -8542,13 +6240,7 @@
       </p:grpSpPr>
       <p:sp>
         <p:nvSpPr>
-          <p:cNvPr id="2" name="Title 1">
-            <a:extLst>
-              <a:ext uri="{FF2B5EF4-FFF2-40B4-BE49-F238E27FC236}">
-                <a16:creationId xmlns:a16="http://schemas.microsoft.com/office/drawing/2014/main" id="{18452BB3-1C1F-424A-8475-E1A5A8F13D88}"/>
-              </a:ext>
-            </a:extLst>
-          </p:cNvPr>
+          <p:cNvPr id="2" name="Title 1"/>
           <p:cNvSpPr>
             <a:spLocks noGrp="1"/>
           </p:cNvSpPr>
@@ -8571,13 +6263,7 @@
       </p:sp>
       <p:sp>
         <p:nvSpPr>
-          <p:cNvPr id="3" name="Content Placeholder 2">
-            <a:extLst>
-              <a:ext uri="{FF2B5EF4-FFF2-40B4-BE49-F238E27FC236}">
-                <a16:creationId xmlns:a16="http://schemas.microsoft.com/office/drawing/2014/main" id="{D23A4F95-46A0-4F1E-8E0E-4E9584E46DB9}"/>
-              </a:ext>
-            </a:extLst>
-          </p:cNvPr>
+          <p:cNvPr id="3" name="Content Placeholder 2"/>
           <p:cNvSpPr>
             <a:spLocks noGrp="1"/>
           </p:cNvSpPr>
@@ -8592,7 +6278,7 @@
           <a:p>
             <a:r>
               <a:rPr lang="en-US" dirty="0">
-                <a:hlinkClick r:id="rId2"/>
+                <a:hlinkClick r:id="rId1"/>
               </a:rPr>
               <a:t>https://leetcode-cn.com/problems/minimum-path-sum/</a:t>
             </a:r>
@@ -8602,20 +6288,14 @@
       </p:sp>
       <p:pic>
         <p:nvPicPr>
-          <p:cNvPr id="5" name="Picture 4">
-            <a:extLst>
-              <a:ext uri="{FF2B5EF4-FFF2-40B4-BE49-F238E27FC236}">
-                <a16:creationId xmlns:a16="http://schemas.microsoft.com/office/drawing/2014/main" id="{E288A5E4-5771-475D-8125-17DA410D2EB3}"/>
-              </a:ext>
-            </a:extLst>
-          </p:cNvPr>
+          <p:cNvPr id="5" name="Picture 4"/>
           <p:cNvPicPr>
             <a:picLocks noChangeAspect="1"/>
           </p:cNvPicPr>
           <p:nvPr/>
         </p:nvPicPr>
         <p:blipFill>
-          <a:blip r:embed="rId3"/>
+          <a:blip r:embed="rId2"/>
           <a:stretch>
             <a:fillRect/>
           </a:stretch>
@@ -8632,13 +6312,7 @@
       </p:pic>
       <p:sp>
         <p:nvSpPr>
-          <p:cNvPr id="6" name="TextBox 5">
-            <a:extLst>
-              <a:ext uri="{FF2B5EF4-FFF2-40B4-BE49-F238E27FC236}">
-                <a16:creationId xmlns:a16="http://schemas.microsoft.com/office/drawing/2014/main" id="{DC7A8E6A-DAA2-427E-A6F9-65B05906FDCD}"/>
-              </a:ext>
-            </a:extLst>
-          </p:cNvPr>
+          <p:cNvPr id="6" name="TextBox 5"/>
           <p:cNvSpPr txBox="1"/>
           <p:nvPr/>
         </p:nvSpPr>
@@ -8716,6 +6390,7 @@
               <a:rPr lang="en-US" altLang="zh-CN" dirty="0"/>
               <a:t>3. f(0, 0) = grid[0][0]</a:t>
             </a:r>
+            <a:endParaRPr lang="en-US" altLang="zh-CN" dirty="0"/>
           </a:p>
           <a:p>
             <a:r>
@@ -8738,27 +6413,25 @@
               <a:rPr lang="en-US" altLang="zh-CN" dirty="0"/>
               <a:t>][0]</a:t>
             </a:r>
+            <a:endParaRPr lang="en-US" altLang="zh-CN" dirty="0"/>
           </a:p>
           <a:p>
             <a:r>
               <a:rPr lang="en-US" dirty="0"/>
               <a:t>     f(0, j) = f(0, j-1) + grid[0][j]</a:t>
             </a:r>
+            <a:endParaRPr lang="en-US" dirty="0"/>
           </a:p>
           <a:p>
             <a:r>
               <a:rPr lang="en-US" dirty="0"/>
               <a:t>     …</a:t>
             </a:r>
+            <a:endParaRPr lang="en-US" dirty="0"/>
           </a:p>
         </p:txBody>
       </p:sp>
     </p:spTree>
-    <p:extLst>
-      <p:ext uri="{BB962C8B-B14F-4D97-AF65-F5344CB8AC3E}">
-        <p14:creationId xmlns:p14="http://schemas.microsoft.com/office/powerpoint/2010/main" val="1922576257"/>
-      </p:ext>
-    </p:extLst>
   </p:cSld>
   <p:clrMapOvr>
     <a:masterClrMapping/>
@@ -8863,13 +6536,7 @@
       </p:grpSpPr>
       <p:sp>
         <p:nvSpPr>
-          <p:cNvPr id="2" name="Title 1">
-            <a:extLst>
-              <a:ext uri="{FF2B5EF4-FFF2-40B4-BE49-F238E27FC236}">
-                <a16:creationId xmlns:a16="http://schemas.microsoft.com/office/drawing/2014/main" id="{7C8C757F-232C-465B-B47E-140BB6803EEE}"/>
-              </a:ext>
-            </a:extLst>
-          </p:cNvPr>
+          <p:cNvPr id="2" name="Title 1"/>
           <p:cNvSpPr>
             <a:spLocks noGrp="1"/>
           </p:cNvSpPr>
@@ -8892,13 +6559,7 @@
       </p:sp>
       <p:sp>
         <p:nvSpPr>
-          <p:cNvPr id="3" name="Content Placeholder 2">
-            <a:extLst>
-              <a:ext uri="{FF2B5EF4-FFF2-40B4-BE49-F238E27FC236}">
-                <a16:creationId xmlns:a16="http://schemas.microsoft.com/office/drawing/2014/main" id="{F7A0420E-EDC7-4A33-B737-A3757A06C4E7}"/>
-              </a:ext>
-            </a:extLst>
-          </p:cNvPr>
+          <p:cNvPr id="3" name="Content Placeholder 2"/>
           <p:cNvSpPr>
             <a:spLocks noGrp="1"/>
           </p:cNvSpPr>
@@ -8913,7 +6574,7 @@
           <a:p>
             <a:r>
               <a:rPr lang="en-US" dirty="0">
-                <a:hlinkClick r:id="rId2"/>
+                <a:hlinkClick r:id="rId1"/>
               </a:rPr>
               <a:t>https://leetcode-cn.com/problems/edit-distance/</a:t>
             </a:r>
@@ -8923,20 +6584,14 @@
       </p:sp>
       <p:pic>
         <p:nvPicPr>
-          <p:cNvPr id="5" name="Picture 4">
-            <a:extLst>
-              <a:ext uri="{FF2B5EF4-FFF2-40B4-BE49-F238E27FC236}">
-                <a16:creationId xmlns:a16="http://schemas.microsoft.com/office/drawing/2014/main" id="{0514D5EF-539B-4C3A-A7FC-D81221FF83AE}"/>
-              </a:ext>
-            </a:extLst>
-          </p:cNvPr>
+          <p:cNvPr id="5" name="Picture 4"/>
           <p:cNvPicPr>
             <a:picLocks noChangeAspect="1"/>
           </p:cNvPicPr>
           <p:nvPr/>
         </p:nvPicPr>
         <p:blipFill>
-          <a:blip r:embed="rId3"/>
+          <a:blip r:embed="rId2"/>
           <a:stretch>
             <a:fillRect/>
           </a:stretch>
@@ -8953,13 +6608,7 @@
       </p:pic>
       <p:sp>
         <p:nvSpPr>
-          <p:cNvPr id="6" name="TextBox 5">
-            <a:extLst>
-              <a:ext uri="{FF2B5EF4-FFF2-40B4-BE49-F238E27FC236}">
-                <a16:creationId xmlns:a16="http://schemas.microsoft.com/office/drawing/2014/main" id="{FFAC7794-7A9C-449C-9D9F-953370DF91A6}"/>
-              </a:ext>
-            </a:extLst>
-          </p:cNvPr>
+          <p:cNvPr id="6" name="TextBox 5"/>
           <p:cNvSpPr txBox="1"/>
           <p:nvPr/>
         </p:nvSpPr>
@@ -9026,6 +6675,7 @@
               <a:rPr lang="en-US" altLang="zh-CN" dirty="0"/>
               <a:t>2.                             f[n-1][m-1]         if word1[n-1] == word2[m-1]</a:t>
             </a:r>
+            <a:endParaRPr lang="en-US" altLang="zh-CN" dirty="0"/>
           </a:p>
           <a:p>
             <a:r>
@@ -9081,6 +6731,7 @@
               <a:rPr lang="en-US" altLang="zh-CN" dirty="0"/>
               <a:t> </a:t>
             </a:r>
+            <a:endParaRPr lang="en-US" altLang="zh-CN" dirty="0"/>
           </a:p>
           <a:p>
             <a:r>
@@ -9092,11 +6743,6 @@
         </p:txBody>
       </p:sp>
     </p:spTree>
-    <p:extLst>
-      <p:ext uri="{BB962C8B-B14F-4D97-AF65-F5344CB8AC3E}">
-        <p14:creationId xmlns:p14="http://schemas.microsoft.com/office/powerpoint/2010/main" val="2940449788"/>
-      </p:ext>
-    </p:extLst>
   </p:cSld>
   <p:clrMapOvr>
     <a:masterClrMapping/>
@@ -9201,13 +6847,7 @@
       </p:grpSpPr>
       <p:sp>
         <p:nvSpPr>
-          <p:cNvPr id="2" name="Title 1">
-            <a:extLst>
-              <a:ext uri="{FF2B5EF4-FFF2-40B4-BE49-F238E27FC236}">
-                <a16:creationId xmlns:a16="http://schemas.microsoft.com/office/drawing/2014/main" id="{5E4E675C-87A2-4E15-BCFC-43C10662267F}"/>
-              </a:ext>
-            </a:extLst>
-          </p:cNvPr>
+          <p:cNvPr id="2" name="Title 1"/>
           <p:cNvSpPr>
             <a:spLocks noGrp="1"/>
           </p:cNvSpPr>
@@ -9234,13 +6874,7 @@
       </p:sp>
       <p:sp>
         <p:nvSpPr>
-          <p:cNvPr id="3" name="Content Placeholder 2">
-            <a:extLst>
-              <a:ext uri="{FF2B5EF4-FFF2-40B4-BE49-F238E27FC236}">
-                <a16:creationId xmlns:a16="http://schemas.microsoft.com/office/drawing/2014/main" id="{54CA995E-BFF8-49B1-887D-4E04FD9B2DE3}"/>
-              </a:ext>
-            </a:extLst>
-          </p:cNvPr>
+          <p:cNvPr id="3" name="Content Placeholder 2"/>
           <p:cNvSpPr>
             <a:spLocks noGrp="1"/>
           </p:cNvSpPr>
@@ -9255,7 +6889,7 @@
           <a:p>
             <a:r>
               <a:rPr lang="en-US" dirty="0">
-                <a:hlinkClick r:id="rId2"/>
+                <a:hlinkClick r:id="rId1"/>
               </a:rPr>
               <a:t>https://leetcode-cn.com/problems/longest-common-subsequence/solution/</a:t>
             </a:r>
@@ -9265,20 +6899,14 @@
       </p:sp>
       <p:pic>
         <p:nvPicPr>
-          <p:cNvPr id="5" name="Picture 4">
-            <a:extLst>
-              <a:ext uri="{FF2B5EF4-FFF2-40B4-BE49-F238E27FC236}">
-                <a16:creationId xmlns:a16="http://schemas.microsoft.com/office/drawing/2014/main" id="{20C24B57-9575-44AE-B716-08D8B8803CF2}"/>
-              </a:ext>
-            </a:extLst>
-          </p:cNvPr>
+          <p:cNvPr id="5" name="Picture 4"/>
           <p:cNvPicPr>
             <a:picLocks noChangeAspect="1"/>
           </p:cNvPicPr>
           <p:nvPr/>
         </p:nvPicPr>
         <p:blipFill>
-          <a:blip r:embed="rId3"/>
+          <a:blip r:embed="rId2"/>
           <a:stretch>
             <a:fillRect/>
           </a:stretch>
@@ -9295,13 +6923,7 @@
       </p:pic>
       <p:sp>
         <p:nvSpPr>
-          <p:cNvPr id="6" name="TextBox 5">
-            <a:extLst>
-              <a:ext uri="{FF2B5EF4-FFF2-40B4-BE49-F238E27FC236}">
-                <a16:creationId xmlns:a16="http://schemas.microsoft.com/office/drawing/2014/main" id="{7693ECD1-8967-4067-8D1E-6870312E4B73}"/>
-              </a:ext>
-            </a:extLst>
-          </p:cNvPr>
+          <p:cNvPr id="6" name="TextBox 5"/>
           <p:cNvSpPr txBox="1"/>
           <p:nvPr/>
         </p:nvSpPr>
@@ -9360,30 +6982,35 @@
               <a:rPr lang="en-US" altLang="zh-CN" dirty="0"/>
               <a:t>2.                             f[n-1][m-1]  + 1        if text1[n-1] == text1[m-1]</a:t>
             </a:r>
+            <a:endParaRPr lang="en-US" altLang="zh-CN" dirty="0"/>
           </a:p>
           <a:p>
             <a:r>
               <a:rPr lang="en-US" altLang="zh-CN" dirty="0"/>
               <a:t>    f[n][m] = max {  f[n-1][m]                  </a:t>
             </a:r>
+            <a:endParaRPr lang="en-US" altLang="zh-CN" dirty="0"/>
           </a:p>
           <a:p>
             <a:r>
               <a:rPr lang="en-US" altLang="zh-CN" dirty="0"/>
               <a:t>                                 f[n][m-1]</a:t>
             </a:r>
+            <a:endParaRPr lang="en-US" altLang="zh-CN" dirty="0"/>
           </a:p>
           <a:p>
             <a:r>
               <a:rPr lang="en-US" altLang="zh-CN" dirty="0"/>
               <a:t>		                                                                                       </a:t>
             </a:r>
+            <a:endParaRPr lang="en-US" altLang="zh-CN" dirty="0"/>
           </a:p>
           <a:p>
             <a:r>
               <a:rPr lang="en-US" altLang="zh-CN" dirty="0"/>
               <a:t>3. f[0][0] = 0</a:t>
             </a:r>
+            <a:endParaRPr lang="en-US" altLang="zh-CN" dirty="0"/>
           </a:p>
           <a:p>
             <a:r>
@@ -9395,11 +7022,6 @@
         </p:txBody>
       </p:sp>
     </p:spTree>
-    <p:extLst>
-      <p:ext uri="{BB962C8B-B14F-4D97-AF65-F5344CB8AC3E}">
-        <p14:creationId xmlns:p14="http://schemas.microsoft.com/office/powerpoint/2010/main" val="2171995640"/>
-      </p:ext>
-    </p:extLst>
   </p:cSld>
   <p:clrMapOvr>
     <a:masterClrMapping/>
@@ -9504,13 +7126,7 @@
       </p:grpSpPr>
       <p:sp>
         <p:nvSpPr>
-          <p:cNvPr id="2" name="Title 1">
-            <a:extLst>
-              <a:ext uri="{FF2B5EF4-FFF2-40B4-BE49-F238E27FC236}">
-                <a16:creationId xmlns:a16="http://schemas.microsoft.com/office/drawing/2014/main" id="{C23D1841-633C-4713-929C-EBD6C61AC263}"/>
-              </a:ext>
-            </a:extLst>
-          </p:cNvPr>
+          <p:cNvPr id="2" name="Title 1"/>
           <p:cNvSpPr>
             <a:spLocks noGrp="1"/>
           </p:cNvSpPr>
@@ -9533,13 +7149,7 @@
       </p:sp>
       <p:sp>
         <p:nvSpPr>
-          <p:cNvPr id="3" name="Content Placeholder 2">
-            <a:extLst>
-              <a:ext uri="{FF2B5EF4-FFF2-40B4-BE49-F238E27FC236}">
-                <a16:creationId xmlns:a16="http://schemas.microsoft.com/office/drawing/2014/main" id="{9BEAE287-4A2D-4FED-A45F-73C96DD480A2}"/>
-              </a:ext>
-            </a:extLst>
-          </p:cNvPr>
+          <p:cNvPr id="3" name="Content Placeholder 2"/>
           <p:cNvSpPr>
             <a:spLocks noGrp="1"/>
           </p:cNvSpPr>
@@ -9554,7 +7164,7 @@
           <a:p>
             <a:r>
               <a:rPr lang="en-US" dirty="0">
-                <a:hlinkClick r:id="rId2"/>
+                <a:hlinkClick r:id="rId1"/>
               </a:rPr>
               <a:t>https://leetcode-cn.com/problems/wildcard-matching/</a:t>
             </a:r>
@@ -9564,20 +7174,14 @@
       </p:sp>
       <p:pic>
         <p:nvPicPr>
-          <p:cNvPr id="5" name="Picture 4">
-            <a:extLst>
-              <a:ext uri="{FF2B5EF4-FFF2-40B4-BE49-F238E27FC236}">
-                <a16:creationId xmlns:a16="http://schemas.microsoft.com/office/drawing/2014/main" id="{ADA6EEF1-89F0-4825-9B05-1ECBA495C5D7}"/>
-              </a:ext>
-            </a:extLst>
-          </p:cNvPr>
+          <p:cNvPr id="5" name="Picture 4"/>
           <p:cNvPicPr>
             <a:picLocks noChangeAspect="1"/>
           </p:cNvPicPr>
           <p:nvPr/>
         </p:nvPicPr>
         <p:blipFill>
-          <a:blip r:embed="rId3"/>
+          <a:blip r:embed="rId2"/>
           <a:stretch>
             <a:fillRect/>
           </a:stretch>
@@ -9594,13 +7198,7 @@
       </p:pic>
       <p:sp>
         <p:nvSpPr>
-          <p:cNvPr id="6" name="TextBox 5">
-            <a:extLst>
-              <a:ext uri="{FF2B5EF4-FFF2-40B4-BE49-F238E27FC236}">
-                <a16:creationId xmlns:a16="http://schemas.microsoft.com/office/drawing/2014/main" id="{BA22448A-DA45-462F-80E1-79BD68BE2CD2}"/>
-              </a:ext>
-            </a:extLst>
-          </p:cNvPr>
+          <p:cNvPr id="6" name="TextBox 5"/>
           <p:cNvSpPr txBox="1"/>
           <p:nvPr/>
         </p:nvSpPr>
@@ -9659,6 +7257,7 @@
               <a:rPr lang="en-US" altLang="zh-CN" dirty="0"/>
               <a:t>2.                                f[n-1][m-1]         if s[n-1] == p[m-1] or p[m-1] == ?</a:t>
             </a:r>
+            <a:endParaRPr lang="en-US" altLang="zh-CN" dirty="0"/>
           </a:p>
           <a:p>
             <a:r>
@@ -9673,6 +7272,7 @@
               <a:rPr lang="en-US" altLang="zh-CN" dirty="0"/>
               <a:t>s[n-1]</a:t>
             </a:r>
+            <a:endParaRPr lang="en-US" altLang="zh-CN" dirty="0"/>
           </a:p>
           <a:p>
             <a:r>
@@ -9728,6 +7328,7 @@
               <a:rPr lang="en-US" altLang="zh-CN" dirty="0"/>
               <a:t>False</a:t>
             </a:r>
+            <a:endParaRPr lang="en-US" altLang="zh-CN" dirty="0"/>
           </a:p>
           <a:p>
             <a:r>
@@ -9739,11 +7340,6 @@
         </p:txBody>
       </p:sp>
     </p:spTree>
-    <p:extLst>
-      <p:ext uri="{BB962C8B-B14F-4D97-AF65-F5344CB8AC3E}">
-        <p14:creationId xmlns:p14="http://schemas.microsoft.com/office/powerpoint/2010/main" val="562414461"/>
-      </p:ext>
-    </p:extLst>
   </p:cSld>
   <p:clrMapOvr>
     <a:masterClrMapping/>
@@ -9848,13 +7444,7 @@
       </p:grpSpPr>
       <p:sp>
         <p:nvSpPr>
-          <p:cNvPr id="4" name="Title 3">
-            <a:extLst>
-              <a:ext uri="{FF2B5EF4-FFF2-40B4-BE49-F238E27FC236}">
-                <a16:creationId xmlns:a16="http://schemas.microsoft.com/office/drawing/2014/main" id="{2F5044CC-0FD4-4CDC-A724-397D71B9D869}"/>
-              </a:ext>
-            </a:extLst>
-          </p:cNvPr>
+          <p:cNvPr id="4" name="Title 3"/>
           <p:cNvSpPr>
             <a:spLocks noGrp="1"/>
           </p:cNvSpPr>
@@ -9877,13 +7467,7 @@
       </p:sp>
       <p:sp>
         <p:nvSpPr>
-          <p:cNvPr id="5" name="Text Placeholder 4">
-            <a:extLst>
-              <a:ext uri="{FF2B5EF4-FFF2-40B4-BE49-F238E27FC236}">
-                <a16:creationId xmlns:a16="http://schemas.microsoft.com/office/drawing/2014/main" id="{5A78732F-0586-485D-AF17-2C06EE7D7BE3}"/>
-              </a:ext>
-            </a:extLst>
-          </p:cNvPr>
+          <p:cNvPr id="5" name="Text Placeholder 4"/>
           <p:cNvSpPr>
             <a:spLocks noGrp="1"/>
           </p:cNvSpPr>
@@ -9901,11 +7485,6 @@
         </p:txBody>
       </p:sp>
     </p:spTree>
-    <p:extLst>
-      <p:ext uri="{BB962C8B-B14F-4D97-AF65-F5344CB8AC3E}">
-        <p14:creationId xmlns:p14="http://schemas.microsoft.com/office/powerpoint/2010/main" val="3828082269"/>
-      </p:ext>
-    </p:extLst>
   </p:cSld>
   <p:clrMapOvr>
     <a:masterClrMapping/>
@@ -9932,13 +7511,7 @@
       </p:grpSpPr>
       <p:sp>
         <p:nvSpPr>
-          <p:cNvPr id="2" name="Title 1">
-            <a:extLst>
-              <a:ext uri="{FF2B5EF4-FFF2-40B4-BE49-F238E27FC236}">
-                <a16:creationId xmlns:a16="http://schemas.microsoft.com/office/drawing/2014/main" id="{347BCA9B-09AD-446E-91B9-CFD8375C28FA}"/>
-              </a:ext>
-            </a:extLst>
-          </p:cNvPr>
+          <p:cNvPr id="2" name="Title 1"/>
           <p:cNvSpPr>
             <a:spLocks noGrp="1"/>
           </p:cNvSpPr>
@@ -9963,13 +7536,7 @@
       </p:sp>
       <p:sp>
         <p:nvSpPr>
-          <p:cNvPr id="3" name="Content Placeholder 2">
-            <a:extLst>
-              <a:ext uri="{FF2B5EF4-FFF2-40B4-BE49-F238E27FC236}">
-                <a16:creationId xmlns:a16="http://schemas.microsoft.com/office/drawing/2014/main" id="{0CB52AA2-0195-4AD0-854B-72CBE21C342D}"/>
-              </a:ext>
-            </a:extLst>
-          </p:cNvPr>
+          <p:cNvPr id="3" name="Content Placeholder 2"/>
           <p:cNvSpPr>
             <a:spLocks noGrp="1"/>
           </p:cNvSpPr>
@@ -10022,6 +7589,7 @@
               <a:rPr lang="en-US" altLang="zh-CN" dirty="0"/>
               <a:t>property)</a:t>
             </a:r>
+            <a:endParaRPr lang="en-US" altLang="zh-CN" dirty="0"/>
           </a:p>
           <a:p>
             <a:r>
@@ -10032,6 +7600,7 @@
               <a:rPr lang="en-US" altLang="zh-CN" dirty="0"/>
               <a:t>(Optimal substructure)</a:t>
             </a:r>
+            <a:endParaRPr lang="en-US" altLang="zh-CN" dirty="0"/>
           </a:p>
           <a:p>
             <a:endParaRPr lang="en-US" dirty="0"/>
@@ -10049,11 +7618,6 @@
         </p:txBody>
       </p:sp>
     </p:spTree>
-    <p:extLst>
-      <p:ext uri="{BB962C8B-B14F-4D97-AF65-F5344CB8AC3E}">
-        <p14:creationId xmlns:p14="http://schemas.microsoft.com/office/powerpoint/2010/main" val="1000924972"/>
-      </p:ext>
-    </p:extLst>
   </p:cSld>
   <p:clrMapOvr>
     <a:masterClrMapping/>
@@ -10080,13 +7644,7 @@
       </p:grpSpPr>
       <p:sp>
         <p:nvSpPr>
-          <p:cNvPr id="2" name="Title 1">
-            <a:extLst>
-              <a:ext uri="{FF2B5EF4-FFF2-40B4-BE49-F238E27FC236}">
-                <a16:creationId xmlns:a16="http://schemas.microsoft.com/office/drawing/2014/main" id="{91D6CDD2-BBAD-4EC3-9E54-4ADBCC3B552B}"/>
-              </a:ext>
-            </a:extLst>
-          </p:cNvPr>
+          <p:cNvPr id="2" name="Title 1"/>
           <p:cNvSpPr>
             <a:spLocks noGrp="1"/>
           </p:cNvSpPr>
@@ -10109,13 +7667,7 @@
       </p:sp>
       <p:sp>
         <p:nvSpPr>
-          <p:cNvPr id="3" name="Content Placeholder 2">
-            <a:extLst>
-              <a:ext uri="{FF2B5EF4-FFF2-40B4-BE49-F238E27FC236}">
-                <a16:creationId xmlns:a16="http://schemas.microsoft.com/office/drawing/2014/main" id="{06D0DDCC-B8C6-41E6-B691-9ED2775580E1}"/>
-              </a:ext>
-            </a:extLst>
-          </p:cNvPr>
+          <p:cNvPr id="3" name="Content Placeholder 2"/>
           <p:cNvSpPr>
             <a:spLocks noGrp="1"/>
           </p:cNvSpPr>
@@ -10185,11 +7737,6 @@
         </p:txBody>
       </p:sp>
     </p:spTree>
-    <p:extLst>
-      <p:ext uri="{BB962C8B-B14F-4D97-AF65-F5344CB8AC3E}">
-        <p14:creationId xmlns:p14="http://schemas.microsoft.com/office/powerpoint/2010/main" val="782659242"/>
-      </p:ext>
-    </p:extLst>
   </p:cSld>
   <p:clrMapOvr>
     <a:masterClrMapping/>
@@ -10216,13 +7763,7 @@
       </p:grpSpPr>
       <p:sp>
         <p:nvSpPr>
-          <p:cNvPr id="2" name="Title 1">
-            <a:extLst>
-              <a:ext uri="{FF2B5EF4-FFF2-40B4-BE49-F238E27FC236}">
-                <a16:creationId xmlns:a16="http://schemas.microsoft.com/office/drawing/2014/main" id="{1FA4FCF7-3744-4F10-A255-45A19FFD414A}"/>
-              </a:ext>
-            </a:extLst>
-          </p:cNvPr>
+          <p:cNvPr id="2" name="Title 1"/>
           <p:cNvSpPr>
             <a:spLocks noGrp="1"/>
           </p:cNvSpPr>
@@ -10258,7 +7799,7 @@
               <p:cNvPr id="3" name="Content Placeholder 2">
                 <a:extLst>
                   <a:ext uri="{FF2B5EF4-FFF2-40B4-BE49-F238E27FC236}">
-                    <a16:creationId xmlns:a16="http://schemas.microsoft.com/office/drawing/2014/main" id="{01C1EFDC-CD7F-4E9D-92E4-789859E21091}"/>
+                    <ele attr="{01C1EFDC-CD7F-4E9D-92E4-789859E21091}"/>
                   </a:ext>
                 </a:extLst>
               </p:cNvPr>
@@ -10474,13 +8015,7 @@
         <mc:Fallback>
           <p:sp>
             <p:nvSpPr>
-              <p:cNvPr id="3" name="Content Placeholder 2">
-                <a:extLst>
-                  <a:ext uri="{FF2B5EF4-FFF2-40B4-BE49-F238E27FC236}">
-                    <a16:creationId xmlns:a16="http://schemas.microsoft.com/office/drawing/2014/main" id="{01C1EFDC-CD7F-4E9D-92E4-789859E21091}"/>
-                  </a:ext>
-                </a:extLst>
-              </p:cNvPr>
+              <p:cNvPr id="3" name="Content Placeholder 2"/>
               <p:cNvSpPr>
                 <a:spLocks noGrp="1" noRot="1" noChangeAspect="1" noMove="1" noResize="1" noEditPoints="1" noAdjustHandles="1" noChangeArrowheads="1" noChangeShapeType="1" noTextEdit="1"/>
               </p:cNvSpPr>
@@ -10489,8 +8024,8 @@
               </p:nvPr>
             </p:nvSpPr>
             <p:spPr>
-              <a:blipFill>
-                <a:blip r:embed="rId3"/>
+              <a:blipFill rotWithShape="1">
+                <a:blip r:embed="rId1"/>
                 <a:stretch>
                   <a:fillRect l="-242" t="-2121"/>
                 </a:stretch>
@@ -10506,6 +8041,9 @@
                   </a:rPr>
                   <a:t> </a:t>
                 </a:r>
+                <a:endParaRPr lang="en-US">
+                  <a:noFill/>
+                </a:endParaRPr>
               </a:p>
             </p:txBody>
           </p:sp>
@@ -10518,7 +8056,7 @@
               <p:cNvPr id="32" name="TextBox 31">
                 <a:extLst>
                   <a:ext uri="{FF2B5EF4-FFF2-40B4-BE49-F238E27FC236}">
-                    <a16:creationId xmlns:a16="http://schemas.microsoft.com/office/drawing/2014/main" id="{1AAAAFF6-A1A4-48BE-90B7-DE087C4E8392}"/>
+                    <ele attr="{1AAAAFF6-A1A4-48BE-90B7-DE087C4E8392}"/>
                   </a:ext>
                 </a:extLst>
               </p:cNvPr>
@@ -10674,13 +8212,7 @@
         <mc:Fallback>
           <p:sp>
             <p:nvSpPr>
-              <p:cNvPr id="32" name="TextBox 31">
-                <a:extLst>
-                  <a:ext uri="{FF2B5EF4-FFF2-40B4-BE49-F238E27FC236}">
-                    <a16:creationId xmlns:a16="http://schemas.microsoft.com/office/drawing/2014/main" id="{1AAAAFF6-A1A4-48BE-90B7-DE087C4E8392}"/>
-                  </a:ext>
-                </a:extLst>
-              </p:cNvPr>
+              <p:cNvPr id="32" name="TextBox 31"/>
               <p:cNvSpPr txBox="1">
                 <a:spLocks noRot="1" noChangeAspect="1" noMove="1" noResize="1" noEditPoints="1" noAdjustHandles="1" noChangeArrowheads="1" noChangeShapeType="1" noTextEdit="1"/>
               </p:cNvSpPr>
@@ -10694,8 +8226,8 @@
               <a:prstGeom prst="rect">
                 <a:avLst/>
               </a:prstGeom>
-              <a:blipFill>
-                <a:blip r:embed="rId4"/>
+              <a:blipFill rotWithShape="1">
+                <a:blip r:embed="rId2"/>
                 <a:stretch>
                   <a:fillRect l="-2482" b="-9804"/>
                 </a:stretch>
@@ -10711,17 +8243,15 @@
                   </a:rPr>
                   <a:t> </a:t>
                 </a:r>
+                <a:endParaRPr lang="en-US">
+                  <a:noFill/>
+                </a:endParaRPr>
               </a:p>
             </p:txBody>
           </p:sp>
         </mc:Fallback>
       </mc:AlternateContent>
     </p:spTree>
-    <p:extLst>
-      <p:ext uri="{BB962C8B-B14F-4D97-AF65-F5344CB8AC3E}">
-        <p14:creationId xmlns:p14="http://schemas.microsoft.com/office/powerpoint/2010/main" val="3054716208"/>
-      </p:ext>
-    </p:extLst>
   </p:cSld>
   <p:clrMapOvr>
     <a:masterClrMapping/>
@@ -10748,13 +8278,7 @@
       </p:grpSpPr>
       <p:sp>
         <p:nvSpPr>
-          <p:cNvPr id="2" name="Title 1">
-            <a:extLst>
-              <a:ext uri="{FF2B5EF4-FFF2-40B4-BE49-F238E27FC236}">
-                <a16:creationId xmlns:a16="http://schemas.microsoft.com/office/drawing/2014/main" id="{1FA4FCF7-3744-4F10-A255-45A19FFD414A}"/>
-              </a:ext>
-            </a:extLst>
-          </p:cNvPr>
+          <p:cNvPr id="2" name="Title 1"/>
           <p:cNvSpPr>
             <a:spLocks noGrp="1"/>
           </p:cNvSpPr>
@@ -10790,7 +8314,7 @@
               <p:cNvPr id="3" name="Content Placeholder 2">
                 <a:extLst>
                   <a:ext uri="{FF2B5EF4-FFF2-40B4-BE49-F238E27FC236}">
-                    <a16:creationId xmlns:a16="http://schemas.microsoft.com/office/drawing/2014/main" id="{01C1EFDC-CD7F-4E9D-92E4-789859E21091}"/>
+                    <ele attr="{01C1EFDC-CD7F-4E9D-92E4-789859E21091}"/>
                   </a:ext>
                 </a:extLst>
               </p:cNvPr>
@@ -11395,13 +8919,7 @@
         <mc:Fallback>
           <p:sp>
             <p:nvSpPr>
-              <p:cNvPr id="3" name="Content Placeholder 2">
-                <a:extLst>
-                  <a:ext uri="{FF2B5EF4-FFF2-40B4-BE49-F238E27FC236}">
-                    <a16:creationId xmlns:a16="http://schemas.microsoft.com/office/drawing/2014/main" id="{01C1EFDC-CD7F-4E9D-92E4-789859E21091}"/>
-                  </a:ext>
-                </a:extLst>
-              </p:cNvPr>
+              <p:cNvPr id="3" name="Content Placeholder 2"/>
               <p:cNvSpPr>
                 <a:spLocks noGrp="1" noRot="1" noChangeAspect="1" noMove="1" noResize="1" noEditPoints="1" noAdjustHandles="1" noChangeArrowheads="1" noChangeShapeType="1" noTextEdit="1"/>
               </p:cNvSpPr>
@@ -11410,8 +8928,8 @@
               </p:nvPr>
             </p:nvSpPr>
             <p:spPr>
-              <a:blipFill>
-                <a:blip r:embed="rId2"/>
+              <a:blipFill rotWithShape="1">
+                <a:blip r:embed="rId1"/>
                 <a:stretch>
                   <a:fillRect l="-545" t="-3182"/>
                 </a:stretch>
@@ -11427,19 +8945,22 @@
                   </a:rPr>
                   <a:t> </a:t>
                 </a:r>
+                <a:endParaRPr lang="en-US">
+                  <a:noFill/>
+                </a:endParaRPr>
               </a:p>
             </p:txBody>
           </p:sp>
         </mc:Fallback>
       </mc:AlternateContent>
-      <mc:AlternateContent xmlns:mc="http://schemas.openxmlformats.org/markup-compatibility/2006" xmlns:a14="http://schemas.microsoft.com/office/drawing/2010/main">
-        <mc:Choice Requires="a14">
+      <mc:AlternateContent xmlns:mc="http://schemas.openxmlformats.org/markup-compatibility/2006">
+        <mc:Choice xmlns:a14="http://schemas.microsoft.com/office/drawing/2010/main" Requires="a14">
           <p:sp>
             <p:nvSpPr>
               <p:cNvPr id="32" name="TextBox 31">
                 <a:extLst>
                   <a:ext uri="{FF2B5EF4-FFF2-40B4-BE49-F238E27FC236}">
-                    <a16:creationId xmlns:a16="http://schemas.microsoft.com/office/drawing/2014/main" id="{1AAAAFF6-A1A4-48BE-90B7-DE087C4E8392}"/>
+                    <ele attr="{1AAAAFF6-A1A4-48BE-90B7-DE087C4E8392}"/>
                   </a:ext>
                 </a:extLst>
               </p:cNvPr>
@@ -11589,16 +9110,10 @@
             </p:txBody>
           </p:sp>
         </mc:Choice>
-        <mc:Fallback xmlns="">
+        <mc:Fallback>
           <p:sp>
             <p:nvSpPr>
-              <p:cNvPr id="32" name="TextBox 31">
-                <a:extLst>
-                  <a:ext uri="{FF2B5EF4-FFF2-40B4-BE49-F238E27FC236}">
-                    <a16:creationId xmlns:a16="http://schemas.microsoft.com/office/drawing/2014/main" id="{1AAAAFF6-A1A4-48BE-90B7-DE087C4E8392}"/>
-                  </a:ext>
-                </a:extLst>
-              </p:cNvPr>
+              <p:cNvPr id="32" name="TextBox 31"/>
               <p:cNvSpPr txBox="1">
                 <a:spLocks noRot="1" noChangeAspect="1" noMove="1" noResize="1" noEditPoints="1" noAdjustHandles="1" noChangeArrowheads="1" noChangeShapeType="1" noTextEdit="1"/>
               </p:cNvSpPr>
@@ -11612,8 +9127,8 @@
               <a:prstGeom prst="rect">
                 <a:avLst/>
               </a:prstGeom>
-              <a:blipFill>
-                <a:blip r:embed="rId3"/>
+              <a:blipFill rotWithShape="1">
+                <a:blip r:embed="rId2"/>
                 <a:stretch>
                   <a:fillRect l="-2465" b="-9804"/>
                 </a:stretch>
@@ -11629,6 +9144,9 @@
                   </a:rPr>
                   <a:t> </a:t>
                 </a:r>
+                <a:endParaRPr lang="en-US">
+                  <a:noFill/>
+                </a:endParaRPr>
               </a:p>
             </p:txBody>
           </p:sp>
@@ -11636,20 +9154,14 @@
       </mc:AlternateContent>
       <p:pic>
         <p:nvPicPr>
-          <p:cNvPr id="5" name="Picture 4">
-            <a:extLst>
-              <a:ext uri="{FF2B5EF4-FFF2-40B4-BE49-F238E27FC236}">
-                <a16:creationId xmlns:a16="http://schemas.microsoft.com/office/drawing/2014/main" id="{1C2BE4B4-5C96-44DC-BA1B-3BA6F16FE33E}"/>
-              </a:ext>
-            </a:extLst>
-          </p:cNvPr>
+          <p:cNvPr id="5" name="Picture 4"/>
           <p:cNvPicPr>
             <a:picLocks noChangeAspect="1"/>
           </p:cNvPicPr>
           <p:nvPr/>
         </p:nvPicPr>
         <p:blipFill>
-          <a:blip r:embed="rId4"/>
+          <a:blip r:embed="rId3"/>
           <a:stretch>
             <a:fillRect/>
           </a:stretch>
@@ -11665,11 +9177,6 @@
         </p:spPr>
       </p:pic>
     </p:spTree>
-    <p:extLst>
-      <p:ext uri="{BB962C8B-B14F-4D97-AF65-F5344CB8AC3E}">
-        <p14:creationId xmlns:p14="http://schemas.microsoft.com/office/powerpoint/2010/main" val="908672258"/>
-      </p:ext>
-    </p:extLst>
   </p:cSld>
   <p:clrMapOvr>
     <a:masterClrMapping/>
@@ -11696,13 +9203,7 @@
       </p:grpSpPr>
       <p:sp>
         <p:nvSpPr>
-          <p:cNvPr id="2" name="Title 1">
-            <a:extLst>
-              <a:ext uri="{FF2B5EF4-FFF2-40B4-BE49-F238E27FC236}">
-                <a16:creationId xmlns:a16="http://schemas.microsoft.com/office/drawing/2014/main" id="{1FA4FCF7-3744-4F10-A255-45A19FFD414A}"/>
-              </a:ext>
-            </a:extLst>
-          </p:cNvPr>
+          <p:cNvPr id="2" name="Title 1"/>
           <p:cNvSpPr>
             <a:spLocks noGrp="1"/>
           </p:cNvSpPr>
@@ -11733,13 +9234,7 @@
       </p:sp>
       <p:pic>
         <p:nvPicPr>
-          <p:cNvPr id="5" name="Content Placeholder 4">
-            <a:extLst>
-              <a:ext uri="{FF2B5EF4-FFF2-40B4-BE49-F238E27FC236}">
-                <a16:creationId xmlns:a16="http://schemas.microsoft.com/office/drawing/2014/main" id="{25CF4FD2-4E64-49A5-B8AA-608908436820}"/>
-              </a:ext>
-            </a:extLst>
-          </p:cNvPr>
+          <p:cNvPr id="5" name="Content Placeholder 4"/>
           <p:cNvPicPr>
             <a:picLocks noGrp="1" noChangeAspect="1"/>
           </p:cNvPicPr>
@@ -11748,7 +9243,7 @@
           </p:nvPr>
         </p:nvPicPr>
         <p:blipFill>
-          <a:blip r:embed="rId2"/>
+          <a:blip r:embed="rId1"/>
           <a:stretch>
             <a:fillRect/>
           </a:stretch>
@@ -11761,11 +9256,6 @@
         </p:spPr>
       </p:pic>
     </p:spTree>
-    <p:extLst>
-      <p:ext uri="{BB962C8B-B14F-4D97-AF65-F5344CB8AC3E}">
-        <p14:creationId xmlns:p14="http://schemas.microsoft.com/office/powerpoint/2010/main" val="3302878128"/>
-      </p:ext>
-    </p:extLst>
   </p:cSld>
   <p:clrMapOvr>
     <a:masterClrMapping/>
@@ -11792,13 +9282,7 @@
       </p:grpSpPr>
       <p:sp>
         <p:nvSpPr>
-          <p:cNvPr id="2" name="Title 1">
-            <a:extLst>
-              <a:ext uri="{FF2B5EF4-FFF2-40B4-BE49-F238E27FC236}">
-                <a16:creationId xmlns:a16="http://schemas.microsoft.com/office/drawing/2014/main" id="{BE9476E6-3D93-4230-BB55-7C50598E955F}"/>
-              </a:ext>
-            </a:extLst>
-          </p:cNvPr>
+          <p:cNvPr id="2" name="Title 1"/>
           <p:cNvSpPr>
             <a:spLocks noGrp="1"/>
           </p:cNvSpPr>
@@ -11829,13 +9313,7 @@
       </p:sp>
       <p:pic>
         <p:nvPicPr>
-          <p:cNvPr id="5" name="Content Placeholder 4">
-            <a:extLst>
-              <a:ext uri="{FF2B5EF4-FFF2-40B4-BE49-F238E27FC236}">
-                <a16:creationId xmlns:a16="http://schemas.microsoft.com/office/drawing/2014/main" id="{6187D914-C673-4D13-981F-14345F9CB267}"/>
-              </a:ext>
-            </a:extLst>
-          </p:cNvPr>
+          <p:cNvPr id="5" name="Content Placeholder 4"/>
           <p:cNvPicPr>
             <a:picLocks noGrp="1" noChangeAspect="1"/>
           </p:cNvPicPr>
@@ -11844,7 +9322,7 @@
           </p:nvPr>
         </p:nvPicPr>
         <p:blipFill>
-          <a:blip r:embed="rId2"/>
+          <a:blip r:embed="rId1"/>
           <a:stretch>
             <a:fillRect/>
           </a:stretch>
@@ -11858,20 +9336,14 @@
       </p:pic>
       <p:pic>
         <p:nvPicPr>
-          <p:cNvPr id="7" name="Picture 6">
-            <a:extLst>
-              <a:ext uri="{FF2B5EF4-FFF2-40B4-BE49-F238E27FC236}">
-                <a16:creationId xmlns:a16="http://schemas.microsoft.com/office/drawing/2014/main" id="{2756C1D6-5A2F-4014-B19D-8C29C8F7B7B6}"/>
-              </a:ext>
-            </a:extLst>
-          </p:cNvPr>
+          <p:cNvPr id="7" name="Picture 6"/>
           <p:cNvPicPr>
             <a:picLocks noChangeAspect="1"/>
           </p:cNvPicPr>
           <p:nvPr/>
         </p:nvPicPr>
         <p:blipFill>
-          <a:blip r:embed="rId3"/>
+          <a:blip r:embed="rId2"/>
           <a:stretch>
             <a:fillRect/>
           </a:stretch>
@@ -11888,20 +9360,14 @@
       </p:pic>
       <p:pic>
         <p:nvPicPr>
-          <p:cNvPr id="11" name="Picture 10">
-            <a:extLst>
-              <a:ext uri="{FF2B5EF4-FFF2-40B4-BE49-F238E27FC236}">
-                <a16:creationId xmlns:a16="http://schemas.microsoft.com/office/drawing/2014/main" id="{59AA6D3F-D8C6-448A-8065-C3A1B8FCEBE2}"/>
-              </a:ext>
-            </a:extLst>
-          </p:cNvPr>
+          <p:cNvPr id="11" name="Picture 10"/>
           <p:cNvPicPr>
             <a:picLocks noChangeAspect="1"/>
           </p:cNvPicPr>
           <p:nvPr/>
         </p:nvPicPr>
         <p:blipFill>
-          <a:blip r:embed="rId4"/>
+          <a:blip r:embed="rId3"/>
           <a:stretch>
             <a:fillRect/>
           </a:stretch>
@@ -11916,14 +9382,14 @@
           </a:prstGeom>
         </p:spPr>
       </p:pic>
-      <mc:AlternateContent xmlns:mc="http://schemas.openxmlformats.org/markup-compatibility/2006" xmlns:a14="http://schemas.microsoft.com/office/drawing/2010/main">
-        <mc:Choice Requires="a14">
+      <mc:AlternateContent xmlns:mc="http://schemas.openxmlformats.org/markup-compatibility/2006">
+        <mc:Choice xmlns:a14="http://schemas.microsoft.com/office/drawing/2010/main" Requires="a14">
           <p:sp>
             <p:nvSpPr>
               <p:cNvPr id="12" name="TextBox 11">
                 <a:extLst>
                   <a:ext uri="{FF2B5EF4-FFF2-40B4-BE49-F238E27FC236}">
-                    <a16:creationId xmlns:a16="http://schemas.microsoft.com/office/drawing/2014/main" id="{E0462C64-E9A3-4595-9246-C661D43EA6B0}"/>
+                    <ele attr="{E0462C64-E9A3-4595-9246-C661D43EA6B0}"/>
                   </a:ext>
                 </a:extLst>
               </p:cNvPr>
@@ -12014,16 +9480,10 @@
             </p:txBody>
           </p:sp>
         </mc:Choice>
-        <mc:Fallback xmlns="">
+        <mc:Fallback>
           <p:sp>
             <p:nvSpPr>
-              <p:cNvPr id="12" name="TextBox 11">
-                <a:extLst>
-                  <a:ext uri="{FF2B5EF4-FFF2-40B4-BE49-F238E27FC236}">
-                    <a16:creationId xmlns:a16="http://schemas.microsoft.com/office/drawing/2014/main" id="{E0462C64-E9A3-4595-9246-C661D43EA6B0}"/>
-                  </a:ext>
-                </a:extLst>
-              </p:cNvPr>
+              <p:cNvPr id="12" name="TextBox 11"/>
               <p:cNvSpPr txBox="1">
                 <a:spLocks noRot="1" noChangeAspect="1" noMove="1" noResize="1" noEditPoints="1" noAdjustHandles="1" noChangeArrowheads="1" noChangeShapeType="1" noTextEdit="1"/>
               </p:cNvSpPr>
@@ -12037,8 +9497,8 @@
               <a:prstGeom prst="rect">
                 <a:avLst/>
               </a:prstGeom>
-              <a:blipFill>
-                <a:blip r:embed="rId5"/>
+              <a:blipFill rotWithShape="1">
+                <a:blip r:embed="rId4"/>
                 <a:stretch>
                   <a:fillRect/>
                 </a:stretch>
@@ -12054,6 +9514,9 @@
                   </a:rPr>
                   <a:t> </a:t>
                 </a:r>
+                <a:endParaRPr lang="en-US">
+                  <a:noFill/>
+                </a:endParaRPr>
               </a:p>
             </p:txBody>
           </p:sp>
@@ -12061,20 +9524,14 @@
       </mc:AlternateContent>
       <p:pic>
         <p:nvPicPr>
-          <p:cNvPr id="14" name="Picture 13">
-            <a:extLst>
-              <a:ext uri="{FF2B5EF4-FFF2-40B4-BE49-F238E27FC236}">
-                <a16:creationId xmlns:a16="http://schemas.microsoft.com/office/drawing/2014/main" id="{361F1A0D-2311-40E3-AF1A-27FE427DAA9D}"/>
-              </a:ext>
-            </a:extLst>
-          </p:cNvPr>
+          <p:cNvPr id="14" name="Picture 13"/>
           <p:cNvPicPr>
             <a:picLocks noChangeAspect="1"/>
           </p:cNvPicPr>
           <p:nvPr/>
         </p:nvPicPr>
         <p:blipFill>
-          <a:blip r:embed="rId6"/>
+          <a:blip r:embed="rId5"/>
           <a:stretch>
             <a:fillRect/>
           </a:stretch>
@@ -12090,11 +9547,6 @@
         </p:spPr>
       </p:pic>
     </p:spTree>
-    <p:extLst>
-      <p:ext uri="{BB962C8B-B14F-4D97-AF65-F5344CB8AC3E}">
-        <p14:creationId xmlns:p14="http://schemas.microsoft.com/office/powerpoint/2010/main" val="2307892633"/>
-      </p:ext>
-    </p:extLst>
   </p:cSld>
   <p:clrMapOvr>
     <a:masterClrMapping/>
@@ -12121,13 +9573,7 @@
       </p:grpSpPr>
       <p:sp>
         <p:nvSpPr>
-          <p:cNvPr id="2" name="Title 1">
-            <a:extLst>
-              <a:ext uri="{FF2B5EF4-FFF2-40B4-BE49-F238E27FC236}">
-                <a16:creationId xmlns:a16="http://schemas.microsoft.com/office/drawing/2014/main" id="{4B9DE39E-9653-4E07-AD2E-5A76154BDA9B}"/>
-              </a:ext>
-            </a:extLst>
-          </p:cNvPr>
+          <p:cNvPr id="2" name="Title 1"/>
           <p:cNvSpPr>
             <a:spLocks noGrp="1"/>
           </p:cNvSpPr>
@@ -12158,13 +9604,7 @@
       </p:sp>
       <p:sp>
         <p:nvSpPr>
-          <p:cNvPr id="3" name="Content Placeholder 2">
-            <a:extLst>
-              <a:ext uri="{FF2B5EF4-FFF2-40B4-BE49-F238E27FC236}">
-                <a16:creationId xmlns:a16="http://schemas.microsoft.com/office/drawing/2014/main" id="{8FFBACF3-5150-4CA6-8915-84D23F14F651}"/>
-              </a:ext>
-            </a:extLst>
-          </p:cNvPr>
+          <p:cNvPr id="3" name="Content Placeholder 2"/>
           <p:cNvSpPr>
             <a:spLocks noGrp="1"/>
           </p:cNvSpPr>
@@ -12216,20 +9656,14 @@
       </p:sp>
       <p:pic>
         <p:nvPicPr>
-          <p:cNvPr id="4" name="Picture 3">
-            <a:extLst>
-              <a:ext uri="{FF2B5EF4-FFF2-40B4-BE49-F238E27FC236}">
-                <a16:creationId xmlns:a16="http://schemas.microsoft.com/office/drawing/2014/main" id="{88B48A8C-86EA-413A-912B-30C9F3CD386C}"/>
-              </a:ext>
-            </a:extLst>
-          </p:cNvPr>
+          <p:cNvPr id="4" name="Picture 3"/>
           <p:cNvPicPr>
             <a:picLocks noChangeAspect="1"/>
           </p:cNvPicPr>
           <p:nvPr/>
         </p:nvPicPr>
         <p:blipFill>
-          <a:blip r:embed="rId2"/>
+          <a:blip r:embed="rId1"/>
           <a:stretch>
             <a:fillRect/>
           </a:stretch>
@@ -12245,11 +9679,6 @@
         </p:spPr>
       </p:pic>
     </p:spTree>
-    <p:extLst>
-      <p:ext uri="{BB962C8B-B14F-4D97-AF65-F5344CB8AC3E}">
-        <p14:creationId xmlns:p14="http://schemas.microsoft.com/office/powerpoint/2010/main" val="670085503"/>
-      </p:ext>
-    </p:extLst>
   </p:cSld>
   <p:clrMapOvr>
     <a:masterClrMapping/>
@@ -12276,13 +9705,7 @@
       </p:grpSpPr>
       <p:sp>
         <p:nvSpPr>
-          <p:cNvPr id="2" name="Title 1">
-            <a:extLst>
-              <a:ext uri="{FF2B5EF4-FFF2-40B4-BE49-F238E27FC236}">
-                <a16:creationId xmlns:a16="http://schemas.microsoft.com/office/drawing/2014/main" id="{4B9DE39E-9653-4E07-AD2E-5A76154BDA9B}"/>
-              </a:ext>
-            </a:extLst>
-          </p:cNvPr>
+          <p:cNvPr id="2" name="Title 1"/>
           <p:cNvSpPr>
             <a:spLocks noGrp="1"/>
           </p:cNvSpPr>
@@ -12313,13 +9736,7 @@
       </p:sp>
       <p:sp>
         <p:nvSpPr>
-          <p:cNvPr id="3" name="Content Placeholder 2">
-            <a:extLst>
-              <a:ext uri="{FF2B5EF4-FFF2-40B4-BE49-F238E27FC236}">
-                <a16:creationId xmlns:a16="http://schemas.microsoft.com/office/drawing/2014/main" id="{8FFBACF3-5150-4CA6-8915-84D23F14F651}"/>
-              </a:ext>
-            </a:extLst>
-          </p:cNvPr>
+          <p:cNvPr id="3" name="Content Placeholder 2"/>
           <p:cNvSpPr>
             <a:spLocks noGrp="1"/>
           </p:cNvSpPr>
@@ -12398,6 +9815,7 @@
               <a:rPr lang="en-US" altLang="zh-CN" dirty="0"/>
               <a:t>)</a:t>
             </a:r>
+            <a:endParaRPr lang="en-US" altLang="zh-CN" dirty="0"/>
           </a:p>
           <a:p>
             <a:r>
@@ -12432,11 +9850,6 @@
         </p:txBody>
       </p:sp>
     </p:spTree>
-    <p:extLst>
-      <p:ext uri="{BB962C8B-B14F-4D97-AF65-F5344CB8AC3E}">
-        <p14:creationId xmlns:p14="http://schemas.microsoft.com/office/powerpoint/2010/main" val="3325946687"/>
-      </p:ext>
-    </p:extLst>
   </p:cSld>
   <p:clrMapOvr>
     <a:masterClrMapping/>
@@ -12463,13 +9876,7 @@
       </p:grpSpPr>
       <p:sp>
         <p:nvSpPr>
-          <p:cNvPr id="2" name="Title 1">
-            <a:extLst>
-              <a:ext uri="{FF2B5EF4-FFF2-40B4-BE49-F238E27FC236}">
-                <a16:creationId xmlns:a16="http://schemas.microsoft.com/office/drawing/2014/main" id="{4B9DE39E-9653-4E07-AD2E-5A76154BDA9B}"/>
-              </a:ext>
-            </a:extLst>
-          </p:cNvPr>
+          <p:cNvPr id="2" name="Title 1"/>
           <p:cNvSpPr>
             <a:spLocks noGrp="1"/>
           </p:cNvSpPr>
@@ -12500,13 +9907,7 @@
       </p:sp>
       <p:pic>
         <p:nvPicPr>
-          <p:cNvPr id="5" name="Content Placeholder 4">
-            <a:extLst>
-              <a:ext uri="{FF2B5EF4-FFF2-40B4-BE49-F238E27FC236}">
-                <a16:creationId xmlns:a16="http://schemas.microsoft.com/office/drawing/2014/main" id="{37AE9941-1C22-4D7B-A45F-BCE5B34432E4}"/>
-              </a:ext>
-            </a:extLst>
-          </p:cNvPr>
+          <p:cNvPr id="5" name="Content Placeholder 4"/>
           <p:cNvPicPr>
             <a:picLocks noGrp="1" noChangeAspect="1"/>
           </p:cNvPicPr>
@@ -12515,7 +9916,7 @@
           </p:nvPr>
         </p:nvPicPr>
         <p:blipFill>
-          <a:blip r:embed="rId2"/>
+          <a:blip r:embed="rId1"/>
           <a:stretch>
             <a:fillRect/>
           </a:stretch>
@@ -12528,11 +9929,6 @@
         </p:spPr>
       </p:pic>
     </p:spTree>
-    <p:extLst>
-      <p:ext uri="{BB962C8B-B14F-4D97-AF65-F5344CB8AC3E}">
-        <p14:creationId xmlns:p14="http://schemas.microsoft.com/office/powerpoint/2010/main" val="4284298880"/>
-      </p:ext>
-    </p:extLst>
   </p:cSld>
   <p:clrMapOvr>
     <a:masterClrMapping/>
@@ -12559,13 +9955,7 @@
       </p:grpSpPr>
       <p:sp>
         <p:nvSpPr>
-          <p:cNvPr id="2" name="Title 1">
-            <a:extLst>
-              <a:ext uri="{FF2B5EF4-FFF2-40B4-BE49-F238E27FC236}">
-                <a16:creationId xmlns:a16="http://schemas.microsoft.com/office/drawing/2014/main" id="{40C9E61A-6C40-46B8-86CF-9CDC695AE6A3}"/>
-              </a:ext>
-            </a:extLst>
-          </p:cNvPr>
+          <p:cNvPr id="2" name="Title 1"/>
           <p:cNvSpPr>
             <a:spLocks noGrp="1"/>
           </p:cNvSpPr>
@@ -12588,13 +9978,7 @@
       </p:sp>
       <p:sp>
         <p:nvSpPr>
-          <p:cNvPr id="4" name="Text Placeholder 3">
-            <a:extLst>
-              <a:ext uri="{FF2B5EF4-FFF2-40B4-BE49-F238E27FC236}">
-                <a16:creationId xmlns:a16="http://schemas.microsoft.com/office/drawing/2014/main" id="{E637A6ED-B65E-4253-BB06-7845B0807FB7}"/>
-              </a:ext>
-            </a:extLst>
-          </p:cNvPr>
+          <p:cNvPr id="4" name="Text Placeholder 3"/>
           <p:cNvSpPr>
             <a:spLocks noGrp="1"/>
           </p:cNvSpPr>
@@ -12630,7 +10014,7 @@
               <p:cNvPr id="5" name="Content Placeholder 4">
                 <a:extLst>
                   <a:ext uri="{FF2B5EF4-FFF2-40B4-BE49-F238E27FC236}">
-                    <a16:creationId xmlns:a16="http://schemas.microsoft.com/office/drawing/2014/main" id="{1CEC60EC-8C26-418F-958F-97774824D7B5}"/>
+                    <ele attr="{1CEC60EC-8C26-418F-958F-97774824D7B5}"/>
                   </a:ext>
                 </a:extLst>
               </p:cNvPr>
@@ -12971,13 +10355,7 @@
         <mc:Fallback>
           <p:sp>
             <p:nvSpPr>
-              <p:cNvPr id="5" name="Content Placeholder 4">
-                <a:extLst>
-                  <a:ext uri="{FF2B5EF4-FFF2-40B4-BE49-F238E27FC236}">
-                    <a16:creationId xmlns:a16="http://schemas.microsoft.com/office/drawing/2014/main" id="{1CEC60EC-8C26-418F-958F-97774824D7B5}"/>
-                  </a:ext>
-                </a:extLst>
-              </p:cNvPr>
+              <p:cNvPr id="5" name="Content Placeholder 4"/>
               <p:cNvSpPr>
                 <a:spLocks noGrp="1" noRot="1" noChangeAspect="1" noMove="1" noResize="1" noEditPoints="1" noAdjustHandles="1" noChangeArrowheads="1" noChangeShapeType="1" noTextEdit="1"/>
               </p:cNvSpPr>
@@ -12986,8 +10364,8 @@
               </p:nvPr>
             </p:nvSpPr>
             <p:spPr>
-              <a:blipFill>
-                <a:blip r:embed="rId2"/>
+              <a:blipFill rotWithShape="1">
+                <a:blip r:embed="rId1"/>
                 <a:stretch>
                   <a:fillRect l="-1235" t="-2597"/>
                 </a:stretch>
@@ -13003,6 +10381,9 @@
                   </a:rPr>
                   <a:t> </a:t>
                 </a:r>
+                <a:endParaRPr lang="en-US">
+                  <a:noFill/>
+                </a:endParaRPr>
               </a:p>
             </p:txBody>
           </p:sp>
@@ -13010,13 +10391,7 @@
       </mc:AlternateContent>
       <p:sp>
         <p:nvSpPr>
-          <p:cNvPr id="6" name="Text Placeholder 5">
-            <a:extLst>
-              <a:ext uri="{FF2B5EF4-FFF2-40B4-BE49-F238E27FC236}">
-                <a16:creationId xmlns:a16="http://schemas.microsoft.com/office/drawing/2014/main" id="{54C28BAB-5B9E-45DC-A161-98FE9C89CD57}"/>
-              </a:ext>
-            </a:extLst>
-          </p:cNvPr>
+          <p:cNvPr id="6" name="Text Placeholder 5"/>
           <p:cNvSpPr>
             <a:spLocks noGrp="1"/>
           </p:cNvSpPr>
@@ -13052,7 +10427,7 @@
               <p:cNvPr id="7" name="Content Placeholder 6">
                 <a:extLst>
                   <a:ext uri="{FF2B5EF4-FFF2-40B4-BE49-F238E27FC236}">
-                    <a16:creationId xmlns:a16="http://schemas.microsoft.com/office/drawing/2014/main" id="{0197C09D-FD2F-4035-B837-49F15706DBFD}"/>
+                    <ele attr="{0197C09D-FD2F-4035-B837-49F15706DBFD}"/>
                   </a:ext>
                 </a:extLst>
               </p:cNvPr>
@@ -13290,13 +10665,7 @@
         <mc:Fallback>
           <p:sp>
             <p:nvSpPr>
-              <p:cNvPr id="7" name="Content Placeholder 6">
-                <a:extLst>
-                  <a:ext uri="{FF2B5EF4-FFF2-40B4-BE49-F238E27FC236}">
-                    <a16:creationId xmlns:a16="http://schemas.microsoft.com/office/drawing/2014/main" id="{0197C09D-FD2F-4035-B837-49F15706DBFD}"/>
-                  </a:ext>
-                </a:extLst>
-              </p:cNvPr>
+              <p:cNvPr id="7" name="Content Placeholder 6"/>
               <p:cNvSpPr>
                 <a:spLocks noGrp="1" noRot="1" noChangeAspect="1" noMove="1" noResize="1" noEditPoints="1" noAdjustHandles="1" noChangeArrowheads="1" noChangeShapeType="1" noTextEdit="1"/>
               </p:cNvSpPr>
@@ -13305,8 +10674,8 @@
               </p:nvPr>
             </p:nvSpPr>
             <p:spPr>
-              <a:blipFill>
-                <a:blip r:embed="rId3"/>
+              <a:blipFill rotWithShape="1">
+                <a:blip r:embed="rId2"/>
                 <a:stretch>
                   <a:fillRect l="-3086" t="-2597" r="-2716"/>
                 </a:stretch>
@@ -13322,6 +10691,9 @@
                   </a:rPr>
                   <a:t> </a:t>
                 </a:r>
+                <a:endParaRPr lang="en-US">
+                  <a:noFill/>
+                </a:endParaRPr>
               </a:p>
             </p:txBody>
           </p:sp>
@@ -13329,20 +10701,14 @@
       </mc:AlternateContent>
       <p:pic>
         <p:nvPicPr>
-          <p:cNvPr id="8" name="Picture 7">
-            <a:extLst>
-              <a:ext uri="{FF2B5EF4-FFF2-40B4-BE49-F238E27FC236}">
-                <a16:creationId xmlns:a16="http://schemas.microsoft.com/office/drawing/2014/main" id="{F3B390A0-5B5D-4AFE-8411-DC017B5D3B22}"/>
-              </a:ext>
-            </a:extLst>
-          </p:cNvPr>
+          <p:cNvPr id="8" name="Picture 7"/>
           <p:cNvPicPr>
             <a:picLocks noChangeAspect="1"/>
           </p:cNvPicPr>
           <p:nvPr/>
         </p:nvPicPr>
         <p:blipFill>
-          <a:blip r:embed="rId4"/>
+          <a:blip r:embed="rId3"/>
           <a:stretch>
             <a:fillRect/>
           </a:stretch>
@@ -13358,11 +10724,6 @@
         </p:spPr>
       </p:pic>
     </p:spTree>
-    <p:extLst>
-      <p:ext uri="{BB962C8B-B14F-4D97-AF65-F5344CB8AC3E}">
-        <p14:creationId xmlns:p14="http://schemas.microsoft.com/office/powerpoint/2010/main" val="2168919724"/>
-      </p:ext>
-    </p:extLst>
   </p:cSld>
   <p:clrMapOvr>
     <a:masterClrMapping/>
@@ -13389,13 +10750,7 @@
       </p:grpSpPr>
       <p:sp>
         <p:nvSpPr>
-          <p:cNvPr id="2" name="Title 1">
-            <a:extLst>
-              <a:ext uri="{FF2B5EF4-FFF2-40B4-BE49-F238E27FC236}">
-                <a16:creationId xmlns:a16="http://schemas.microsoft.com/office/drawing/2014/main" id="{40C9E61A-6C40-46B8-86CF-9CDC695AE6A3}"/>
-              </a:ext>
-            </a:extLst>
-          </p:cNvPr>
+          <p:cNvPr id="2" name="Title 1"/>
           <p:cNvSpPr>
             <a:spLocks noGrp="1"/>
           </p:cNvSpPr>
@@ -13434,13 +10789,7 @@
       </p:sp>
       <p:sp>
         <p:nvSpPr>
-          <p:cNvPr id="4" name="Text Placeholder 3">
-            <a:extLst>
-              <a:ext uri="{FF2B5EF4-FFF2-40B4-BE49-F238E27FC236}">
-                <a16:creationId xmlns:a16="http://schemas.microsoft.com/office/drawing/2014/main" id="{E637A6ED-B65E-4253-BB06-7845B0807FB7}"/>
-              </a:ext>
-            </a:extLst>
-          </p:cNvPr>
+          <p:cNvPr id="4" name="Text Placeholder 3"/>
           <p:cNvSpPr>
             <a:spLocks noGrp="1"/>
           </p:cNvSpPr>
@@ -13463,13 +10812,7 @@
       </p:sp>
       <p:sp>
         <p:nvSpPr>
-          <p:cNvPr id="5" name="Content Placeholder 4">
-            <a:extLst>
-              <a:ext uri="{FF2B5EF4-FFF2-40B4-BE49-F238E27FC236}">
-                <a16:creationId xmlns:a16="http://schemas.microsoft.com/office/drawing/2014/main" id="{1CEC60EC-8C26-418F-958F-97774824D7B5}"/>
-              </a:ext>
-            </a:extLst>
-          </p:cNvPr>
+          <p:cNvPr id="5" name="Content Placeholder 4"/>
           <p:cNvSpPr>
             <a:spLocks noGrp="1"/>
           </p:cNvSpPr>
@@ -13504,6 +10847,7 @@
               <a:rPr lang="en-US" altLang="zh-CN" dirty="0"/>
               <a:t> </a:t>
             </a:r>
+            <a:endParaRPr lang="en-US" altLang="zh-CN" dirty="0"/>
           </a:p>
           <a:p>
             <a:r>
@@ -13542,6 +10886,7 @@
               <a:rPr lang="en-US" altLang="zh-CN" dirty="0"/>
               <a:t>}</a:t>
             </a:r>
+            <a:endParaRPr lang="en-US" altLang="zh-CN" dirty="0"/>
           </a:p>
           <a:p>
             <a:r>
@@ -13616,6 +10961,7 @@
               <a:rPr lang="en-US" altLang="zh-CN" dirty="0"/>
               <a:t>}</a:t>
             </a:r>
+            <a:endParaRPr lang="en-US" altLang="zh-CN" dirty="0"/>
           </a:p>
           <a:p>
             <a:r>
@@ -13703,13 +11049,7 @@
       </p:sp>
       <p:sp>
         <p:nvSpPr>
-          <p:cNvPr id="6" name="Text Placeholder 5">
-            <a:extLst>
-              <a:ext uri="{FF2B5EF4-FFF2-40B4-BE49-F238E27FC236}">
-                <a16:creationId xmlns:a16="http://schemas.microsoft.com/office/drawing/2014/main" id="{54C28BAB-5B9E-45DC-A161-98FE9C89CD57}"/>
-              </a:ext>
-            </a:extLst>
-          </p:cNvPr>
+          <p:cNvPr id="6" name="Text Placeholder 5"/>
           <p:cNvSpPr>
             <a:spLocks noGrp="1"/>
           </p:cNvSpPr>
@@ -13732,13 +11072,7 @@
       </p:sp>
       <p:sp>
         <p:nvSpPr>
-          <p:cNvPr id="7" name="Content Placeholder 6">
-            <a:extLst>
-              <a:ext uri="{FF2B5EF4-FFF2-40B4-BE49-F238E27FC236}">
-                <a16:creationId xmlns:a16="http://schemas.microsoft.com/office/drawing/2014/main" id="{0197C09D-FD2F-4035-B837-49F15706DBFD}"/>
-              </a:ext>
-            </a:extLst>
-          </p:cNvPr>
+          <p:cNvPr id="7" name="Content Placeholder 6"/>
           <p:cNvSpPr>
             <a:spLocks noGrp="1"/>
           </p:cNvSpPr>
@@ -13758,11 +11092,6 @@
         </p:txBody>
       </p:sp>
     </p:spTree>
-    <p:extLst>
-      <p:ext uri="{BB962C8B-B14F-4D97-AF65-F5344CB8AC3E}">
-        <p14:creationId xmlns:p14="http://schemas.microsoft.com/office/powerpoint/2010/main" val="3170082220"/>
-      </p:ext>
-    </p:extLst>
   </p:cSld>
   <p:clrMapOvr>
     <a:masterClrMapping/>
@@ -13789,13 +11118,7 @@
       </p:grpSpPr>
       <p:sp>
         <p:nvSpPr>
-          <p:cNvPr id="2" name="Title 1">
-            <a:extLst>
-              <a:ext uri="{FF2B5EF4-FFF2-40B4-BE49-F238E27FC236}">
-                <a16:creationId xmlns:a16="http://schemas.microsoft.com/office/drawing/2014/main" id="{40C9E61A-6C40-46B8-86CF-9CDC695AE6A3}"/>
-              </a:ext>
-            </a:extLst>
-          </p:cNvPr>
+          <p:cNvPr id="2" name="Title 1"/>
           <p:cNvSpPr>
             <a:spLocks noGrp="1"/>
           </p:cNvSpPr>
@@ -13834,13 +11157,7 @@
       </p:sp>
       <p:sp>
         <p:nvSpPr>
-          <p:cNvPr id="4" name="Text Placeholder 3">
-            <a:extLst>
-              <a:ext uri="{FF2B5EF4-FFF2-40B4-BE49-F238E27FC236}">
-                <a16:creationId xmlns:a16="http://schemas.microsoft.com/office/drawing/2014/main" id="{E637A6ED-B65E-4253-BB06-7845B0807FB7}"/>
-              </a:ext>
-            </a:extLst>
-          </p:cNvPr>
+          <p:cNvPr id="4" name="Text Placeholder 3"/>
           <p:cNvSpPr>
             <a:spLocks noGrp="1"/>
           </p:cNvSpPr>
@@ -13863,13 +11180,7 @@
       </p:sp>
       <p:sp>
         <p:nvSpPr>
-          <p:cNvPr id="6" name="Text Placeholder 5">
-            <a:extLst>
-              <a:ext uri="{FF2B5EF4-FFF2-40B4-BE49-F238E27FC236}">
-                <a16:creationId xmlns:a16="http://schemas.microsoft.com/office/drawing/2014/main" id="{54C28BAB-5B9E-45DC-A161-98FE9C89CD57}"/>
-              </a:ext>
-            </a:extLst>
-          </p:cNvPr>
+          <p:cNvPr id="6" name="Text Placeholder 5"/>
           <p:cNvSpPr>
             <a:spLocks noGrp="1"/>
           </p:cNvSpPr>
@@ -13892,13 +11203,7 @@
       </p:sp>
       <p:sp>
         <p:nvSpPr>
-          <p:cNvPr id="7" name="Content Placeholder 6">
-            <a:extLst>
-              <a:ext uri="{FF2B5EF4-FFF2-40B4-BE49-F238E27FC236}">
-                <a16:creationId xmlns:a16="http://schemas.microsoft.com/office/drawing/2014/main" id="{0197C09D-FD2F-4035-B837-49F15706DBFD}"/>
-              </a:ext>
-            </a:extLst>
-          </p:cNvPr>
+          <p:cNvPr id="7" name="Content Placeholder 6"/>
           <p:cNvSpPr>
             <a:spLocks noGrp="1"/>
           </p:cNvSpPr>
@@ -13968,6 +11273,7 @@
               <a:rPr lang="en-US" altLang="zh-CN" dirty="0"/>
               <a:t>a, b</a:t>
             </a:r>
+            <a:endParaRPr lang="en-US" altLang="zh-CN" dirty="0"/>
           </a:p>
           <a:p>
             <a:r>
@@ -14017,14 +11323,15 @@
               <a:rPr lang="en-US" altLang="zh-CN" dirty="0"/>
               <a:t>T’</a:t>
             </a:r>
-          </a:p>
-          <a:p>
             <a:endParaRPr lang="en-US" altLang="zh-CN" dirty="0"/>
           </a:p>
           <a:p>
             <a:endParaRPr lang="en-US" altLang="zh-CN" dirty="0"/>
           </a:p>
           <a:p>
+            <a:endParaRPr lang="en-US" altLang="zh-CN" dirty="0"/>
+          </a:p>
+          <a:p>
             <a:r>
               <a:rPr lang="zh-CN" altLang="en-US" dirty="0"/>
               <a:t>     用</a:t>
@@ -14057,6 +11364,7 @@
               <a:rPr lang="en-US" altLang="zh-CN" dirty="0"/>
               <a:t>B(T’’) &lt;= B(T’) &lt;= B(T)</a:t>
             </a:r>
+            <a:endParaRPr lang="en-US" altLang="zh-CN" dirty="0"/>
           </a:p>
           <a:p>
             <a:r>
@@ -14097,20 +11405,14 @@
       </p:sp>
       <p:pic>
         <p:nvPicPr>
-          <p:cNvPr id="8" name="Picture 7">
-            <a:extLst>
-              <a:ext uri="{FF2B5EF4-FFF2-40B4-BE49-F238E27FC236}">
-                <a16:creationId xmlns:a16="http://schemas.microsoft.com/office/drawing/2014/main" id="{39A16DC5-E928-404D-8F70-4FD1CBF6271A}"/>
-              </a:ext>
-            </a:extLst>
-          </p:cNvPr>
+          <p:cNvPr id="8" name="Picture 7"/>
           <p:cNvPicPr>
             <a:picLocks noChangeAspect="1"/>
           </p:cNvPicPr>
           <p:nvPr/>
         </p:nvPicPr>
         <p:blipFill>
-          <a:blip r:embed="rId2"/>
+          <a:blip r:embed="rId1"/>
           <a:stretch>
             <a:fillRect/>
           </a:stretch>
@@ -14127,20 +11429,14 @@
       </p:pic>
       <p:pic>
         <p:nvPicPr>
-          <p:cNvPr id="9" name="Picture 8">
-            <a:extLst>
-              <a:ext uri="{FF2B5EF4-FFF2-40B4-BE49-F238E27FC236}">
-                <a16:creationId xmlns:a16="http://schemas.microsoft.com/office/drawing/2014/main" id="{6176B099-1E31-42D9-A3B7-F0DE797824B6}"/>
-              </a:ext>
-            </a:extLst>
-          </p:cNvPr>
+          <p:cNvPr id="9" name="Picture 8"/>
           <p:cNvPicPr>
             <a:picLocks noChangeAspect="1"/>
           </p:cNvPicPr>
           <p:nvPr/>
         </p:nvPicPr>
         <p:blipFill>
-          <a:blip r:embed="rId3"/>
+          <a:blip r:embed="rId2"/>
           <a:stretch>
             <a:fillRect/>
           </a:stretch>
@@ -14157,20 +11453,14 @@
       </p:pic>
       <p:pic>
         <p:nvPicPr>
-          <p:cNvPr id="10" name="Picture 9">
-            <a:extLst>
-              <a:ext uri="{FF2B5EF4-FFF2-40B4-BE49-F238E27FC236}">
-                <a16:creationId xmlns:a16="http://schemas.microsoft.com/office/drawing/2014/main" id="{949C322F-E391-407B-8A12-2D983AAF3C5B}"/>
-              </a:ext>
-            </a:extLst>
-          </p:cNvPr>
+          <p:cNvPr id="10" name="Picture 9"/>
           <p:cNvPicPr>
             <a:picLocks noChangeAspect="1"/>
           </p:cNvPicPr>
           <p:nvPr/>
         </p:nvPicPr>
         <p:blipFill>
-          <a:blip r:embed="rId4"/>
+          <a:blip r:embed="rId3"/>
           <a:stretch>
             <a:fillRect/>
           </a:stretch>
@@ -14187,13 +11477,7 @@
       </p:pic>
       <p:sp>
         <p:nvSpPr>
-          <p:cNvPr id="13" name="Content Placeholder 4">
-            <a:extLst>
-              <a:ext uri="{FF2B5EF4-FFF2-40B4-BE49-F238E27FC236}">
-                <a16:creationId xmlns:a16="http://schemas.microsoft.com/office/drawing/2014/main" id="{1C757587-8B3F-4465-8971-40B924DB6792}"/>
-              </a:ext>
-            </a:extLst>
-          </p:cNvPr>
+          <p:cNvPr id="13" name="Content Placeholder 4"/>
           <p:cNvSpPr>
             <a:spLocks noGrp="1"/>
           </p:cNvSpPr>
@@ -14233,6 +11517,7 @@
               <a:rPr lang="en-US" altLang="zh-CN" dirty="0"/>
               <a:t>, </a:t>
             </a:r>
+            <a:endParaRPr lang="en-US" altLang="zh-CN" dirty="0"/>
           </a:p>
           <a:p>
             <a:r>
@@ -14271,6 +11556,7 @@
               <a:rPr lang="en-US" altLang="zh-CN" dirty="0"/>
               <a:t>}</a:t>
             </a:r>
+            <a:endParaRPr lang="en-US" altLang="zh-CN" dirty="0"/>
           </a:p>
           <a:p>
             <a:r>
@@ -14345,6 +11631,7 @@
               <a:rPr lang="en-US" altLang="zh-CN" dirty="0"/>
               <a:t>}</a:t>
             </a:r>
+            <a:endParaRPr lang="en-US" altLang="zh-CN" dirty="0"/>
           </a:p>
           <a:p>
             <a:r>
@@ -14431,11 +11718,6 @@
         </p:txBody>
       </p:sp>
     </p:spTree>
-    <p:extLst>
-      <p:ext uri="{BB962C8B-B14F-4D97-AF65-F5344CB8AC3E}">
-        <p14:creationId xmlns:p14="http://schemas.microsoft.com/office/powerpoint/2010/main" val="3006583255"/>
-      </p:ext>
-    </p:extLst>
   </p:cSld>
   <p:clrMapOvr>
     <a:masterClrMapping/>
@@ -14462,13 +11744,7 @@
       </p:grpSpPr>
       <p:sp>
         <p:nvSpPr>
-          <p:cNvPr id="4" name="Title 3">
-            <a:extLst>
-              <a:ext uri="{FF2B5EF4-FFF2-40B4-BE49-F238E27FC236}">
-                <a16:creationId xmlns:a16="http://schemas.microsoft.com/office/drawing/2014/main" id="{A6FF461E-C82E-4612-8F23-B0888C0859F0}"/>
-              </a:ext>
-            </a:extLst>
-          </p:cNvPr>
+          <p:cNvPr id="4" name="Title 3"/>
           <p:cNvSpPr>
             <a:spLocks noGrp="1"/>
           </p:cNvSpPr>
@@ -14491,13 +11767,7 @@
       </p:sp>
       <p:sp>
         <p:nvSpPr>
-          <p:cNvPr id="5" name="Text Placeholder 4">
-            <a:extLst>
-              <a:ext uri="{FF2B5EF4-FFF2-40B4-BE49-F238E27FC236}">
-                <a16:creationId xmlns:a16="http://schemas.microsoft.com/office/drawing/2014/main" id="{75ECEA24-849E-4573-9834-201DD1D1DEF8}"/>
-              </a:ext>
-            </a:extLst>
-          </p:cNvPr>
+          <p:cNvPr id="5" name="Text Placeholder 4"/>
           <p:cNvSpPr>
             <a:spLocks noGrp="1"/>
           </p:cNvSpPr>
@@ -14515,11 +11785,6 @@
         </p:txBody>
       </p:sp>
     </p:spTree>
-    <p:extLst>
-      <p:ext uri="{BB962C8B-B14F-4D97-AF65-F5344CB8AC3E}">
-        <p14:creationId xmlns:p14="http://schemas.microsoft.com/office/powerpoint/2010/main" val="1773345484"/>
-      </p:ext>
-    </p:extLst>
   </p:cSld>
   <p:clrMapOvr>
     <a:masterClrMapping/>
@@ -14546,13 +11811,7 @@
       </p:grpSpPr>
       <p:sp>
         <p:nvSpPr>
-          <p:cNvPr id="2" name="Title 1">
-            <a:extLst>
-              <a:ext uri="{FF2B5EF4-FFF2-40B4-BE49-F238E27FC236}">
-                <a16:creationId xmlns:a16="http://schemas.microsoft.com/office/drawing/2014/main" id="{40C9E61A-6C40-46B8-86CF-9CDC695AE6A3}"/>
-              </a:ext>
-            </a:extLst>
-          </p:cNvPr>
+          <p:cNvPr id="2" name="Title 1"/>
           <p:cNvSpPr>
             <a:spLocks noGrp="1"/>
           </p:cNvSpPr>
@@ -14581,13 +11840,7 @@
       </p:sp>
       <p:sp>
         <p:nvSpPr>
-          <p:cNvPr id="4" name="Text Placeholder 3">
-            <a:extLst>
-              <a:ext uri="{FF2B5EF4-FFF2-40B4-BE49-F238E27FC236}">
-                <a16:creationId xmlns:a16="http://schemas.microsoft.com/office/drawing/2014/main" id="{E637A6ED-B65E-4253-BB06-7845B0807FB7}"/>
-              </a:ext>
-            </a:extLst>
-          </p:cNvPr>
+          <p:cNvPr id="4" name="Text Placeholder 3"/>
           <p:cNvSpPr>
             <a:spLocks noGrp="1"/>
           </p:cNvSpPr>
@@ -14610,13 +11863,7 @@
       </p:sp>
       <p:sp>
         <p:nvSpPr>
-          <p:cNvPr id="6" name="Text Placeholder 5">
-            <a:extLst>
-              <a:ext uri="{FF2B5EF4-FFF2-40B4-BE49-F238E27FC236}">
-                <a16:creationId xmlns:a16="http://schemas.microsoft.com/office/drawing/2014/main" id="{54C28BAB-5B9E-45DC-A161-98FE9C89CD57}"/>
-              </a:ext>
-            </a:extLst>
-          </p:cNvPr>
+          <p:cNvPr id="6" name="Text Placeholder 5"/>
           <p:cNvSpPr>
             <a:spLocks noGrp="1"/>
           </p:cNvSpPr>
@@ -14639,13 +11886,7 @@
       </p:sp>
       <p:sp>
         <p:nvSpPr>
-          <p:cNvPr id="7" name="Content Placeholder 6">
-            <a:extLst>
-              <a:ext uri="{FF2B5EF4-FFF2-40B4-BE49-F238E27FC236}">
-                <a16:creationId xmlns:a16="http://schemas.microsoft.com/office/drawing/2014/main" id="{0197C09D-FD2F-4035-B837-49F15706DBFD}"/>
-              </a:ext>
-            </a:extLst>
-          </p:cNvPr>
+          <p:cNvPr id="7" name="Content Placeholder 6"/>
           <p:cNvSpPr>
             <a:spLocks noGrp="1"/>
           </p:cNvSpPr>
@@ -14666,13 +11907,7 @@
       </p:sp>
       <p:sp>
         <p:nvSpPr>
-          <p:cNvPr id="9" name="TextBox 8">
-            <a:extLst>
-              <a:ext uri="{FF2B5EF4-FFF2-40B4-BE49-F238E27FC236}">
-                <a16:creationId xmlns:a16="http://schemas.microsoft.com/office/drawing/2014/main" id="{5E47846E-BBD8-4A77-ABAC-ACCC78684FDF}"/>
-              </a:ext>
-            </a:extLst>
-          </p:cNvPr>
+          <p:cNvPr id="9" name="TextBox 8"/>
           <p:cNvSpPr txBox="1"/>
           <p:nvPr/>
         </p:nvSpPr>
@@ -14727,7 +11962,7 @@
               <p:cNvPr id="17" name="Content Placeholder 4">
                 <a:extLst>
                   <a:ext uri="{FF2B5EF4-FFF2-40B4-BE49-F238E27FC236}">
-                    <a16:creationId xmlns:a16="http://schemas.microsoft.com/office/drawing/2014/main" id="{654F62DD-064A-45D2-8389-0ADE560BEE33}"/>
+                    <ele attr="{654F62DD-064A-45D2-8389-0ADE560BEE33}"/>
                   </a:ext>
                 </a:extLst>
               </p:cNvPr>
@@ -14844,19 +12079,7 @@
                       <a:rPr lang="zh-CN" altLang="en-US" i="1" dirty="0">
                         <a:latin typeface="Cambria Math" panose="02040503050406030204" pitchFamily="18" charset="0"/>
                       </a:rPr>
-                      <m:t>的</m:t>
-                    </m:r>
-                    <m:r>
-                      <a:rPr lang="zh-CN" altLang="en-US" i="1" dirty="0">
-                        <a:latin typeface="Cambria Math" panose="02040503050406030204" pitchFamily="18" charset="0"/>
-                      </a:rPr>
-                      <m:t>关系</m:t>
-                    </m:r>
-                    <m:r>
-                      <a:rPr lang="zh-CN" altLang="en-US" i="1" dirty="0">
-                        <a:latin typeface="Cambria Math" panose="02040503050406030204" pitchFamily="18" charset="0"/>
-                      </a:rPr>
-                      <m:t>：</m:t>
+                      <m:t>的关系：</m:t>
                     </m:r>
                     <m:r>
                       <a:rPr lang="en-US" altLang="zh-CN" i="1" dirty="0">
@@ -15022,7 +12245,7 @@
                       <m:d>
                         <m:dPr>
                           <m:ctrlPr>
-                            <a:rPr lang="en-US" altLang="zh-CN" b="0" i="0" dirty="0" smtClean="0">
+                            <a:rPr lang="en-US" altLang="zh-CN" b="0" i="1" dirty="0" smtClean="0">
                               <a:latin typeface="Cambria Math" panose="02040503050406030204" pitchFamily="18" charset="0"/>
                             </a:rPr>
                           </m:ctrlPr>
@@ -15301,13 +12524,7 @@
         <mc:Fallback>
           <p:sp>
             <p:nvSpPr>
-              <p:cNvPr id="17" name="Content Placeholder 4">
-                <a:extLst>
-                  <a:ext uri="{FF2B5EF4-FFF2-40B4-BE49-F238E27FC236}">
-                    <a16:creationId xmlns:a16="http://schemas.microsoft.com/office/drawing/2014/main" id="{654F62DD-064A-45D2-8389-0ADE560BEE33}"/>
-                  </a:ext>
-                </a:extLst>
-              </p:cNvPr>
+              <p:cNvPr id="17" name="Content Placeholder 4"/>
               <p:cNvSpPr>
                 <a:spLocks noGrp="1" noRot="1" noChangeAspect="1" noMove="1" noResize="1" noEditPoints="1" noAdjustHandles="1" noChangeArrowheads="1" noChangeShapeType="1" noTextEdit="1"/>
               </p:cNvSpPr>
@@ -15320,8 +12537,8 @@
                 <a:off x="1097280" y="2582335"/>
                 <a:ext cx="4937760" cy="3286760"/>
               </a:xfrm>
-              <a:blipFill>
-                <a:blip r:embed="rId3"/>
+              <a:blipFill rotWithShape="1">
+                <a:blip r:embed="rId1"/>
                 <a:stretch>
                   <a:fillRect l="-2222" t="-2041"/>
                 </a:stretch>
@@ -15337,17 +12554,15 @@
                   </a:rPr>
                   <a:t> </a:t>
                 </a:r>
+                <a:endParaRPr lang="en-US">
+                  <a:noFill/>
+                </a:endParaRPr>
               </a:p>
             </p:txBody>
           </p:sp>
         </mc:Fallback>
       </mc:AlternateContent>
     </p:spTree>
-    <p:extLst>
-      <p:ext uri="{BB962C8B-B14F-4D97-AF65-F5344CB8AC3E}">
-        <p14:creationId xmlns:p14="http://schemas.microsoft.com/office/powerpoint/2010/main" val="759163305"/>
-      </p:ext>
-    </p:extLst>
   </p:cSld>
   <p:clrMapOvr>
     <a:masterClrMapping/>
@@ -15374,13 +12589,7 @@
       </p:grpSpPr>
       <p:sp>
         <p:nvSpPr>
-          <p:cNvPr id="2" name="Title 1">
-            <a:extLst>
-              <a:ext uri="{FF2B5EF4-FFF2-40B4-BE49-F238E27FC236}">
-                <a16:creationId xmlns:a16="http://schemas.microsoft.com/office/drawing/2014/main" id="{40C9E61A-6C40-46B8-86CF-9CDC695AE6A3}"/>
-              </a:ext>
-            </a:extLst>
-          </p:cNvPr>
+          <p:cNvPr id="2" name="Title 1"/>
           <p:cNvSpPr>
             <a:spLocks noGrp="1"/>
           </p:cNvSpPr>
@@ -15409,13 +12618,7 @@
       </p:sp>
       <p:sp>
         <p:nvSpPr>
-          <p:cNvPr id="4" name="Text Placeholder 3">
-            <a:extLst>
-              <a:ext uri="{FF2B5EF4-FFF2-40B4-BE49-F238E27FC236}">
-                <a16:creationId xmlns:a16="http://schemas.microsoft.com/office/drawing/2014/main" id="{E637A6ED-B65E-4253-BB06-7845B0807FB7}"/>
-              </a:ext>
-            </a:extLst>
-          </p:cNvPr>
+          <p:cNvPr id="4" name="Text Placeholder 3"/>
           <p:cNvSpPr>
             <a:spLocks noGrp="1"/>
           </p:cNvSpPr>
@@ -15438,13 +12641,7 @@
       </p:sp>
       <p:sp>
         <p:nvSpPr>
-          <p:cNvPr id="6" name="Text Placeholder 5">
-            <a:extLst>
-              <a:ext uri="{FF2B5EF4-FFF2-40B4-BE49-F238E27FC236}">
-                <a16:creationId xmlns:a16="http://schemas.microsoft.com/office/drawing/2014/main" id="{54C28BAB-5B9E-45DC-A161-98FE9C89CD57}"/>
-              </a:ext>
-            </a:extLst>
-          </p:cNvPr>
+          <p:cNvPr id="6" name="Text Placeholder 5"/>
           <p:cNvSpPr>
             <a:spLocks noGrp="1"/>
           </p:cNvSpPr>
@@ -15467,13 +12664,7 @@
       </p:sp>
       <p:sp>
         <p:nvSpPr>
-          <p:cNvPr id="7" name="Content Placeholder 6">
-            <a:extLst>
-              <a:ext uri="{FF2B5EF4-FFF2-40B4-BE49-F238E27FC236}">
-                <a16:creationId xmlns:a16="http://schemas.microsoft.com/office/drawing/2014/main" id="{0197C09D-FD2F-4035-B837-49F15706DBFD}"/>
-              </a:ext>
-            </a:extLst>
-          </p:cNvPr>
+          <p:cNvPr id="7" name="Content Placeholder 6"/>
           <p:cNvSpPr>
             <a:spLocks noGrp="1"/>
           </p:cNvSpPr>
@@ -15581,6 +12772,7 @@
               <a:rPr lang="en-US" dirty="0"/>
               <a:t>) </a:t>
             </a:r>
+            <a:endParaRPr lang="en-US" dirty="0"/>
           </a:p>
           <a:p>
             <a:pPr marL="0" indent="0">
@@ -15788,6 +12980,7 @@
               <a:rPr lang="en-US" dirty="0"/>
               <a:t>),</a:t>
             </a:r>
+            <a:endParaRPr lang="en-US" dirty="0"/>
           </a:p>
           <a:p>
             <a:pPr marL="0" indent="0">
@@ -15845,7 +13038,7 @@
             </a:r>
             <a:r>
               <a:rPr lang="en-US" dirty="0"/>
-              <a:t>B(T’</a:t>
+              <a:t>B(T</a:t>
             </a:r>
             <a:r>
               <a:rPr lang="en-US" baseline="-25000" dirty="0"/>
@@ -15941,13 +13134,7 @@
       </p:sp>
       <p:sp>
         <p:nvSpPr>
-          <p:cNvPr id="9" name="TextBox 8">
-            <a:extLst>
-              <a:ext uri="{FF2B5EF4-FFF2-40B4-BE49-F238E27FC236}">
-                <a16:creationId xmlns:a16="http://schemas.microsoft.com/office/drawing/2014/main" id="{76EAA887-20A8-4B89-B266-B76DE925A47C}"/>
-              </a:ext>
-            </a:extLst>
-          </p:cNvPr>
+          <p:cNvPr id="9" name="TextBox 8"/>
           <p:cNvSpPr txBox="1"/>
           <p:nvPr/>
         </p:nvSpPr>
@@ -15997,13 +13184,7 @@
       </p:sp>
       <p:sp>
         <p:nvSpPr>
-          <p:cNvPr id="10" name="TextBox 9">
-            <a:extLst>
-              <a:ext uri="{FF2B5EF4-FFF2-40B4-BE49-F238E27FC236}">
-                <a16:creationId xmlns:a16="http://schemas.microsoft.com/office/drawing/2014/main" id="{9CEE2FF7-E8A5-49A6-AD20-E8BC74D9FAAB}"/>
-              </a:ext>
-            </a:extLst>
-          </p:cNvPr>
+          <p:cNvPr id="10" name="TextBox 9"/>
           <p:cNvSpPr txBox="1"/>
           <p:nvPr/>
         </p:nvSpPr>
@@ -16081,20 +13262,14 @@
       </p:sp>
       <p:pic>
         <p:nvPicPr>
-          <p:cNvPr id="11" name="Picture 10">
-            <a:extLst>
-              <a:ext uri="{FF2B5EF4-FFF2-40B4-BE49-F238E27FC236}">
-                <a16:creationId xmlns:a16="http://schemas.microsoft.com/office/drawing/2014/main" id="{4634B802-ABF9-4167-86C6-8E03EBBC4988}"/>
-              </a:ext>
-            </a:extLst>
-          </p:cNvPr>
+          <p:cNvPr id="11" name="Picture 10"/>
           <p:cNvPicPr>
             <a:picLocks noChangeAspect="1"/>
           </p:cNvPicPr>
           <p:nvPr/>
         </p:nvPicPr>
         <p:blipFill>
-          <a:blip r:embed="rId3"/>
+          <a:blip r:embed="rId1"/>
           <a:stretch>
             <a:fillRect/>
           </a:stretch>
@@ -16111,20 +13286,14 @@
       </p:pic>
       <p:pic>
         <p:nvPicPr>
-          <p:cNvPr id="16" name="Picture 15">
-            <a:extLst>
-              <a:ext uri="{FF2B5EF4-FFF2-40B4-BE49-F238E27FC236}">
-                <a16:creationId xmlns:a16="http://schemas.microsoft.com/office/drawing/2014/main" id="{74902337-584E-44BB-BC32-DA6A3962AC23}"/>
-              </a:ext>
-            </a:extLst>
-          </p:cNvPr>
+          <p:cNvPr id="16" name="Picture 15"/>
           <p:cNvPicPr>
             <a:picLocks noChangeAspect="1"/>
           </p:cNvPicPr>
           <p:nvPr/>
         </p:nvPicPr>
         <p:blipFill>
-          <a:blip r:embed="rId4"/>
+          <a:blip r:embed="rId2"/>
           <a:stretch>
             <a:fillRect/>
           </a:stretch>
@@ -16146,7 +13315,7 @@
               <p:cNvPr id="20" name="Content Placeholder 4">
                 <a:extLst>
                   <a:ext uri="{FF2B5EF4-FFF2-40B4-BE49-F238E27FC236}">
-                    <a16:creationId xmlns:a16="http://schemas.microsoft.com/office/drawing/2014/main" id="{3F5DF69B-B515-4A95-9A35-3AE65FA2A3B7}"/>
+                    <ele attr="{3F5DF69B-B515-4A95-9A35-3AE65FA2A3B7}"/>
                   </a:ext>
                 </a:extLst>
               </p:cNvPr>
@@ -16263,19 +13432,7 @@
                       <a:rPr lang="zh-CN" altLang="en-US" i="1" dirty="0">
                         <a:latin typeface="Cambria Math" panose="02040503050406030204" pitchFamily="18" charset="0"/>
                       </a:rPr>
-                      <m:t>的</m:t>
-                    </m:r>
-                    <m:r>
-                      <a:rPr lang="zh-CN" altLang="en-US" i="1" dirty="0">
-                        <a:latin typeface="Cambria Math" panose="02040503050406030204" pitchFamily="18" charset="0"/>
-                      </a:rPr>
-                      <m:t>关系</m:t>
-                    </m:r>
-                    <m:r>
-                      <a:rPr lang="zh-CN" altLang="en-US" i="1" dirty="0">
-                        <a:latin typeface="Cambria Math" panose="02040503050406030204" pitchFamily="18" charset="0"/>
-                      </a:rPr>
-                      <m:t>：</m:t>
+                      <m:t>的关系：</m:t>
                     </m:r>
                     <m:r>
                       <a:rPr lang="en-US" altLang="zh-CN" i="1" dirty="0">
@@ -16441,7 +13598,7 @@
                       <m:d>
                         <m:dPr>
                           <m:ctrlPr>
-                            <a:rPr lang="en-US" altLang="zh-CN" b="0" i="0" dirty="0" smtClean="0">
+                            <a:rPr lang="en-US" altLang="zh-CN" b="0" i="1" dirty="0" smtClean="0">
                               <a:latin typeface="Cambria Math" panose="02040503050406030204" pitchFamily="18" charset="0"/>
                             </a:rPr>
                           </m:ctrlPr>
@@ -16720,13 +13877,7 @@
         <mc:Fallback>
           <p:sp>
             <p:nvSpPr>
-              <p:cNvPr id="20" name="Content Placeholder 4">
-                <a:extLst>
-                  <a:ext uri="{FF2B5EF4-FFF2-40B4-BE49-F238E27FC236}">
-                    <a16:creationId xmlns:a16="http://schemas.microsoft.com/office/drawing/2014/main" id="{3F5DF69B-B515-4A95-9A35-3AE65FA2A3B7}"/>
-                  </a:ext>
-                </a:extLst>
-              </p:cNvPr>
+              <p:cNvPr id="20" name="Content Placeholder 4"/>
               <p:cNvSpPr>
                 <a:spLocks noGrp="1" noRot="1" noChangeAspect="1" noMove="1" noResize="1" noEditPoints="1" noAdjustHandles="1" noChangeArrowheads="1" noChangeShapeType="1" noTextEdit="1"/>
               </p:cNvSpPr>
@@ -16739,8 +13890,8 @@
                 <a:off x="1097280" y="2582335"/>
                 <a:ext cx="4937760" cy="3286760"/>
               </a:xfrm>
-              <a:blipFill>
-                <a:blip r:embed="rId5"/>
+              <a:blipFill rotWithShape="1">
+                <a:blip r:embed="rId3"/>
                 <a:stretch>
                   <a:fillRect l="-1975" t="-1670"/>
                 </a:stretch>
@@ -16756,17 +13907,15 @@
                   </a:rPr>
                   <a:t> </a:t>
                 </a:r>
+                <a:endParaRPr lang="en-US">
+                  <a:noFill/>
+                </a:endParaRPr>
               </a:p>
             </p:txBody>
           </p:sp>
         </mc:Fallback>
       </mc:AlternateContent>
     </p:spTree>
-    <p:extLst>
-      <p:ext uri="{BB962C8B-B14F-4D97-AF65-F5344CB8AC3E}">
-        <p14:creationId xmlns:p14="http://schemas.microsoft.com/office/powerpoint/2010/main" val="3570394590"/>
-      </p:ext>
-    </p:extLst>
   </p:cSld>
   <p:clrMapOvr>
     <a:masterClrMapping/>
@@ -16793,13 +13942,7 @@
       </p:grpSpPr>
       <p:sp>
         <p:nvSpPr>
-          <p:cNvPr id="7" name="Title 6">
-            <a:extLst>
-              <a:ext uri="{FF2B5EF4-FFF2-40B4-BE49-F238E27FC236}">
-                <a16:creationId xmlns:a16="http://schemas.microsoft.com/office/drawing/2014/main" id="{2D4BAFA6-7099-48DC-A47A-61F850DC23D5}"/>
-              </a:ext>
-            </a:extLst>
-          </p:cNvPr>
+          <p:cNvPr id="7" name="Title 6"/>
           <p:cNvSpPr>
             <a:spLocks noGrp="1"/>
           </p:cNvSpPr>
@@ -16822,13 +13965,7 @@
       </p:sp>
       <p:sp>
         <p:nvSpPr>
-          <p:cNvPr id="8" name="Text Placeholder 7">
-            <a:extLst>
-              <a:ext uri="{FF2B5EF4-FFF2-40B4-BE49-F238E27FC236}">
-                <a16:creationId xmlns:a16="http://schemas.microsoft.com/office/drawing/2014/main" id="{AFA9F396-AC72-40AE-9628-4F470E96F06A}"/>
-              </a:ext>
-            </a:extLst>
-          </p:cNvPr>
+          <p:cNvPr id="8" name="Text Placeholder 7"/>
           <p:cNvSpPr>
             <a:spLocks noGrp="1"/>
           </p:cNvSpPr>
@@ -16846,11 +13983,6 @@
         </p:txBody>
       </p:sp>
     </p:spTree>
-    <p:extLst>
-      <p:ext uri="{BB962C8B-B14F-4D97-AF65-F5344CB8AC3E}">
-        <p14:creationId xmlns:p14="http://schemas.microsoft.com/office/powerpoint/2010/main" val="707030477"/>
-      </p:ext>
-    </p:extLst>
   </p:cSld>
   <p:clrMapOvr>
     <a:masterClrMapping/>
@@ -16877,13 +14009,7 @@
       </p:grpSpPr>
       <p:sp>
         <p:nvSpPr>
-          <p:cNvPr id="2" name="Title 1">
-            <a:extLst>
-              <a:ext uri="{FF2B5EF4-FFF2-40B4-BE49-F238E27FC236}">
-                <a16:creationId xmlns:a16="http://schemas.microsoft.com/office/drawing/2014/main" id="{6B320409-A6C5-479E-B4EC-426CE24E6888}"/>
-              </a:ext>
-            </a:extLst>
-          </p:cNvPr>
+          <p:cNvPr id="2" name="Title 1"/>
           <p:cNvSpPr>
             <a:spLocks noGrp="1"/>
           </p:cNvSpPr>
@@ -16906,13 +14032,7 @@
       </p:sp>
       <p:sp>
         <p:nvSpPr>
-          <p:cNvPr id="3" name="Content Placeholder 2">
-            <a:extLst>
-              <a:ext uri="{FF2B5EF4-FFF2-40B4-BE49-F238E27FC236}">
-                <a16:creationId xmlns:a16="http://schemas.microsoft.com/office/drawing/2014/main" id="{3B9D8F9F-9A90-4379-9CFF-27FEE337AD73}"/>
-              </a:ext>
-            </a:extLst>
-          </p:cNvPr>
+          <p:cNvPr id="3" name="Content Placeholder 2"/>
           <p:cNvSpPr>
             <a:spLocks noGrp="1"/>
           </p:cNvSpPr>
@@ -16969,6 +14089,7 @@
               <a:rPr lang="en-US" altLang="zh-CN" dirty="0"/>
               <a:t>Decoding: Local maximum, Beam Search, Viterbi …</a:t>
             </a:r>
+            <a:endParaRPr lang="en-US" altLang="zh-CN" dirty="0"/>
           </a:p>
           <a:p>
             <a:endParaRPr lang="en-US" dirty="0"/>
@@ -16976,11 +14097,6 @@
         </p:txBody>
       </p:sp>
     </p:spTree>
-    <p:extLst>
-      <p:ext uri="{BB962C8B-B14F-4D97-AF65-F5344CB8AC3E}">
-        <p14:creationId xmlns:p14="http://schemas.microsoft.com/office/powerpoint/2010/main" val="2622672327"/>
-      </p:ext>
-    </p:extLst>
   </p:cSld>
   <p:clrMapOvr>
     <a:masterClrMapping/>
@@ -17007,13 +14123,7 @@
       </p:grpSpPr>
       <p:sp>
         <p:nvSpPr>
-          <p:cNvPr id="2" name="Title 1">
-            <a:extLst>
-              <a:ext uri="{FF2B5EF4-FFF2-40B4-BE49-F238E27FC236}">
-                <a16:creationId xmlns:a16="http://schemas.microsoft.com/office/drawing/2014/main" id="{98B659F1-3E20-4DE2-9FE2-7BE852B66C38}"/>
-              </a:ext>
-            </a:extLst>
-          </p:cNvPr>
+          <p:cNvPr id="2" name="Title 1"/>
           <p:cNvSpPr>
             <a:spLocks noGrp="1"/>
           </p:cNvSpPr>
@@ -17040,13 +14150,7 @@
       </p:sp>
       <p:pic>
         <p:nvPicPr>
-          <p:cNvPr id="5" name="Content Placeholder 4">
-            <a:extLst>
-              <a:ext uri="{FF2B5EF4-FFF2-40B4-BE49-F238E27FC236}">
-                <a16:creationId xmlns:a16="http://schemas.microsoft.com/office/drawing/2014/main" id="{C54DF546-E678-4401-AE07-9E81D5C80383}"/>
-              </a:ext>
-            </a:extLst>
-          </p:cNvPr>
+          <p:cNvPr id="5" name="Content Placeholder 4"/>
           <p:cNvPicPr>
             <a:picLocks noGrp="1" noChangeAspect="1"/>
           </p:cNvPicPr>
@@ -17055,7 +14159,7 @@
           </p:nvPr>
         </p:nvPicPr>
         <p:blipFill>
-          <a:blip r:embed="rId2"/>
+          <a:blip r:embed="rId1"/>
           <a:stretch>
             <a:fillRect/>
           </a:stretch>
@@ -17069,13 +14173,7 @@
       </p:pic>
       <p:sp>
         <p:nvSpPr>
-          <p:cNvPr id="6" name="TextBox 5">
-            <a:extLst>
-              <a:ext uri="{FF2B5EF4-FFF2-40B4-BE49-F238E27FC236}">
-                <a16:creationId xmlns:a16="http://schemas.microsoft.com/office/drawing/2014/main" id="{E9A4ECC0-B5AE-40D9-B862-7DD6744FEC84}"/>
-              </a:ext>
-            </a:extLst>
-          </p:cNvPr>
+          <p:cNvPr id="6" name="TextBox 5"/>
           <p:cNvSpPr txBox="1"/>
           <p:nvPr/>
         </p:nvSpPr>
@@ -17113,13 +14211,7 @@
       </p:sp>
       <p:sp>
         <p:nvSpPr>
-          <p:cNvPr id="10" name="Oval 9">
-            <a:extLst>
-              <a:ext uri="{FF2B5EF4-FFF2-40B4-BE49-F238E27FC236}">
-                <a16:creationId xmlns:a16="http://schemas.microsoft.com/office/drawing/2014/main" id="{12C0AF52-B349-45D3-9EC4-24F7DC79E73E}"/>
-              </a:ext>
-            </a:extLst>
-          </p:cNvPr>
+          <p:cNvPr id="10" name="Oval 9"/>
           <p:cNvSpPr/>
           <p:nvPr/>
         </p:nvSpPr>
@@ -17171,13 +14263,7 @@
       </p:sp>
       <p:sp>
         <p:nvSpPr>
-          <p:cNvPr id="11" name="Oval 10">
-            <a:extLst>
-              <a:ext uri="{FF2B5EF4-FFF2-40B4-BE49-F238E27FC236}">
-                <a16:creationId xmlns:a16="http://schemas.microsoft.com/office/drawing/2014/main" id="{39B54384-5E0F-41E0-9951-B4CC5613A682}"/>
-              </a:ext>
-            </a:extLst>
-          </p:cNvPr>
+          <p:cNvPr id="11" name="Oval 10"/>
           <p:cNvSpPr/>
           <p:nvPr/>
         </p:nvSpPr>
@@ -17229,13 +14315,7 @@
       </p:sp>
       <p:sp>
         <p:nvSpPr>
-          <p:cNvPr id="12" name="Oval 11">
-            <a:extLst>
-              <a:ext uri="{FF2B5EF4-FFF2-40B4-BE49-F238E27FC236}">
-                <a16:creationId xmlns:a16="http://schemas.microsoft.com/office/drawing/2014/main" id="{D2836A46-39F8-46D2-ACF0-ABCAD10EE1A3}"/>
-              </a:ext>
-            </a:extLst>
-          </p:cNvPr>
+          <p:cNvPr id="12" name="Oval 11"/>
           <p:cNvSpPr/>
           <p:nvPr/>
         </p:nvSpPr>
@@ -17287,13 +14367,7 @@
       </p:sp>
       <p:sp>
         <p:nvSpPr>
-          <p:cNvPr id="14" name="Oval 13">
-            <a:extLst>
-              <a:ext uri="{FF2B5EF4-FFF2-40B4-BE49-F238E27FC236}">
-                <a16:creationId xmlns:a16="http://schemas.microsoft.com/office/drawing/2014/main" id="{49F2AAD6-60F4-4174-8624-8A501242A04A}"/>
-              </a:ext>
-            </a:extLst>
-          </p:cNvPr>
+          <p:cNvPr id="14" name="Oval 13"/>
           <p:cNvSpPr/>
           <p:nvPr/>
         </p:nvSpPr>
@@ -17345,13 +14419,7 @@
       </p:sp>
       <p:sp>
         <p:nvSpPr>
-          <p:cNvPr id="15" name="Oval 14">
-            <a:extLst>
-              <a:ext uri="{FF2B5EF4-FFF2-40B4-BE49-F238E27FC236}">
-                <a16:creationId xmlns:a16="http://schemas.microsoft.com/office/drawing/2014/main" id="{5421F39E-9A19-4ED1-B6A5-348B27983B86}"/>
-              </a:ext>
-            </a:extLst>
-          </p:cNvPr>
+          <p:cNvPr id="15" name="Oval 14"/>
           <p:cNvSpPr/>
           <p:nvPr/>
         </p:nvSpPr>
@@ -17403,13 +14471,7 @@
       </p:sp>
       <p:sp>
         <p:nvSpPr>
-          <p:cNvPr id="16" name="Oval 15">
-            <a:extLst>
-              <a:ext uri="{FF2B5EF4-FFF2-40B4-BE49-F238E27FC236}">
-                <a16:creationId xmlns:a16="http://schemas.microsoft.com/office/drawing/2014/main" id="{63DDD0E7-A9D7-4342-A1B5-2284087A0E27}"/>
-              </a:ext>
-            </a:extLst>
-          </p:cNvPr>
+          <p:cNvPr id="16" name="Oval 15"/>
           <p:cNvSpPr/>
           <p:nvPr/>
         </p:nvSpPr>
@@ -17461,13 +14523,7 @@
       </p:sp>
       <p:sp>
         <p:nvSpPr>
-          <p:cNvPr id="17" name="Oval 16">
-            <a:extLst>
-              <a:ext uri="{FF2B5EF4-FFF2-40B4-BE49-F238E27FC236}">
-                <a16:creationId xmlns:a16="http://schemas.microsoft.com/office/drawing/2014/main" id="{6E53C9DF-43F7-4777-969F-D6E00C26BE21}"/>
-              </a:ext>
-            </a:extLst>
-          </p:cNvPr>
+          <p:cNvPr id="17" name="Oval 16"/>
           <p:cNvSpPr/>
           <p:nvPr/>
         </p:nvSpPr>
@@ -17519,13 +14575,7 @@
       </p:sp>
       <p:sp>
         <p:nvSpPr>
-          <p:cNvPr id="18" name="Oval 17">
-            <a:extLst>
-              <a:ext uri="{FF2B5EF4-FFF2-40B4-BE49-F238E27FC236}">
-                <a16:creationId xmlns:a16="http://schemas.microsoft.com/office/drawing/2014/main" id="{7D1F9D3C-5A80-4DCC-A7BC-8AB021A24865}"/>
-              </a:ext>
-            </a:extLst>
-          </p:cNvPr>
+          <p:cNvPr id="18" name="Oval 17"/>
           <p:cNvSpPr/>
           <p:nvPr/>
         </p:nvSpPr>
@@ -17577,13 +14627,7 @@
       </p:sp>
       <p:sp>
         <p:nvSpPr>
-          <p:cNvPr id="19" name="Oval 18">
-            <a:extLst>
-              <a:ext uri="{FF2B5EF4-FFF2-40B4-BE49-F238E27FC236}">
-                <a16:creationId xmlns:a16="http://schemas.microsoft.com/office/drawing/2014/main" id="{EFB476DC-B901-415E-8682-61D4E8B3B206}"/>
-              </a:ext>
-            </a:extLst>
-          </p:cNvPr>
+          <p:cNvPr id="19" name="Oval 18"/>
           <p:cNvSpPr/>
           <p:nvPr/>
         </p:nvSpPr>
@@ -17635,13 +14679,7 @@
       </p:sp>
       <p:sp>
         <p:nvSpPr>
-          <p:cNvPr id="20" name="Oval 19">
-            <a:extLst>
-              <a:ext uri="{FF2B5EF4-FFF2-40B4-BE49-F238E27FC236}">
-                <a16:creationId xmlns:a16="http://schemas.microsoft.com/office/drawing/2014/main" id="{1D36CBC3-3671-403C-A8DB-478328828C1F}"/>
-              </a:ext>
-            </a:extLst>
-          </p:cNvPr>
+          <p:cNvPr id="20" name="Oval 19"/>
           <p:cNvSpPr/>
           <p:nvPr/>
         </p:nvSpPr>
@@ -17693,13 +14731,7 @@
       </p:sp>
       <p:sp>
         <p:nvSpPr>
-          <p:cNvPr id="21" name="Oval 20">
-            <a:extLst>
-              <a:ext uri="{FF2B5EF4-FFF2-40B4-BE49-F238E27FC236}">
-                <a16:creationId xmlns:a16="http://schemas.microsoft.com/office/drawing/2014/main" id="{04408398-0D08-4420-8BF2-4F97A50D7EBD}"/>
-              </a:ext>
-            </a:extLst>
-          </p:cNvPr>
+          <p:cNvPr id="21" name="Oval 20"/>
           <p:cNvSpPr/>
           <p:nvPr/>
         </p:nvSpPr>
@@ -17751,13 +14783,7 @@
       </p:sp>
       <p:sp>
         <p:nvSpPr>
-          <p:cNvPr id="22" name="Oval 21">
-            <a:extLst>
-              <a:ext uri="{FF2B5EF4-FFF2-40B4-BE49-F238E27FC236}">
-                <a16:creationId xmlns:a16="http://schemas.microsoft.com/office/drawing/2014/main" id="{0CCE084C-19D2-486B-8300-7022489C4979}"/>
-              </a:ext>
-            </a:extLst>
-          </p:cNvPr>
+          <p:cNvPr id="22" name="Oval 21"/>
           <p:cNvSpPr/>
           <p:nvPr/>
         </p:nvSpPr>
@@ -17809,13 +14835,7 @@
       </p:sp>
       <p:sp>
         <p:nvSpPr>
-          <p:cNvPr id="23" name="TextBox 22">
-            <a:extLst>
-              <a:ext uri="{FF2B5EF4-FFF2-40B4-BE49-F238E27FC236}">
-                <a16:creationId xmlns:a16="http://schemas.microsoft.com/office/drawing/2014/main" id="{2FC38643-431A-41E1-B378-901F0C1D1FBE}"/>
-              </a:ext>
-            </a:extLst>
-          </p:cNvPr>
+          <p:cNvPr id="23" name="TextBox 22"/>
           <p:cNvSpPr txBox="1"/>
           <p:nvPr/>
         </p:nvSpPr>
@@ -17852,11 +14872,6 @@
         </p:txBody>
       </p:sp>
     </p:spTree>
-    <p:extLst>
-      <p:ext uri="{BB962C8B-B14F-4D97-AF65-F5344CB8AC3E}">
-        <p14:creationId xmlns:p14="http://schemas.microsoft.com/office/powerpoint/2010/main" val="290265706"/>
-      </p:ext>
-    </p:extLst>
   </p:cSld>
   <p:clrMapOvr>
     <a:masterClrMapping/>
@@ -18361,13 +15376,7 @@
       </p:grpSpPr>
       <p:sp>
         <p:nvSpPr>
-          <p:cNvPr id="2" name="Title 1">
-            <a:extLst>
-              <a:ext uri="{FF2B5EF4-FFF2-40B4-BE49-F238E27FC236}">
-                <a16:creationId xmlns:a16="http://schemas.microsoft.com/office/drawing/2014/main" id="{D97676F5-3BAA-463E-BB0F-F9428E8EE164}"/>
-              </a:ext>
-            </a:extLst>
-          </p:cNvPr>
+          <p:cNvPr id="2" name="Title 1"/>
           <p:cNvSpPr>
             <a:spLocks noGrp="1"/>
           </p:cNvSpPr>
@@ -18390,13 +15399,7 @@
       </p:sp>
       <p:pic>
         <p:nvPicPr>
-          <p:cNvPr id="17" name="Content Placeholder 16">
-            <a:extLst>
-              <a:ext uri="{FF2B5EF4-FFF2-40B4-BE49-F238E27FC236}">
-                <a16:creationId xmlns:a16="http://schemas.microsoft.com/office/drawing/2014/main" id="{7C872656-A34E-4FFF-848F-2F4BF0D121DF}"/>
-              </a:ext>
-            </a:extLst>
-          </p:cNvPr>
+          <p:cNvPr id="17" name="Content Placeholder 16"/>
           <p:cNvPicPr>
             <a:picLocks noGrp="1" noChangeAspect="1"/>
           </p:cNvPicPr>
@@ -18405,8 +15408,10 @@
           </p:nvPr>
         </p:nvPicPr>
         <p:blipFill rotWithShape="1">
-          <a:blip r:embed="rId3"/>
-          <a:stretch/>
+          <a:blip r:embed="rId1"/>
+          <a:stretch>
+            <a:fillRect/>
+          </a:stretch>
         </p:blipFill>
         <p:spPr>
           <a:xfrm>
@@ -18420,1101 +15425,14 @@
       </p:pic>
       <p:pic>
         <p:nvPicPr>
-          <p:cNvPr id="19" name="Content Placeholder 16">
-            <a:extLst>
-              <a:ext uri="{FF2B5EF4-FFF2-40B4-BE49-F238E27FC236}">
-                <a16:creationId xmlns:a16="http://schemas.microsoft.com/office/drawing/2014/main" id="{BE708A09-CDC3-4D5B-9C49-2D56E359F295}"/>
-              </a:ext>
-            </a:extLst>
-          </p:cNvPr>
-          <p:cNvPicPr>
-            <a:picLocks noChangeAspect="1"/>
-          </p:cNvPicPr>
-          <p:nvPr/>
-        </p:nvPicPr>
-        <p:blipFill rotWithShape="1">
-          <a:blip r:embed="rId3"/>
-          <a:stretch/>
-        </p:blipFill>
-        <p:spPr>
-          <a:xfrm>
-            <a:off x="6610350" y="4071126"/>
-            <a:ext cx="4183380" cy="2094864"/>
-          </a:xfrm>
-          <a:prstGeom prst="rect">
-            <a:avLst/>
-          </a:prstGeom>
-        </p:spPr>
-      </p:pic>
-      <mc:AlternateContent xmlns:mc="http://schemas.openxmlformats.org/markup-compatibility/2006" xmlns:p14="http://schemas.microsoft.com/office/powerpoint/2010/main">
-        <mc:Choice Requires="p14">
-          <p:contentPart p14:bwMode="auto" r:id="rId4">
-            <p14:nvContentPartPr>
-              <p14:cNvPr id="23" name="Ink 22">
-                <a:extLst>
-                  <a:ext uri="{FF2B5EF4-FFF2-40B4-BE49-F238E27FC236}">
-                    <a16:creationId xmlns:a16="http://schemas.microsoft.com/office/drawing/2014/main" id="{E64B6F23-548B-4B44-B051-6F5CEF66C0D5}"/>
-                  </a:ext>
-                </a:extLst>
-              </p14:cNvPr>
-              <p14:cNvContentPartPr/>
-              <p14:nvPr/>
-            </p14:nvContentPartPr>
-            <p14:xfrm>
-              <a:off x="8058810" y="4436340"/>
-              <a:ext cx="1545120" cy="1500120"/>
-            </p14:xfrm>
-          </p:contentPart>
-        </mc:Choice>
-        <mc:Fallback xmlns="">
-          <p:pic>
-            <p:nvPicPr>
-              <p:cNvPr id="23" name="Ink 22">
-                <a:extLst>
-                  <a:ext uri="{FF2B5EF4-FFF2-40B4-BE49-F238E27FC236}">
-                    <a16:creationId xmlns:a16="http://schemas.microsoft.com/office/drawing/2014/main" id="{E64B6F23-548B-4B44-B051-6F5CEF66C0D5}"/>
-                  </a:ext>
-                </a:extLst>
-              </p:cNvPr>
-              <p:cNvPicPr/>
-              <p:nvPr/>
-            </p:nvPicPr>
-            <p:blipFill>
-              <a:blip r:embed="rId5"/>
-              <a:stretch>
-                <a:fillRect/>
-              </a:stretch>
-            </p:blipFill>
-            <p:spPr>
-              <a:xfrm>
-                <a:off x="8049810" y="4427340"/>
-                <a:ext cx="1562760" cy="1517760"/>
-              </a:xfrm>
-              <a:prstGeom prst="rect">
-                <a:avLst/>
-              </a:prstGeom>
-            </p:spPr>
-          </p:pic>
-        </mc:Fallback>
-      </mc:AlternateContent>
-      <mc:AlternateContent xmlns:mc="http://schemas.openxmlformats.org/markup-compatibility/2006" xmlns:p14="http://schemas.microsoft.com/office/powerpoint/2010/main">
-        <mc:Choice Requires="p14">
-          <p:contentPart p14:bwMode="auto" r:id="rId6">
-            <p14:nvContentPartPr>
-              <p14:cNvPr id="25" name="Ink 24">
-                <a:extLst>
-                  <a:ext uri="{FF2B5EF4-FFF2-40B4-BE49-F238E27FC236}">
-                    <a16:creationId xmlns:a16="http://schemas.microsoft.com/office/drawing/2014/main" id="{50417C29-35DC-4683-A9D7-53E6540B6679}"/>
-                  </a:ext>
-                </a:extLst>
-              </p14:cNvPr>
-              <p14:cNvContentPartPr/>
-              <p14:nvPr/>
-            </p14:nvContentPartPr>
-            <p14:xfrm>
-              <a:off x="7329450" y="4936020"/>
-              <a:ext cx="743760" cy="965160"/>
-            </p14:xfrm>
-          </p:contentPart>
-        </mc:Choice>
-        <mc:Fallback xmlns="">
-          <p:pic>
-            <p:nvPicPr>
-              <p:cNvPr id="25" name="Ink 24">
-                <a:extLst>
-                  <a:ext uri="{FF2B5EF4-FFF2-40B4-BE49-F238E27FC236}">
-                    <a16:creationId xmlns:a16="http://schemas.microsoft.com/office/drawing/2014/main" id="{50417C29-35DC-4683-A9D7-53E6540B6679}"/>
-                  </a:ext>
-                </a:extLst>
-              </p:cNvPr>
-              <p:cNvPicPr/>
-              <p:nvPr/>
-            </p:nvPicPr>
-            <p:blipFill>
-              <a:blip r:embed="rId7"/>
-              <a:stretch>
-                <a:fillRect/>
-              </a:stretch>
-            </p:blipFill>
-            <p:spPr>
-              <a:xfrm>
-                <a:off x="7320450" y="4927020"/>
-                <a:ext cx="761400" cy="982800"/>
-              </a:xfrm>
-              <a:prstGeom prst="rect">
-                <a:avLst/>
-              </a:prstGeom>
-            </p:spPr>
-          </p:pic>
-        </mc:Fallback>
-      </mc:AlternateContent>
-      <p:grpSp>
-        <p:nvGrpSpPr>
-          <p:cNvPr id="37" name="Group 36">
-            <a:extLst>
-              <a:ext uri="{FF2B5EF4-FFF2-40B4-BE49-F238E27FC236}">
-                <a16:creationId xmlns:a16="http://schemas.microsoft.com/office/drawing/2014/main" id="{04ACFC08-ABA3-4733-9697-F060BD199E57}"/>
-              </a:ext>
-            </a:extLst>
-          </p:cNvPr>
-          <p:cNvGrpSpPr/>
-          <p:nvPr/>
-        </p:nvGrpSpPr>
-        <p:grpSpPr>
-          <a:xfrm>
-            <a:off x="8928930" y="4350300"/>
-            <a:ext cx="302040" cy="129240"/>
-            <a:chOff x="8928930" y="4350300"/>
-            <a:chExt cx="302040" cy="129240"/>
-          </a:xfrm>
-        </p:grpSpPr>
-        <mc:AlternateContent xmlns:mc="http://schemas.openxmlformats.org/markup-compatibility/2006" xmlns:p14="http://schemas.microsoft.com/office/powerpoint/2010/main">
-          <mc:Choice Requires="p14">
-            <p:contentPart p14:bwMode="auto" r:id="rId8">
-              <p14:nvContentPartPr>
-                <p14:cNvPr id="27" name="Ink 26">
-                  <a:extLst>
-                    <a:ext uri="{FF2B5EF4-FFF2-40B4-BE49-F238E27FC236}">
-                      <a16:creationId xmlns:a16="http://schemas.microsoft.com/office/drawing/2014/main" id="{1E1E423B-C2AD-41FF-9B43-D71BAE442F6F}"/>
-                    </a:ext>
-                  </a:extLst>
-                </p14:cNvPr>
-                <p14:cNvContentPartPr/>
-                <p14:nvPr/>
-              </p14:nvContentPartPr>
-              <p14:xfrm>
-                <a:off x="8928930" y="4376220"/>
-                <a:ext cx="82080" cy="103320"/>
-              </p14:xfrm>
-            </p:contentPart>
-          </mc:Choice>
-          <mc:Fallback xmlns="">
-            <p:pic>
-              <p:nvPicPr>
-                <p:cNvPr id="27" name="Ink 26">
-                  <a:extLst>
-                    <a:ext uri="{FF2B5EF4-FFF2-40B4-BE49-F238E27FC236}">
-                      <a16:creationId xmlns:a16="http://schemas.microsoft.com/office/drawing/2014/main" id="{1E1E423B-C2AD-41FF-9B43-D71BAE442F6F}"/>
-                    </a:ext>
-                  </a:extLst>
-                </p:cNvPr>
-                <p:cNvPicPr/>
-                <p:nvPr/>
-              </p:nvPicPr>
-              <p:blipFill>
-                <a:blip r:embed="rId9"/>
-                <a:stretch>
-                  <a:fillRect/>
-                </a:stretch>
-              </p:blipFill>
-              <p:spPr>
-                <a:xfrm>
-                  <a:off x="8920290" y="4367580"/>
-                  <a:ext cx="99720" cy="120960"/>
-                </a:xfrm>
-                <a:prstGeom prst="rect">
-                  <a:avLst/>
-                </a:prstGeom>
-              </p:spPr>
-            </p:pic>
-          </mc:Fallback>
-        </mc:AlternateContent>
-        <mc:AlternateContent xmlns:mc="http://schemas.openxmlformats.org/markup-compatibility/2006" xmlns:p14="http://schemas.microsoft.com/office/powerpoint/2010/main">
-          <mc:Choice Requires="p14">
-            <p:contentPart p14:bwMode="auto" r:id="rId10">
-              <p14:nvContentPartPr>
-                <p14:cNvPr id="28" name="Ink 27">
-                  <a:extLst>
-                    <a:ext uri="{FF2B5EF4-FFF2-40B4-BE49-F238E27FC236}">
-                      <a16:creationId xmlns:a16="http://schemas.microsoft.com/office/drawing/2014/main" id="{D8FC207D-20CC-41C9-9A22-BB30C03E8B57}"/>
-                    </a:ext>
-                  </a:extLst>
-                </p14:cNvPr>
-                <p14:cNvContentPartPr/>
-                <p14:nvPr/>
-              </p14:nvContentPartPr>
-              <p14:xfrm>
-                <a:off x="9036210" y="4362180"/>
-                <a:ext cx="67680" cy="95040"/>
-              </p14:xfrm>
-            </p:contentPart>
-          </mc:Choice>
-          <mc:Fallback xmlns="">
-            <p:pic>
-              <p:nvPicPr>
-                <p:cNvPr id="28" name="Ink 27">
-                  <a:extLst>
-                    <a:ext uri="{FF2B5EF4-FFF2-40B4-BE49-F238E27FC236}">
-                      <a16:creationId xmlns:a16="http://schemas.microsoft.com/office/drawing/2014/main" id="{D8FC207D-20CC-41C9-9A22-BB30C03E8B57}"/>
-                    </a:ext>
-                  </a:extLst>
-                </p:cNvPr>
-                <p:cNvPicPr/>
-                <p:nvPr/>
-              </p:nvPicPr>
-              <p:blipFill>
-                <a:blip r:embed="rId11"/>
-                <a:stretch>
-                  <a:fillRect/>
-                </a:stretch>
-              </p:blipFill>
-              <p:spPr>
-                <a:xfrm>
-                  <a:off x="9027570" y="4353540"/>
-                  <a:ext cx="85320" cy="112680"/>
-                </a:xfrm>
-                <a:prstGeom prst="rect">
-                  <a:avLst/>
-                </a:prstGeom>
-              </p:spPr>
-            </p:pic>
-          </mc:Fallback>
-        </mc:AlternateContent>
-        <mc:AlternateContent xmlns:mc="http://schemas.openxmlformats.org/markup-compatibility/2006" xmlns:p14="http://schemas.microsoft.com/office/powerpoint/2010/main">
-          <mc:Choice Requires="p14">
-            <p:contentPart p14:bwMode="auto" r:id="rId12">
-              <p14:nvContentPartPr>
-                <p14:cNvPr id="30" name="Ink 29">
-                  <a:extLst>
-                    <a:ext uri="{FF2B5EF4-FFF2-40B4-BE49-F238E27FC236}">
-                      <a16:creationId xmlns:a16="http://schemas.microsoft.com/office/drawing/2014/main" id="{51780549-BB5A-402A-8325-EA9AE5795101}"/>
-                    </a:ext>
-                  </a:extLst>
-                </p14:cNvPr>
-                <p14:cNvContentPartPr/>
-                <p14:nvPr/>
-              </p14:nvContentPartPr>
-              <p14:xfrm>
-                <a:off x="9112530" y="4375140"/>
-                <a:ext cx="8640" cy="71640"/>
-              </p14:xfrm>
-            </p:contentPart>
-          </mc:Choice>
-          <mc:Fallback xmlns="">
-            <p:pic>
-              <p:nvPicPr>
-                <p:cNvPr id="30" name="Ink 29">
-                  <a:extLst>
-                    <a:ext uri="{FF2B5EF4-FFF2-40B4-BE49-F238E27FC236}">
-                      <a16:creationId xmlns:a16="http://schemas.microsoft.com/office/drawing/2014/main" id="{51780549-BB5A-402A-8325-EA9AE5795101}"/>
-                    </a:ext>
-                  </a:extLst>
-                </p:cNvPr>
-                <p:cNvPicPr/>
-                <p:nvPr/>
-              </p:nvPicPr>
-              <p:blipFill>
-                <a:blip r:embed="rId13"/>
-                <a:stretch>
-                  <a:fillRect/>
-                </a:stretch>
-              </p:blipFill>
-              <p:spPr>
-                <a:xfrm>
-                  <a:off x="9103530" y="4366500"/>
-                  <a:ext cx="26280" cy="89280"/>
-                </a:xfrm>
-                <a:prstGeom prst="rect">
-                  <a:avLst/>
-                </a:prstGeom>
-              </p:spPr>
-            </p:pic>
-          </mc:Fallback>
-        </mc:AlternateContent>
-        <mc:AlternateContent xmlns:mc="http://schemas.openxmlformats.org/markup-compatibility/2006" xmlns:p14="http://schemas.microsoft.com/office/powerpoint/2010/main">
-          <mc:Choice Requires="p14">
-            <p:contentPart p14:bwMode="auto" r:id="rId14">
-              <p14:nvContentPartPr>
-                <p14:cNvPr id="31" name="Ink 30">
-                  <a:extLst>
-                    <a:ext uri="{FF2B5EF4-FFF2-40B4-BE49-F238E27FC236}">
-                      <a16:creationId xmlns:a16="http://schemas.microsoft.com/office/drawing/2014/main" id="{5D538E36-FBBE-40FD-8A5A-7ACE29AAD47D}"/>
-                    </a:ext>
-                  </a:extLst>
-                </p14:cNvPr>
-                <p14:cNvContentPartPr/>
-                <p14:nvPr/>
-              </p14:nvContentPartPr>
-              <p14:xfrm>
-                <a:off x="9162930" y="4350300"/>
-                <a:ext cx="68040" cy="109800"/>
-              </p14:xfrm>
-            </p:contentPart>
-          </mc:Choice>
-          <mc:Fallback xmlns="">
-            <p:pic>
-              <p:nvPicPr>
-                <p:cNvPr id="31" name="Ink 30">
-                  <a:extLst>
-                    <a:ext uri="{FF2B5EF4-FFF2-40B4-BE49-F238E27FC236}">
-                      <a16:creationId xmlns:a16="http://schemas.microsoft.com/office/drawing/2014/main" id="{5D538E36-FBBE-40FD-8A5A-7ACE29AAD47D}"/>
-                    </a:ext>
-                  </a:extLst>
-                </p:cNvPr>
-                <p:cNvPicPr/>
-                <p:nvPr/>
-              </p:nvPicPr>
-              <p:blipFill>
-                <a:blip r:embed="rId15"/>
-                <a:stretch>
-                  <a:fillRect/>
-                </a:stretch>
-              </p:blipFill>
-              <p:spPr>
-                <a:xfrm>
-                  <a:off x="9154290" y="4341300"/>
-                  <a:ext cx="85680" cy="127440"/>
-                </a:xfrm>
-                <a:prstGeom prst="rect">
-                  <a:avLst/>
-                </a:prstGeom>
-              </p:spPr>
-            </p:pic>
-          </mc:Fallback>
-        </mc:AlternateContent>
-      </p:grpSp>
-      <p:grpSp>
-        <p:nvGrpSpPr>
-          <p:cNvPr id="36" name="Group 35">
-            <a:extLst>
-              <a:ext uri="{FF2B5EF4-FFF2-40B4-BE49-F238E27FC236}">
-                <a16:creationId xmlns:a16="http://schemas.microsoft.com/office/drawing/2014/main" id="{93C07617-5132-4881-8320-34AE012AA0C3}"/>
-              </a:ext>
-            </a:extLst>
-          </p:cNvPr>
-          <p:cNvGrpSpPr/>
-          <p:nvPr/>
-        </p:nvGrpSpPr>
-        <p:grpSpPr>
-          <a:xfrm>
-            <a:off x="7838850" y="4735860"/>
-            <a:ext cx="301320" cy="137160"/>
-            <a:chOff x="7838850" y="4735860"/>
-            <a:chExt cx="301320" cy="137160"/>
-          </a:xfrm>
-        </p:grpSpPr>
-        <mc:AlternateContent xmlns:mc="http://schemas.openxmlformats.org/markup-compatibility/2006" xmlns:p14="http://schemas.microsoft.com/office/powerpoint/2010/main">
-          <mc:Choice Requires="p14">
-            <p:contentPart p14:bwMode="auto" r:id="rId16">
-              <p14:nvContentPartPr>
-                <p14:cNvPr id="32" name="Ink 31">
-                  <a:extLst>
-                    <a:ext uri="{FF2B5EF4-FFF2-40B4-BE49-F238E27FC236}">
-                      <a16:creationId xmlns:a16="http://schemas.microsoft.com/office/drawing/2014/main" id="{65AA07D6-24BF-4F2F-9491-68EEB0BDE5D6}"/>
-                    </a:ext>
-                  </a:extLst>
-                </p14:cNvPr>
-                <p14:cNvContentPartPr/>
-                <p14:nvPr/>
-              </p14:nvContentPartPr>
-              <p14:xfrm>
-                <a:off x="7838850" y="4747020"/>
-                <a:ext cx="89280" cy="94320"/>
-              </p14:xfrm>
-            </p:contentPart>
-          </mc:Choice>
-          <mc:Fallback xmlns="">
-            <p:pic>
-              <p:nvPicPr>
-                <p:cNvPr id="32" name="Ink 31">
-                  <a:extLst>
-                    <a:ext uri="{FF2B5EF4-FFF2-40B4-BE49-F238E27FC236}">
-                      <a16:creationId xmlns:a16="http://schemas.microsoft.com/office/drawing/2014/main" id="{65AA07D6-24BF-4F2F-9491-68EEB0BDE5D6}"/>
-                    </a:ext>
-                  </a:extLst>
-                </p:cNvPr>
-                <p:cNvPicPr/>
-                <p:nvPr/>
-              </p:nvPicPr>
-              <p:blipFill>
-                <a:blip r:embed="rId17"/>
-                <a:stretch>
-                  <a:fillRect/>
-                </a:stretch>
-              </p:blipFill>
-              <p:spPr>
-                <a:xfrm>
-                  <a:off x="7829850" y="4738380"/>
-                  <a:ext cx="106920" cy="111960"/>
-                </a:xfrm>
-                <a:prstGeom prst="rect">
-                  <a:avLst/>
-                </a:prstGeom>
-              </p:spPr>
-            </p:pic>
-          </mc:Fallback>
-        </mc:AlternateContent>
-        <mc:AlternateContent xmlns:mc="http://schemas.openxmlformats.org/markup-compatibility/2006" xmlns:p14="http://schemas.microsoft.com/office/powerpoint/2010/main">
-          <mc:Choice Requires="p14">
-            <p:contentPart p14:bwMode="auto" r:id="rId18">
-              <p14:nvContentPartPr>
-                <p14:cNvPr id="33" name="Ink 32">
-                  <a:extLst>
-                    <a:ext uri="{FF2B5EF4-FFF2-40B4-BE49-F238E27FC236}">
-                      <a16:creationId xmlns:a16="http://schemas.microsoft.com/office/drawing/2014/main" id="{98C173F6-B8AA-4DB5-B2DB-23E3BBA8E85F}"/>
-                    </a:ext>
-                  </a:extLst>
-                </p14:cNvPr>
-                <p14:cNvContentPartPr/>
-                <p14:nvPr/>
-              </p14:nvContentPartPr>
-              <p14:xfrm>
-                <a:off x="7938930" y="4788420"/>
-                <a:ext cx="44640" cy="84600"/>
-              </p14:xfrm>
-            </p:contentPart>
-          </mc:Choice>
-          <mc:Fallback xmlns="">
-            <p:pic>
-              <p:nvPicPr>
-                <p:cNvPr id="33" name="Ink 32">
-                  <a:extLst>
-                    <a:ext uri="{FF2B5EF4-FFF2-40B4-BE49-F238E27FC236}">
-                      <a16:creationId xmlns:a16="http://schemas.microsoft.com/office/drawing/2014/main" id="{98C173F6-B8AA-4DB5-B2DB-23E3BBA8E85F}"/>
-                    </a:ext>
-                  </a:extLst>
-                </p:cNvPr>
-                <p:cNvPicPr/>
-                <p:nvPr/>
-              </p:nvPicPr>
-              <p:blipFill>
-                <a:blip r:embed="rId19"/>
-                <a:stretch>
-                  <a:fillRect/>
-                </a:stretch>
-              </p:blipFill>
-              <p:spPr>
-                <a:xfrm>
-                  <a:off x="7930290" y="4779780"/>
-                  <a:ext cx="62280" cy="102240"/>
-                </a:xfrm>
-                <a:prstGeom prst="rect">
-                  <a:avLst/>
-                </a:prstGeom>
-              </p:spPr>
-            </p:pic>
-          </mc:Fallback>
-        </mc:AlternateContent>
-        <mc:AlternateContent xmlns:mc="http://schemas.openxmlformats.org/markup-compatibility/2006" xmlns:p14="http://schemas.microsoft.com/office/powerpoint/2010/main">
-          <mc:Choice Requires="p14">
-            <p:contentPart p14:bwMode="auto" r:id="rId20">
-              <p14:nvContentPartPr>
-                <p14:cNvPr id="34" name="Ink 33">
-                  <a:extLst>
-                    <a:ext uri="{FF2B5EF4-FFF2-40B4-BE49-F238E27FC236}">
-                      <a16:creationId xmlns:a16="http://schemas.microsoft.com/office/drawing/2014/main" id="{270EA31C-376E-45AC-82F3-AC0170BA72C9}"/>
-                    </a:ext>
-                  </a:extLst>
-                </p14:cNvPr>
-                <p14:cNvContentPartPr/>
-                <p14:nvPr/>
-              </p14:nvContentPartPr>
-              <p14:xfrm>
-                <a:off x="8024610" y="4774020"/>
-                <a:ext cx="3240" cy="80280"/>
-              </p14:xfrm>
-            </p:contentPart>
-          </mc:Choice>
-          <mc:Fallback xmlns="">
-            <p:pic>
-              <p:nvPicPr>
-                <p:cNvPr id="34" name="Ink 33">
-                  <a:extLst>
-                    <a:ext uri="{FF2B5EF4-FFF2-40B4-BE49-F238E27FC236}">
-                      <a16:creationId xmlns:a16="http://schemas.microsoft.com/office/drawing/2014/main" id="{270EA31C-376E-45AC-82F3-AC0170BA72C9}"/>
-                    </a:ext>
-                  </a:extLst>
-                </p:cNvPr>
-                <p:cNvPicPr/>
-                <p:nvPr/>
-              </p:nvPicPr>
-              <p:blipFill>
-                <a:blip r:embed="rId21"/>
-                <a:stretch>
-                  <a:fillRect/>
-                </a:stretch>
-              </p:blipFill>
-              <p:spPr>
-                <a:xfrm>
-                  <a:off x="8015610" y="4765020"/>
-                  <a:ext cx="20880" cy="97920"/>
-                </a:xfrm>
-                <a:prstGeom prst="rect">
-                  <a:avLst/>
-                </a:prstGeom>
-              </p:spPr>
-            </p:pic>
-          </mc:Fallback>
-        </mc:AlternateContent>
-        <mc:AlternateContent xmlns:mc="http://schemas.openxmlformats.org/markup-compatibility/2006" xmlns:p14="http://schemas.microsoft.com/office/powerpoint/2010/main">
-          <mc:Choice Requires="p14">
-            <p:contentPart p14:bwMode="auto" r:id="rId22">
-              <p14:nvContentPartPr>
-                <p14:cNvPr id="35" name="Ink 34">
-                  <a:extLst>
-                    <a:ext uri="{FF2B5EF4-FFF2-40B4-BE49-F238E27FC236}">
-                      <a16:creationId xmlns:a16="http://schemas.microsoft.com/office/drawing/2014/main" id="{E143E4F2-284D-4167-9B53-D8E52A6192AA}"/>
-                    </a:ext>
-                  </a:extLst>
-                </p14:cNvPr>
-                <p14:cNvContentPartPr/>
-                <p14:nvPr/>
-              </p14:nvContentPartPr>
-              <p14:xfrm>
-                <a:off x="8060610" y="4735860"/>
-                <a:ext cx="79560" cy="114840"/>
-              </p14:xfrm>
-            </p:contentPart>
-          </mc:Choice>
-          <mc:Fallback xmlns="">
-            <p:pic>
-              <p:nvPicPr>
-                <p:cNvPr id="35" name="Ink 34">
-                  <a:extLst>
-                    <a:ext uri="{FF2B5EF4-FFF2-40B4-BE49-F238E27FC236}">
-                      <a16:creationId xmlns:a16="http://schemas.microsoft.com/office/drawing/2014/main" id="{E143E4F2-284D-4167-9B53-D8E52A6192AA}"/>
-                    </a:ext>
-                  </a:extLst>
-                </p:cNvPr>
-                <p:cNvPicPr/>
-                <p:nvPr/>
-              </p:nvPicPr>
-              <p:blipFill>
-                <a:blip r:embed="rId23"/>
-                <a:stretch>
-                  <a:fillRect/>
-                </a:stretch>
-              </p:blipFill>
-              <p:spPr>
-                <a:xfrm>
-                  <a:off x="8051610" y="4726860"/>
-                  <a:ext cx="97200" cy="132480"/>
-                </a:xfrm>
-                <a:prstGeom prst="rect">
-                  <a:avLst/>
-                </a:prstGeom>
-              </p:spPr>
-            </p:pic>
-          </mc:Fallback>
-        </mc:AlternateContent>
-      </p:grpSp>
-      <p:grpSp>
-        <p:nvGrpSpPr>
-          <p:cNvPr id="45" name="Group 44">
-            <a:extLst>
-              <a:ext uri="{FF2B5EF4-FFF2-40B4-BE49-F238E27FC236}">
-                <a16:creationId xmlns:a16="http://schemas.microsoft.com/office/drawing/2014/main" id="{7FB97206-B712-480C-A88D-3657278B8EBA}"/>
-              </a:ext>
-            </a:extLst>
-          </p:cNvPr>
-          <p:cNvGrpSpPr/>
-          <p:nvPr/>
-        </p:nvGrpSpPr>
-        <p:grpSpPr>
-          <a:xfrm>
-            <a:off x="10128450" y="5240940"/>
-            <a:ext cx="705600" cy="273960"/>
-            <a:chOff x="10128450" y="5240940"/>
-            <a:chExt cx="705600" cy="273960"/>
-          </a:xfrm>
-        </p:grpSpPr>
-        <mc:AlternateContent xmlns:mc="http://schemas.openxmlformats.org/markup-compatibility/2006" xmlns:p14="http://schemas.microsoft.com/office/powerpoint/2010/main">
-          <mc:Choice Requires="p14">
-            <p:contentPart p14:bwMode="auto" r:id="rId24">
-              <p14:nvContentPartPr>
-                <p14:cNvPr id="41" name="Ink 40">
-                  <a:extLst>
-                    <a:ext uri="{FF2B5EF4-FFF2-40B4-BE49-F238E27FC236}">
-                      <a16:creationId xmlns:a16="http://schemas.microsoft.com/office/drawing/2014/main" id="{77D605D1-C445-4006-852A-FEC29B6F313C}"/>
-                    </a:ext>
-                  </a:extLst>
-                </p14:cNvPr>
-                <p14:cNvContentPartPr/>
-                <p14:nvPr/>
-              </p14:nvContentPartPr>
-              <p14:xfrm>
-                <a:off x="10128450" y="5240940"/>
-                <a:ext cx="172800" cy="236880"/>
-              </p14:xfrm>
-            </p:contentPart>
-          </mc:Choice>
-          <mc:Fallback xmlns="">
-            <p:pic>
-              <p:nvPicPr>
-                <p:cNvPr id="41" name="Ink 40">
-                  <a:extLst>
-                    <a:ext uri="{FF2B5EF4-FFF2-40B4-BE49-F238E27FC236}">
-                      <a16:creationId xmlns:a16="http://schemas.microsoft.com/office/drawing/2014/main" id="{77D605D1-C445-4006-852A-FEC29B6F313C}"/>
-                    </a:ext>
-                  </a:extLst>
-                </p:cNvPr>
-                <p:cNvPicPr/>
-                <p:nvPr/>
-              </p:nvPicPr>
-              <p:blipFill>
-                <a:blip r:embed="rId25"/>
-                <a:stretch>
-                  <a:fillRect/>
-                </a:stretch>
-              </p:blipFill>
-              <p:spPr>
-                <a:xfrm>
-                  <a:off x="10119810" y="5231940"/>
-                  <a:ext cx="190440" cy="254520"/>
-                </a:xfrm>
-                <a:prstGeom prst="rect">
-                  <a:avLst/>
-                </a:prstGeom>
-              </p:spPr>
-            </p:pic>
-          </mc:Fallback>
-        </mc:AlternateContent>
-        <mc:AlternateContent xmlns:mc="http://schemas.openxmlformats.org/markup-compatibility/2006" xmlns:p14="http://schemas.microsoft.com/office/powerpoint/2010/main">
-          <mc:Choice Requires="p14">
-            <p:contentPart p14:bwMode="auto" r:id="rId26">
-              <p14:nvContentPartPr>
-                <p14:cNvPr id="42" name="Ink 41">
-                  <a:extLst>
-                    <a:ext uri="{FF2B5EF4-FFF2-40B4-BE49-F238E27FC236}">
-                      <a16:creationId xmlns:a16="http://schemas.microsoft.com/office/drawing/2014/main" id="{A57E95E7-6373-49DA-BC0C-2757F2A0FBA2}"/>
-                    </a:ext>
-                  </a:extLst>
-                </p14:cNvPr>
-                <p14:cNvContentPartPr/>
-                <p14:nvPr/>
-              </p14:nvContentPartPr>
-              <p14:xfrm>
-                <a:off x="10375410" y="5286660"/>
-                <a:ext cx="105480" cy="161280"/>
-              </p14:xfrm>
-            </p:contentPart>
-          </mc:Choice>
-          <mc:Fallback xmlns="">
-            <p:pic>
-              <p:nvPicPr>
-                <p:cNvPr id="42" name="Ink 41">
-                  <a:extLst>
-                    <a:ext uri="{FF2B5EF4-FFF2-40B4-BE49-F238E27FC236}">
-                      <a16:creationId xmlns:a16="http://schemas.microsoft.com/office/drawing/2014/main" id="{A57E95E7-6373-49DA-BC0C-2757F2A0FBA2}"/>
-                    </a:ext>
-                  </a:extLst>
-                </p:cNvPr>
-                <p:cNvPicPr/>
-                <p:nvPr/>
-              </p:nvPicPr>
-              <p:blipFill>
-                <a:blip r:embed="rId27"/>
-                <a:stretch>
-                  <a:fillRect/>
-                </a:stretch>
-              </p:blipFill>
-              <p:spPr>
-                <a:xfrm>
-                  <a:off x="10366410" y="5278020"/>
-                  <a:ext cx="123120" cy="178920"/>
-                </a:xfrm>
-                <a:prstGeom prst="rect">
-                  <a:avLst/>
-                </a:prstGeom>
-              </p:spPr>
-            </p:pic>
-          </mc:Fallback>
-        </mc:AlternateContent>
-        <mc:AlternateContent xmlns:mc="http://schemas.openxmlformats.org/markup-compatibility/2006" xmlns:p14="http://schemas.microsoft.com/office/powerpoint/2010/main">
-          <mc:Choice Requires="p14">
-            <p:contentPart p14:bwMode="auto" r:id="rId28">
-              <p14:nvContentPartPr>
-                <p14:cNvPr id="43" name="Ink 42">
-                  <a:extLst>
-                    <a:ext uri="{FF2B5EF4-FFF2-40B4-BE49-F238E27FC236}">
-                      <a16:creationId xmlns:a16="http://schemas.microsoft.com/office/drawing/2014/main" id="{679A9621-51C4-4B77-A20C-D5490A29B855}"/>
-                    </a:ext>
-                  </a:extLst>
-                </p14:cNvPr>
-                <p14:cNvContentPartPr/>
-                <p14:nvPr/>
-              </p14:nvContentPartPr>
-              <p14:xfrm>
-                <a:off x="10533090" y="5257860"/>
-                <a:ext cx="110880" cy="166680"/>
-              </p14:xfrm>
-            </p:contentPart>
-          </mc:Choice>
-          <mc:Fallback xmlns="">
-            <p:pic>
-              <p:nvPicPr>
-                <p:cNvPr id="43" name="Ink 42">
-                  <a:extLst>
-                    <a:ext uri="{FF2B5EF4-FFF2-40B4-BE49-F238E27FC236}">
-                      <a16:creationId xmlns:a16="http://schemas.microsoft.com/office/drawing/2014/main" id="{679A9621-51C4-4B77-A20C-D5490A29B855}"/>
-                    </a:ext>
-                  </a:extLst>
-                </p:cNvPr>
-                <p:cNvPicPr/>
-                <p:nvPr/>
-              </p:nvPicPr>
-              <p:blipFill>
-                <a:blip r:embed="rId29"/>
-                <a:stretch>
-                  <a:fillRect/>
-                </a:stretch>
-              </p:blipFill>
-              <p:spPr>
-                <a:xfrm>
-                  <a:off x="10524090" y="5248860"/>
-                  <a:ext cx="128520" cy="184320"/>
-                </a:xfrm>
-                <a:prstGeom prst="rect">
-                  <a:avLst/>
-                </a:prstGeom>
-              </p:spPr>
-            </p:pic>
-          </mc:Fallback>
-        </mc:AlternateContent>
-        <mc:AlternateContent xmlns:mc="http://schemas.openxmlformats.org/markup-compatibility/2006" xmlns:p14="http://schemas.microsoft.com/office/powerpoint/2010/main">
-          <mc:Choice Requires="p14">
-            <p:contentPart p14:bwMode="auto" r:id="rId30">
-              <p14:nvContentPartPr>
-                <p14:cNvPr id="44" name="Ink 43">
-                  <a:extLst>
-                    <a:ext uri="{FF2B5EF4-FFF2-40B4-BE49-F238E27FC236}">
-                      <a16:creationId xmlns:a16="http://schemas.microsoft.com/office/drawing/2014/main" id="{55A298EC-BFDC-4188-BA2A-33A0617FFF33}"/>
-                    </a:ext>
-                  </a:extLst>
-                </p14:cNvPr>
-                <p14:cNvContentPartPr/>
-                <p14:nvPr/>
-              </p14:nvContentPartPr>
-              <p14:xfrm>
-                <a:off x="10682130" y="5264700"/>
-                <a:ext cx="151920" cy="250200"/>
-              </p14:xfrm>
-            </p:contentPart>
-          </mc:Choice>
-          <mc:Fallback xmlns="">
-            <p:pic>
-              <p:nvPicPr>
-                <p:cNvPr id="44" name="Ink 43">
-                  <a:extLst>
-                    <a:ext uri="{FF2B5EF4-FFF2-40B4-BE49-F238E27FC236}">
-                      <a16:creationId xmlns:a16="http://schemas.microsoft.com/office/drawing/2014/main" id="{55A298EC-BFDC-4188-BA2A-33A0617FFF33}"/>
-                    </a:ext>
-                  </a:extLst>
-                </p:cNvPr>
-                <p:cNvPicPr/>
-                <p:nvPr/>
-              </p:nvPicPr>
-              <p:blipFill>
-                <a:blip r:embed="rId31"/>
-                <a:stretch>
-                  <a:fillRect/>
-                </a:stretch>
-              </p:blipFill>
-              <p:spPr>
-                <a:xfrm>
-                  <a:off x="10673130" y="5256060"/>
-                  <a:ext cx="169560" cy="267840"/>
-                </a:xfrm>
-                <a:prstGeom prst="rect">
-                  <a:avLst/>
-                </a:prstGeom>
-              </p:spPr>
-            </p:pic>
-          </mc:Fallback>
-        </mc:AlternateContent>
-      </p:grpSp>
-      <p:grpSp>
-        <p:nvGrpSpPr>
-          <p:cNvPr id="49" name="Group 48">
-            <a:extLst>
-              <a:ext uri="{FF2B5EF4-FFF2-40B4-BE49-F238E27FC236}">
-                <a16:creationId xmlns:a16="http://schemas.microsoft.com/office/drawing/2014/main" id="{75B2311D-CDEA-4B00-B705-166BFC0FF4C5}"/>
-              </a:ext>
-            </a:extLst>
-          </p:cNvPr>
-          <p:cNvGrpSpPr/>
-          <p:nvPr/>
-        </p:nvGrpSpPr>
-        <p:grpSpPr>
-          <a:xfrm>
-            <a:off x="10231050" y="4308900"/>
-            <a:ext cx="396360" cy="804600"/>
-            <a:chOff x="10231050" y="4308900"/>
-            <a:chExt cx="396360" cy="804600"/>
-          </a:xfrm>
-        </p:grpSpPr>
-        <mc:AlternateContent xmlns:mc="http://schemas.openxmlformats.org/markup-compatibility/2006" xmlns:p14="http://schemas.microsoft.com/office/powerpoint/2010/main">
-          <mc:Choice Requires="p14">
-            <p:contentPart p14:bwMode="auto" r:id="rId32">
-              <p14:nvContentPartPr>
-                <p14:cNvPr id="38" name="Ink 37">
-                  <a:extLst>
-                    <a:ext uri="{FF2B5EF4-FFF2-40B4-BE49-F238E27FC236}">
-                      <a16:creationId xmlns:a16="http://schemas.microsoft.com/office/drawing/2014/main" id="{F86A1840-2FE9-4444-821A-D21F1B63E4A2}"/>
-                    </a:ext>
-                  </a:extLst>
-                </p14:cNvPr>
-                <p14:cNvContentPartPr/>
-                <p14:nvPr/>
-              </p14:nvContentPartPr>
-              <p14:xfrm>
-                <a:off x="10246530" y="4308900"/>
-                <a:ext cx="339480" cy="424080"/>
-              </p14:xfrm>
-            </p:contentPart>
-          </mc:Choice>
-          <mc:Fallback xmlns="">
-            <p:pic>
-              <p:nvPicPr>
-                <p:cNvPr id="38" name="Ink 37">
-                  <a:extLst>
-                    <a:ext uri="{FF2B5EF4-FFF2-40B4-BE49-F238E27FC236}">
-                      <a16:creationId xmlns:a16="http://schemas.microsoft.com/office/drawing/2014/main" id="{F86A1840-2FE9-4444-821A-D21F1B63E4A2}"/>
-                    </a:ext>
-                  </a:extLst>
-                </p:cNvPr>
-                <p:cNvPicPr/>
-                <p:nvPr/>
-              </p:nvPicPr>
-              <p:blipFill>
-                <a:blip r:embed="rId33"/>
-                <a:stretch>
-                  <a:fillRect/>
-                </a:stretch>
-              </p:blipFill>
-              <p:spPr>
-                <a:xfrm>
-                  <a:off x="10237530" y="4300260"/>
-                  <a:ext cx="357120" cy="441720"/>
-                </a:xfrm>
-                <a:prstGeom prst="rect">
-                  <a:avLst/>
-                </a:prstGeom>
-              </p:spPr>
-            </p:pic>
-          </mc:Fallback>
-        </mc:AlternateContent>
-        <mc:AlternateContent xmlns:mc="http://schemas.openxmlformats.org/markup-compatibility/2006" xmlns:p14="http://schemas.microsoft.com/office/powerpoint/2010/main">
-          <mc:Choice Requires="p14">
-            <p:contentPart p14:bwMode="auto" r:id="rId34">
-              <p14:nvContentPartPr>
-                <p14:cNvPr id="39" name="Ink 38">
-                  <a:extLst>
-                    <a:ext uri="{FF2B5EF4-FFF2-40B4-BE49-F238E27FC236}">
-                      <a16:creationId xmlns:a16="http://schemas.microsoft.com/office/drawing/2014/main" id="{571152D7-1C56-4366-96E2-3532D996A792}"/>
-                    </a:ext>
-                  </a:extLst>
-                </p14:cNvPr>
-                <p14:cNvContentPartPr/>
-                <p14:nvPr/>
-              </p14:nvContentPartPr>
-              <p14:xfrm>
-                <a:off x="10231050" y="4359300"/>
-                <a:ext cx="396360" cy="385560"/>
-              </p14:xfrm>
-            </p:contentPart>
-          </mc:Choice>
-          <mc:Fallback xmlns="">
-            <p:pic>
-              <p:nvPicPr>
-                <p:cNvPr id="39" name="Ink 38">
-                  <a:extLst>
-                    <a:ext uri="{FF2B5EF4-FFF2-40B4-BE49-F238E27FC236}">
-                      <a16:creationId xmlns:a16="http://schemas.microsoft.com/office/drawing/2014/main" id="{571152D7-1C56-4366-96E2-3532D996A792}"/>
-                    </a:ext>
-                  </a:extLst>
-                </p:cNvPr>
-                <p:cNvPicPr/>
-                <p:nvPr/>
-              </p:nvPicPr>
-              <p:blipFill>
-                <a:blip r:embed="rId35"/>
-                <a:stretch>
-                  <a:fillRect/>
-                </a:stretch>
-              </p:blipFill>
-              <p:spPr>
-                <a:xfrm>
-                  <a:off x="10222410" y="4350300"/>
-                  <a:ext cx="414000" cy="403200"/>
-                </a:xfrm>
-                <a:prstGeom prst="rect">
-                  <a:avLst/>
-                </a:prstGeom>
-              </p:spPr>
-            </p:pic>
-          </mc:Fallback>
-        </mc:AlternateContent>
-        <mc:AlternateContent xmlns:mc="http://schemas.openxmlformats.org/markup-compatibility/2006" xmlns:p14="http://schemas.microsoft.com/office/powerpoint/2010/main">
-          <mc:Choice Requires="p14">
-            <p:contentPart p14:bwMode="auto" r:id="rId36">
-              <p14:nvContentPartPr>
-                <p14:cNvPr id="46" name="Ink 45">
-                  <a:extLst>
-                    <a:ext uri="{FF2B5EF4-FFF2-40B4-BE49-F238E27FC236}">
-                      <a16:creationId xmlns:a16="http://schemas.microsoft.com/office/drawing/2014/main" id="{E9018C53-0962-4EDF-A54C-5408C08D316D}"/>
-                    </a:ext>
-                  </a:extLst>
-                </p14:cNvPr>
-                <p14:cNvContentPartPr/>
-                <p14:nvPr/>
-              </p14:nvContentPartPr>
-              <p14:xfrm>
-                <a:off x="10369650" y="4841700"/>
-                <a:ext cx="6480" cy="195840"/>
-              </p14:xfrm>
-            </p:contentPart>
-          </mc:Choice>
-          <mc:Fallback xmlns="">
-            <p:pic>
-              <p:nvPicPr>
-                <p:cNvPr id="46" name="Ink 45">
-                  <a:extLst>
-                    <a:ext uri="{FF2B5EF4-FFF2-40B4-BE49-F238E27FC236}">
-                      <a16:creationId xmlns:a16="http://schemas.microsoft.com/office/drawing/2014/main" id="{E9018C53-0962-4EDF-A54C-5408C08D316D}"/>
-                    </a:ext>
-                  </a:extLst>
-                </p:cNvPr>
-                <p:cNvPicPr/>
-                <p:nvPr/>
-              </p:nvPicPr>
-              <p:blipFill>
-                <a:blip r:embed="rId37"/>
-                <a:stretch>
-                  <a:fillRect/>
-                </a:stretch>
-              </p:blipFill>
-              <p:spPr>
-                <a:xfrm>
-                  <a:off x="10361010" y="4833060"/>
-                  <a:ext cx="24120" cy="213480"/>
-                </a:xfrm>
-                <a:prstGeom prst="rect">
-                  <a:avLst/>
-                </a:prstGeom>
-              </p:spPr>
-            </p:pic>
-          </mc:Fallback>
-        </mc:AlternateContent>
-        <mc:AlternateContent xmlns:mc="http://schemas.openxmlformats.org/markup-compatibility/2006" xmlns:p14="http://schemas.microsoft.com/office/powerpoint/2010/main">
-          <mc:Choice Requires="p14">
-            <p:contentPart p14:bwMode="auto" r:id="rId38">
-              <p14:nvContentPartPr>
-                <p14:cNvPr id="47" name="Ink 46">
-                  <a:extLst>
-                    <a:ext uri="{FF2B5EF4-FFF2-40B4-BE49-F238E27FC236}">
-                      <a16:creationId xmlns:a16="http://schemas.microsoft.com/office/drawing/2014/main" id="{FD70E679-8485-4953-BEAE-9586433E5DA3}"/>
-                    </a:ext>
-                  </a:extLst>
-                </p14:cNvPr>
-                <p14:cNvContentPartPr/>
-                <p14:nvPr/>
-              </p14:nvContentPartPr>
-              <p14:xfrm>
-                <a:off x="10393050" y="4839540"/>
-                <a:ext cx="31680" cy="235080"/>
-              </p14:xfrm>
-            </p:contentPart>
-          </mc:Choice>
-          <mc:Fallback xmlns="">
-            <p:pic>
-              <p:nvPicPr>
-                <p:cNvPr id="47" name="Ink 46">
-                  <a:extLst>
-                    <a:ext uri="{FF2B5EF4-FFF2-40B4-BE49-F238E27FC236}">
-                      <a16:creationId xmlns:a16="http://schemas.microsoft.com/office/drawing/2014/main" id="{FD70E679-8485-4953-BEAE-9586433E5DA3}"/>
-                    </a:ext>
-                  </a:extLst>
-                </p:cNvPr>
-                <p:cNvPicPr/>
-                <p:nvPr/>
-              </p:nvPicPr>
-              <p:blipFill>
-                <a:blip r:embed="rId39"/>
-                <a:stretch>
-                  <a:fillRect/>
-                </a:stretch>
-              </p:blipFill>
-              <p:spPr>
-                <a:xfrm>
-                  <a:off x="10384410" y="4830540"/>
-                  <a:ext cx="49320" cy="252720"/>
-                </a:xfrm>
-                <a:prstGeom prst="rect">
-                  <a:avLst/>
-                </a:prstGeom>
-              </p:spPr>
-            </p:pic>
-          </mc:Fallback>
-        </mc:AlternateContent>
-        <mc:AlternateContent xmlns:mc="http://schemas.openxmlformats.org/markup-compatibility/2006" xmlns:p14="http://schemas.microsoft.com/office/powerpoint/2010/main">
-          <mc:Choice Requires="p14">
-            <p:contentPart p14:bwMode="auto" r:id="rId40">
-              <p14:nvContentPartPr>
-                <p14:cNvPr id="48" name="Ink 47">
-                  <a:extLst>
-                    <a:ext uri="{FF2B5EF4-FFF2-40B4-BE49-F238E27FC236}">
-                      <a16:creationId xmlns:a16="http://schemas.microsoft.com/office/drawing/2014/main" id="{CF356C67-F3B2-4A3A-9F98-40D9816260C3}"/>
-                    </a:ext>
-                  </a:extLst>
-                </p14:cNvPr>
-                <p14:cNvContentPartPr/>
-                <p14:nvPr/>
-              </p14:nvContentPartPr>
-              <p14:xfrm>
-                <a:off x="10277850" y="4998300"/>
-                <a:ext cx="252000" cy="115200"/>
-              </p14:xfrm>
-            </p:contentPart>
-          </mc:Choice>
-          <mc:Fallback xmlns="">
-            <p:pic>
-              <p:nvPicPr>
-                <p:cNvPr id="48" name="Ink 47">
-                  <a:extLst>
-                    <a:ext uri="{FF2B5EF4-FFF2-40B4-BE49-F238E27FC236}">
-                      <a16:creationId xmlns:a16="http://schemas.microsoft.com/office/drawing/2014/main" id="{CF356C67-F3B2-4A3A-9F98-40D9816260C3}"/>
-                    </a:ext>
-                  </a:extLst>
-                </p:cNvPr>
-                <p:cNvPicPr/>
-                <p:nvPr/>
-              </p:nvPicPr>
-              <p:blipFill>
-                <a:blip r:embed="rId41"/>
-                <a:stretch>
-                  <a:fillRect/>
-                </a:stretch>
-              </p:blipFill>
-              <p:spPr>
-                <a:xfrm>
-                  <a:off x="10269210" y="4989300"/>
-                  <a:ext cx="269640" cy="132840"/>
-                </a:xfrm>
-                <a:prstGeom prst="rect">
-                  <a:avLst/>
-                </a:prstGeom>
-              </p:spPr>
-            </p:pic>
-          </mc:Fallback>
-        </mc:AlternateContent>
-      </p:grpSp>
-      <p:pic>
-        <p:nvPicPr>
-          <p:cNvPr id="54" name="Picture 53">
-            <a:extLst>
-              <a:ext uri="{FF2B5EF4-FFF2-40B4-BE49-F238E27FC236}">
-                <a16:creationId xmlns:a16="http://schemas.microsoft.com/office/drawing/2014/main" id="{6A5A75EE-9C01-44C9-9326-6247E6B0DE5A}"/>
-              </a:ext>
-            </a:extLst>
-          </p:cNvPr>
+          <p:cNvPr id="54" name="Picture 53"/>
           <p:cNvPicPr>
             <a:picLocks noChangeAspect="1"/>
           </p:cNvPicPr>
           <p:nvPr/>
         </p:nvPicPr>
         <p:blipFill>
-          <a:blip r:embed="rId42"/>
+          <a:blip r:embed="rId2"/>
           <a:stretch>
             <a:fillRect/>
           </a:stretch>
@@ -19531,20 +15449,14 @@
       </p:pic>
       <p:pic>
         <p:nvPicPr>
-          <p:cNvPr id="58" name="Picture 57">
-            <a:extLst>
-              <a:ext uri="{FF2B5EF4-FFF2-40B4-BE49-F238E27FC236}">
-                <a16:creationId xmlns:a16="http://schemas.microsoft.com/office/drawing/2014/main" id="{A105D342-A71F-4DF8-B734-1B6B9CCF9D21}"/>
-              </a:ext>
-            </a:extLst>
-          </p:cNvPr>
+          <p:cNvPr id="58" name="Picture 57"/>
           <p:cNvPicPr>
             <a:picLocks noChangeAspect="1"/>
           </p:cNvPicPr>
           <p:nvPr/>
         </p:nvPicPr>
         <p:blipFill>
-          <a:blip r:embed="rId43"/>
+          <a:blip r:embed="rId3"/>
           <a:stretch>
             <a:fillRect/>
           </a:stretch>
@@ -19559,12 +15471,31 @@
           </a:prstGeom>
         </p:spPr>
       </p:pic>
+      <p:pic>
+        <p:nvPicPr>
+          <p:cNvPr id="6" name="Picture 5"/>
+          <p:cNvPicPr>
+            <a:picLocks noChangeAspect="1"/>
+          </p:cNvPicPr>
+          <p:nvPr/>
+        </p:nvPicPr>
+        <p:blipFill>
+          <a:blip r:embed="rId4"/>
+          <a:stretch>
+            <a:fillRect/>
+          </a:stretch>
+        </p:blipFill>
+        <p:spPr>
+          <a:xfrm>
+            <a:off x="6700782" y="4164545"/>
+            <a:ext cx="4267570" cy="2091109"/>
+          </a:xfrm>
+          <a:prstGeom prst="rect">
+            <a:avLst/>
+          </a:prstGeom>
+        </p:spPr>
+      </p:pic>
     </p:spTree>
-    <p:extLst>
-      <p:ext uri="{BB962C8B-B14F-4D97-AF65-F5344CB8AC3E}">
-        <p14:creationId xmlns:p14="http://schemas.microsoft.com/office/powerpoint/2010/main" val="2834649137"/>
-      </p:ext>
-    </p:extLst>
   </p:cSld>
   <p:clrMapOvr>
     <a:masterClrMapping/>
@@ -19591,13 +15522,7 @@
       </p:grpSpPr>
       <p:sp>
         <p:nvSpPr>
-          <p:cNvPr id="2" name="Title 1">
-            <a:extLst>
-              <a:ext uri="{FF2B5EF4-FFF2-40B4-BE49-F238E27FC236}">
-                <a16:creationId xmlns:a16="http://schemas.microsoft.com/office/drawing/2014/main" id="{F7DE1E0F-70B0-4D1A-8A9C-316F3BAB6DC9}"/>
-              </a:ext>
-            </a:extLst>
-          </p:cNvPr>
+          <p:cNvPr id="2" name="Title 1"/>
           <p:cNvSpPr>
             <a:spLocks noGrp="1"/>
           </p:cNvSpPr>
@@ -19620,13 +15545,7 @@
       </p:sp>
       <p:sp>
         <p:nvSpPr>
-          <p:cNvPr id="3" name="Content Placeholder 2">
-            <a:extLst>
-              <a:ext uri="{FF2B5EF4-FFF2-40B4-BE49-F238E27FC236}">
-                <a16:creationId xmlns:a16="http://schemas.microsoft.com/office/drawing/2014/main" id="{05EA90C7-AAF6-4434-889C-CCA1574FC4BD}"/>
-              </a:ext>
-            </a:extLst>
-          </p:cNvPr>
+          <p:cNvPr id="3" name="Content Placeholder 2"/>
           <p:cNvSpPr>
             <a:spLocks noGrp="1"/>
           </p:cNvSpPr>
@@ -19663,11 +15582,6 @@
         </p:txBody>
       </p:sp>
     </p:spTree>
-    <p:extLst>
-      <p:ext uri="{BB962C8B-B14F-4D97-AF65-F5344CB8AC3E}">
-        <p14:creationId xmlns:p14="http://schemas.microsoft.com/office/powerpoint/2010/main" val="1602880265"/>
-      </p:ext>
-    </p:extLst>
   </p:cSld>
   <p:clrMapOvr>
     <a:masterClrMapping/>
@@ -19694,13 +15608,7 @@
       </p:grpSpPr>
       <p:sp>
         <p:nvSpPr>
-          <p:cNvPr id="7" name="Title 6">
-            <a:extLst>
-              <a:ext uri="{FF2B5EF4-FFF2-40B4-BE49-F238E27FC236}">
-                <a16:creationId xmlns:a16="http://schemas.microsoft.com/office/drawing/2014/main" id="{A5EE155E-0889-4FBD-B275-0E6484E8CE4E}"/>
-              </a:ext>
-            </a:extLst>
-          </p:cNvPr>
+          <p:cNvPr id="7" name="Title 6"/>
           <p:cNvSpPr>
             <a:spLocks noGrp="1"/>
           </p:cNvSpPr>
@@ -19723,26 +15631,15 @@
       </p:sp>
       <p:sp>
         <p:nvSpPr>
-          <p:cNvPr id="8" name="Content Placeholder 7">
-            <a:extLst>
-              <a:ext uri="{FF2B5EF4-FFF2-40B4-BE49-F238E27FC236}">
-                <a16:creationId xmlns:a16="http://schemas.microsoft.com/office/drawing/2014/main" id="{5FCD7B82-9108-4D42-ADC1-DB8BD61BB6A3}"/>
-              </a:ext>
-            </a:extLst>
-          </p:cNvPr>
+          <p:cNvPr id="8" name="Content Placeholder 7"/>
           <p:cNvSpPr>
             <a:spLocks noGrp="1"/>
           </p:cNvSpPr>
           <p:nvPr>
-            <p:ph idx="1"/>
+            <p:ph sz="half" idx="1"/>
           </p:nvPr>
         </p:nvSpPr>
-        <p:spPr>
-          <a:xfrm>
-            <a:off x="1097280" y="1845734"/>
-            <a:ext cx="10058400" cy="4040716"/>
-          </a:xfrm>
-        </p:spPr>
+        <p:spPr/>
         <p:txBody>
           <a:bodyPr/>
           <a:lstStyle/>
@@ -19759,6 +15656,7 @@
               <a:rPr lang="en-US" altLang="zh-CN" dirty="0"/>
               <a:t>+memo</a:t>
             </a:r>
+            <a:endParaRPr lang="en-US" altLang="zh-CN" dirty="0"/>
           </a:p>
           <a:p>
             <a:endParaRPr lang="en-US" dirty="0"/>
@@ -19767,13 +15665,7 @@
       </p:sp>
       <p:sp>
         <p:nvSpPr>
-          <p:cNvPr id="11" name="TextBox 10">
-            <a:extLst>
-              <a:ext uri="{FF2B5EF4-FFF2-40B4-BE49-F238E27FC236}">
-                <a16:creationId xmlns:a16="http://schemas.microsoft.com/office/drawing/2014/main" id="{22BF94D3-78B9-4F3B-A373-7E976BA939AF}"/>
-              </a:ext>
-            </a:extLst>
-          </p:cNvPr>
+          <p:cNvPr id="11" name="TextBox 10"/>
           <p:cNvSpPr txBox="1"/>
           <p:nvPr/>
         </p:nvSpPr>
@@ -19823,20 +15715,14 @@
       </p:sp>
       <p:pic>
         <p:nvPicPr>
-          <p:cNvPr id="30" name="Picture 29">
-            <a:extLst>
-              <a:ext uri="{FF2B5EF4-FFF2-40B4-BE49-F238E27FC236}">
-                <a16:creationId xmlns:a16="http://schemas.microsoft.com/office/drawing/2014/main" id="{583087F0-F23D-4688-BC27-25DD4789678D}"/>
-              </a:ext>
-            </a:extLst>
-          </p:cNvPr>
+          <p:cNvPr id="30" name="Picture 29"/>
           <p:cNvPicPr>
             <a:picLocks noChangeAspect="1"/>
           </p:cNvPicPr>
           <p:nvPr/>
         </p:nvPicPr>
         <p:blipFill>
-          <a:blip r:embed="rId2"/>
+          <a:blip r:embed="rId1"/>
           <a:stretch>
             <a:fillRect/>
           </a:stretch>
@@ -19853,20 +15739,14 @@
       </p:pic>
       <p:pic>
         <p:nvPicPr>
-          <p:cNvPr id="32" name="Picture 31">
-            <a:extLst>
-              <a:ext uri="{FF2B5EF4-FFF2-40B4-BE49-F238E27FC236}">
-                <a16:creationId xmlns:a16="http://schemas.microsoft.com/office/drawing/2014/main" id="{D526803B-59D2-4115-A7C9-DCED895BE28D}"/>
-              </a:ext>
-            </a:extLst>
-          </p:cNvPr>
+          <p:cNvPr id="32" name="Picture 31"/>
           <p:cNvPicPr>
             <a:picLocks noChangeAspect="1"/>
           </p:cNvPicPr>
           <p:nvPr/>
         </p:nvPicPr>
         <p:blipFill>
-          <a:blip r:embed="rId3"/>
+          <a:blip r:embed="rId2"/>
           <a:stretch>
             <a:fillRect/>
           </a:stretch>
@@ -19883,20 +15763,14 @@
       </p:pic>
       <p:pic>
         <p:nvPicPr>
-          <p:cNvPr id="34" name="Picture 33">
-            <a:extLst>
-              <a:ext uri="{FF2B5EF4-FFF2-40B4-BE49-F238E27FC236}">
-                <a16:creationId xmlns:a16="http://schemas.microsoft.com/office/drawing/2014/main" id="{21ADA345-66D1-4819-8BA0-026D08CF5B4E}"/>
-              </a:ext>
-            </a:extLst>
-          </p:cNvPr>
+          <p:cNvPr id="34" name="Picture 33"/>
           <p:cNvPicPr>
             <a:picLocks noChangeAspect="1"/>
           </p:cNvPicPr>
           <p:nvPr/>
         </p:nvPicPr>
         <p:blipFill>
-          <a:blip r:embed="rId4"/>
+          <a:blip r:embed="rId3"/>
           <a:stretch>
             <a:fillRect/>
           </a:stretch>
@@ -19911,769 +15785,9 @@
           </a:prstGeom>
         </p:spPr>
       </p:pic>
-      <p:sp>
-        <p:nvSpPr>
-          <p:cNvPr id="35" name="TextBox 34">
-            <a:extLst>
-              <a:ext uri="{FF2B5EF4-FFF2-40B4-BE49-F238E27FC236}">
-                <a16:creationId xmlns:a16="http://schemas.microsoft.com/office/drawing/2014/main" id="{73FF0C51-7426-453B-920E-6B7CE93A91B5}"/>
-              </a:ext>
-            </a:extLst>
-          </p:cNvPr>
-          <p:cNvSpPr txBox="1"/>
-          <p:nvPr/>
-        </p:nvSpPr>
-        <p:spPr>
-          <a:xfrm>
-            <a:off x="7005637" y="5439451"/>
-            <a:ext cx="4886325" cy="369332"/>
-          </a:xfrm>
-          <a:prstGeom prst="rect">
-            <a:avLst/>
-          </a:prstGeom>
-          <a:noFill/>
-        </p:spPr>
-        <p:txBody>
-          <a:bodyPr wrap="square">
-            <a:spAutoFit/>
-          </a:bodyPr>
-          <a:lstStyle/>
-          <a:p>
-            <a:r>
-              <a:rPr lang="en-US" altLang="zh-CN" dirty="0" err="1"/>
-              <a:t>dp</a:t>
-            </a:r>
-            <a:r>
-              <a:rPr lang="en-US" altLang="zh-CN" dirty="0"/>
-              <a:t>[0]  </a:t>
-            </a:r>
-            <a:r>
-              <a:rPr lang="en-US" altLang="zh-CN" dirty="0" err="1"/>
-              <a:t>dp</a:t>
-            </a:r>
-            <a:r>
-              <a:rPr lang="en-US" altLang="zh-CN" dirty="0"/>
-              <a:t>[1]  </a:t>
-            </a:r>
-            <a:r>
-              <a:rPr lang="en-US" altLang="zh-CN" dirty="0" err="1"/>
-              <a:t>dp</a:t>
-            </a:r>
-            <a:r>
-              <a:rPr lang="en-US" altLang="zh-CN" dirty="0"/>
-              <a:t>[2]  </a:t>
-            </a:r>
-            <a:r>
-              <a:rPr lang="en-US" altLang="zh-CN" dirty="0" err="1"/>
-              <a:t>dp</a:t>
-            </a:r>
-            <a:r>
-              <a:rPr lang="en-US" altLang="zh-CN" dirty="0"/>
-              <a:t>[3]  </a:t>
-            </a:r>
-            <a:r>
-              <a:rPr lang="en-US" altLang="zh-CN" dirty="0" err="1"/>
-              <a:t>dp</a:t>
-            </a:r>
-            <a:r>
-              <a:rPr lang="en-US" altLang="zh-CN" dirty="0"/>
-              <a:t>[4]   …    </a:t>
-            </a:r>
-            <a:r>
-              <a:rPr lang="en-US" altLang="zh-CN" dirty="0" err="1"/>
-              <a:t>dp</a:t>
-            </a:r>
-            <a:r>
-              <a:rPr lang="en-US" altLang="zh-CN" dirty="0"/>
-              <a:t>[n-1]</a:t>
-            </a:r>
-          </a:p>
-        </p:txBody>
-      </p:sp>
       <p:grpSp>
         <p:nvGrpSpPr>
-          <p:cNvPr id="85" name="Group 84">
-            <a:extLst>
-              <a:ext uri="{FF2B5EF4-FFF2-40B4-BE49-F238E27FC236}">
-                <a16:creationId xmlns:a16="http://schemas.microsoft.com/office/drawing/2014/main" id="{C464B8C6-999E-489A-ACFC-DC6BB3713BFC}"/>
-              </a:ext>
-            </a:extLst>
-          </p:cNvPr>
-          <p:cNvGrpSpPr/>
-          <p:nvPr/>
-        </p:nvGrpSpPr>
-        <p:grpSpPr>
-          <a:xfrm>
-            <a:off x="7588650" y="5153460"/>
-            <a:ext cx="888120" cy="374040"/>
-            <a:chOff x="7588650" y="5153460"/>
-            <a:chExt cx="888120" cy="374040"/>
-          </a:xfrm>
-        </p:grpSpPr>
-        <mc:AlternateContent xmlns:mc="http://schemas.openxmlformats.org/markup-compatibility/2006" xmlns:p14="http://schemas.microsoft.com/office/powerpoint/2010/main">
-          <mc:Choice Requires="p14">
-            <p:contentPart p14:bwMode="auto" r:id="rId5">
-              <p14:nvContentPartPr>
-                <p14:cNvPr id="81" name="Ink 80">
-                  <a:extLst>
-                    <a:ext uri="{FF2B5EF4-FFF2-40B4-BE49-F238E27FC236}">
-                      <a16:creationId xmlns:a16="http://schemas.microsoft.com/office/drawing/2014/main" id="{B4E2F105-9848-4979-8AE5-B315704CD7EF}"/>
-                    </a:ext>
-                  </a:extLst>
-                </p14:cNvPr>
-                <p14:cNvContentPartPr/>
-                <p14:nvPr/>
-              </p14:nvContentPartPr>
-              <p14:xfrm>
-                <a:off x="8091930" y="5325900"/>
-                <a:ext cx="355680" cy="185400"/>
-              </p14:xfrm>
-            </p:contentPart>
-          </mc:Choice>
-          <mc:Fallback xmlns="">
-            <p:pic>
-              <p:nvPicPr>
-                <p:cNvPr id="81" name="Ink 80">
-                  <a:extLst>
-                    <a:ext uri="{FF2B5EF4-FFF2-40B4-BE49-F238E27FC236}">
-                      <a16:creationId xmlns:a16="http://schemas.microsoft.com/office/drawing/2014/main" id="{B4E2F105-9848-4979-8AE5-B315704CD7EF}"/>
-                    </a:ext>
-                  </a:extLst>
-                </p:cNvPr>
-                <p:cNvPicPr/>
-                <p:nvPr/>
-              </p:nvPicPr>
-              <p:blipFill>
-                <a:blip r:embed="rId6"/>
-                <a:stretch>
-                  <a:fillRect/>
-                </a:stretch>
-              </p:blipFill>
-              <p:spPr>
-                <a:xfrm>
-                  <a:off x="8083290" y="5316900"/>
-                  <a:ext cx="373320" cy="203040"/>
-                </a:xfrm>
-                <a:prstGeom prst="rect">
-                  <a:avLst/>
-                </a:prstGeom>
-              </p:spPr>
-            </p:pic>
-          </mc:Fallback>
-        </mc:AlternateContent>
-        <mc:AlternateContent xmlns:mc="http://schemas.openxmlformats.org/markup-compatibility/2006" xmlns:p14="http://schemas.microsoft.com/office/powerpoint/2010/main">
-          <mc:Choice Requires="p14">
-            <p:contentPart p14:bwMode="auto" r:id="rId7">
-              <p14:nvContentPartPr>
-                <p14:cNvPr id="82" name="Ink 81">
-                  <a:extLst>
-                    <a:ext uri="{FF2B5EF4-FFF2-40B4-BE49-F238E27FC236}">
-                      <a16:creationId xmlns:a16="http://schemas.microsoft.com/office/drawing/2014/main" id="{70033C14-1AE3-4935-B91B-65F6F85EFC13}"/>
-                    </a:ext>
-                  </a:extLst>
-                </p14:cNvPr>
-                <p14:cNvContentPartPr/>
-                <p14:nvPr/>
-              </p14:nvContentPartPr>
-              <p14:xfrm>
-                <a:off x="8064210" y="5431380"/>
-                <a:ext cx="120960" cy="77400"/>
-              </p14:xfrm>
-            </p:contentPart>
-          </mc:Choice>
-          <mc:Fallback xmlns="">
-            <p:pic>
-              <p:nvPicPr>
-                <p:cNvPr id="82" name="Ink 81">
-                  <a:extLst>
-                    <a:ext uri="{FF2B5EF4-FFF2-40B4-BE49-F238E27FC236}">
-                      <a16:creationId xmlns:a16="http://schemas.microsoft.com/office/drawing/2014/main" id="{70033C14-1AE3-4935-B91B-65F6F85EFC13}"/>
-                    </a:ext>
-                  </a:extLst>
-                </p:cNvPr>
-                <p:cNvPicPr/>
-                <p:nvPr/>
-              </p:nvPicPr>
-              <p:blipFill>
-                <a:blip r:embed="rId8"/>
-                <a:stretch>
-                  <a:fillRect/>
-                </a:stretch>
-              </p:blipFill>
-              <p:spPr>
-                <a:xfrm>
-                  <a:off x="8055210" y="5422740"/>
-                  <a:ext cx="138600" cy="95040"/>
-                </a:xfrm>
-                <a:prstGeom prst="rect">
-                  <a:avLst/>
-                </a:prstGeom>
-              </p:spPr>
-            </p:pic>
-          </mc:Fallback>
-        </mc:AlternateContent>
-        <mc:AlternateContent xmlns:mc="http://schemas.openxmlformats.org/markup-compatibility/2006" xmlns:p14="http://schemas.microsoft.com/office/powerpoint/2010/main">
-          <mc:Choice Requires="p14">
-            <p:contentPart p14:bwMode="auto" r:id="rId9">
-              <p14:nvContentPartPr>
-                <p14:cNvPr id="83" name="Ink 82">
-                  <a:extLst>
-                    <a:ext uri="{FF2B5EF4-FFF2-40B4-BE49-F238E27FC236}">
-                      <a16:creationId xmlns:a16="http://schemas.microsoft.com/office/drawing/2014/main" id="{F04C02D4-20AD-434E-A1E3-2873C39BE6E4}"/>
-                    </a:ext>
-                  </a:extLst>
-                </p14:cNvPr>
-                <p14:cNvContentPartPr/>
-                <p14:nvPr/>
-              </p14:nvContentPartPr>
-              <p14:xfrm>
-                <a:off x="7614210" y="5153460"/>
-                <a:ext cx="862560" cy="352080"/>
-              </p14:xfrm>
-            </p:contentPart>
-          </mc:Choice>
-          <mc:Fallback xmlns="">
-            <p:pic>
-              <p:nvPicPr>
-                <p:cNvPr id="83" name="Ink 82">
-                  <a:extLst>
-                    <a:ext uri="{FF2B5EF4-FFF2-40B4-BE49-F238E27FC236}">
-                      <a16:creationId xmlns:a16="http://schemas.microsoft.com/office/drawing/2014/main" id="{F04C02D4-20AD-434E-A1E3-2873C39BE6E4}"/>
-                    </a:ext>
-                  </a:extLst>
-                </p:cNvPr>
-                <p:cNvPicPr/>
-                <p:nvPr/>
-              </p:nvPicPr>
-              <p:blipFill>
-                <a:blip r:embed="rId10"/>
-                <a:stretch>
-                  <a:fillRect/>
-                </a:stretch>
-              </p:blipFill>
-              <p:spPr>
-                <a:xfrm>
-                  <a:off x="7605210" y="5144820"/>
-                  <a:ext cx="880200" cy="369720"/>
-                </a:xfrm>
-                <a:prstGeom prst="rect">
-                  <a:avLst/>
-                </a:prstGeom>
-              </p:spPr>
-            </p:pic>
-          </mc:Fallback>
-        </mc:AlternateContent>
-        <mc:AlternateContent xmlns:mc="http://schemas.openxmlformats.org/markup-compatibility/2006" xmlns:p14="http://schemas.microsoft.com/office/powerpoint/2010/main">
-          <mc:Choice Requires="p14">
-            <p:contentPart p14:bwMode="auto" r:id="rId11">
-              <p14:nvContentPartPr>
-                <p14:cNvPr id="84" name="Ink 83">
-                  <a:extLst>
-                    <a:ext uri="{FF2B5EF4-FFF2-40B4-BE49-F238E27FC236}">
-                      <a16:creationId xmlns:a16="http://schemas.microsoft.com/office/drawing/2014/main" id="{7FB9A621-0F24-4F38-B069-5E205DFA4370}"/>
-                    </a:ext>
-                  </a:extLst>
-                </p14:cNvPr>
-                <p14:cNvContentPartPr/>
-                <p14:nvPr/>
-              </p14:nvContentPartPr>
-              <p14:xfrm>
-                <a:off x="7588650" y="5433900"/>
-                <a:ext cx="104040" cy="93600"/>
-              </p14:xfrm>
-            </p:contentPart>
-          </mc:Choice>
-          <mc:Fallback xmlns="">
-            <p:pic>
-              <p:nvPicPr>
-                <p:cNvPr id="84" name="Ink 83">
-                  <a:extLst>
-                    <a:ext uri="{FF2B5EF4-FFF2-40B4-BE49-F238E27FC236}">
-                      <a16:creationId xmlns:a16="http://schemas.microsoft.com/office/drawing/2014/main" id="{7FB9A621-0F24-4F38-B069-5E205DFA4370}"/>
-                    </a:ext>
-                  </a:extLst>
-                </p:cNvPr>
-                <p:cNvPicPr/>
-                <p:nvPr/>
-              </p:nvPicPr>
-              <p:blipFill>
-                <a:blip r:embed="rId12"/>
-                <a:stretch>
-                  <a:fillRect/>
-                </a:stretch>
-              </p:blipFill>
-              <p:spPr>
-                <a:xfrm>
-                  <a:off x="7580010" y="5424900"/>
-                  <a:ext cx="121680" cy="111240"/>
-                </a:xfrm>
-                <a:prstGeom prst="rect">
-                  <a:avLst/>
-                </a:prstGeom>
-              </p:spPr>
-            </p:pic>
-          </mc:Fallback>
-        </mc:AlternateContent>
-      </p:grpSp>
-      <p:grpSp>
-        <p:nvGrpSpPr>
-          <p:cNvPr id="90" name="Group 89">
-            <a:extLst>
-              <a:ext uri="{FF2B5EF4-FFF2-40B4-BE49-F238E27FC236}">
-                <a16:creationId xmlns:a16="http://schemas.microsoft.com/office/drawing/2014/main" id="{CA1DD585-EB3B-4408-9E2D-5F4D0591984D}"/>
-              </a:ext>
-            </a:extLst>
-          </p:cNvPr>
-          <p:cNvGrpSpPr/>
-          <p:nvPr/>
-        </p:nvGrpSpPr>
-        <p:grpSpPr>
-          <a:xfrm>
-            <a:off x="7884210" y="4954380"/>
-            <a:ext cx="1209240" cy="538920"/>
-            <a:chOff x="7884210" y="4954380"/>
-            <a:chExt cx="1209240" cy="538920"/>
-          </a:xfrm>
-        </p:grpSpPr>
-        <mc:AlternateContent xmlns:mc="http://schemas.openxmlformats.org/markup-compatibility/2006" xmlns:p14="http://schemas.microsoft.com/office/powerpoint/2010/main">
-          <mc:Choice Requires="p14">
-            <p:contentPart p14:bwMode="auto" r:id="rId13">
-              <p14:nvContentPartPr>
-                <p14:cNvPr id="86" name="Ink 85">
-                  <a:extLst>
-                    <a:ext uri="{FF2B5EF4-FFF2-40B4-BE49-F238E27FC236}">
-                      <a16:creationId xmlns:a16="http://schemas.microsoft.com/office/drawing/2014/main" id="{8ECB5AE1-35B9-45FD-A56E-2F36D7B57B41}"/>
-                    </a:ext>
-                  </a:extLst>
-                </p14:cNvPr>
-                <p14:cNvContentPartPr/>
-                <p14:nvPr/>
-              </p14:nvContentPartPr>
-              <p14:xfrm>
-                <a:off x="8655330" y="5225460"/>
-                <a:ext cx="428760" cy="236520"/>
-              </p14:xfrm>
-            </p:contentPart>
-          </mc:Choice>
-          <mc:Fallback xmlns="">
-            <p:pic>
-              <p:nvPicPr>
-                <p:cNvPr id="86" name="Ink 85">
-                  <a:extLst>
-                    <a:ext uri="{FF2B5EF4-FFF2-40B4-BE49-F238E27FC236}">
-                      <a16:creationId xmlns:a16="http://schemas.microsoft.com/office/drawing/2014/main" id="{8ECB5AE1-35B9-45FD-A56E-2F36D7B57B41}"/>
-                    </a:ext>
-                  </a:extLst>
-                </p:cNvPr>
-                <p:cNvPicPr/>
-                <p:nvPr/>
-              </p:nvPicPr>
-              <p:blipFill>
-                <a:blip r:embed="rId14"/>
-                <a:stretch>
-                  <a:fillRect/>
-                </a:stretch>
-              </p:blipFill>
-              <p:spPr>
-                <a:xfrm>
-                  <a:off x="8646690" y="5216460"/>
-                  <a:ext cx="446400" cy="254160"/>
-                </a:xfrm>
-                <a:prstGeom prst="rect">
-                  <a:avLst/>
-                </a:prstGeom>
-              </p:spPr>
-            </p:pic>
-          </mc:Fallback>
-        </mc:AlternateContent>
-        <mc:AlternateContent xmlns:mc="http://schemas.openxmlformats.org/markup-compatibility/2006" xmlns:p14="http://schemas.microsoft.com/office/powerpoint/2010/main">
-          <mc:Choice Requires="p14">
-            <p:contentPart p14:bwMode="auto" r:id="rId15">
-              <p14:nvContentPartPr>
-                <p14:cNvPr id="87" name="Ink 86">
-                  <a:extLst>
-                    <a:ext uri="{FF2B5EF4-FFF2-40B4-BE49-F238E27FC236}">
-                      <a16:creationId xmlns:a16="http://schemas.microsoft.com/office/drawing/2014/main" id="{B4AD35A2-F288-4019-9ACE-5C02F3BF0BBF}"/>
-                    </a:ext>
-                  </a:extLst>
-                </p14:cNvPr>
-                <p14:cNvContentPartPr/>
-                <p14:nvPr/>
-              </p14:nvContentPartPr>
-              <p14:xfrm>
-                <a:off x="8612130" y="5358660"/>
-                <a:ext cx="118440" cy="110880"/>
-              </p14:xfrm>
-            </p:contentPart>
-          </mc:Choice>
-          <mc:Fallback xmlns="">
-            <p:pic>
-              <p:nvPicPr>
-                <p:cNvPr id="87" name="Ink 86">
-                  <a:extLst>
-                    <a:ext uri="{FF2B5EF4-FFF2-40B4-BE49-F238E27FC236}">
-                      <a16:creationId xmlns:a16="http://schemas.microsoft.com/office/drawing/2014/main" id="{B4AD35A2-F288-4019-9ACE-5C02F3BF0BBF}"/>
-                    </a:ext>
-                  </a:extLst>
-                </p:cNvPr>
-                <p:cNvPicPr/>
-                <p:nvPr/>
-              </p:nvPicPr>
-              <p:blipFill>
-                <a:blip r:embed="rId16"/>
-                <a:stretch>
-                  <a:fillRect/>
-                </a:stretch>
-              </p:blipFill>
-              <p:spPr>
-                <a:xfrm>
-                  <a:off x="8603490" y="5349660"/>
-                  <a:ext cx="136080" cy="128520"/>
-                </a:xfrm>
-                <a:prstGeom prst="rect">
-                  <a:avLst/>
-                </a:prstGeom>
-              </p:spPr>
-            </p:pic>
-          </mc:Fallback>
-        </mc:AlternateContent>
-        <mc:AlternateContent xmlns:mc="http://schemas.openxmlformats.org/markup-compatibility/2006" xmlns:p14="http://schemas.microsoft.com/office/powerpoint/2010/main">
-          <mc:Choice Requires="p14">
-            <p:contentPart p14:bwMode="auto" r:id="rId17">
-              <p14:nvContentPartPr>
-                <p14:cNvPr id="88" name="Ink 87">
-                  <a:extLst>
-                    <a:ext uri="{FF2B5EF4-FFF2-40B4-BE49-F238E27FC236}">
-                      <a16:creationId xmlns:a16="http://schemas.microsoft.com/office/drawing/2014/main" id="{2F3B0B93-3F57-4A35-A363-42B2D416A64B}"/>
-                    </a:ext>
-                  </a:extLst>
-                </p14:cNvPr>
-                <p14:cNvContentPartPr/>
-                <p14:nvPr/>
-              </p14:nvContentPartPr>
-              <p14:xfrm>
-                <a:off x="7947930" y="4954380"/>
-                <a:ext cx="1145520" cy="524520"/>
-              </p14:xfrm>
-            </p:contentPart>
-          </mc:Choice>
-          <mc:Fallback xmlns="">
-            <p:pic>
-              <p:nvPicPr>
-                <p:cNvPr id="88" name="Ink 87">
-                  <a:extLst>
-                    <a:ext uri="{FF2B5EF4-FFF2-40B4-BE49-F238E27FC236}">
-                      <a16:creationId xmlns:a16="http://schemas.microsoft.com/office/drawing/2014/main" id="{2F3B0B93-3F57-4A35-A363-42B2D416A64B}"/>
-                    </a:ext>
-                  </a:extLst>
-                </p:cNvPr>
-                <p:cNvPicPr/>
-                <p:nvPr/>
-              </p:nvPicPr>
-              <p:blipFill>
-                <a:blip r:embed="rId18"/>
-                <a:stretch>
-                  <a:fillRect/>
-                </a:stretch>
-              </p:blipFill>
-              <p:spPr>
-                <a:xfrm>
-                  <a:off x="7939290" y="4945740"/>
-                  <a:ext cx="1163160" cy="542160"/>
-                </a:xfrm>
-                <a:prstGeom prst="rect">
-                  <a:avLst/>
-                </a:prstGeom>
-              </p:spPr>
-            </p:pic>
-          </mc:Fallback>
-        </mc:AlternateContent>
-        <mc:AlternateContent xmlns:mc="http://schemas.openxmlformats.org/markup-compatibility/2006" xmlns:p14="http://schemas.microsoft.com/office/powerpoint/2010/main">
-          <mc:Choice Requires="p14">
-            <p:contentPart p14:bwMode="auto" r:id="rId19">
-              <p14:nvContentPartPr>
-                <p14:cNvPr id="89" name="Ink 88">
-                  <a:extLst>
-                    <a:ext uri="{FF2B5EF4-FFF2-40B4-BE49-F238E27FC236}">
-                      <a16:creationId xmlns:a16="http://schemas.microsoft.com/office/drawing/2014/main" id="{058B1808-2BAC-4AFE-BE6A-4EDDE1C0A3E2}"/>
-                    </a:ext>
-                  </a:extLst>
-                </p14:cNvPr>
-                <p14:cNvContentPartPr/>
-                <p14:nvPr/>
-              </p14:nvContentPartPr>
-              <p14:xfrm>
-                <a:off x="7884210" y="5377740"/>
-                <a:ext cx="137880" cy="115560"/>
-              </p14:xfrm>
-            </p:contentPart>
-          </mc:Choice>
-          <mc:Fallback xmlns="">
-            <p:pic>
-              <p:nvPicPr>
-                <p:cNvPr id="89" name="Ink 88">
-                  <a:extLst>
-                    <a:ext uri="{FF2B5EF4-FFF2-40B4-BE49-F238E27FC236}">
-                      <a16:creationId xmlns:a16="http://schemas.microsoft.com/office/drawing/2014/main" id="{058B1808-2BAC-4AFE-BE6A-4EDDE1C0A3E2}"/>
-                    </a:ext>
-                  </a:extLst>
-                </p:cNvPr>
-                <p:cNvPicPr/>
-                <p:nvPr/>
-              </p:nvPicPr>
-              <p:blipFill>
-                <a:blip r:embed="rId20"/>
-                <a:stretch>
-                  <a:fillRect/>
-                </a:stretch>
-              </p:blipFill>
-              <p:spPr>
-                <a:xfrm>
-                  <a:off x="7875210" y="5369100"/>
-                  <a:ext cx="155520" cy="133200"/>
-                </a:xfrm>
-                <a:prstGeom prst="rect">
-                  <a:avLst/>
-                </a:prstGeom>
-              </p:spPr>
-            </p:pic>
-          </mc:Fallback>
-        </mc:AlternateContent>
-      </p:grpSp>
-      <p:grpSp>
-        <p:nvGrpSpPr>
-          <p:cNvPr id="96" name="Group 95">
-            <a:extLst>
-              <a:ext uri="{FF2B5EF4-FFF2-40B4-BE49-F238E27FC236}">
-                <a16:creationId xmlns:a16="http://schemas.microsoft.com/office/drawing/2014/main" id="{CEC0DD35-4031-488E-8215-1A11C240C86B}"/>
-              </a:ext>
-            </a:extLst>
-          </p:cNvPr>
-          <p:cNvGrpSpPr/>
-          <p:nvPr/>
-        </p:nvGrpSpPr>
-        <p:grpSpPr>
-          <a:xfrm>
-            <a:off x="8486130" y="4781940"/>
-            <a:ext cx="1262880" cy="701640"/>
-            <a:chOff x="8486130" y="4781940"/>
-            <a:chExt cx="1262880" cy="701640"/>
-          </a:xfrm>
-        </p:grpSpPr>
-        <mc:AlternateContent xmlns:mc="http://schemas.openxmlformats.org/markup-compatibility/2006" xmlns:p14="http://schemas.microsoft.com/office/powerpoint/2010/main">
-          <mc:Choice Requires="p14">
-            <p:contentPart p14:bwMode="auto" r:id="rId21">
-              <p14:nvContentPartPr>
-                <p14:cNvPr id="91" name="Ink 90">
-                  <a:extLst>
-                    <a:ext uri="{FF2B5EF4-FFF2-40B4-BE49-F238E27FC236}">
-                      <a16:creationId xmlns:a16="http://schemas.microsoft.com/office/drawing/2014/main" id="{E32B796D-3A46-494B-8EA5-481BD6170C81}"/>
-                    </a:ext>
-                  </a:extLst>
-                </p14:cNvPr>
-                <p14:cNvContentPartPr/>
-                <p14:nvPr/>
-              </p14:nvContentPartPr>
-              <p14:xfrm>
-                <a:off x="9237450" y="5265060"/>
-                <a:ext cx="503640" cy="218520"/>
-              </p14:xfrm>
-            </p:contentPart>
-          </mc:Choice>
-          <mc:Fallback xmlns="">
-            <p:pic>
-              <p:nvPicPr>
-                <p:cNvPr id="91" name="Ink 90">
-                  <a:extLst>
-                    <a:ext uri="{FF2B5EF4-FFF2-40B4-BE49-F238E27FC236}">
-                      <a16:creationId xmlns:a16="http://schemas.microsoft.com/office/drawing/2014/main" id="{E32B796D-3A46-494B-8EA5-481BD6170C81}"/>
-                    </a:ext>
-                  </a:extLst>
-                </p:cNvPr>
-                <p:cNvPicPr/>
-                <p:nvPr/>
-              </p:nvPicPr>
-              <p:blipFill>
-                <a:blip r:embed="rId22"/>
-                <a:stretch>
-                  <a:fillRect/>
-                </a:stretch>
-              </p:blipFill>
-              <p:spPr>
-                <a:xfrm>
-                  <a:off x="9228810" y="5256420"/>
-                  <a:ext cx="521280" cy="236160"/>
-                </a:xfrm>
-                <a:prstGeom prst="rect">
-                  <a:avLst/>
-                </a:prstGeom>
-              </p:spPr>
-            </p:pic>
-          </mc:Fallback>
-        </mc:AlternateContent>
-        <mc:AlternateContent xmlns:mc="http://schemas.openxmlformats.org/markup-compatibility/2006" xmlns:p14="http://schemas.microsoft.com/office/powerpoint/2010/main">
-          <mc:Choice Requires="p14">
-            <p:contentPart p14:bwMode="auto" r:id="rId23">
-              <p14:nvContentPartPr>
-                <p14:cNvPr id="92" name="Ink 91">
-                  <a:extLst>
-                    <a:ext uri="{FF2B5EF4-FFF2-40B4-BE49-F238E27FC236}">
-                      <a16:creationId xmlns:a16="http://schemas.microsoft.com/office/drawing/2014/main" id="{E7AE01D9-A4AF-4C93-97E4-E7A3E7910C64}"/>
-                    </a:ext>
-                  </a:extLst>
-                </p14:cNvPr>
-                <p14:cNvContentPartPr/>
-                <p14:nvPr/>
-              </p14:nvContentPartPr>
-              <p14:xfrm>
-                <a:off x="9169050" y="5351460"/>
-                <a:ext cx="146520" cy="118440"/>
-              </p14:xfrm>
-            </p:contentPart>
-          </mc:Choice>
-          <mc:Fallback xmlns="">
-            <p:pic>
-              <p:nvPicPr>
-                <p:cNvPr id="92" name="Ink 91">
-                  <a:extLst>
-                    <a:ext uri="{FF2B5EF4-FFF2-40B4-BE49-F238E27FC236}">
-                      <a16:creationId xmlns:a16="http://schemas.microsoft.com/office/drawing/2014/main" id="{E7AE01D9-A4AF-4C93-97E4-E7A3E7910C64}"/>
-                    </a:ext>
-                  </a:extLst>
-                </p:cNvPr>
-                <p:cNvPicPr/>
-                <p:nvPr/>
-              </p:nvPicPr>
-              <p:blipFill>
-                <a:blip r:embed="rId24"/>
-                <a:stretch>
-                  <a:fillRect/>
-                </a:stretch>
-              </p:blipFill>
-              <p:spPr>
-                <a:xfrm>
-                  <a:off x="9160050" y="5342460"/>
-                  <a:ext cx="164160" cy="136080"/>
-                </a:xfrm>
-                <a:prstGeom prst="rect">
-                  <a:avLst/>
-                </a:prstGeom>
-              </p:spPr>
-            </p:pic>
-          </mc:Fallback>
-        </mc:AlternateContent>
-        <mc:AlternateContent xmlns:mc="http://schemas.openxmlformats.org/markup-compatibility/2006" xmlns:p14="http://schemas.microsoft.com/office/powerpoint/2010/main">
-          <mc:Choice Requires="p14">
-            <p:contentPart p14:bwMode="auto" r:id="rId25">
-              <p14:nvContentPartPr>
-                <p14:cNvPr id="94" name="Ink 93">
-                  <a:extLst>
-                    <a:ext uri="{FF2B5EF4-FFF2-40B4-BE49-F238E27FC236}">
-                      <a16:creationId xmlns:a16="http://schemas.microsoft.com/office/drawing/2014/main" id="{0061681D-4EC3-4583-A048-210C7EB574CC}"/>
-                    </a:ext>
-                  </a:extLst>
-                </p14:cNvPr>
-                <p14:cNvContentPartPr/>
-                <p14:nvPr/>
-              </p14:nvContentPartPr>
-              <p14:xfrm>
-                <a:off x="8568210" y="4781940"/>
-                <a:ext cx="1180800" cy="682200"/>
-              </p14:xfrm>
-            </p:contentPart>
-          </mc:Choice>
-          <mc:Fallback xmlns="">
-            <p:pic>
-              <p:nvPicPr>
-                <p:cNvPr id="94" name="Ink 93">
-                  <a:extLst>
-                    <a:ext uri="{FF2B5EF4-FFF2-40B4-BE49-F238E27FC236}">
-                      <a16:creationId xmlns:a16="http://schemas.microsoft.com/office/drawing/2014/main" id="{0061681D-4EC3-4583-A048-210C7EB574CC}"/>
-                    </a:ext>
-                  </a:extLst>
-                </p:cNvPr>
-                <p:cNvPicPr/>
-                <p:nvPr/>
-              </p:nvPicPr>
-              <p:blipFill>
-                <a:blip r:embed="rId26"/>
-                <a:stretch>
-                  <a:fillRect/>
-                </a:stretch>
-              </p:blipFill>
-              <p:spPr>
-                <a:xfrm>
-                  <a:off x="8559210" y="4773300"/>
-                  <a:ext cx="1198440" cy="699840"/>
-                </a:xfrm>
-                <a:prstGeom prst="rect">
-                  <a:avLst/>
-                </a:prstGeom>
-              </p:spPr>
-            </p:pic>
-          </mc:Fallback>
-        </mc:AlternateContent>
-        <mc:AlternateContent xmlns:mc="http://schemas.openxmlformats.org/markup-compatibility/2006" xmlns:p14="http://schemas.microsoft.com/office/powerpoint/2010/main">
-          <mc:Choice Requires="p14">
-            <p:contentPart p14:bwMode="auto" r:id="rId27">
-              <p14:nvContentPartPr>
-                <p14:cNvPr id="95" name="Ink 94">
-                  <a:extLst>
-                    <a:ext uri="{FF2B5EF4-FFF2-40B4-BE49-F238E27FC236}">
-                      <a16:creationId xmlns:a16="http://schemas.microsoft.com/office/drawing/2014/main" id="{C1756B19-4D9B-48CA-9CE2-A7BF9A62B777}"/>
-                    </a:ext>
-                  </a:extLst>
-                </p14:cNvPr>
-                <p14:cNvContentPartPr/>
-                <p14:nvPr/>
-              </p14:nvContentPartPr>
-              <p14:xfrm>
-                <a:off x="8486130" y="5391780"/>
-                <a:ext cx="133200" cy="69120"/>
-              </p14:xfrm>
-            </p:contentPart>
-          </mc:Choice>
-          <mc:Fallback xmlns="">
-            <p:pic>
-              <p:nvPicPr>
-                <p:cNvPr id="95" name="Ink 94">
-                  <a:extLst>
-                    <a:ext uri="{FF2B5EF4-FFF2-40B4-BE49-F238E27FC236}">
-                      <a16:creationId xmlns:a16="http://schemas.microsoft.com/office/drawing/2014/main" id="{C1756B19-4D9B-48CA-9CE2-A7BF9A62B777}"/>
-                    </a:ext>
-                  </a:extLst>
-                </p:cNvPr>
-                <p:cNvPicPr/>
-                <p:nvPr/>
-              </p:nvPicPr>
-              <p:blipFill>
-                <a:blip r:embed="rId28"/>
-                <a:stretch>
-                  <a:fillRect/>
-                </a:stretch>
-              </p:blipFill>
-              <p:spPr>
-                <a:xfrm>
-                  <a:off x="8477130" y="5383140"/>
-                  <a:ext cx="150840" cy="86760"/>
-                </a:xfrm>
-                <a:prstGeom prst="rect">
-                  <a:avLst/>
-                </a:prstGeom>
-              </p:spPr>
-            </p:pic>
-          </mc:Fallback>
-        </mc:AlternateContent>
-      </p:grpSp>
-      <p:grpSp>
-        <p:nvGrpSpPr>
-          <p:cNvPr id="99" name="Group 98">
-            <a:extLst>
-              <a:ext uri="{FF2B5EF4-FFF2-40B4-BE49-F238E27FC236}">
-                <a16:creationId xmlns:a16="http://schemas.microsoft.com/office/drawing/2014/main" id="{F898F2C0-F8DB-45BA-A66F-A8E08338BF81}"/>
-              </a:ext>
-            </a:extLst>
-          </p:cNvPr>
+          <p:cNvPr id="99" name="Group 98"/>
           <p:cNvGrpSpPr/>
           <p:nvPr/>
         </p:nvGrpSpPr>
@@ -20687,15 +15801,9 @@
         </p:grpSpPr>
         <mc:AlternateContent xmlns:mc="http://schemas.openxmlformats.org/markup-compatibility/2006" xmlns:p14="http://schemas.microsoft.com/office/powerpoint/2010/main">
           <mc:Choice Requires="p14">
-            <p:contentPart p14:bwMode="auto" r:id="rId29">
+            <p:contentPart r:id="rId4" p14:bwMode="auto">
               <p14:nvContentPartPr>
-                <p14:cNvPr id="97" name="Ink 96">
-                  <a:extLst>
-                    <a:ext uri="{FF2B5EF4-FFF2-40B4-BE49-F238E27FC236}">
-                      <a16:creationId xmlns:a16="http://schemas.microsoft.com/office/drawing/2014/main" id="{7E8BF339-DB04-4603-BA51-9199E5C2D5AE}"/>
-                    </a:ext>
-                  </a:extLst>
-                </p14:cNvPr>
+                <p14:cNvPr id="97" name="Ink 96"/>
                 <p14:cNvContentPartPr/>
                 <p14:nvPr/>
               </p14:nvContentPartPr>
@@ -20708,45 +15816,26 @@
           <mc:Fallback xmlns="">
             <p:pic>
               <p:nvPicPr>
-                <p:cNvPr id="97" name="Ink 96">
-                  <a:extLst>
-                    <a:ext uri="{FF2B5EF4-FFF2-40B4-BE49-F238E27FC236}">
-                      <a16:creationId xmlns:a16="http://schemas.microsoft.com/office/drawing/2014/main" id="{7E8BF339-DB04-4603-BA51-9199E5C2D5AE}"/>
-                    </a:ext>
-                  </a:extLst>
-                </p:cNvPr>
-                <p:cNvPicPr/>
-                <p:nvPr/>
+                <p:cNvPr id="97" name="Ink 96"/>
               </p:nvPicPr>
               <p:blipFill>
-                <a:blip r:embed="rId30"/>
-                <a:stretch>
-                  <a:fillRect/>
-                </a:stretch>
+                <a:blip r:embed="rId5"/>
               </p:blipFill>
               <p:spPr>
                 <a:xfrm>
-                  <a:off x="8752890" y="2046300"/>
-                  <a:ext cx="68400" cy="1732680"/>
+                  <a:off x="8761530" y="2054940"/>
+                  <a:ext cx="50760" cy="1715040"/>
                 </a:xfrm>
-                <a:prstGeom prst="rect">
-                  <a:avLst/>
-                </a:prstGeom>
+                <a:prstGeom prst="rect"/>
               </p:spPr>
             </p:pic>
           </mc:Fallback>
         </mc:AlternateContent>
         <mc:AlternateContent xmlns:mc="http://schemas.openxmlformats.org/markup-compatibility/2006" xmlns:p14="http://schemas.microsoft.com/office/powerpoint/2010/main">
           <mc:Choice Requires="p14">
-            <p:contentPart p14:bwMode="auto" r:id="rId31">
+            <p:contentPart r:id="rId6" p14:bwMode="auto">
               <p14:nvContentPartPr>
-                <p14:cNvPr id="98" name="Ink 97">
-                  <a:extLst>
-                    <a:ext uri="{FF2B5EF4-FFF2-40B4-BE49-F238E27FC236}">
-                      <a16:creationId xmlns:a16="http://schemas.microsoft.com/office/drawing/2014/main" id="{2AF5A6E0-8449-4AC6-9BF5-107C87081A41}"/>
-                    </a:ext>
-                  </a:extLst>
-                </p14:cNvPr>
+                <p14:cNvPr id="98" name="Ink 97"/>
                 <p14:cNvContentPartPr/>
                 <p14:nvPr/>
               </p14:nvContentPartPr>
@@ -20759,143 +15848,49 @@
           <mc:Fallback xmlns="">
             <p:pic>
               <p:nvPicPr>
-                <p:cNvPr id="98" name="Ink 97">
-                  <a:extLst>
-                    <a:ext uri="{FF2B5EF4-FFF2-40B4-BE49-F238E27FC236}">
-                      <a16:creationId xmlns:a16="http://schemas.microsoft.com/office/drawing/2014/main" id="{2AF5A6E0-8449-4AC6-9BF5-107C87081A41}"/>
-                    </a:ext>
-                  </a:extLst>
-                </p:cNvPr>
-                <p:cNvPicPr/>
-                <p:nvPr/>
+                <p:cNvPr id="98" name="Ink 97"/>
               </p:nvPicPr>
               <p:blipFill>
-                <a:blip r:embed="rId32"/>
-                <a:stretch>
-                  <a:fillRect/>
-                </a:stretch>
+                <a:blip r:embed="rId7"/>
               </p:blipFill>
               <p:spPr>
                 <a:xfrm>
-                  <a:off x="8666130" y="3623820"/>
-                  <a:ext cx="271440" cy="193680"/>
+                  <a:off x="8674770" y="3632820"/>
+                  <a:ext cx="253800" cy="176040"/>
                 </a:xfrm>
-                <a:prstGeom prst="rect">
-                  <a:avLst/>
-                </a:prstGeom>
+                <a:prstGeom prst="rect"/>
               </p:spPr>
             </p:pic>
           </mc:Fallback>
         </mc:AlternateContent>
       </p:grpSp>
-      <mc:AlternateContent xmlns:mc="http://schemas.openxmlformats.org/markup-compatibility/2006" xmlns:p14="http://schemas.microsoft.com/office/powerpoint/2010/main">
-        <mc:Choice Requires="p14">
-          <p:contentPart p14:bwMode="auto" r:id="rId33">
-            <p14:nvContentPartPr>
-              <p14:cNvPr id="100" name="Ink 99">
-                <a:extLst>
-                  <a:ext uri="{FF2B5EF4-FFF2-40B4-BE49-F238E27FC236}">
-                    <a16:creationId xmlns:a16="http://schemas.microsoft.com/office/drawing/2014/main" id="{27904DEF-2DD0-49BF-B917-E1E4739608E8}"/>
-                  </a:ext>
-                </a:extLst>
-              </p14:cNvPr>
-              <p14:cNvContentPartPr/>
-              <p14:nvPr/>
-            </p14:nvContentPartPr>
-            <p14:xfrm>
-              <a:off x="7128930" y="5879220"/>
-              <a:ext cx="3960000" cy="170640"/>
-            </p14:xfrm>
-          </p:contentPart>
-        </mc:Choice>
-        <mc:Fallback xmlns="">
-          <p:pic>
-            <p:nvPicPr>
-              <p:cNvPr id="100" name="Ink 99">
-                <a:extLst>
-                  <a:ext uri="{FF2B5EF4-FFF2-40B4-BE49-F238E27FC236}">
-                    <a16:creationId xmlns:a16="http://schemas.microsoft.com/office/drawing/2014/main" id="{27904DEF-2DD0-49BF-B917-E1E4739608E8}"/>
-                  </a:ext>
-                </a:extLst>
-              </p:cNvPr>
-              <p:cNvPicPr/>
-              <p:nvPr/>
-            </p:nvPicPr>
-            <p:blipFill>
-              <a:blip r:embed="rId34"/>
-              <a:stretch>
-                <a:fillRect/>
-              </a:stretch>
-            </p:blipFill>
-            <p:spPr>
-              <a:xfrm>
-                <a:off x="7120290" y="5870580"/>
-                <a:ext cx="3977640" cy="188280"/>
-              </a:xfrm>
-              <a:prstGeom prst="rect">
-                <a:avLst/>
-              </a:prstGeom>
-            </p:spPr>
-          </p:pic>
-        </mc:Fallback>
-      </mc:AlternateContent>
-      <mc:AlternateContent xmlns:mc="http://schemas.openxmlformats.org/markup-compatibility/2006" xmlns:p14="http://schemas.microsoft.com/office/powerpoint/2010/main">
-        <mc:Choice Requires="p14">
-          <p:contentPart p14:bwMode="auto" r:id="rId35">
-            <p14:nvContentPartPr>
-              <p14:cNvPr id="101" name="Ink 100">
-                <a:extLst>
-                  <a:ext uri="{FF2B5EF4-FFF2-40B4-BE49-F238E27FC236}">
-                    <a16:creationId xmlns:a16="http://schemas.microsoft.com/office/drawing/2014/main" id="{3903BCE6-84D8-495C-9788-90619A32EDD8}"/>
-                  </a:ext>
-                </a:extLst>
-              </p14:cNvPr>
-              <p14:cNvContentPartPr/>
-              <p14:nvPr/>
-            </p14:nvContentPartPr>
-            <p14:xfrm>
-              <a:off x="10967970" y="5867340"/>
-              <a:ext cx="172800" cy="183600"/>
-            </p14:xfrm>
-          </p:contentPart>
-        </mc:Choice>
-        <mc:Fallback xmlns="">
-          <p:pic>
-            <p:nvPicPr>
-              <p:cNvPr id="101" name="Ink 100">
-                <a:extLst>
-                  <a:ext uri="{FF2B5EF4-FFF2-40B4-BE49-F238E27FC236}">
-                    <a16:creationId xmlns:a16="http://schemas.microsoft.com/office/drawing/2014/main" id="{3903BCE6-84D8-495C-9788-90619A32EDD8}"/>
-                  </a:ext>
-                </a:extLst>
-              </p:cNvPr>
-              <p:cNvPicPr/>
-              <p:nvPr/>
-            </p:nvPicPr>
-            <p:blipFill>
-              <a:blip r:embed="rId36"/>
-              <a:stretch>
-                <a:fillRect/>
-              </a:stretch>
-            </p:blipFill>
-            <p:spPr>
-              <a:xfrm>
-                <a:off x="10958970" y="5858340"/>
-                <a:ext cx="190440" cy="201240"/>
-              </a:xfrm>
-              <a:prstGeom prst="rect">
-                <a:avLst/>
-              </a:prstGeom>
-            </p:spPr>
-          </p:pic>
-        </mc:Fallback>
-      </mc:AlternateContent>
+      <p:pic>
+        <p:nvPicPr>
+          <p:cNvPr id="24" name="Content Placeholder 23"/>
+          <p:cNvPicPr>
+            <a:picLocks noChangeAspect="1"/>
+          </p:cNvPicPr>
+          <p:nvPr>
+            <p:ph sz="half" idx="2"/>
+          </p:nvPr>
+        </p:nvPicPr>
+        <p:blipFill>
+          <a:blip r:embed="rId8"/>
+          <a:stretch>
+            <a:fillRect/>
+          </a:stretch>
+        </p:blipFill>
+        <p:spPr>
+          <a:xfrm>
+            <a:off x="7058660" y="4763770"/>
+            <a:ext cx="4937760" cy="1359535"/>
+          </a:xfrm>
+          <a:prstGeom prst="rect">
+            <a:avLst/>
+          </a:prstGeom>
+        </p:spPr>
+      </p:pic>
     </p:spTree>
-    <p:extLst>
-      <p:ext uri="{BB962C8B-B14F-4D97-AF65-F5344CB8AC3E}">
-        <p14:creationId xmlns:p14="http://schemas.microsoft.com/office/powerpoint/2010/main" val="1732483727"/>
-      </p:ext>
-    </p:extLst>
   </p:cSld>
   <p:clrMapOvr>
     <a:masterClrMapping/>
@@ -20922,13 +15917,7 @@
       </p:grpSpPr>
       <p:sp>
         <p:nvSpPr>
-          <p:cNvPr id="2" name="Title 1">
-            <a:extLst>
-              <a:ext uri="{FF2B5EF4-FFF2-40B4-BE49-F238E27FC236}">
-                <a16:creationId xmlns:a16="http://schemas.microsoft.com/office/drawing/2014/main" id="{7240B9AB-C65D-412C-B5E1-0AA1DD212CA9}"/>
-              </a:ext>
-            </a:extLst>
-          </p:cNvPr>
+          <p:cNvPr id="2" name="Title 1"/>
           <p:cNvSpPr>
             <a:spLocks noGrp="1"/>
           </p:cNvSpPr>
@@ -20951,13 +15940,7 @@
       </p:sp>
       <p:sp>
         <p:nvSpPr>
-          <p:cNvPr id="3" name="Content Placeholder 2">
-            <a:extLst>
-              <a:ext uri="{FF2B5EF4-FFF2-40B4-BE49-F238E27FC236}">
-                <a16:creationId xmlns:a16="http://schemas.microsoft.com/office/drawing/2014/main" id="{CAC97C2A-D0A4-4A75-A675-D42D4F2299E5}"/>
-              </a:ext>
-            </a:extLst>
-          </p:cNvPr>
+          <p:cNvPr id="3" name="Content Placeholder 2"/>
           <p:cNvSpPr>
             <a:spLocks noGrp="1"/>
           </p:cNvSpPr>
@@ -21071,15 +16054,11 @@
               <a:rPr lang="en-US" altLang="zh-CN" dirty="0"/>
               <a:t>(top down/bottom up)</a:t>
             </a:r>
+            <a:endParaRPr lang="en-US" altLang="zh-CN" dirty="0"/>
           </a:p>
         </p:txBody>
       </p:sp>
     </p:spTree>
-    <p:extLst>
-      <p:ext uri="{BB962C8B-B14F-4D97-AF65-F5344CB8AC3E}">
-        <p14:creationId xmlns:p14="http://schemas.microsoft.com/office/powerpoint/2010/main" val="1823446337"/>
-      </p:ext>
-    </p:extLst>
   </p:cSld>
   <p:clrMapOvr>
     <a:masterClrMapping/>
@@ -21106,13 +16085,7 @@
       </p:grpSpPr>
       <p:sp>
         <p:nvSpPr>
-          <p:cNvPr id="4" name="Title 3">
-            <a:extLst>
-              <a:ext uri="{FF2B5EF4-FFF2-40B4-BE49-F238E27FC236}">
-                <a16:creationId xmlns:a16="http://schemas.microsoft.com/office/drawing/2014/main" id="{C4FC057F-9DF3-4343-8DB5-3038E04B65D8}"/>
-              </a:ext>
-            </a:extLst>
-          </p:cNvPr>
+          <p:cNvPr id="4" name="Title 3"/>
           <p:cNvSpPr>
             <a:spLocks noGrp="1"/>
           </p:cNvSpPr>
@@ -21135,13 +16108,7 @@
       </p:sp>
       <p:sp>
         <p:nvSpPr>
-          <p:cNvPr id="6" name="Content Placeholder 5">
-            <a:extLst>
-              <a:ext uri="{FF2B5EF4-FFF2-40B4-BE49-F238E27FC236}">
-                <a16:creationId xmlns:a16="http://schemas.microsoft.com/office/drawing/2014/main" id="{B80739D9-4B44-4D8F-812D-4D972FB1A8B8}"/>
-              </a:ext>
-            </a:extLst>
-          </p:cNvPr>
+          <p:cNvPr id="6" name="Content Placeholder 5"/>
           <p:cNvSpPr>
             <a:spLocks noGrp="1"/>
           </p:cNvSpPr>
@@ -21205,11 +16172,6 @@
         </p:txBody>
       </p:sp>
     </p:spTree>
-    <p:extLst>
-      <p:ext uri="{BB962C8B-B14F-4D97-AF65-F5344CB8AC3E}">
-        <p14:creationId xmlns:p14="http://schemas.microsoft.com/office/powerpoint/2010/main" val="922920277"/>
-      </p:ext>
-    </p:extLst>
   </p:cSld>
   <p:clrMapOvr>
     <a:masterClrMapping/>
@@ -21260,7 +16222,7 @@
     </a:clrScheme>
     <a:fontScheme name="Retrospect">
       <a:majorFont>
-        <a:latin typeface="Calibri Light" panose="020F0302020204030204"/>
+        <a:latin typeface="Calibri Light"/>
         <a:ea typeface=""/>
         <a:cs typeface=""/>
         <a:font script="Jpan" typeface="ＭＳ Ｐゴシック"/>
@@ -21295,7 +16257,7 @@
         <a:font script="Geor" typeface="Sylfaen"/>
       </a:majorFont>
       <a:minorFont>
-        <a:latin typeface="Calibri" panose="020F0502020204030204"/>
+        <a:latin typeface="Calibri"/>
         <a:ea typeface=""/>
         <a:cs typeface=""/>
         <a:font script="Jpan" typeface="ＭＳ Ｐゴシック"/>
@@ -21490,11 +16452,9 @@
       </a:bgFillStyleLst>
     </a:fmtScheme>
   </a:themeElements>
-  <a:objectDefaults/>
-  <a:extraClrSchemeLst/>
   <a:extLst>
     <a:ext uri="{05A4C25C-085E-4340-85A3-A5531E510DB2}">
-      <thm15:themeFamily xmlns:thm15="http://schemas.microsoft.com/office/thememl/2012/main" name="Retrospect" id="{5F128B03-DCCA-4EEB-AB3B-CF2899314A46}" vid="{9CC26709-368C-4D72-9060-94E5B3FF3CD6}"/>
+      <thm15:themeFamily xmlns:thm15="http://schemas.microsoft.com/office/thememl/2012/main" name="Office Theme" id="{62F939B6-93AF-4DB8-9C6B-D6C7DFDC589F}" vid="{4A3C46E8-61CC-4603-A589-7422A47A8E4A}"/>
     </a:ext>
   </a:extLst>
 </a:theme>
@@ -21543,7 +16503,7 @@
     </a:clrScheme>
     <a:fontScheme name="Office">
       <a:majorFont>
-        <a:latin typeface="Calibri Light" panose="020F0302020204030204"/>
+        <a:latin typeface="Calibri Light"/>
         <a:ea typeface=""/>
         <a:cs typeface=""/>
         <a:font script="Jpan" typeface="游ゴシック Light"/>
@@ -21576,26 +16536,9 @@
         <a:font script="Viet" typeface="Times New Roman"/>
         <a:font script="Uigh" typeface="Microsoft Uighur"/>
         <a:font script="Geor" typeface="Sylfaen"/>
-        <a:font script="Armn" typeface="Arial"/>
-        <a:font script="Bugi" typeface="Leelawadee UI"/>
-        <a:font script="Bopo" typeface="Microsoft JhengHei"/>
-        <a:font script="Java" typeface="Javanese Text"/>
-        <a:font script="Lisu" typeface="Segoe UI"/>
-        <a:font script="Mymr" typeface="Myanmar Text"/>
-        <a:font script="Nkoo" typeface="Ebrima"/>
-        <a:font script="Olck" typeface="Nirmala UI"/>
-        <a:font script="Osma" typeface="Ebrima"/>
-        <a:font script="Phag" typeface="Phagspa"/>
-        <a:font script="Syrn" typeface="Estrangelo Edessa"/>
-        <a:font script="Syrj" typeface="Estrangelo Edessa"/>
-        <a:font script="Syre" typeface="Estrangelo Edessa"/>
-        <a:font script="Sora" typeface="Nirmala UI"/>
-        <a:font script="Tale" typeface="Microsoft Tai Le"/>
-        <a:font script="Talu" typeface="Microsoft New Tai Lue"/>
-        <a:font script="Tfng" typeface="Ebrima"/>
       </a:majorFont>
       <a:minorFont>
-        <a:latin typeface="Calibri" panose="020F0502020204030204"/>
+        <a:latin typeface="Calibri"/>
         <a:ea typeface=""/>
         <a:cs typeface=""/>
         <a:font script="Jpan" typeface="游ゴシック"/>
@@ -21628,23 +16571,6 @@
         <a:font script="Viet" typeface="Arial"/>
         <a:font script="Uigh" typeface="Microsoft Uighur"/>
         <a:font script="Geor" typeface="Sylfaen"/>
-        <a:font script="Armn" typeface="Arial"/>
-        <a:font script="Bugi" typeface="Leelawadee UI"/>
-        <a:font script="Bopo" typeface="Microsoft JhengHei"/>
-        <a:font script="Java" typeface="Javanese Text"/>
-        <a:font script="Lisu" typeface="Segoe UI"/>
-        <a:font script="Mymr" typeface="Myanmar Text"/>
-        <a:font script="Nkoo" typeface="Ebrima"/>
-        <a:font script="Olck" typeface="Nirmala UI"/>
-        <a:font script="Osma" typeface="Ebrima"/>
-        <a:font script="Phag" typeface="Phagspa"/>
-        <a:font script="Syrn" typeface="Estrangelo Edessa"/>
-        <a:font script="Syrj" typeface="Estrangelo Edessa"/>
-        <a:font script="Syre" typeface="Estrangelo Edessa"/>
-        <a:font script="Sora" typeface="Nirmala UI"/>
-        <a:font script="Tale" typeface="Microsoft Tai Le"/>
-        <a:font script="Talu" typeface="Microsoft New Tai Lue"/>
-        <a:font script="Tfng" typeface="Ebrima"/>
       </a:minorFont>
     </a:fontScheme>
     <a:fmtScheme name="Office">
@@ -21785,8 +16711,6 @@
       </a:bgFillStyleLst>
     </a:fmtScheme>
   </a:themeElements>
-  <a:objectDefaults/>
-  <a:extraClrSchemeLst/>
   <a:extLst>
     <a:ext uri="{05A4C25C-085E-4340-85A3-A5531E510DB2}">
       <thm15:themeFamily xmlns:thm15="http://schemas.microsoft.com/office/thememl/2012/main" name="Office Theme" id="{62F939B6-93AF-4DB8-9C6B-D6C7DFDC589F}" vid="{4A3C46E8-61CC-4603-A589-7422A47A8E4A}"/>
